--- a/images/presentation/models.pptx
+++ b/images/presentation/models.pptx
@@ -7,16 +7,17 @@
   </p:sldMasterIdLst>
   <p:sldIdLst>
     <p:sldId id="256" r:id="rId3"/>
-    <p:sldId id="257" r:id="rId4"/>
-    <p:sldId id="259" r:id="rId5"/>
-    <p:sldId id="260" r:id="rId6"/>
-    <p:sldId id="261" r:id="rId7"/>
-    <p:sldId id="262" r:id="rId8"/>
-    <p:sldId id="263" r:id="rId9"/>
-    <p:sldId id="264" r:id="rId10"/>
-    <p:sldId id="265" r:id="rId11"/>
-    <p:sldId id="266" r:id="rId12"/>
-    <p:sldId id="267" r:id="rId13"/>
+    <p:sldId id="268" r:id="rId4"/>
+    <p:sldId id="257" r:id="rId5"/>
+    <p:sldId id="259" r:id="rId6"/>
+    <p:sldId id="260" r:id="rId7"/>
+    <p:sldId id="261" r:id="rId8"/>
+    <p:sldId id="262" r:id="rId9"/>
+    <p:sldId id="263" r:id="rId10"/>
+    <p:sldId id="264" r:id="rId11"/>
+    <p:sldId id="265" r:id="rId12"/>
+    <p:sldId id="266" r:id="rId13"/>
+    <p:sldId id="267" r:id="rId14"/>
   </p:sldIdLst>
   <p:sldSz cx="6858000" cy="9906000" type="A4"/>
   <p:notesSz cx="6858000" cy="9144000"/>
@@ -254,7 +255,7 @@
           <a:p>
             <a:fld id="{8CFA0E7C-984D-478C-8A58-5F25078EE913}" type="datetimeFigureOut">
               <a:rPr lang="en-US" smtClean="0"/>
-              <a:t>24-Jul-22</a:t>
+              <a:t>10-Sep-22</a:t>
             </a:fld>
             <a:endParaRPr lang="en-US"/>
           </a:p>
@@ -424,7 +425,7 @@
           <a:p>
             <a:fld id="{8CFA0E7C-984D-478C-8A58-5F25078EE913}" type="datetimeFigureOut">
               <a:rPr lang="en-US" smtClean="0"/>
-              <a:t>24-Jul-22</a:t>
+              <a:t>10-Sep-22</a:t>
             </a:fld>
             <a:endParaRPr lang="en-US"/>
           </a:p>
@@ -604,7 +605,7 @@
           <a:p>
             <a:fld id="{8CFA0E7C-984D-478C-8A58-5F25078EE913}" type="datetimeFigureOut">
               <a:rPr lang="en-US" smtClean="0"/>
-              <a:t>24-Jul-22</a:t>
+              <a:t>10-Sep-22</a:t>
             </a:fld>
             <a:endParaRPr lang="en-US"/>
           </a:p>
@@ -803,7 +804,7 @@
                 </a:solidFill>
               </a:rPr>
               <a:pPr/>
-              <a:t>24-Jul-22</a:t>
+              <a:t>10-Sep-22</a:t>
             </a:fld>
             <a:endParaRPr lang="en-US">
               <a:solidFill>
@@ -1005,7 +1006,7 @@
                 </a:solidFill>
               </a:rPr>
               <a:pPr/>
-              <a:t>24-Jul-22</a:t>
+              <a:t>10-Sep-22</a:t>
             </a:fld>
             <a:endParaRPr lang="en-US">
               <a:solidFill>
@@ -1283,7 +1284,7 @@
                 </a:solidFill>
               </a:rPr>
               <a:pPr/>
-              <a:t>24-Jul-22</a:t>
+              <a:t>10-Sep-22</a:t>
             </a:fld>
             <a:endParaRPr lang="en-US">
               <a:solidFill>
@@ -1547,7 +1548,7 @@
                 </a:solidFill>
               </a:rPr>
               <a:pPr/>
-              <a:t>24-Jul-22</a:t>
+              <a:t>10-Sep-22</a:t>
             </a:fld>
             <a:endParaRPr lang="en-US">
               <a:solidFill>
@@ -1946,7 +1947,7 @@
                 </a:solidFill>
               </a:rPr>
               <a:pPr/>
-              <a:t>24-Jul-22</a:t>
+              <a:t>10-Sep-22</a:t>
             </a:fld>
             <a:endParaRPr lang="en-US">
               <a:solidFill>
@@ -2096,7 +2097,7 @@
                 </a:solidFill>
               </a:rPr>
               <a:pPr/>
-              <a:t>24-Jul-22</a:t>
+              <a:t>10-Sep-22</a:t>
             </a:fld>
             <a:endParaRPr lang="en-US">
               <a:solidFill>
@@ -2223,7 +2224,7 @@
                 </a:solidFill>
               </a:rPr>
               <a:pPr/>
-              <a:t>24-Jul-22</a:t>
+              <a:t>10-Sep-22</a:t>
             </a:fld>
             <a:endParaRPr lang="en-US">
               <a:solidFill>
@@ -2532,7 +2533,7 @@
                 </a:solidFill>
               </a:rPr>
               <a:pPr/>
-              <a:t>24-Jul-22</a:t>
+              <a:t>10-Sep-22</a:t>
             </a:fld>
             <a:endParaRPr lang="en-US">
               <a:solidFill>
@@ -2727,7 +2728,7 @@
           <a:p>
             <a:fld id="{8CFA0E7C-984D-478C-8A58-5F25078EE913}" type="datetimeFigureOut">
               <a:rPr lang="en-US" smtClean="0"/>
-              <a:t>24-Jul-22</a:t>
+              <a:t>10-Sep-22</a:t>
             </a:fld>
             <a:endParaRPr lang="en-US"/>
           </a:p>
@@ -2987,7 +2988,7 @@
                 </a:solidFill>
               </a:rPr>
               <a:pPr/>
-              <a:t>24-Jul-22</a:t>
+              <a:t>10-Sep-22</a:t>
             </a:fld>
             <a:endParaRPr lang="en-US">
               <a:solidFill>
@@ -3189,7 +3190,7 @@
                 </a:solidFill>
               </a:rPr>
               <a:pPr/>
-              <a:t>24-Jul-22</a:t>
+              <a:t>10-Sep-22</a:t>
             </a:fld>
             <a:endParaRPr lang="en-US">
               <a:solidFill>
@@ -3401,7 +3402,7 @@
                 </a:solidFill>
               </a:rPr>
               <a:pPr/>
-              <a:t>24-Jul-22</a:t>
+              <a:t>10-Sep-22</a:t>
             </a:fld>
             <a:endParaRPr lang="en-US">
               <a:solidFill>
@@ -3670,7 +3671,7 @@
           <a:p>
             <a:fld id="{8CFA0E7C-984D-478C-8A58-5F25078EE913}" type="datetimeFigureOut">
               <a:rPr lang="en-US" smtClean="0"/>
-              <a:t>24-Jul-22</a:t>
+              <a:t>10-Sep-22</a:t>
             </a:fld>
             <a:endParaRPr lang="en-US"/>
           </a:p>
@@ -3902,7 +3903,7 @@
           <a:p>
             <a:fld id="{8CFA0E7C-984D-478C-8A58-5F25078EE913}" type="datetimeFigureOut">
               <a:rPr lang="en-US" smtClean="0"/>
-              <a:t>24-Jul-22</a:t>
+              <a:t>10-Sep-22</a:t>
             </a:fld>
             <a:endParaRPr lang="en-US"/>
           </a:p>
@@ -4269,7 +4270,7 @@
           <a:p>
             <a:fld id="{8CFA0E7C-984D-478C-8A58-5F25078EE913}" type="datetimeFigureOut">
               <a:rPr lang="en-US" smtClean="0"/>
-              <a:t>24-Jul-22</a:t>
+              <a:t>10-Sep-22</a:t>
             </a:fld>
             <a:endParaRPr lang="en-US"/>
           </a:p>
@@ -4387,7 +4388,7 @@
           <a:p>
             <a:fld id="{8CFA0E7C-984D-478C-8A58-5F25078EE913}" type="datetimeFigureOut">
               <a:rPr lang="en-US" smtClean="0"/>
-              <a:t>24-Jul-22</a:t>
+              <a:t>10-Sep-22</a:t>
             </a:fld>
             <a:endParaRPr lang="en-US"/>
           </a:p>
@@ -4482,7 +4483,7 @@
           <a:p>
             <a:fld id="{8CFA0E7C-984D-478C-8A58-5F25078EE913}" type="datetimeFigureOut">
               <a:rPr lang="en-US" smtClean="0"/>
-              <a:t>24-Jul-22</a:t>
+              <a:t>10-Sep-22</a:t>
             </a:fld>
             <a:endParaRPr lang="en-US"/>
           </a:p>
@@ -4759,7 +4760,7 @@
           <a:p>
             <a:fld id="{8CFA0E7C-984D-478C-8A58-5F25078EE913}" type="datetimeFigureOut">
               <a:rPr lang="en-US" smtClean="0"/>
-              <a:t>24-Jul-22</a:t>
+              <a:t>10-Sep-22</a:t>
             </a:fld>
             <a:endParaRPr lang="en-US"/>
           </a:p>
@@ -5016,7 +5017,7 @@
           <a:p>
             <a:fld id="{8CFA0E7C-984D-478C-8A58-5F25078EE913}" type="datetimeFigureOut">
               <a:rPr lang="en-US" smtClean="0"/>
-              <a:t>24-Jul-22</a:t>
+              <a:t>10-Sep-22</a:t>
             </a:fld>
             <a:endParaRPr lang="en-US"/>
           </a:p>
@@ -5229,7 +5230,7 @@
           <a:p>
             <a:fld id="{8CFA0E7C-984D-478C-8A58-5F25078EE913}" type="datetimeFigureOut">
               <a:rPr lang="en-US" smtClean="0"/>
-              <a:t>24-Jul-22</a:t>
+              <a:t>10-Sep-22</a:t>
             </a:fld>
             <a:endParaRPr lang="en-US"/>
           </a:p>
@@ -5776,7 +5777,7 @@
                 </a:solidFill>
               </a:rPr>
               <a:pPr/>
-              <a:t>24-Jul-22</a:t>
+              <a:t>10-Sep-22</a:t>
             </a:fld>
             <a:endParaRPr lang="en-US">
               <a:solidFill>
@@ -6250,6 +6251,2366 @@
 </file>
 
 <file path=ppt/slides/slide10.xml><?xml version="1.0" encoding="utf-8"?>
+<p:sld xmlns:a="http://schemas.openxmlformats.org/drawingml/2006/main" xmlns:r="http://schemas.openxmlformats.org/officeDocument/2006/relationships" xmlns:p="http://schemas.openxmlformats.org/presentationml/2006/main">
+  <p:cSld>
+    <p:spTree>
+      <p:nvGrpSpPr>
+        <p:cNvPr id="1" name=""/>
+        <p:cNvGrpSpPr/>
+        <p:nvPr/>
+      </p:nvGrpSpPr>
+      <p:grpSpPr>
+        <a:xfrm>
+          <a:off x="0" y="0"/>
+          <a:ext cx="0" cy="0"/>
+          <a:chOff x="0" y="0"/>
+          <a:chExt cx="0" cy="0"/>
+        </a:xfrm>
+      </p:grpSpPr>
+      <p:sp>
+        <p:nvSpPr>
+          <p:cNvPr id="61" name="Rounded Rectangle 60"/>
+          <p:cNvSpPr/>
+          <p:nvPr/>
+        </p:nvSpPr>
+        <p:spPr>
+          <a:xfrm>
+            <a:off x="195491" y="2129015"/>
+            <a:ext cx="914400" cy="274320"/>
+          </a:xfrm>
+          <a:prstGeom prst="roundRect">
+            <a:avLst/>
+          </a:prstGeom>
+          <a:noFill/>
+          <a:ln>
+            <a:solidFill>
+              <a:schemeClr val="bg1">
+                <a:lumMod val="50000"/>
+              </a:schemeClr>
+            </a:solidFill>
+          </a:ln>
+        </p:spPr>
+        <p:style>
+          <a:lnRef idx="2">
+            <a:schemeClr val="accent1">
+              <a:shade val="50000"/>
+            </a:schemeClr>
+          </a:lnRef>
+          <a:fillRef idx="1">
+            <a:schemeClr val="accent1"/>
+          </a:fillRef>
+          <a:effectRef idx="0">
+            <a:schemeClr val="accent1"/>
+          </a:effectRef>
+          <a:fontRef idx="minor">
+            <a:schemeClr val="lt1"/>
+          </a:fontRef>
+        </p:style>
+        <p:txBody>
+          <a:bodyPr rot="0" spcFirstLastPara="0" vertOverflow="overflow" horzOverflow="overflow" vert="horz" wrap="square" lIns="51435" tIns="25718" rIns="51435" bIns="25718" numCol="1" spcCol="0" rtlCol="0" fromWordArt="0" anchor="ctr" anchorCtr="0" forceAA="0" compatLnSpc="1">
+            <a:prstTxWarp prst="textNoShape">
+              <a:avLst/>
+            </a:prstTxWarp>
+            <a:noAutofit/>
+          </a:bodyPr>
+          <a:lstStyle/>
+          <a:p>
+            <a:pPr algn="ctr"/>
+            <a:r>
+              <a:rPr lang="en-US" sz="800" b="1" dirty="0">
+                <a:solidFill>
+                  <a:schemeClr val="tx1"/>
+                </a:solidFill>
+                <a:latin typeface="Tahoma" panose="020B0604030504040204" pitchFamily="34" charset="0"/>
+                <a:ea typeface="Tahoma" panose="020B0604030504040204" pitchFamily="34" charset="0"/>
+                <a:cs typeface="Tahoma" panose="020B0604030504040204" pitchFamily="34" charset="0"/>
+              </a:rPr>
+              <a:t>Low level feature map</a:t>
+            </a:r>
+          </a:p>
+        </p:txBody>
+      </p:sp>
+      <p:sp>
+        <p:nvSpPr>
+          <p:cNvPr id="88" name="Rectangle 87"/>
+          <p:cNvSpPr/>
+          <p:nvPr/>
+        </p:nvSpPr>
+        <p:spPr>
+          <a:xfrm>
+            <a:off x="2991597" y="2549410"/>
+            <a:ext cx="137160" cy="137160"/>
+          </a:xfrm>
+          <a:prstGeom prst="rect">
+            <a:avLst/>
+          </a:prstGeom>
+          <a:noFill/>
+          <a:ln>
+            <a:solidFill>
+              <a:schemeClr val="tx1"/>
+            </a:solidFill>
+          </a:ln>
+        </p:spPr>
+        <p:style>
+          <a:lnRef idx="2">
+            <a:schemeClr val="accent1">
+              <a:shade val="50000"/>
+            </a:schemeClr>
+          </a:lnRef>
+          <a:fillRef idx="1">
+            <a:schemeClr val="accent1"/>
+          </a:fillRef>
+          <a:effectRef idx="0">
+            <a:schemeClr val="accent1"/>
+          </a:effectRef>
+          <a:fontRef idx="minor">
+            <a:schemeClr val="lt1"/>
+          </a:fontRef>
+        </p:style>
+        <p:txBody>
+          <a:bodyPr rtlCol="0" anchor="ctr"/>
+          <a:lstStyle/>
+          <a:p>
+            <a:pPr algn="ctr"/>
+            <a:endParaRPr lang="en-US"/>
+          </a:p>
+        </p:txBody>
+      </p:sp>
+      <p:cxnSp>
+        <p:nvCxnSpPr>
+          <p:cNvPr id="152" name="Elbow Connector 151"/>
+          <p:cNvCxnSpPr>
+            <a:stCxn id="26" idx="3"/>
+            <a:endCxn id="88" idx="0"/>
+          </p:cNvCxnSpPr>
+          <p:nvPr/>
+        </p:nvCxnSpPr>
+        <p:spPr>
+          <a:xfrm>
+            <a:off x="2768333" y="2266175"/>
+            <a:ext cx="291844" cy="283235"/>
+          </a:xfrm>
+          <a:prstGeom prst="bentConnector2">
+            <a:avLst/>
+          </a:prstGeom>
+          <a:ln>
+            <a:solidFill>
+              <a:schemeClr val="tx1"/>
+            </a:solidFill>
+            <a:tailEnd type="triangle"/>
+          </a:ln>
+        </p:spPr>
+        <p:style>
+          <a:lnRef idx="1">
+            <a:schemeClr val="accent1"/>
+          </a:lnRef>
+          <a:fillRef idx="0">
+            <a:schemeClr val="accent1"/>
+          </a:fillRef>
+          <a:effectRef idx="0">
+            <a:schemeClr val="accent1"/>
+          </a:effectRef>
+          <a:fontRef idx="minor">
+            <a:schemeClr val="tx1"/>
+          </a:fontRef>
+        </p:style>
+      </p:cxnSp>
+      <p:cxnSp>
+        <p:nvCxnSpPr>
+          <p:cNvPr id="157" name="Elbow Connector 156"/>
+          <p:cNvCxnSpPr>
+            <a:stCxn id="32" idx="3"/>
+            <a:endCxn id="88" idx="2"/>
+          </p:cNvCxnSpPr>
+          <p:nvPr/>
+        </p:nvCxnSpPr>
+        <p:spPr>
+          <a:xfrm flipV="1">
+            <a:off x="2768333" y="2686570"/>
+            <a:ext cx="291844" cy="354543"/>
+          </a:xfrm>
+          <a:prstGeom prst="bentConnector2">
+            <a:avLst/>
+          </a:prstGeom>
+          <a:ln>
+            <a:solidFill>
+              <a:schemeClr val="tx1"/>
+            </a:solidFill>
+            <a:tailEnd type="triangle"/>
+          </a:ln>
+        </p:spPr>
+        <p:style>
+          <a:lnRef idx="1">
+            <a:schemeClr val="accent1"/>
+          </a:lnRef>
+          <a:fillRef idx="0">
+            <a:schemeClr val="accent1"/>
+          </a:fillRef>
+          <a:effectRef idx="0">
+            <a:schemeClr val="accent1"/>
+          </a:effectRef>
+          <a:fontRef idx="minor">
+            <a:schemeClr val="tx1"/>
+          </a:fontRef>
+        </p:style>
+      </p:cxnSp>
+      <p:cxnSp>
+        <p:nvCxnSpPr>
+          <p:cNvPr id="165" name="Straight Arrow Connector 164"/>
+          <p:cNvCxnSpPr>
+            <a:stCxn id="88" idx="3"/>
+            <a:endCxn id="84" idx="1"/>
+          </p:cNvCxnSpPr>
+          <p:nvPr/>
+        </p:nvCxnSpPr>
+        <p:spPr>
+          <a:xfrm flipV="1">
+            <a:off x="3128757" y="2616060"/>
+            <a:ext cx="623533" cy="1930"/>
+          </a:xfrm>
+          <a:prstGeom prst="straightConnector1">
+            <a:avLst/>
+          </a:prstGeom>
+          <a:ln>
+            <a:solidFill>
+              <a:schemeClr val="tx1"/>
+            </a:solidFill>
+            <a:tailEnd type="triangle"/>
+          </a:ln>
+        </p:spPr>
+        <p:style>
+          <a:lnRef idx="1">
+            <a:schemeClr val="accent1"/>
+          </a:lnRef>
+          <a:fillRef idx="0">
+            <a:schemeClr val="accent1"/>
+          </a:fillRef>
+          <a:effectRef idx="0">
+            <a:schemeClr val="accent1"/>
+          </a:effectRef>
+          <a:fontRef idx="minor">
+            <a:schemeClr val="tx1"/>
+          </a:fontRef>
+        </p:style>
+      </p:cxnSp>
+      <p:sp>
+        <p:nvSpPr>
+          <p:cNvPr id="190" name="TextBox 189"/>
+          <p:cNvSpPr txBox="1"/>
+          <p:nvPr/>
+        </p:nvSpPr>
+        <p:spPr>
+          <a:xfrm>
+            <a:off x="2003509" y="1502799"/>
+            <a:ext cx="2009510" cy="261610"/>
+          </a:xfrm>
+          <a:prstGeom prst="rect">
+            <a:avLst/>
+          </a:prstGeom>
+          <a:noFill/>
+        </p:spPr>
+        <p:txBody>
+          <a:bodyPr wrap="square" rtlCol="0">
+            <a:spAutoFit/>
+          </a:bodyPr>
+          <a:lstStyle/>
+          <a:p>
+            <a:pPr algn="ctr"/>
+            <a:r>
+              <a:rPr lang="en-US" sz="1100" dirty="0" smtClean="0">
+                <a:solidFill>
+                  <a:srgbClr val="0070C0"/>
+                </a:solidFill>
+                <a:latin typeface="Tahoma" panose="020B0604030504040204" pitchFamily="34" charset="0"/>
+                <a:ea typeface="Tahoma" panose="020B0604030504040204" pitchFamily="34" charset="0"/>
+                <a:cs typeface="Tahoma" panose="020B0604030504040204" pitchFamily="34" charset="0"/>
+              </a:rPr>
+              <a:t>DEEPLABV3+ DECODER</a:t>
+            </a:r>
+            <a:endParaRPr lang="en-US" sz="1100" dirty="0">
+              <a:solidFill>
+                <a:srgbClr val="0070C0"/>
+              </a:solidFill>
+              <a:latin typeface="Tahoma" panose="020B0604030504040204" pitchFamily="34" charset="0"/>
+              <a:ea typeface="Tahoma" panose="020B0604030504040204" pitchFamily="34" charset="0"/>
+              <a:cs typeface="Tahoma" panose="020B0604030504040204" pitchFamily="34" charset="0"/>
+            </a:endParaRPr>
+          </a:p>
+        </p:txBody>
+      </p:sp>
+      <p:sp>
+        <p:nvSpPr>
+          <p:cNvPr id="182" name="Plus 181"/>
+          <p:cNvSpPr/>
+          <p:nvPr/>
+        </p:nvSpPr>
+        <p:spPr>
+          <a:xfrm>
+            <a:off x="3008264" y="2563696"/>
+            <a:ext cx="109728" cy="109728"/>
+          </a:xfrm>
+          <a:prstGeom prst="mathPlus">
+            <a:avLst>
+              <a:gd name="adj1" fmla="val 7304"/>
+            </a:avLst>
+          </a:prstGeom>
+          <a:solidFill>
+            <a:schemeClr val="tx1"/>
+          </a:solidFill>
+          <a:ln>
+            <a:noFill/>
+          </a:ln>
+        </p:spPr>
+        <p:style>
+          <a:lnRef idx="2">
+            <a:schemeClr val="accent1">
+              <a:shade val="50000"/>
+            </a:schemeClr>
+          </a:lnRef>
+          <a:fillRef idx="1">
+            <a:schemeClr val="accent1"/>
+          </a:fillRef>
+          <a:effectRef idx="0">
+            <a:schemeClr val="accent1"/>
+          </a:effectRef>
+          <a:fontRef idx="minor">
+            <a:schemeClr val="lt1"/>
+          </a:fontRef>
+        </p:style>
+        <p:txBody>
+          <a:bodyPr rtlCol="0" anchor="ctr"/>
+          <a:lstStyle/>
+          <a:p>
+            <a:pPr algn="ctr"/>
+            <a:endParaRPr lang="en-US"/>
+          </a:p>
+        </p:txBody>
+      </p:sp>
+      <p:sp>
+        <p:nvSpPr>
+          <p:cNvPr id="196" name="TextBox 195"/>
+          <p:cNvSpPr txBox="1"/>
+          <p:nvPr/>
+        </p:nvSpPr>
+        <p:spPr>
+          <a:xfrm>
+            <a:off x="830691" y="1894273"/>
+            <a:ext cx="897172" cy="200055"/>
+          </a:xfrm>
+          <a:prstGeom prst="rect">
+            <a:avLst/>
+          </a:prstGeom>
+          <a:noFill/>
+        </p:spPr>
+        <p:txBody>
+          <a:bodyPr wrap="square" rtlCol="0">
+            <a:spAutoFit/>
+          </a:bodyPr>
+          <a:lstStyle/>
+          <a:p>
+            <a:pPr algn="ctr"/>
+            <a:r>
+              <a:rPr lang="en-US" sz="700" dirty="0" smtClean="0">
+                <a:latin typeface="Tahoma" panose="020B0604030504040204" pitchFamily="34" charset="0"/>
+                <a:ea typeface="Tahoma" panose="020B0604030504040204" pitchFamily="34" charset="0"/>
+                <a:cs typeface="Tahoma" panose="020B0604030504040204" pitchFamily="34" charset="0"/>
+              </a:rPr>
+              <a:t>(256, 90, 160)</a:t>
+            </a:r>
+            <a:endParaRPr lang="en-US" sz="700" dirty="0">
+              <a:latin typeface="Tahoma" panose="020B0604030504040204" pitchFamily="34" charset="0"/>
+              <a:ea typeface="Tahoma" panose="020B0604030504040204" pitchFamily="34" charset="0"/>
+              <a:cs typeface="Tahoma" panose="020B0604030504040204" pitchFamily="34" charset="0"/>
+            </a:endParaRPr>
+          </a:p>
+        </p:txBody>
+      </p:sp>
+      <p:sp>
+        <p:nvSpPr>
+          <p:cNvPr id="26" name="Rounded Rectangle 25"/>
+          <p:cNvSpPr/>
+          <p:nvPr/>
+        </p:nvSpPr>
+        <p:spPr>
+          <a:xfrm>
+            <a:off x="1533893" y="2129015"/>
+            <a:ext cx="1234440" cy="274320"/>
+          </a:xfrm>
+          <a:prstGeom prst="roundRect">
+            <a:avLst/>
+          </a:prstGeom>
+          <a:solidFill>
+            <a:schemeClr val="accent4">
+              <a:lumMod val="20000"/>
+              <a:lumOff val="80000"/>
+            </a:schemeClr>
+          </a:solidFill>
+          <a:ln>
+            <a:solidFill>
+              <a:schemeClr val="bg1">
+                <a:lumMod val="75000"/>
+              </a:schemeClr>
+            </a:solidFill>
+          </a:ln>
+        </p:spPr>
+        <p:style>
+          <a:lnRef idx="2">
+            <a:schemeClr val="accent1">
+              <a:shade val="50000"/>
+            </a:schemeClr>
+          </a:lnRef>
+          <a:fillRef idx="1">
+            <a:schemeClr val="accent1"/>
+          </a:fillRef>
+          <a:effectRef idx="0">
+            <a:schemeClr val="accent1"/>
+          </a:effectRef>
+          <a:fontRef idx="minor">
+            <a:schemeClr val="lt1"/>
+          </a:fontRef>
+        </p:style>
+        <p:txBody>
+          <a:bodyPr rot="0" spcFirstLastPara="0" vertOverflow="overflow" horzOverflow="overflow" vert="horz" wrap="square" lIns="51435" tIns="25718" rIns="51435" bIns="25718" numCol="1" spcCol="0" rtlCol="0" fromWordArt="0" anchor="ctr" anchorCtr="0" forceAA="0" compatLnSpc="1">
+            <a:prstTxWarp prst="textNoShape">
+              <a:avLst/>
+            </a:prstTxWarp>
+            <a:noAutofit/>
+          </a:bodyPr>
+          <a:lstStyle/>
+          <a:p>
+            <a:pPr algn="ctr"/>
+            <a:r>
+              <a:rPr lang="en-US" sz="800" b="1" dirty="0" smtClean="0">
+                <a:solidFill>
+                  <a:schemeClr val="accent1">
+                    <a:lumMod val="50000"/>
+                  </a:schemeClr>
+                </a:solidFill>
+                <a:latin typeface="Tahoma" panose="020B0604030504040204" pitchFamily="34" charset="0"/>
+                <a:ea typeface="Tahoma" panose="020B0604030504040204" pitchFamily="34" charset="0"/>
+                <a:cs typeface="Tahoma" panose="020B0604030504040204" pitchFamily="34" charset="0"/>
+              </a:rPr>
+              <a:t>Conv2d(256, 48, 1)</a:t>
+            </a:r>
+            <a:endParaRPr lang="en-US" sz="800" b="1" dirty="0">
+              <a:solidFill>
+                <a:schemeClr val="accent1">
+                  <a:lumMod val="50000"/>
+                </a:schemeClr>
+              </a:solidFill>
+              <a:latin typeface="Tahoma" panose="020B0604030504040204" pitchFamily="34" charset="0"/>
+              <a:ea typeface="Tahoma" panose="020B0604030504040204" pitchFamily="34" charset="0"/>
+              <a:cs typeface="Tahoma" panose="020B0604030504040204" pitchFamily="34" charset="0"/>
+            </a:endParaRPr>
+          </a:p>
+        </p:txBody>
+      </p:sp>
+      <p:sp>
+        <p:nvSpPr>
+          <p:cNvPr id="31" name="Rounded Rectangle 30"/>
+          <p:cNvSpPr/>
+          <p:nvPr/>
+        </p:nvSpPr>
+        <p:spPr>
+          <a:xfrm>
+            <a:off x="195491" y="2903953"/>
+            <a:ext cx="914400" cy="274320"/>
+          </a:xfrm>
+          <a:prstGeom prst="roundRect">
+            <a:avLst/>
+          </a:prstGeom>
+          <a:noFill/>
+          <a:ln>
+            <a:solidFill>
+              <a:schemeClr val="bg1">
+                <a:lumMod val="50000"/>
+              </a:schemeClr>
+            </a:solidFill>
+          </a:ln>
+        </p:spPr>
+        <p:style>
+          <a:lnRef idx="2">
+            <a:schemeClr val="accent1">
+              <a:shade val="50000"/>
+            </a:schemeClr>
+          </a:lnRef>
+          <a:fillRef idx="1">
+            <a:schemeClr val="accent1"/>
+          </a:fillRef>
+          <a:effectRef idx="0">
+            <a:schemeClr val="accent1"/>
+          </a:effectRef>
+          <a:fontRef idx="minor">
+            <a:schemeClr val="lt1"/>
+          </a:fontRef>
+        </p:style>
+        <p:txBody>
+          <a:bodyPr rot="0" spcFirstLastPara="0" vertOverflow="overflow" horzOverflow="overflow" vert="horz" wrap="square" lIns="51435" tIns="25718" rIns="51435" bIns="25718" numCol="1" spcCol="0" rtlCol="0" fromWordArt="0" anchor="ctr" anchorCtr="0" forceAA="0" compatLnSpc="1">
+            <a:prstTxWarp prst="textNoShape">
+              <a:avLst/>
+            </a:prstTxWarp>
+            <a:noAutofit/>
+          </a:bodyPr>
+          <a:lstStyle/>
+          <a:p>
+            <a:pPr algn="ctr"/>
+            <a:r>
+              <a:rPr lang="en-US" sz="800" b="1" dirty="0">
+                <a:solidFill>
+                  <a:schemeClr val="tx1"/>
+                </a:solidFill>
+                <a:latin typeface="Tahoma" panose="020B0604030504040204" pitchFamily="34" charset="0"/>
+                <a:ea typeface="Tahoma" panose="020B0604030504040204" pitchFamily="34" charset="0"/>
+                <a:cs typeface="Tahoma" panose="020B0604030504040204" pitchFamily="34" charset="0"/>
+              </a:rPr>
+              <a:t>ASPP </a:t>
+            </a:r>
+            <a:r>
+              <a:rPr lang="en-US" sz="800" b="1" dirty="0" smtClean="0">
+                <a:solidFill>
+                  <a:schemeClr val="tx1"/>
+                </a:solidFill>
+                <a:latin typeface="Tahoma" panose="020B0604030504040204" pitchFamily="34" charset="0"/>
+                <a:ea typeface="Tahoma" panose="020B0604030504040204" pitchFamily="34" charset="0"/>
+                <a:cs typeface="Tahoma" panose="020B0604030504040204" pitchFamily="34" charset="0"/>
+              </a:rPr>
+              <a:t>output</a:t>
+            </a:r>
+            <a:endParaRPr lang="en-US" sz="800" b="1" dirty="0">
+              <a:solidFill>
+                <a:schemeClr val="tx1"/>
+              </a:solidFill>
+              <a:latin typeface="Tahoma" panose="020B0604030504040204" pitchFamily="34" charset="0"/>
+              <a:ea typeface="Tahoma" panose="020B0604030504040204" pitchFamily="34" charset="0"/>
+              <a:cs typeface="Tahoma" panose="020B0604030504040204" pitchFamily="34" charset="0"/>
+            </a:endParaRPr>
+          </a:p>
+        </p:txBody>
+      </p:sp>
+      <p:sp>
+        <p:nvSpPr>
+          <p:cNvPr id="32" name="Rounded Rectangle 31"/>
+          <p:cNvSpPr/>
+          <p:nvPr/>
+        </p:nvSpPr>
+        <p:spPr>
+          <a:xfrm>
+            <a:off x="1533893" y="2903953"/>
+            <a:ext cx="1234440" cy="274320"/>
+          </a:xfrm>
+          <a:prstGeom prst="roundRect">
+            <a:avLst/>
+          </a:prstGeom>
+          <a:solidFill>
+            <a:schemeClr val="accent6">
+              <a:lumMod val="20000"/>
+              <a:lumOff val="80000"/>
+            </a:schemeClr>
+          </a:solidFill>
+          <a:ln>
+            <a:solidFill>
+              <a:schemeClr val="bg1">
+                <a:lumMod val="75000"/>
+              </a:schemeClr>
+            </a:solidFill>
+          </a:ln>
+        </p:spPr>
+        <p:style>
+          <a:lnRef idx="2">
+            <a:schemeClr val="accent1">
+              <a:shade val="50000"/>
+            </a:schemeClr>
+          </a:lnRef>
+          <a:fillRef idx="1">
+            <a:schemeClr val="accent1"/>
+          </a:fillRef>
+          <a:effectRef idx="0">
+            <a:schemeClr val="accent1"/>
+          </a:effectRef>
+          <a:fontRef idx="minor">
+            <a:schemeClr val="lt1"/>
+          </a:fontRef>
+        </p:style>
+        <p:txBody>
+          <a:bodyPr rot="0" spcFirstLastPara="0" vertOverflow="overflow" horzOverflow="overflow" vert="horz" wrap="square" lIns="51435" tIns="25718" rIns="51435" bIns="25718" numCol="1" spcCol="0" rtlCol="0" fromWordArt="0" anchor="ctr" anchorCtr="0" forceAA="0" compatLnSpc="1">
+            <a:prstTxWarp prst="textNoShape">
+              <a:avLst/>
+            </a:prstTxWarp>
+            <a:noAutofit/>
+          </a:bodyPr>
+          <a:lstStyle/>
+          <a:p>
+            <a:pPr algn="ctr"/>
+            <a:r>
+              <a:rPr lang="en-US" sz="800" b="1" dirty="0" smtClean="0">
+                <a:solidFill>
+                  <a:schemeClr val="accent1">
+                    <a:lumMod val="50000"/>
+                  </a:schemeClr>
+                </a:solidFill>
+                <a:latin typeface="Tahoma" panose="020B0604030504040204" pitchFamily="34" charset="0"/>
+                <a:ea typeface="Tahoma" panose="020B0604030504040204" pitchFamily="34" charset="0"/>
+                <a:cs typeface="Tahoma" panose="020B0604030504040204" pitchFamily="34" charset="0"/>
+              </a:rPr>
+              <a:t>Bilinear Up sampling</a:t>
+            </a:r>
+            <a:endParaRPr lang="en-US" sz="800" b="1" dirty="0">
+              <a:solidFill>
+                <a:schemeClr val="accent1">
+                  <a:lumMod val="50000"/>
+                </a:schemeClr>
+              </a:solidFill>
+              <a:latin typeface="Tahoma" panose="020B0604030504040204" pitchFamily="34" charset="0"/>
+              <a:ea typeface="Tahoma" panose="020B0604030504040204" pitchFamily="34" charset="0"/>
+              <a:cs typeface="Tahoma" panose="020B0604030504040204" pitchFamily="34" charset="0"/>
+            </a:endParaRPr>
+          </a:p>
+        </p:txBody>
+      </p:sp>
+      <p:cxnSp>
+        <p:nvCxnSpPr>
+          <p:cNvPr id="33" name="Straight Arrow Connector 32"/>
+          <p:cNvCxnSpPr>
+            <a:stCxn id="31" idx="3"/>
+            <a:endCxn id="32" idx="1"/>
+          </p:cNvCxnSpPr>
+          <p:nvPr/>
+        </p:nvCxnSpPr>
+        <p:spPr>
+          <a:xfrm>
+            <a:off x="1109891" y="3041113"/>
+            <a:ext cx="424002" cy="0"/>
+          </a:xfrm>
+          <a:prstGeom prst="straightConnector1">
+            <a:avLst/>
+          </a:prstGeom>
+          <a:ln>
+            <a:solidFill>
+              <a:schemeClr val="tx1"/>
+            </a:solidFill>
+            <a:tailEnd type="triangle"/>
+          </a:ln>
+        </p:spPr>
+        <p:style>
+          <a:lnRef idx="1">
+            <a:schemeClr val="accent1"/>
+          </a:lnRef>
+          <a:fillRef idx="0">
+            <a:schemeClr val="accent1"/>
+          </a:fillRef>
+          <a:effectRef idx="0">
+            <a:schemeClr val="accent1"/>
+          </a:effectRef>
+          <a:fontRef idx="minor">
+            <a:schemeClr val="tx1"/>
+          </a:fontRef>
+        </p:style>
+      </p:cxnSp>
+      <p:cxnSp>
+        <p:nvCxnSpPr>
+          <p:cNvPr id="37" name="Straight Arrow Connector 36"/>
+          <p:cNvCxnSpPr>
+            <a:stCxn id="61" idx="3"/>
+            <a:endCxn id="26" idx="1"/>
+          </p:cNvCxnSpPr>
+          <p:nvPr/>
+        </p:nvCxnSpPr>
+        <p:spPr>
+          <a:xfrm>
+            <a:off x="1109891" y="2266175"/>
+            <a:ext cx="424002" cy="0"/>
+          </a:xfrm>
+          <a:prstGeom prst="straightConnector1">
+            <a:avLst/>
+          </a:prstGeom>
+          <a:ln>
+            <a:solidFill>
+              <a:schemeClr val="tx1"/>
+            </a:solidFill>
+            <a:tailEnd type="triangle"/>
+          </a:ln>
+        </p:spPr>
+        <p:style>
+          <a:lnRef idx="1">
+            <a:schemeClr val="accent1"/>
+          </a:lnRef>
+          <a:fillRef idx="0">
+            <a:schemeClr val="accent1"/>
+          </a:fillRef>
+          <a:effectRef idx="0">
+            <a:schemeClr val="accent1"/>
+          </a:effectRef>
+          <a:fontRef idx="minor">
+            <a:schemeClr val="tx1"/>
+          </a:fontRef>
+        </p:style>
+      </p:cxnSp>
+      <p:grpSp>
+        <p:nvGrpSpPr>
+          <p:cNvPr id="107" name="Group 106"/>
+          <p:cNvGrpSpPr/>
+          <p:nvPr/>
+        </p:nvGrpSpPr>
+        <p:grpSpPr>
+          <a:xfrm>
+            <a:off x="3752290" y="2501760"/>
+            <a:ext cx="1373366" cy="4102918"/>
+            <a:chOff x="1793492" y="4273847"/>
+            <a:chExt cx="1373366" cy="4102918"/>
+          </a:xfrm>
+        </p:grpSpPr>
+        <p:sp>
+          <p:nvSpPr>
+            <p:cNvPr id="59" name="Rounded Rectangle 58"/>
+            <p:cNvSpPr/>
+            <p:nvPr/>
+          </p:nvSpPr>
+          <p:spPr>
+            <a:xfrm>
+              <a:off x="1793492" y="8102445"/>
+              <a:ext cx="1188720" cy="274320"/>
+            </a:xfrm>
+            <a:prstGeom prst="roundRect">
+              <a:avLst/>
+            </a:prstGeom>
+            <a:noFill/>
+            <a:ln>
+              <a:solidFill>
+                <a:schemeClr val="bg1">
+                  <a:lumMod val="50000"/>
+                </a:schemeClr>
+              </a:solidFill>
+            </a:ln>
+          </p:spPr>
+          <p:style>
+            <a:lnRef idx="2">
+              <a:schemeClr val="accent1">
+                <a:shade val="50000"/>
+              </a:schemeClr>
+            </a:lnRef>
+            <a:fillRef idx="1">
+              <a:schemeClr val="accent1"/>
+            </a:fillRef>
+            <a:effectRef idx="0">
+              <a:schemeClr val="accent1"/>
+            </a:effectRef>
+            <a:fontRef idx="minor">
+              <a:schemeClr val="lt1"/>
+            </a:fontRef>
+          </p:style>
+          <p:txBody>
+            <a:bodyPr rot="0" spcFirstLastPara="0" vertOverflow="overflow" horzOverflow="overflow" vert="horz" wrap="square" lIns="51435" tIns="25718" rIns="51435" bIns="25718" numCol="1" spcCol="0" rtlCol="0" fromWordArt="0" anchor="ctr" anchorCtr="0" forceAA="0" compatLnSpc="1">
+              <a:prstTxWarp prst="textNoShape">
+                <a:avLst/>
+              </a:prstTxWarp>
+              <a:noAutofit/>
+            </a:bodyPr>
+            <a:lstStyle/>
+            <a:p>
+              <a:pPr algn="ctr"/>
+              <a:r>
+                <a:rPr lang="en-US" sz="900" b="1" dirty="0" smtClean="0">
+                  <a:solidFill>
+                    <a:schemeClr val="tx1"/>
+                  </a:solidFill>
+                  <a:latin typeface="Tahoma" panose="020B0604030504040204" pitchFamily="34" charset="0"/>
+                  <a:ea typeface="Tahoma" panose="020B0604030504040204" pitchFamily="34" charset="0"/>
+                  <a:cs typeface="Tahoma" panose="020B0604030504040204" pitchFamily="34" charset="0"/>
+                </a:rPr>
+                <a:t>PREDICTIONS</a:t>
+              </a:r>
+              <a:endParaRPr lang="en-US" sz="900" b="1" dirty="0">
+                <a:solidFill>
+                  <a:schemeClr val="tx1"/>
+                </a:solidFill>
+                <a:latin typeface="Tahoma" panose="020B0604030504040204" pitchFamily="34" charset="0"/>
+                <a:ea typeface="Tahoma" panose="020B0604030504040204" pitchFamily="34" charset="0"/>
+                <a:cs typeface="Tahoma" panose="020B0604030504040204" pitchFamily="34" charset="0"/>
+              </a:endParaRPr>
+            </a:p>
+          </p:txBody>
+        </p:sp>
+        <p:cxnSp>
+          <p:nvCxnSpPr>
+            <p:cNvPr id="60" name="Straight Arrow Connector 59"/>
+            <p:cNvCxnSpPr>
+              <a:stCxn id="104" idx="2"/>
+              <a:endCxn id="59" idx="0"/>
+            </p:cNvCxnSpPr>
+            <p:nvPr/>
+          </p:nvCxnSpPr>
+          <p:spPr>
+            <a:xfrm>
+              <a:off x="2387852" y="7861403"/>
+              <a:ext cx="0" cy="241042"/>
+            </a:xfrm>
+            <a:prstGeom prst="straightConnector1">
+              <a:avLst/>
+            </a:prstGeom>
+            <a:ln>
+              <a:solidFill>
+                <a:schemeClr val="tx1"/>
+              </a:solidFill>
+              <a:tailEnd type="triangle"/>
+            </a:ln>
+          </p:spPr>
+          <p:style>
+            <a:lnRef idx="1">
+              <a:schemeClr val="accent1"/>
+            </a:lnRef>
+            <a:fillRef idx="0">
+              <a:schemeClr val="accent1"/>
+            </a:fillRef>
+            <a:effectRef idx="0">
+              <a:schemeClr val="accent1"/>
+            </a:effectRef>
+            <a:fontRef idx="minor">
+              <a:schemeClr val="tx1"/>
+            </a:fontRef>
+          </p:style>
+        </p:cxnSp>
+        <p:grpSp>
+          <p:nvGrpSpPr>
+            <p:cNvPr id="92" name="Group 91"/>
+            <p:cNvGrpSpPr/>
+            <p:nvPr/>
+          </p:nvGrpSpPr>
+          <p:grpSpPr>
+            <a:xfrm>
+              <a:off x="1793492" y="4273847"/>
+              <a:ext cx="1373366" cy="3032189"/>
+              <a:chOff x="1793492" y="4273847"/>
+              <a:chExt cx="1373366" cy="3032189"/>
+            </a:xfrm>
+          </p:grpSpPr>
+          <p:grpSp>
+            <p:nvGrpSpPr>
+              <p:cNvPr id="90" name="Group 89"/>
+              <p:cNvGrpSpPr/>
+              <p:nvPr/>
+            </p:nvGrpSpPr>
+            <p:grpSpPr>
+              <a:xfrm>
+                <a:off x="1793492" y="4273847"/>
+                <a:ext cx="1188720" cy="3032189"/>
+                <a:chOff x="1793492" y="4273847"/>
+                <a:chExt cx="1188720" cy="3032189"/>
+              </a:xfrm>
+            </p:grpSpPr>
+            <p:grpSp>
+              <p:nvGrpSpPr>
+                <p:cNvPr id="49" name="Group 48"/>
+                <p:cNvGrpSpPr/>
+                <p:nvPr/>
+              </p:nvGrpSpPr>
+              <p:grpSpPr>
+                <a:xfrm>
+                  <a:off x="1793492" y="4273847"/>
+                  <a:ext cx="1188720" cy="3032189"/>
+                  <a:chOff x="1793492" y="4273847"/>
+                  <a:chExt cx="1188720" cy="3032189"/>
+                </a:xfrm>
+              </p:grpSpPr>
+              <p:sp>
+                <p:nvSpPr>
+                  <p:cNvPr id="84" name="Rounded Rectangle 83"/>
+                  <p:cNvSpPr/>
+                  <p:nvPr/>
+                </p:nvSpPr>
+                <p:spPr>
+                  <a:xfrm>
+                    <a:off x="1793492" y="4273847"/>
+                    <a:ext cx="1188720" cy="228600"/>
+                  </a:xfrm>
+                  <a:prstGeom prst="roundRect">
+                    <a:avLst/>
+                  </a:prstGeom>
+                  <a:solidFill>
+                    <a:schemeClr val="accent4">
+                      <a:lumMod val="20000"/>
+                      <a:lumOff val="80000"/>
+                    </a:schemeClr>
+                  </a:solidFill>
+                  <a:ln>
+                    <a:solidFill>
+                      <a:schemeClr val="bg1">
+                        <a:lumMod val="75000"/>
+                      </a:schemeClr>
+                    </a:solidFill>
+                  </a:ln>
+                </p:spPr>
+                <p:style>
+                  <a:lnRef idx="2">
+                    <a:schemeClr val="accent1">
+                      <a:shade val="50000"/>
+                    </a:schemeClr>
+                  </a:lnRef>
+                  <a:fillRef idx="1">
+                    <a:schemeClr val="accent1"/>
+                  </a:fillRef>
+                  <a:effectRef idx="0">
+                    <a:schemeClr val="accent1"/>
+                  </a:effectRef>
+                  <a:fontRef idx="minor">
+                    <a:schemeClr val="lt1"/>
+                  </a:fontRef>
+                </p:style>
+                <p:txBody>
+                  <a:bodyPr rot="0" spcFirstLastPara="0" vertOverflow="overflow" horzOverflow="overflow" vert="horz" wrap="square" lIns="51435" tIns="25718" rIns="51435" bIns="25718" numCol="1" spcCol="0" rtlCol="0" fromWordArt="0" anchor="ctr" anchorCtr="0" forceAA="0" compatLnSpc="1">
+                    <a:prstTxWarp prst="textNoShape">
+                      <a:avLst/>
+                    </a:prstTxWarp>
+                    <a:noAutofit/>
+                  </a:bodyPr>
+                  <a:lstStyle/>
+                  <a:p>
+                    <a:pPr algn="ctr"/>
+                    <a:r>
+                      <a:rPr lang="en-US" sz="800" b="1" dirty="0" smtClean="0">
+                        <a:solidFill>
+                          <a:schemeClr val="accent1">
+                            <a:lumMod val="50000"/>
+                          </a:schemeClr>
+                        </a:solidFill>
+                        <a:latin typeface="Tahoma" panose="020B0604030504040204" pitchFamily="34" charset="0"/>
+                        <a:ea typeface="Tahoma" panose="020B0604030504040204" pitchFamily="34" charset="0"/>
+                        <a:cs typeface="Tahoma" panose="020B0604030504040204" pitchFamily="34" charset="0"/>
+                      </a:rPr>
+                      <a:t>Conv2d(304, 256, 3)</a:t>
+                    </a:r>
+                    <a:endParaRPr lang="en-US" sz="800" b="1" dirty="0">
+                      <a:solidFill>
+                        <a:schemeClr val="accent1">
+                          <a:lumMod val="50000"/>
+                        </a:schemeClr>
+                      </a:solidFill>
+                      <a:latin typeface="Tahoma" panose="020B0604030504040204" pitchFamily="34" charset="0"/>
+                      <a:ea typeface="Tahoma" panose="020B0604030504040204" pitchFamily="34" charset="0"/>
+                      <a:cs typeface="Tahoma" panose="020B0604030504040204" pitchFamily="34" charset="0"/>
+                    </a:endParaRPr>
+                  </a:p>
+                </p:txBody>
+              </p:sp>
+              <p:sp>
+                <p:nvSpPr>
+                  <p:cNvPr id="85" name="Rounded Rectangle 84"/>
+                  <p:cNvSpPr/>
+                  <p:nvPr/>
+                </p:nvSpPr>
+                <p:spPr>
+                  <a:xfrm>
+                    <a:off x="1793492" y="4756282"/>
+                    <a:ext cx="1188720" cy="228600"/>
+                  </a:xfrm>
+                  <a:prstGeom prst="roundRect">
+                    <a:avLst/>
+                  </a:prstGeom>
+                  <a:solidFill>
+                    <a:schemeClr val="accent4">
+                      <a:lumMod val="20000"/>
+                      <a:lumOff val="80000"/>
+                    </a:schemeClr>
+                  </a:solidFill>
+                  <a:ln>
+                    <a:solidFill>
+                      <a:schemeClr val="bg1">
+                        <a:lumMod val="75000"/>
+                      </a:schemeClr>
+                    </a:solidFill>
+                  </a:ln>
+                </p:spPr>
+                <p:style>
+                  <a:lnRef idx="2">
+                    <a:schemeClr val="accent1">
+                      <a:shade val="50000"/>
+                    </a:schemeClr>
+                  </a:lnRef>
+                  <a:fillRef idx="1">
+                    <a:schemeClr val="accent1"/>
+                  </a:fillRef>
+                  <a:effectRef idx="0">
+                    <a:schemeClr val="accent1"/>
+                  </a:effectRef>
+                  <a:fontRef idx="minor">
+                    <a:schemeClr val="lt1"/>
+                  </a:fontRef>
+                </p:style>
+                <p:txBody>
+                  <a:bodyPr rot="0" spcFirstLastPara="0" vertOverflow="overflow" horzOverflow="overflow" vert="horz" wrap="square" lIns="51435" tIns="25718" rIns="51435" bIns="25718" numCol="1" spcCol="0" rtlCol="0" fromWordArt="0" anchor="ctr" anchorCtr="0" forceAA="0" compatLnSpc="1">
+                    <a:prstTxWarp prst="textNoShape">
+                      <a:avLst/>
+                    </a:prstTxWarp>
+                    <a:noAutofit/>
+                  </a:bodyPr>
+                  <a:lstStyle/>
+                  <a:p>
+                    <a:pPr algn="ctr"/>
+                    <a:r>
+                      <a:rPr lang="en-US" sz="800" b="1" dirty="0" smtClean="0">
+                        <a:solidFill>
+                          <a:schemeClr val="accent1">
+                            <a:lumMod val="50000"/>
+                          </a:schemeClr>
+                        </a:solidFill>
+                        <a:latin typeface="Tahoma" panose="020B0604030504040204" pitchFamily="34" charset="0"/>
+                        <a:ea typeface="Tahoma" panose="020B0604030504040204" pitchFamily="34" charset="0"/>
+                        <a:cs typeface="Tahoma" panose="020B0604030504040204" pitchFamily="34" charset="0"/>
+                      </a:rPr>
+                      <a:t>BatchNorm2d(256)</a:t>
+                    </a:r>
+                    <a:endParaRPr lang="en-US" sz="800" b="1" dirty="0">
+                      <a:solidFill>
+                        <a:schemeClr val="accent1">
+                          <a:lumMod val="50000"/>
+                        </a:schemeClr>
+                      </a:solidFill>
+                      <a:latin typeface="Tahoma" panose="020B0604030504040204" pitchFamily="34" charset="0"/>
+                      <a:ea typeface="Tahoma" panose="020B0604030504040204" pitchFamily="34" charset="0"/>
+                      <a:cs typeface="Tahoma" panose="020B0604030504040204" pitchFamily="34" charset="0"/>
+                    </a:endParaRPr>
+                  </a:p>
+                </p:txBody>
+              </p:sp>
+              <p:sp>
+                <p:nvSpPr>
+                  <p:cNvPr id="86" name="Rounded Rectangle 85"/>
+                  <p:cNvSpPr/>
+                  <p:nvPr/>
+                </p:nvSpPr>
+                <p:spPr>
+                  <a:xfrm>
+                    <a:off x="1793492" y="5232367"/>
+                    <a:ext cx="1188720" cy="228600"/>
+                  </a:xfrm>
+                  <a:prstGeom prst="roundRect">
+                    <a:avLst/>
+                  </a:prstGeom>
+                  <a:solidFill>
+                    <a:schemeClr val="accent4">
+                      <a:lumMod val="20000"/>
+                      <a:lumOff val="80000"/>
+                    </a:schemeClr>
+                  </a:solidFill>
+                  <a:ln>
+                    <a:solidFill>
+                      <a:schemeClr val="bg1">
+                        <a:lumMod val="75000"/>
+                      </a:schemeClr>
+                    </a:solidFill>
+                  </a:ln>
+                </p:spPr>
+                <p:style>
+                  <a:lnRef idx="2">
+                    <a:schemeClr val="accent1">
+                      <a:shade val="50000"/>
+                    </a:schemeClr>
+                  </a:lnRef>
+                  <a:fillRef idx="1">
+                    <a:schemeClr val="accent1"/>
+                  </a:fillRef>
+                  <a:effectRef idx="0">
+                    <a:schemeClr val="accent1"/>
+                  </a:effectRef>
+                  <a:fontRef idx="minor">
+                    <a:schemeClr val="lt1"/>
+                  </a:fontRef>
+                </p:style>
+                <p:txBody>
+                  <a:bodyPr rot="0" spcFirstLastPara="0" vertOverflow="overflow" horzOverflow="overflow" vert="horz" wrap="square" lIns="51435" tIns="25718" rIns="51435" bIns="25718" numCol="1" spcCol="0" rtlCol="0" fromWordArt="0" anchor="ctr" anchorCtr="0" forceAA="0" compatLnSpc="1">
+                    <a:prstTxWarp prst="textNoShape">
+                      <a:avLst/>
+                    </a:prstTxWarp>
+                    <a:noAutofit/>
+                  </a:bodyPr>
+                  <a:lstStyle/>
+                  <a:p>
+                    <a:pPr algn="ctr"/>
+                    <a:r>
+                      <a:rPr lang="en-US" sz="800" b="1" dirty="0" smtClean="0">
+                        <a:solidFill>
+                          <a:schemeClr val="accent1">
+                            <a:lumMod val="50000"/>
+                          </a:schemeClr>
+                        </a:solidFill>
+                        <a:latin typeface="Tahoma" panose="020B0604030504040204" pitchFamily="34" charset="0"/>
+                        <a:ea typeface="Tahoma" panose="020B0604030504040204" pitchFamily="34" charset="0"/>
+                        <a:cs typeface="Tahoma" panose="020B0604030504040204" pitchFamily="34" charset="0"/>
+                      </a:rPr>
+                      <a:t>ReLU Activation</a:t>
+                    </a:r>
+                    <a:endParaRPr lang="en-US" sz="800" b="1" dirty="0">
+                      <a:solidFill>
+                        <a:schemeClr val="accent1">
+                          <a:lumMod val="50000"/>
+                        </a:schemeClr>
+                      </a:solidFill>
+                      <a:latin typeface="Tahoma" panose="020B0604030504040204" pitchFamily="34" charset="0"/>
+                      <a:ea typeface="Tahoma" panose="020B0604030504040204" pitchFamily="34" charset="0"/>
+                      <a:cs typeface="Tahoma" panose="020B0604030504040204" pitchFamily="34" charset="0"/>
+                    </a:endParaRPr>
+                  </a:p>
+                </p:txBody>
+              </p:sp>
+              <p:sp>
+                <p:nvSpPr>
+                  <p:cNvPr id="75" name="Rounded Rectangle 74"/>
+                  <p:cNvSpPr/>
+                  <p:nvPr/>
+                </p:nvSpPr>
+                <p:spPr>
+                  <a:xfrm>
+                    <a:off x="1793492" y="5706607"/>
+                    <a:ext cx="1188720" cy="228600"/>
+                  </a:xfrm>
+                  <a:prstGeom prst="roundRect">
+                    <a:avLst/>
+                  </a:prstGeom>
+                  <a:solidFill>
+                    <a:schemeClr val="accent4">
+                      <a:lumMod val="20000"/>
+                      <a:lumOff val="80000"/>
+                    </a:schemeClr>
+                  </a:solidFill>
+                  <a:ln>
+                    <a:solidFill>
+                      <a:schemeClr val="bg1">
+                        <a:lumMod val="75000"/>
+                      </a:schemeClr>
+                    </a:solidFill>
+                  </a:ln>
+                </p:spPr>
+                <p:style>
+                  <a:lnRef idx="2">
+                    <a:schemeClr val="accent1">
+                      <a:shade val="50000"/>
+                    </a:schemeClr>
+                  </a:lnRef>
+                  <a:fillRef idx="1">
+                    <a:schemeClr val="accent1"/>
+                  </a:fillRef>
+                  <a:effectRef idx="0">
+                    <a:schemeClr val="accent1"/>
+                  </a:effectRef>
+                  <a:fontRef idx="minor">
+                    <a:schemeClr val="lt1"/>
+                  </a:fontRef>
+                </p:style>
+                <p:txBody>
+                  <a:bodyPr rot="0" spcFirstLastPara="0" vertOverflow="overflow" horzOverflow="overflow" vert="horz" wrap="square" lIns="51435" tIns="25718" rIns="51435" bIns="25718" numCol="1" spcCol="0" rtlCol="0" fromWordArt="0" anchor="ctr" anchorCtr="0" forceAA="0" compatLnSpc="1">
+                    <a:prstTxWarp prst="textNoShape">
+                      <a:avLst/>
+                    </a:prstTxWarp>
+                    <a:noAutofit/>
+                  </a:bodyPr>
+                  <a:lstStyle/>
+                  <a:p>
+                    <a:pPr algn="ctr"/>
+                    <a:r>
+                      <a:rPr lang="en-US" sz="800" b="1" dirty="0" smtClean="0">
+                        <a:solidFill>
+                          <a:schemeClr val="accent1">
+                            <a:lumMod val="50000"/>
+                          </a:schemeClr>
+                        </a:solidFill>
+                        <a:latin typeface="Tahoma" panose="020B0604030504040204" pitchFamily="34" charset="0"/>
+                        <a:ea typeface="Tahoma" panose="020B0604030504040204" pitchFamily="34" charset="0"/>
+                        <a:cs typeface="Tahoma" panose="020B0604030504040204" pitchFamily="34" charset="0"/>
+                      </a:rPr>
+                      <a:t>Conv2d(256, 256, 3)</a:t>
+                    </a:r>
+                    <a:endParaRPr lang="en-US" sz="800" b="1" dirty="0">
+                      <a:solidFill>
+                        <a:schemeClr val="accent1">
+                          <a:lumMod val="50000"/>
+                        </a:schemeClr>
+                      </a:solidFill>
+                      <a:latin typeface="Tahoma" panose="020B0604030504040204" pitchFamily="34" charset="0"/>
+                      <a:ea typeface="Tahoma" panose="020B0604030504040204" pitchFamily="34" charset="0"/>
+                      <a:cs typeface="Tahoma" panose="020B0604030504040204" pitchFamily="34" charset="0"/>
+                    </a:endParaRPr>
+                  </a:p>
+                </p:txBody>
+              </p:sp>
+              <p:sp>
+                <p:nvSpPr>
+                  <p:cNvPr id="76" name="Rounded Rectangle 75"/>
+                  <p:cNvSpPr/>
+                  <p:nvPr/>
+                </p:nvSpPr>
+                <p:spPr>
+                  <a:xfrm>
+                    <a:off x="1793492" y="6180847"/>
+                    <a:ext cx="1188720" cy="228600"/>
+                  </a:xfrm>
+                  <a:prstGeom prst="roundRect">
+                    <a:avLst/>
+                  </a:prstGeom>
+                  <a:solidFill>
+                    <a:schemeClr val="accent4">
+                      <a:lumMod val="20000"/>
+                      <a:lumOff val="80000"/>
+                    </a:schemeClr>
+                  </a:solidFill>
+                  <a:ln>
+                    <a:solidFill>
+                      <a:schemeClr val="bg1">
+                        <a:lumMod val="75000"/>
+                      </a:schemeClr>
+                    </a:solidFill>
+                  </a:ln>
+                </p:spPr>
+                <p:style>
+                  <a:lnRef idx="2">
+                    <a:schemeClr val="accent1">
+                      <a:shade val="50000"/>
+                    </a:schemeClr>
+                  </a:lnRef>
+                  <a:fillRef idx="1">
+                    <a:schemeClr val="accent1"/>
+                  </a:fillRef>
+                  <a:effectRef idx="0">
+                    <a:schemeClr val="accent1"/>
+                  </a:effectRef>
+                  <a:fontRef idx="minor">
+                    <a:schemeClr val="lt1"/>
+                  </a:fontRef>
+                </p:style>
+                <p:txBody>
+                  <a:bodyPr rot="0" spcFirstLastPara="0" vertOverflow="overflow" horzOverflow="overflow" vert="horz" wrap="square" lIns="51435" tIns="25718" rIns="51435" bIns="25718" numCol="1" spcCol="0" rtlCol="0" fromWordArt="0" anchor="ctr" anchorCtr="0" forceAA="0" compatLnSpc="1">
+                    <a:prstTxWarp prst="textNoShape">
+                      <a:avLst/>
+                    </a:prstTxWarp>
+                    <a:noAutofit/>
+                  </a:bodyPr>
+                  <a:lstStyle/>
+                  <a:p>
+                    <a:pPr algn="ctr"/>
+                    <a:r>
+                      <a:rPr lang="en-US" sz="800" b="1" dirty="0" smtClean="0">
+                        <a:solidFill>
+                          <a:schemeClr val="accent1">
+                            <a:lumMod val="50000"/>
+                          </a:schemeClr>
+                        </a:solidFill>
+                        <a:latin typeface="Tahoma" panose="020B0604030504040204" pitchFamily="34" charset="0"/>
+                        <a:ea typeface="Tahoma" panose="020B0604030504040204" pitchFamily="34" charset="0"/>
+                        <a:cs typeface="Tahoma" panose="020B0604030504040204" pitchFamily="34" charset="0"/>
+                      </a:rPr>
+                      <a:t>BatchNorm2d(256)</a:t>
+                    </a:r>
+                    <a:endParaRPr lang="en-US" sz="800" b="1" dirty="0">
+                      <a:solidFill>
+                        <a:schemeClr val="accent1">
+                          <a:lumMod val="50000"/>
+                        </a:schemeClr>
+                      </a:solidFill>
+                      <a:latin typeface="Tahoma" panose="020B0604030504040204" pitchFamily="34" charset="0"/>
+                      <a:ea typeface="Tahoma" panose="020B0604030504040204" pitchFamily="34" charset="0"/>
+                      <a:cs typeface="Tahoma" panose="020B0604030504040204" pitchFamily="34" charset="0"/>
+                    </a:endParaRPr>
+                  </a:p>
+                </p:txBody>
+              </p:sp>
+              <p:sp>
+                <p:nvSpPr>
+                  <p:cNvPr id="77" name="Rounded Rectangle 76"/>
+                  <p:cNvSpPr/>
+                  <p:nvPr/>
+                </p:nvSpPr>
+                <p:spPr>
+                  <a:xfrm>
+                    <a:off x="1793492" y="6636960"/>
+                    <a:ext cx="1188720" cy="228600"/>
+                  </a:xfrm>
+                  <a:prstGeom prst="roundRect">
+                    <a:avLst/>
+                  </a:prstGeom>
+                  <a:solidFill>
+                    <a:schemeClr val="accent4">
+                      <a:lumMod val="20000"/>
+                      <a:lumOff val="80000"/>
+                    </a:schemeClr>
+                  </a:solidFill>
+                  <a:ln>
+                    <a:solidFill>
+                      <a:schemeClr val="bg1">
+                        <a:lumMod val="75000"/>
+                      </a:schemeClr>
+                    </a:solidFill>
+                  </a:ln>
+                </p:spPr>
+                <p:style>
+                  <a:lnRef idx="2">
+                    <a:schemeClr val="accent1">
+                      <a:shade val="50000"/>
+                    </a:schemeClr>
+                  </a:lnRef>
+                  <a:fillRef idx="1">
+                    <a:schemeClr val="accent1"/>
+                  </a:fillRef>
+                  <a:effectRef idx="0">
+                    <a:schemeClr val="accent1"/>
+                  </a:effectRef>
+                  <a:fontRef idx="minor">
+                    <a:schemeClr val="lt1"/>
+                  </a:fontRef>
+                </p:style>
+                <p:txBody>
+                  <a:bodyPr rot="0" spcFirstLastPara="0" vertOverflow="overflow" horzOverflow="overflow" vert="horz" wrap="square" lIns="51435" tIns="25718" rIns="51435" bIns="25718" numCol="1" spcCol="0" rtlCol="0" fromWordArt="0" anchor="ctr" anchorCtr="0" forceAA="0" compatLnSpc="1">
+                    <a:prstTxWarp prst="textNoShape">
+                      <a:avLst/>
+                    </a:prstTxWarp>
+                    <a:noAutofit/>
+                  </a:bodyPr>
+                  <a:lstStyle/>
+                  <a:p>
+                    <a:pPr algn="ctr"/>
+                    <a:r>
+                      <a:rPr lang="en-US" sz="800" b="1" dirty="0" smtClean="0">
+                        <a:solidFill>
+                          <a:schemeClr val="accent1">
+                            <a:lumMod val="50000"/>
+                          </a:schemeClr>
+                        </a:solidFill>
+                        <a:latin typeface="Tahoma" panose="020B0604030504040204" pitchFamily="34" charset="0"/>
+                        <a:ea typeface="Tahoma" panose="020B0604030504040204" pitchFamily="34" charset="0"/>
+                        <a:cs typeface="Tahoma" panose="020B0604030504040204" pitchFamily="34" charset="0"/>
+                      </a:rPr>
+                      <a:t>ReLU Activation</a:t>
+                    </a:r>
+                    <a:endParaRPr lang="en-US" sz="800" b="1" dirty="0">
+                      <a:solidFill>
+                        <a:schemeClr val="accent1">
+                          <a:lumMod val="50000"/>
+                        </a:schemeClr>
+                      </a:solidFill>
+                      <a:latin typeface="Tahoma" panose="020B0604030504040204" pitchFamily="34" charset="0"/>
+                      <a:ea typeface="Tahoma" panose="020B0604030504040204" pitchFamily="34" charset="0"/>
+                      <a:cs typeface="Tahoma" panose="020B0604030504040204" pitchFamily="34" charset="0"/>
+                    </a:endParaRPr>
+                  </a:p>
+                </p:txBody>
+              </p:sp>
+              <p:sp>
+                <p:nvSpPr>
+                  <p:cNvPr id="96" name="Rounded Rectangle 95"/>
+                  <p:cNvSpPr/>
+                  <p:nvPr/>
+                </p:nvSpPr>
+                <p:spPr>
+                  <a:xfrm>
+                    <a:off x="1793492" y="7077436"/>
+                    <a:ext cx="1188720" cy="228600"/>
+                  </a:xfrm>
+                  <a:prstGeom prst="roundRect">
+                    <a:avLst/>
+                  </a:prstGeom>
+                  <a:solidFill>
+                    <a:schemeClr val="accent4">
+                      <a:lumMod val="20000"/>
+                      <a:lumOff val="80000"/>
+                    </a:schemeClr>
+                  </a:solidFill>
+                  <a:ln>
+                    <a:solidFill>
+                      <a:schemeClr val="bg1">
+                        <a:lumMod val="75000"/>
+                      </a:schemeClr>
+                    </a:solidFill>
+                  </a:ln>
+                </p:spPr>
+                <p:style>
+                  <a:lnRef idx="2">
+                    <a:schemeClr val="accent1">
+                      <a:shade val="50000"/>
+                    </a:schemeClr>
+                  </a:lnRef>
+                  <a:fillRef idx="1">
+                    <a:schemeClr val="accent1"/>
+                  </a:fillRef>
+                  <a:effectRef idx="0">
+                    <a:schemeClr val="accent1"/>
+                  </a:effectRef>
+                  <a:fontRef idx="minor">
+                    <a:schemeClr val="lt1"/>
+                  </a:fontRef>
+                </p:style>
+                <p:txBody>
+                  <a:bodyPr rot="0" spcFirstLastPara="0" vertOverflow="overflow" horzOverflow="overflow" vert="horz" wrap="square" lIns="51435" tIns="25718" rIns="51435" bIns="25718" numCol="1" spcCol="0" rtlCol="0" fromWordArt="0" anchor="ctr" anchorCtr="0" forceAA="0" compatLnSpc="1">
+                    <a:prstTxWarp prst="textNoShape">
+                      <a:avLst/>
+                    </a:prstTxWarp>
+                    <a:noAutofit/>
+                  </a:bodyPr>
+                  <a:lstStyle/>
+                  <a:p>
+                    <a:pPr algn="ctr"/>
+                    <a:r>
+                      <a:rPr lang="en-US" sz="800" b="1" dirty="0" smtClean="0">
+                        <a:solidFill>
+                          <a:schemeClr val="accent1">
+                            <a:lumMod val="50000"/>
+                          </a:schemeClr>
+                        </a:solidFill>
+                        <a:latin typeface="Tahoma" panose="020B0604030504040204" pitchFamily="34" charset="0"/>
+                        <a:ea typeface="Tahoma" panose="020B0604030504040204" pitchFamily="34" charset="0"/>
+                        <a:cs typeface="Tahoma" panose="020B0604030504040204" pitchFamily="34" charset="0"/>
+                      </a:rPr>
+                      <a:t>Conv2d(256, 3, 3)</a:t>
+                    </a:r>
+                    <a:endParaRPr lang="en-US" sz="800" b="1" dirty="0">
+                      <a:solidFill>
+                        <a:schemeClr val="accent1">
+                          <a:lumMod val="50000"/>
+                        </a:schemeClr>
+                      </a:solidFill>
+                      <a:latin typeface="Tahoma" panose="020B0604030504040204" pitchFamily="34" charset="0"/>
+                      <a:ea typeface="Tahoma" panose="020B0604030504040204" pitchFamily="34" charset="0"/>
+                      <a:cs typeface="Tahoma" panose="020B0604030504040204" pitchFamily="34" charset="0"/>
+                    </a:endParaRPr>
+                  </a:p>
+                </p:txBody>
+              </p:sp>
+            </p:grpSp>
+            <p:grpSp>
+              <p:nvGrpSpPr>
+                <p:cNvPr id="48" name="Group 47"/>
+                <p:cNvGrpSpPr/>
+                <p:nvPr/>
+              </p:nvGrpSpPr>
+              <p:grpSpPr>
+                <a:xfrm>
+                  <a:off x="2387852" y="4502447"/>
+                  <a:ext cx="0" cy="2574989"/>
+                  <a:chOff x="2387852" y="4502447"/>
+                  <a:chExt cx="0" cy="2574989"/>
+                </a:xfrm>
+              </p:grpSpPr>
+              <p:cxnSp>
+                <p:nvCxnSpPr>
+                  <p:cNvPr id="87" name="Straight Arrow Connector 86"/>
+                  <p:cNvCxnSpPr/>
+                  <p:nvPr/>
+                </p:nvCxnSpPr>
+                <p:spPr>
+                  <a:xfrm>
+                    <a:off x="2387852" y="4502447"/>
+                    <a:ext cx="0" cy="253835"/>
+                  </a:xfrm>
+                  <a:prstGeom prst="straightConnector1">
+                    <a:avLst/>
+                  </a:prstGeom>
+                  <a:ln>
+                    <a:solidFill>
+                      <a:schemeClr val="tx1"/>
+                    </a:solidFill>
+                    <a:tailEnd type="triangle"/>
+                  </a:ln>
+                </p:spPr>
+                <p:style>
+                  <a:lnRef idx="1">
+                    <a:schemeClr val="accent1"/>
+                  </a:lnRef>
+                  <a:fillRef idx="0">
+                    <a:schemeClr val="accent1"/>
+                  </a:fillRef>
+                  <a:effectRef idx="0">
+                    <a:schemeClr val="accent1"/>
+                  </a:effectRef>
+                  <a:fontRef idx="minor">
+                    <a:schemeClr val="tx1"/>
+                  </a:fontRef>
+                </p:style>
+              </p:cxnSp>
+              <p:cxnSp>
+                <p:nvCxnSpPr>
+                  <p:cNvPr id="89" name="Straight Arrow Connector 88"/>
+                  <p:cNvCxnSpPr/>
+                  <p:nvPr/>
+                </p:nvCxnSpPr>
+                <p:spPr>
+                  <a:xfrm>
+                    <a:off x="2387852" y="4984882"/>
+                    <a:ext cx="0" cy="247485"/>
+                  </a:xfrm>
+                  <a:prstGeom prst="straightConnector1">
+                    <a:avLst/>
+                  </a:prstGeom>
+                  <a:ln>
+                    <a:solidFill>
+                      <a:schemeClr val="tx1"/>
+                    </a:solidFill>
+                    <a:tailEnd type="triangle"/>
+                  </a:ln>
+                </p:spPr>
+                <p:style>
+                  <a:lnRef idx="1">
+                    <a:schemeClr val="accent1"/>
+                  </a:lnRef>
+                  <a:fillRef idx="0">
+                    <a:schemeClr val="accent1"/>
+                  </a:fillRef>
+                  <a:effectRef idx="0">
+                    <a:schemeClr val="accent1"/>
+                  </a:effectRef>
+                  <a:fontRef idx="minor">
+                    <a:schemeClr val="tx1"/>
+                  </a:fontRef>
+                </p:style>
+              </p:cxnSp>
+              <p:cxnSp>
+                <p:nvCxnSpPr>
+                  <p:cNvPr id="79" name="Straight Arrow Connector 78"/>
+                  <p:cNvCxnSpPr/>
+                  <p:nvPr/>
+                </p:nvCxnSpPr>
+                <p:spPr>
+                  <a:xfrm>
+                    <a:off x="2387852" y="5935207"/>
+                    <a:ext cx="0" cy="245640"/>
+                  </a:xfrm>
+                  <a:prstGeom prst="straightConnector1">
+                    <a:avLst/>
+                  </a:prstGeom>
+                  <a:ln>
+                    <a:solidFill>
+                      <a:schemeClr val="tx1"/>
+                    </a:solidFill>
+                    <a:tailEnd type="triangle"/>
+                  </a:ln>
+                </p:spPr>
+                <p:style>
+                  <a:lnRef idx="1">
+                    <a:schemeClr val="accent1"/>
+                  </a:lnRef>
+                  <a:fillRef idx="0">
+                    <a:schemeClr val="accent1"/>
+                  </a:fillRef>
+                  <a:effectRef idx="0">
+                    <a:schemeClr val="accent1"/>
+                  </a:effectRef>
+                  <a:fontRef idx="minor">
+                    <a:schemeClr val="tx1"/>
+                  </a:fontRef>
+                </p:style>
+              </p:cxnSp>
+              <p:cxnSp>
+                <p:nvCxnSpPr>
+                  <p:cNvPr id="80" name="Straight Arrow Connector 79"/>
+                  <p:cNvCxnSpPr/>
+                  <p:nvPr/>
+                </p:nvCxnSpPr>
+                <p:spPr>
+                  <a:xfrm>
+                    <a:off x="2387852" y="6409447"/>
+                    <a:ext cx="0" cy="227513"/>
+                  </a:xfrm>
+                  <a:prstGeom prst="straightConnector1">
+                    <a:avLst/>
+                  </a:prstGeom>
+                  <a:ln>
+                    <a:solidFill>
+                      <a:schemeClr val="tx1"/>
+                    </a:solidFill>
+                    <a:tailEnd type="triangle"/>
+                  </a:ln>
+                </p:spPr>
+                <p:style>
+                  <a:lnRef idx="1">
+                    <a:schemeClr val="accent1"/>
+                  </a:lnRef>
+                  <a:fillRef idx="0">
+                    <a:schemeClr val="accent1"/>
+                  </a:fillRef>
+                  <a:effectRef idx="0">
+                    <a:schemeClr val="accent1"/>
+                  </a:effectRef>
+                  <a:fontRef idx="minor">
+                    <a:schemeClr val="tx1"/>
+                  </a:fontRef>
+                </p:style>
+              </p:cxnSp>
+              <p:cxnSp>
+                <p:nvCxnSpPr>
+                  <p:cNvPr id="70" name="Straight Arrow Connector 69"/>
+                  <p:cNvCxnSpPr/>
+                  <p:nvPr/>
+                </p:nvCxnSpPr>
+                <p:spPr>
+                  <a:xfrm>
+                    <a:off x="2387852" y="5460967"/>
+                    <a:ext cx="0" cy="245640"/>
+                  </a:xfrm>
+                  <a:prstGeom prst="straightConnector1">
+                    <a:avLst/>
+                  </a:prstGeom>
+                  <a:ln>
+                    <a:solidFill>
+                      <a:schemeClr val="tx1"/>
+                    </a:solidFill>
+                    <a:tailEnd type="triangle"/>
+                  </a:ln>
+                </p:spPr>
+                <p:style>
+                  <a:lnRef idx="1">
+                    <a:schemeClr val="accent1"/>
+                  </a:lnRef>
+                  <a:fillRef idx="0">
+                    <a:schemeClr val="accent1"/>
+                  </a:fillRef>
+                  <a:effectRef idx="0">
+                    <a:schemeClr val="accent1"/>
+                  </a:effectRef>
+                  <a:fontRef idx="minor">
+                    <a:schemeClr val="tx1"/>
+                  </a:fontRef>
+                </p:style>
+              </p:cxnSp>
+              <p:cxnSp>
+                <p:nvCxnSpPr>
+                  <p:cNvPr id="97" name="Straight Arrow Connector 96"/>
+                  <p:cNvCxnSpPr/>
+                  <p:nvPr/>
+                </p:nvCxnSpPr>
+                <p:spPr>
+                  <a:xfrm>
+                    <a:off x="2387852" y="6865560"/>
+                    <a:ext cx="0" cy="211876"/>
+                  </a:xfrm>
+                  <a:prstGeom prst="straightConnector1">
+                    <a:avLst/>
+                  </a:prstGeom>
+                  <a:ln>
+                    <a:solidFill>
+                      <a:schemeClr val="tx1"/>
+                    </a:solidFill>
+                    <a:tailEnd type="triangle"/>
+                  </a:ln>
+                </p:spPr>
+                <p:style>
+                  <a:lnRef idx="1">
+                    <a:schemeClr val="accent1"/>
+                  </a:lnRef>
+                  <a:fillRef idx="0">
+                    <a:schemeClr val="accent1"/>
+                  </a:fillRef>
+                  <a:effectRef idx="0">
+                    <a:schemeClr val="accent1"/>
+                  </a:effectRef>
+                  <a:fontRef idx="minor">
+                    <a:schemeClr val="tx1"/>
+                  </a:fontRef>
+                </p:style>
+              </p:cxnSp>
+            </p:grpSp>
+          </p:grpSp>
+          <p:grpSp>
+            <p:nvGrpSpPr>
+              <p:cNvPr id="91" name="Group 90"/>
+              <p:cNvGrpSpPr/>
+              <p:nvPr/>
+            </p:nvGrpSpPr>
+            <p:grpSpPr>
+              <a:xfrm>
+                <a:off x="2409749" y="4518103"/>
+                <a:ext cx="757109" cy="2553769"/>
+                <a:chOff x="2409749" y="4518103"/>
+                <a:chExt cx="757109" cy="2553769"/>
+              </a:xfrm>
+            </p:grpSpPr>
+            <p:sp>
+              <p:nvSpPr>
+                <p:cNvPr id="82" name="TextBox 81"/>
+                <p:cNvSpPr txBox="1"/>
+                <p:nvPr/>
+              </p:nvSpPr>
+              <p:spPr>
+                <a:xfrm>
+                  <a:off x="2409749" y="4518103"/>
+                  <a:ext cx="757109" cy="200055"/>
+                </a:xfrm>
+                <a:prstGeom prst="rect">
+                  <a:avLst/>
+                </a:prstGeom>
+                <a:noFill/>
+              </p:spPr>
+              <p:txBody>
+                <a:bodyPr wrap="square" rtlCol="0">
+                  <a:spAutoFit/>
+                </a:bodyPr>
+                <a:lstStyle/>
+                <a:p>
+                  <a:pPr algn="ctr"/>
+                  <a:r>
+                    <a:rPr lang="en-US" sz="700" dirty="0" smtClean="0">
+                      <a:latin typeface="Tahoma" panose="020B0604030504040204" pitchFamily="34" charset="0"/>
+                      <a:ea typeface="Tahoma" panose="020B0604030504040204" pitchFamily="34" charset="0"/>
+                      <a:cs typeface="Tahoma" panose="020B0604030504040204" pitchFamily="34" charset="0"/>
+                    </a:rPr>
+                    <a:t>(256, 90, 160)</a:t>
+                  </a:r>
+                  <a:endParaRPr lang="en-US" sz="700" dirty="0">
+                    <a:latin typeface="Tahoma" panose="020B0604030504040204" pitchFamily="34" charset="0"/>
+                    <a:ea typeface="Tahoma" panose="020B0604030504040204" pitchFamily="34" charset="0"/>
+                    <a:cs typeface="Tahoma" panose="020B0604030504040204" pitchFamily="34" charset="0"/>
+                  </a:endParaRPr>
+                </a:p>
+              </p:txBody>
+            </p:sp>
+            <p:sp>
+              <p:nvSpPr>
+                <p:cNvPr id="99" name="TextBox 98"/>
+                <p:cNvSpPr txBox="1"/>
+                <p:nvPr/>
+              </p:nvSpPr>
+              <p:spPr>
+                <a:xfrm>
+                  <a:off x="2409749" y="5001460"/>
+                  <a:ext cx="757109" cy="200055"/>
+                </a:xfrm>
+                <a:prstGeom prst="rect">
+                  <a:avLst/>
+                </a:prstGeom>
+                <a:noFill/>
+              </p:spPr>
+              <p:txBody>
+                <a:bodyPr wrap="square" rtlCol="0">
+                  <a:spAutoFit/>
+                </a:bodyPr>
+                <a:lstStyle/>
+                <a:p>
+                  <a:pPr algn="ctr"/>
+                  <a:r>
+                    <a:rPr lang="en-US" sz="700" dirty="0" smtClean="0">
+                      <a:latin typeface="Tahoma" panose="020B0604030504040204" pitchFamily="34" charset="0"/>
+                      <a:ea typeface="Tahoma" panose="020B0604030504040204" pitchFamily="34" charset="0"/>
+                      <a:cs typeface="Tahoma" panose="020B0604030504040204" pitchFamily="34" charset="0"/>
+                    </a:rPr>
+                    <a:t>(256, 90, 160)</a:t>
+                  </a:r>
+                  <a:endParaRPr lang="en-US" sz="700" dirty="0">
+                    <a:latin typeface="Tahoma" panose="020B0604030504040204" pitchFamily="34" charset="0"/>
+                    <a:ea typeface="Tahoma" panose="020B0604030504040204" pitchFamily="34" charset="0"/>
+                    <a:cs typeface="Tahoma" panose="020B0604030504040204" pitchFamily="34" charset="0"/>
+                  </a:endParaRPr>
+                </a:p>
+              </p:txBody>
+            </p:sp>
+            <p:sp>
+              <p:nvSpPr>
+                <p:cNvPr id="100" name="TextBox 99"/>
+                <p:cNvSpPr txBox="1"/>
+                <p:nvPr/>
+              </p:nvSpPr>
+              <p:spPr>
+                <a:xfrm>
+                  <a:off x="2409749" y="5476622"/>
+                  <a:ext cx="757109" cy="200055"/>
+                </a:xfrm>
+                <a:prstGeom prst="rect">
+                  <a:avLst/>
+                </a:prstGeom>
+                <a:noFill/>
+              </p:spPr>
+              <p:txBody>
+                <a:bodyPr wrap="square" rtlCol="0">
+                  <a:spAutoFit/>
+                </a:bodyPr>
+                <a:lstStyle/>
+                <a:p>
+                  <a:pPr algn="ctr"/>
+                  <a:r>
+                    <a:rPr lang="en-US" sz="700" dirty="0" smtClean="0">
+                      <a:latin typeface="Tahoma" panose="020B0604030504040204" pitchFamily="34" charset="0"/>
+                      <a:ea typeface="Tahoma" panose="020B0604030504040204" pitchFamily="34" charset="0"/>
+                      <a:cs typeface="Tahoma" panose="020B0604030504040204" pitchFamily="34" charset="0"/>
+                    </a:rPr>
+                    <a:t>(256, 90, 160)</a:t>
+                  </a:r>
+                  <a:endParaRPr lang="en-US" sz="700" dirty="0">
+                    <a:latin typeface="Tahoma" panose="020B0604030504040204" pitchFamily="34" charset="0"/>
+                    <a:ea typeface="Tahoma" panose="020B0604030504040204" pitchFamily="34" charset="0"/>
+                    <a:cs typeface="Tahoma" panose="020B0604030504040204" pitchFamily="34" charset="0"/>
+                  </a:endParaRPr>
+                </a:p>
+              </p:txBody>
+            </p:sp>
+            <p:sp>
+              <p:nvSpPr>
+                <p:cNvPr id="101" name="TextBox 100"/>
+                <p:cNvSpPr txBox="1"/>
+                <p:nvPr/>
+              </p:nvSpPr>
+              <p:spPr>
+                <a:xfrm>
+                  <a:off x="2409749" y="5940097"/>
+                  <a:ext cx="757109" cy="200055"/>
+                </a:xfrm>
+                <a:prstGeom prst="rect">
+                  <a:avLst/>
+                </a:prstGeom>
+                <a:noFill/>
+              </p:spPr>
+              <p:txBody>
+                <a:bodyPr wrap="square" rtlCol="0">
+                  <a:spAutoFit/>
+                </a:bodyPr>
+                <a:lstStyle/>
+                <a:p>
+                  <a:pPr algn="ctr"/>
+                  <a:r>
+                    <a:rPr lang="en-US" sz="700" dirty="0" smtClean="0">
+                      <a:latin typeface="Tahoma" panose="020B0604030504040204" pitchFamily="34" charset="0"/>
+                      <a:ea typeface="Tahoma" panose="020B0604030504040204" pitchFamily="34" charset="0"/>
+                      <a:cs typeface="Tahoma" panose="020B0604030504040204" pitchFamily="34" charset="0"/>
+                    </a:rPr>
+                    <a:t>(256, 90, 160)</a:t>
+                  </a:r>
+                  <a:endParaRPr lang="en-US" sz="700" dirty="0">
+                    <a:latin typeface="Tahoma" panose="020B0604030504040204" pitchFamily="34" charset="0"/>
+                    <a:ea typeface="Tahoma" panose="020B0604030504040204" pitchFamily="34" charset="0"/>
+                    <a:cs typeface="Tahoma" panose="020B0604030504040204" pitchFamily="34" charset="0"/>
+                  </a:endParaRPr>
+                </a:p>
+              </p:txBody>
+            </p:sp>
+            <p:sp>
+              <p:nvSpPr>
+                <p:cNvPr id="102" name="TextBox 101"/>
+                <p:cNvSpPr txBox="1"/>
+                <p:nvPr/>
+              </p:nvSpPr>
+              <p:spPr>
+                <a:xfrm>
+                  <a:off x="2409749" y="6422636"/>
+                  <a:ext cx="757109" cy="200055"/>
+                </a:xfrm>
+                <a:prstGeom prst="rect">
+                  <a:avLst/>
+                </a:prstGeom>
+                <a:noFill/>
+              </p:spPr>
+              <p:txBody>
+                <a:bodyPr wrap="square" rtlCol="0">
+                  <a:spAutoFit/>
+                </a:bodyPr>
+                <a:lstStyle/>
+                <a:p>
+                  <a:pPr algn="ctr"/>
+                  <a:r>
+                    <a:rPr lang="en-US" sz="700" dirty="0" smtClean="0">
+                      <a:latin typeface="Tahoma" panose="020B0604030504040204" pitchFamily="34" charset="0"/>
+                      <a:ea typeface="Tahoma" panose="020B0604030504040204" pitchFamily="34" charset="0"/>
+                      <a:cs typeface="Tahoma" panose="020B0604030504040204" pitchFamily="34" charset="0"/>
+                    </a:rPr>
+                    <a:t>(256, 90, 160)</a:t>
+                  </a:r>
+                  <a:endParaRPr lang="en-US" sz="700" dirty="0">
+                    <a:latin typeface="Tahoma" panose="020B0604030504040204" pitchFamily="34" charset="0"/>
+                    <a:ea typeface="Tahoma" panose="020B0604030504040204" pitchFamily="34" charset="0"/>
+                    <a:cs typeface="Tahoma" panose="020B0604030504040204" pitchFamily="34" charset="0"/>
+                  </a:endParaRPr>
+                </a:p>
+              </p:txBody>
+            </p:sp>
+            <p:sp>
+              <p:nvSpPr>
+                <p:cNvPr id="103" name="TextBox 102"/>
+                <p:cNvSpPr txBox="1"/>
+                <p:nvPr/>
+              </p:nvSpPr>
+              <p:spPr>
+                <a:xfrm>
+                  <a:off x="2409749" y="6871817"/>
+                  <a:ext cx="757109" cy="200055"/>
+                </a:xfrm>
+                <a:prstGeom prst="rect">
+                  <a:avLst/>
+                </a:prstGeom>
+                <a:noFill/>
+              </p:spPr>
+              <p:txBody>
+                <a:bodyPr wrap="square" rtlCol="0">
+                  <a:spAutoFit/>
+                </a:bodyPr>
+                <a:lstStyle/>
+                <a:p>
+                  <a:pPr algn="ctr"/>
+                  <a:r>
+                    <a:rPr lang="en-US" sz="700" dirty="0" smtClean="0">
+                      <a:latin typeface="Tahoma" panose="020B0604030504040204" pitchFamily="34" charset="0"/>
+                      <a:ea typeface="Tahoma" panose="020B0604030504040204" pitchFamily="34" charset="0"/>
+                      <a:cs typeface="Tahoma" panose="020B0604030504040204" pitchFamily="34" charset="0"/>
+                    </a:rPr>
+                    <a:t>(256, 90, 160)</a:t>
+                  </a:r>
+                  <a:endParaRPr lang="en-US" sz="700" dirty="0">
+                    <a:latin typeface="Tahoma" panose="020B0604030504040204" pitchFamily="34" charset="0"/>
+                    <a:ea typeface="Tahoma" panose="020B0604030504040204" pitchFamily="34" charset="0"/>
+                    <a:cs typeface="Tahoma" panose="020B0604030504040204" pitchFamily="34" charset="0"/>
+                  </a:endParaRPr>
+                </a:p>
+              </p:txBody>
+            </p:sp>
+          </p:grpSp>
+        </p:grpSp>
+        <p:sp>
+          <p:nvSpPr>
+            <p:cNvPr id="104" name="Rounded Rectangle 103"/>
+            <p:cNvSpPr/>
+            <p:nvPr/>
+          </p:nvSpPr>
+          <p:spPr>
+            <a:xfrm>
+              <a:off x="1793492" y="7632803"/>
+              <a:ext cx="1188720" cy="228600"/>
+            </a:xfrm>
+            <a:prstGeom prst="roundRect">
+              <a:avLst/>
+            </a:prstGeom>
+            <a:solidFill>
+              <a:schemeClr val="accent6">
+                <a:lumMod val="20000"/>
+                <a:lumOff val="80000"/>
+              </a:schemeClr>
+            </a:solidFill>
+            <a:ln>
+              <a:solidFill>
+                <a:schemeClr val="bg1">
+                  <a:lumMod val="75000"/>
+                </a:schemeClr>
+              </a:solidFill>
+            </a:ln>
+          </p:spPr>
+          <p:style>
+            <a:lnRef idx="2">
+              <a:schemeClr val="accent1">
+                <a:shade val="50000"/>
+              </a:schemeClr>
+            </a:lnRef>
+            <a:fillRef idx="1">
+              <a:schemeClr val="accent1"/>
+            </a:fillRef>
+            <a:effectRef idx="0">
+              <a:schemeClr val="accent1"/>
+            </a:effectRef>
+            <a:fontRef idx="minor">
+              <a:schemeClr val="lt1"/>
+            </a:fontRef>
+          </p:style>
+          <p:txBody>
+            <a:bodyPr rot="0" spcFirstLastPara="0" vertOverflow="overflow" horzOverflow="overflow" vert="horz" wrap="square" lIns="51435" tIns="25718" rIns="51435" bIns="25718" numCol="1" spcCol="0" rtlCol="0" fromWordArt="0" anchor="ctr" anchorCtr="0" forceAA="0" compatLnSpc="1">
+              <a:prstTxWarp prst="textNoShape">
+                <a:avLst/>
+              </a:prstTxWarp>
+              <a:noAutofit/>
+            </a:bodyPr>
+            <a:lstStyle/>
+            <a:p>
+              <a:pPr algn="ctr"/>
+              <a:r>
+                <a:rPr lang="en-US" sz="800" b="1" dirty="0" smtClean="0">
+                  <a:solidFill>
+                    <a:schemeClr val="accent1">
+                      <a:lumMod val="50000"/>
+                    </a:schemeClr>
+                  </a:solidFill>
+                  <a:latin typeface="Tahoma" panose="020B0604030504040204" pitchFamily="34" charset="0"/>
+                  <a:ea typeface="Tahoma" panose="020B0604030504040204" pitchFamily="34" charset="0"/>
+                  <a:cs typeface="Tahoma" panose="020B0604030504040204" pitchFamily="34" charset="0"/>
+                </a:rPr>
+                <a:t>Bilinear Up sampling</a:t>
+              </a:r>
+              <a:endParaRPr lang="en-US" sz="800" b="1" dirty="0">
+                <a:solidFill>
+                  <a:schemeClr val="accent1">
+                    <a:lumMod val="50000"/>
+                  </a:schemeClr>
+                </a:solidFill>
+                <a:latin typeface="Tahoma" panose="020B0604030504040204" pitchFamily="34" charset="0"/>
+                <a:ea typeface="Tahoma" panose="020B0604030504040204" pitchFamily="34" charset="0"/>
+                <a:cs typeface="Tahoma" panose="020B0604030504040204" pitchFamily="34" charset="0"/>
+              </a:endParaRPr>
+            </a:p>
+          </p:txBody>
+        </p:sp>
+        <p:cxnSp>
+          <p:nvCxnSpPr>
+            <p:cNvPr id="105" name="Straight Arrow Connector 104"/>
+            <p:cNvCxnSpPr/>
+            <p:nvPr/>
+          </p:nvCxnSpPr>
+          <p:spPr>
+            <a:xfrm>
+              <a:off x="2387852" y="7306036"/>
+              <a:ext cx="0" cy="288667"/>
+            </a:xfrm>
+            <a:prstGeom prst="straightConnector1">
+              <a:avLst/>
+            </a:prstGeom>
+            <a:ln>
+              <a:solidFill>
+                <a:schemeClr val="tx1"/>
+              </a:solidFill>
+              <a:tailEnd type="triangle"/>
+            </a:ln>
+          </p:spPr>
+          <p:style>
+            <a:lnRef idx="1">
+              <a:schemeClr val="accent1"/>
+            </a:lnRef>
+            <a:fillRef idx="0">
+              <a:schemeClr val="accent1"/>
+            </a:fillRef>
+            <a:effectRef idx="0">
+              <a:schemeClr val="accent1"/>
+            </a:effectRef>
+            <a:fontRef idx="minor">
+              <a:schemeClr val="tx1"/>
+            </a:fontRef>
+          </p:style>
+        </p:cxnSp>
+        <p:sp>
+          <p:nvSpPr>
+            <p:cNvPr id="116" name="TextBox 115"/>
+            <p:cNvSpPr txBox="1"/>
+            <p:nvPr/>
+          </p:nvSpPr>
+          <p:spPr>
+            <a:xfrm>
+              <a:off x="2371648" y="7899473"/>
+              <a:ext cx="795210" cy="200055"/>
+            </a:xfrm>
+            <a:prstGeom prst="rect">
+              <a:avLst/>
+            </a:prstGeom>
+            <a:noFill/>
+          </p:spPr>
+          <p:txBody>
+            <a:bodyPr wrap="square" rtlCol="0">
+              <a:spAutoFit/>
+            </a:bodyPr>
+            <a:lstStyle/>
+            <a:p>
+              <a:pPr algn="ctr"/>
+              <a:r>
+                <a:rPr lang="en-US" sz="700" dirty="0" smtClean="0">
+                  <a:latin typeface="Tahoma" panose="020B0604030504040204" pitchFamily="34" charset="0"/>
+                  <a:ea typeface="Tahoma" panose="020B0604030504040204" pitchFamily="34" charset="0"/>
+                  <a:cs typeface="Tahoma" panose="020B0604030504040204" pitchFamily="34" charset="0"/>
+                </a:rPr>
+                <a:t>(3, 360,640)</a:t>
+              </a:r>
+              <a:endParaRPr lang="en-US" sz="700" dirty="0">
+                <a:latin typeface="Tahoma" panose="020B0604030504040204" pitchFamily="34" charset="0"/>
+                <a:ea typeface="Tahoma" panose="020B0604030504040204" pitchFamily="34" charset="0"/>
+                <a:cs typeface="Tahoma" panose="020B0604030504040204" pitchFamily="34" charset="0"/>
+              </a:endParaRPr>
+            </a:p>
+          </p:txBody>
+        </p:sp>
+        <p:sp>
+          <p:nvSpPr>
+            <p:cNvPr id="117" name="TextBox 116"/>
+            <p:cNvSpPr txBox="1"/>
+            <p:nvPr/>
+          </p:nvSpPr>
+          <p:spPr>
+            <a:xfrm>
+              <a:off x="2409749" y="7422171"/>
+              <a:ext cx="757109" cy="200055"/>
+            </a:xfrm>
+            <a:prstGeom prst="rect">
+              <a:avLst/>
+            </a:prstGeom>
+            <a:noFill/>
+          </p:spPr>
+          <p:txBody>
+            <a:bodyPr wrap="square" rtlCol="0">
+              <a:spAutoFit/>
+            </a:bodyPr>
+            <a:lstStyle/>
+            <a:p>
+              <a:pPr algn="ctr"/>
+              <a:r>
+                <a:rPr lang="en-US" sz="700" dirty="0" smtClean="0">
+                  <a:latin typeface="Tahoma" panose="020B0604030504040204" pitchFamily="34" charset="0"/>
+                  <a:ea typeface="Tahoma" panose="020B0604030504040204" pitchFamily="34" charset="0"/>
+                  <a:cs typeface="Tahoma" panose="020B0604030504040204" pitchFamily="34" charset="0"/>
+                </a:rPr>
+                <a:t>(3, 90, 160)</a:t>
+              </a:r>
+              <a:endParaRPr lang="en-US" sz="700" dirty="0">
+                <a:latin typeface="Tahoma" panose="020B0604030504040204" pitchFamily="34" charset="0"/>
+                <a:ea typeface="Tahoma" panose="020B0604030504040204" pitchFamily="34" charset="0"/>
+                <a:cs typeface="Tahoma" panose="020B0604030504040204" pitchFamily="34" charset="0"/>
+              </a:endParaRPr>
+            </a:p>
+          </p:txBody>
+        </p:sp>
+      </p:grpSp>
+      <p:sp>
+        <p:nvSpPr>
+          <p:cNvPr id="121" name="Rectangle 120"/>
+          <p:cNvSpPr/>
+          <p:nvPr/>
+        </p:nvSpPr>
+        <p:spPr>
+          <a:xfrm>
+            <a:off x="3637990" y="2390000"/>
+            <a:ext cx="1487666" cy="3229674"/>
+          </a:xfrm>
+          <a:prstGeom prst="rect">
+            <a:avLst/>
+          </a:prstGeom>
+          <a:noFill/>
+          <a:ln w="19050">
+            <a:solidFill>
+              <a:srgbClr val="FF0000"/>
+            </a:solidFill>
+            <a:prstDash val="solid"/>
+          </a:ln>
+        </p:spPr>
+        <p:style>
+          <a:lnRef idx="2">
+            <a:schemeClr val="accent1">
+              <a:shade val="50000"/>
+            </a:schemeClr>
+          </a:lnRef>
+          <a:fillRef idx="1">
+            <a:schemeClr val="accent1"/>
+          </a:fillRef>
+          <a:effectRef idx="0">
+            <a:schemeClr val="accent1"/>
+          </a:effectRef>
+          <a:fontRef idx="minor">
+            <a:schemeClr val="lt1"/>
+          </a:fontRef>
+        </p:style>
+        <p:txBody>
+          <a:bodyPr rtlCol="0" anchor="ctr"/>
+          <a:lstStyle/>
+          <a:p>
+            <a:pPr algn="ctr"/>
+            <a:endParaRPr lang="en-US" b="1"/>
+          </a:p>
+        </p:txBody>
+      </p:sp>
+      <p:sp>
+        <p:nvSpPr>
+          <p:cNvPr id="128" name="TextBox 127"/>
+          <p:cNvSpPr txBox="1"/>
+          <p:nvPr/>
+        </p:nvSpPr>
+        <p:spPr>
+          <a:xfrm>
+            <a:off x="830691" y="2676184"/>
+            <a:ext cx="897172" cy="200055"/>
+          </a:xfrm>
+          <a:prstGeom prst="rect">
+            <a:avLst/>
+          </a:prstGeom>
+          <a:noFill/>
+        </p:spPr>
+        <p:txBody>
+          <a:bodyPr wrap="square" rtlCol="0">
+            <a:spAutoFit/>
+          </a:bodyPr>
+          <a:lstStyle/>
+          <a:p>
+            <a:pPr algn="ctr"/>
+            <a:r>
+              <a:rPr lang="en-US" sz="700" dirty="0" smtClean="0">
+                <a:latin typeface="Tahoma" panose="020B0604030504040204" pitchFamily="34" charset="0"/>
+                <a:ea typeface="Tahoma" panose="020B0604030504040204" pitchFamily="34" charset="0"/>
+                <a:cs typeface="Tahoma" panose="020B0604030504040204" pitchFamily="34" charset="0"/>
+              </a:rPr>
+              <a:t>(256, 23, 40)</a:t>
+            </a:r>
+            <a:endParaRPr lang="en-US" sz="700" dirty="0">
+              <a:latin typeface="Tahoma" panose="020B0604030504040204" pitchFamily="34" charset="0"/>
+              <a:ea typeface="Tahoma" panose="020B0604030504040204" pitchFamily="34" charset="0"/>
+              <a:cs typeface="Tahoma" panose="020B0604030504040204" pitchFamily="34" charset="0"/>
+            </a:endParaRPr>
+          </a:p>
+        </p:txBody>
+      </p:sp>
+      <p:sp>
+        <p:nvSpPr>
+          <p:cNvPr id="129" name="TextBox 128"/>
+          <p:cNvSpPr txBox="1"/>
+          <p:nvPr/>
+        </p:nvSpPr>
+        <p:spPr>
+          <a:xfrm>
+            <a:off x="2220820" y="1878165"/>
+            <a:ext cx="897172" cy="200055"/>
+          </a:xfrm>
+          <a:prstGeom prst="rect">
+            <a:avLst/>
+          </a:prstGeom>
+          <a:noFill/>
+        </p:spPr>
+        <p:txBody>
+          <a:bodyPr wrap="square" rtlCol="0">
+            <a:spAutoFit/>
+          </a:bodyPr>
+          <a:lstStyle/>
+          <a:p>
+            <a:pPr algn="ctr"/>
+            <a:r>
+              <a:rPr lang="en-US" sz="700" dirty="0" smtClean="0">
+                <a:latin typeface="Tahoma" panose="020B0604030504040204" pitchFamily="34" charset="0"/>
+                <a:ea typeface="Tahoma" panose="020B0604030504040204" pitchFamily="34" charset="0"/>
+                <a:cs typeface="Tahoma" panose="020B0604030504040204" pitchFamily="34" charset="0"/>
+              </a:rPr>
+              <a:t>(48, 90, 160)</a:t>
+            </a:r>
+            <a:endParaRPr lang="en-US" sz="700" dirty="0">
+              <a:latin typeface="Tahoma" panose="020B0604030504040204" pitchFamily="34" charset="0"/>
+              <a:ea typeface="Tahoma" panose="020B0604030504040204" pitchFamily="34" charset="0"/>
+              <a:cs typeface="Tahoma" panose="020B0604030504040204" pitchFamily="34" charset="0"/>
+            </a:endParaRPr>
+          </a:p>
+        </p:txBody>
+      </p:sp>
+      <p:sp>
+        <p:nvSpPr>
+          <p:cNvPr id="130" name="TextBox 129"/>
+          <p:cNvSpPr txBox="1"/>
+          <p:nvPr/>
+        </p:nvSpPr>
+        <p:spPr>
+          <a:xfrm>
+            <a:off x="2220820" y="2676183"/>
+            <a:ext cx="897172" cy="200055"/>
+          </a:xfrm>
+          <a:prstGeom prst="rect">
+            <a:avLst/>
+          </a:prstGeom>
+          <a:noFill/>
+        </p:spPr>
+        <p:txBody>
+          <a:bodyPr wrap="square" rtlCol="0">
+            <a:spAutoFit/>
+          </a:bodyPr>
+          <a:lstStyle/>
+          <a:p>
+            <a:pPr algn="ctr"/>
+            <a:r>
+              <a:rPr lang="en-US" sz="700" dirty="0" smtClean="0">
+                <a:latin typeface="Tahoma" panose="020B0604030504040204" pitchFamily="34" charset="0"/>
+                <a:ea typeface="Tahoma" panose="020B0604030504040204" pitchFamily="34" charset="0"/>
+                <a:cs typeface="Tahoma" panose="020B0604030504040204" pitchFamily="34" charset="0"/>
+              </a:rPr>
+              <a:t>(256, 90, 160)</a:t>
+            </a:r>
+            <a:endParaRPr lang="en-US" sz="700" dirty="0">
+              <a:latin typeface="Tahoma" panose="020B0604030504040204" pitchFamily="34" charset="0"/>
+              <a:ea typeface="Tahoma" panose="020B0604030504040204" pitchFamily="34" charset="0"/>
+              <a:cs typeface="Tahoma" panose="020B0604030504040204" pitchFamily="34" charset="0"/>
+            </a:endParaRPr>
+          </a:p>
+        </p:txBody>
+      </p:sp>
+      <p:sp>
+        <p:nvSpPr>
+          <p:cNvPr id="131" name="TextBox 130"/>
+          <p:cNvSpPr txBox="1"/>
+          <p:nvPr/>
+        </p:nvSpPr>
+        <p:spPr>
+          <a:xfrm rot="5400000">
+            <a:off x="4543219" y="3803715"/>
+            <a:ext cx="1542434" cy="261610"/>
+          </a:xfrm>
+          <a:prstGeom prst="rect">
+            <a:avLst/>
+          </a:prstGeom>
+          <a:noFill/>
+        </p:spPr>
+        <p:txBody>
+          <a:bodyPr wrap="square" rtlCol="0">
+            <a:spAutoFit/>
+          </a:bodyPr>
+          <a:lstStyle/>
+          <a:p>
+            <a:pPr algn="ctr"/>
+            <a:r>
+              <a:rPr lang="en-US" sz="1100" dirty="0" smtClean="0">
+                <a:solidFill>
+                  <a:srgbClr val="FF0000"/>
+                </a:solidFill>
+                <a:latin typeface="Tahoma" panose="020B0604030504040204" pitchFamily="34" charset="0"/>
+                <a:ea typeface="Tahoma" panose="020B0604030504040204" pitchFamily="34" charset="0"/>
+                <a:cs typeface="Tahoma" panose="020B0604030504040204" pitchFamily="34" charset="0"/>
+              </a:rPr>
+              <a:t>CLASSIFIER</a:t>
+            </a:r>
+            <a:endParaRPr lang="en-US" sz="1100" dirty="0">
+              <a:solidFill>
+                <a:srgbClr val="FF0000"/>
+              </a:solidFill>
+              <a:latin typeface="Tahoma" panose="020B0604030504040204" pitchFamily="34" charset="0"/>
+              <a:ea typeface="Tahoma" panose="020B0604030504040204" pitchFamily="34" charset="0"/>
+              <a:cs typeface="Tahoma" panose="020B0604030504040204" pitchFamily="34" charset="0"/>
+            </a:endParaRPr>
+          </a:p>
+        </p:txBody>
+      </p:sp>
+      <p:sp>
+        <p:nvSpPr>
+          <p:cNvPr id="132" name="TextBox 131"/>
+          <p:cNvSpPr txBox="1"/>
+          <p:nvPr/>
+        </p:nvSpPr>
+        <p:spPr>
+          <a:xfrm>
+            <a:off x="2991597" y="2183205"/>
+            <a:ext cx="897172" cy="200055"/>
+          </a:xfrm>
+          <a:prstGeom prst="rect">
+            <a:avLst/>
+          </a:prstGeom>
+          <a:noFill/>
+        </p:spPr>
+        <p:txBody>
+          <a:bodyPr wrap="square" rtlCol="0">
+            <a:spAutoFit/>
+          </a:bodyPr>
+          <a:lstStyle/>
+          <a:p>
+            <a:pPr algn="ctr"/>
+            <a:r>
+              <a:rPr lang="en-US" sz="700" dirty="0" smtClean="0">
+                <a:latin typeface="Tahoma" panose="020B0604030504040204" pitchFamily="34" charset="0"/>
+                <a:ea typeface="Tahoma" panose="020B0604030504040204" pitchFamily="34" charset="0"/>
+                <a:cs typeface="Tahoma" panose="020B0604030504040204" pitchFamily="34" charset="0"/>
+              </a:rPr>
+              <a:t>(304, 90, 160)</a:t>
+            </a:r>
+            <a:endParaRPr lang="en-US" sz="700" dirty="0">
+              <a:latin typeface="Tahoma" panose="020B0604030504040204" pitchFamily="34" charset="0"/>
+              <a:ea typeface="Tahoma" panose="020B0604030504040204" pitchFamily="34" charset="0"/>
+              <a:cs typeface="Tahoma" panose="020B0604030504040204" pitchFamily="34" charset="0"/>
+            </a:endParaRPr>
+          </a:p>
+        </p:txBody>
+      </p:sp>
+    </p:spTree>
+    <p:extLst>
+      <p:ext uri="{BB962C8B-B14F-4D97-AF65-F5344CB8AC3E}">
+        <p14:creationId xmlns:p14="http://schemas.microsoft.com/office/powerpoint/2010/main" val="1505300293"/>
+      </p:ext>
+    </p:extLst>
+  </p:cSld>
+  <p:clrMapOvr>
+    <a:masterClrMapping/>
+  </p:clrMapOvr>
+</p:sld>
+</file>
+
+<file path=ppt/slides/slide11.xml><?xml version="1.0" encoding="utf-8"?>
 <p:sld xmlns:a="http://schemas.openxmlformats.org/drawingml/2006/main" xmlns:r="http://schemas.openxmlformats.org/officeDocument/2006/relationships" xmlns:p="http://schemas.openxmlformats.org/presentationml/2006/main">
   <p:cSld>
     <p:spTree>
@@ -6835,7 +9196,7 @@
 </p:sld>
 </file>
 
-<file path=ppt/slides/slide11.xml><?xml version="1.0" encoding="utf-8"?>
+<file path=ppt/slides/slide12.xml><?xml version="1.0" encoding="utf-8"?>
 <p:sld xmlns:a="http://schemas.openxmlformats.org/drawingml/2006/main" xmlns:r="http://schemas.openxmlformats.org/officeDocument/2006/relationships" xmlns:p="http://schemas.openxmlformats.org/presentationml/2006/main">
   <p:cSld>
     <p:spTree>
@@ -8123,6 +10484,1337 @@
 </file>
 
 <file path=ppt/slides/slide2.xml><?xml version="1.0" encoding="utf-8"?>
+<p:sld xmlns:a="http://schemas.openxmlformats.org/drawingml/2006/main" xmlns:r="http://schemas.openxmlformats.org/officeDocument/2006/relationships" xmlns:p="http://schemas.openxmlformats.org/presentationml/2006/main">
+  <p:cSld>
+    <p:spTree>
+      <p:nvGrpSpPr>
+        <p:cNvPr id="1" name=""/>
+        <p:cNvGrpSpPr/>
+        <p:nvPr/>
+      </p:nvGrpSpPr>
+      <p:grpSpPr>
+        <a:xfrm>
+          <a:off x="0" y="0"/>
+          <a:ext cx="0" cy="0"/>
+          <a:chOff x="0" y="0"/>
+          <a:chExt cx="0" cy="0"/>
+        </a:xfrm>
+      </p:grpSpPr>
+      <p:pic>
+        <p:nvPicPr>
+          <p:cNvPr id="8" name="Picture 7"/>
+          <p:cNvPicPr>
+            <a:picLocks noChangeAspect="1"/>
+          </p:cNvPicPr>
+          <p:nvPr/>
+        </p:nvPicPr>
+        <p:blipFill>
+          <a:blip r:embed="rId2">
+            <a:extLst>
+              <a:ext uri="{28A0092B-C50C-407E-A947-70E740481C1C}">
+                <a14:useLocalDpi xmlns:a14="http://schemas.microsoft.com/office/drawing/2010/main" val="0"/>
+              </a:ext>
+            </a:extLst>
+          </a:blip>
+          <a:stretch>
+            <a:fillRect/>
+          </a:stretch>
+        </p:blipFill>
+        <p:spPr>
+          <a:xfrm>
+            <a:off x="414687" y="3384550"/>
+            <a:ext cx="1875726" cy="3857625"/>
+          </a:xfrm>
+          <a:prstGeom prst="rect">
+            <a:avLst/>
+          </a:prstGeom>
+        </p:spPr>
+      </p:pic>
+      <p:pic>
+        <p:nvPicPr>
+          <p:cNvPr id="5" name="Picture 4"/>
+          <p:cNvPicPr>
+            <a:picLocks noChangeAspect="1"/>
+          </p:cNvPicPr>
+          <p:nvPr/>
+        </p:nvPicPr>
+        <p:blipFill rotWithShape="1">
+          <a:blip r:embed="rId3"/>
+          <a:srcRect r="54415"/>
+          <a:stretch/>
+        </p:blipFill>
+        <p:spPr>
+          <a:xfrm>
+            <a:off x="95251" y="1058799"/>
+            <a:ext cx="2057400" cy="1156622"/>
+          </a:xfrm>
+          <a:prstGeom prst="rect">
+            <a:avLst/>
+          </a:prstGeom>
+        </p:spPr>
+      </p:pic>
+      <p:pic>
+        <p:nvPicPr>
+          <p:cNvPr id="9" name="Picture 8"/>
+          <p:cNvPicPr>
+            <a:picLocks noChangeAspect="1"/>
+          </p:cNvPicPr>
+          <p:nvPr/>
+        </p:nvPicPr>
+        <p:blipFill rotWithShape="1">
+          <a:blip r:embed="rId3"/>
+          <a:srcRect l="54602"/>
+          <a:stretch/>
+        </p:blipFill>
+        <p:spPr>
+          <a:xfrm>
+            <a:off x="4678014" y="1054015"/>
+            <a:ext cx="2057400" cy="1161406"/>
+          </a:xfrm>
+          <a:prstGeom prst="rect">
+            <a:avLst/>
+          </a:prstGeom>
+        </p:spPr>
+      </p:pic>
+      <p:cxnSp>
+        <p:nvCxnSpPr>
+          <p:cNvPr id="11" name="Straight Arrow Connector 10"/>
+          <p:cNvCxnSpPr>
+            <a:stCxn id="5" idx="3"/>
+          </p:cNvCxnSpPr>
+          <p:nvPr/>
+        </p:nvCxnSpPr>
+        <p:spPr>
+          <a:xfrm flipV="1">
+            <a:off x="2152651" y="1634717"/>
+            <a:ext cx="369082" cy="2393"/>
+          </a:xfrm>
+          <a:prstGeom prst="straightConnector1">
+            <a:avLst/>
+          </a:prstGeom>
+          <a:ln>
+            <a:tailEnd type="triangle"/>
+          </a:ln>
+        </p:spPr>
+        <p:style>
+          <a:lnRef idx="1">
+            <a:schemeClr val="accent1"/>
+          </a:lnRef>
+          <a:fillRef idx="0">
+            <a:schemeClr val="accent1"/>
+          </a:fillRef>
+          <a:effectRef idx="0">
+            <a:schemeClr val="accent1"/>
+          </a:effectRef>
+          <a:fontRef idx="minor">
+            <a:schemeClr val="tx1"/>
+          </a:fontRef>
+        </p:style>
+      </p:cxnSp>
+      <p:cxnSp>
+        <p:nvCxnSpPr>
+          <p:cNvPr id="12" name="Straight Arrow Connector 11"/>
+          <p:cNvCxnSpPr>
+            <a:endCxn id="9" idx="1"/>
+          </p:cNvCxnSpPr>
+          <p:nvPr/>
+        </p:nvCxnSpPr>
+        <p:spPr>
+          <a:xfrm>
+            <a:off x="4308932" y="1634717"/>
+            <a:ext cx="369082" cy="1"/>
+          </a:xfrm>
+          <a:prstGeom prst="straightConnector1">
+            <a:avLst/>
+          </a:prstGeom>
+          <a:ln>
+            <a:tailEnd type="triangle"/>
+          </a:ln>
+        </p:spPr>
+        <p:style>
+          <a:lnRef idx="1">
+            <a:schemeClr val="accent1"/>
+          </a:lnRef>
+          <a:fillRef idx="0">
+            <a:schemeClr val="accent1"/>
+          </a:fillRef>
+          <a:effectRef idx="0">
+            <a:schemeClr val="accent1"/>
+          </a:effectRef>
+          <a:fontRef idx="minor">
+            <a:schemeClr val="tx1"/>
+          </a:fontRef>
+        </p:style>
+      </p:cxnSp>
+      <p:sp>
+        <p:nvSpPr>
+          <p:cNvPr id="23" name="Rounded Rectangle 22"/>
+          <p:cNvSpPr/>
+          <p:nvPr/>
+        </p:nvSpPr>
+        <p:spPr>
+          <a:xfrm>
+            <a:off x="2521733" y="1054015"/>
+            <a:ext cx="890057" cy="1162066"/>
+          </a:xfrm>
+          <a:prstGeom prst="roundRect">
+            <a:avLst/>
+          </a:prstGeom>
+          <a:solidFill>
+            <a:schemeClr val="accent2"/>
+          </a:solidFill>
+          <a:ln>
+            <a:noFill/>
+          </a:ln>
+        </p:spPr>
+        <p:style>
+          <a:lnRef idx="2">
+            <a:schemeClr val="accent1">
+              <a:shade val="50000"/>
+            </a:schemeClr>
+          </a:lnRef>
+          <a:fillRef idx="1">
+            <a:schemeClr val="accent1"/>
+          </a:fillRef>
+          <a:effectRef idx="0">
+            <a:schemeClr val="accent1"/>
+          </a:effectRef>
+          <a:fontRef idx="minor">
+            <a:schemeClr val="lt1"/>
+          </a:fontRef>
+        </p:style>
+        <p:txBody>
+          <a:bodyPr rot="0" spcFirstLastPara="0" vertOverflow="overflow" horzOverflow="overflow" vert="horz" wrap="square" lIns="51435" tIns="25718" rIns="51435" bIns="25718" numCol="1" spcCol="0" rtlCol="0" fromWordArt="0" anchor="ctr" anchorCtr="0" forceAA="0" compatLnSpc="1">
+            <a:prstTxWarp prst="textNoShape">
+              <a:avLst/>
+            </a:prstTxWarp>
+            <a:noAutofit/>
+          </a:bodyPr>
+          <a:lstStyle/>
+          <a:p>
+            <a:pPr algn="ctr"/>
+            <a:r>
+              <a:rPr lang="en-US" sz="1000" dirty="0" smtClean="0">
+                <a:latin typeface="Tahoma" panose="020B0604030504040204" pitchFamily="34" charset="0"/>
+                <a:ea typeface="Tahoma" panose="020B0604030504040204" pitchFamily="34" charset="0"/>
+                <a:cs typeface="Tahoma" panose="020B0604030504040204" pitchFamily="34" charset="0"/>
+              </a:rPr>
+              <a:t>Resnet</a:t>
+            </a:r>
+            <a:r>
+              <a:rPr lang="en-US" sz="1000" dirty="0" smtClean="0">
+                <a:latin typeface="Tahoma" panose="020B0604030504040204" pitchFamily="34" charset="0"/>
+                <a:ea typeface="Tahoma" panose="020B0604030504040204" pitchFamily="34" charset="0"/>
+                <a:cs typeface="Tahoma" panose="020B0604030504040204" pitchFamily="34" charset="0"/>
+              </a:rPr>
+              <a:t>50 backbone</a:t>
+            </a:r>
+            <a:endParaRPr lang="en-US" sz="1000" dirty="0">
+              <a:latin typeface="Tahoma" panose="020B0604030504040204" pitchFamily="34" charset="0"/>
+              <a:ea typeface="Tahoma" panose="020B0604030504040204" pitchFamily="34" charset="0"/>
+              <a:cs typeface="Tahoma" panose="020B0604030504040204" pitchFamily="34" charset="0"/>
+            </a:endParaRPr>
+          </a:p>
+        </p:txBody>
+      </p:sp>
+      <p:sp>
+        <p:nvSpPr>
+          <p:cNvPr id="25" name="TextBox 24"/>
+          <p:cNvSpPr txBox="1"/>
+          <p:nvPr/>
+        </p:nvSpPr>
+        <p:spPr>
+          <a:xfrm>
+            <a:off x="4378512" y="3541836"/>
+            <a:ext cx="1123951" cy="246221"/>
+          </a:xfrm>
+          <a:prstGeom prst="rect">
+            <a:avLst/>
+          </a:prstGeom>
+          <a:noFill/>
+        </p:spPr>
+        <p:txBody>
+          <a:bodyPr wrap="square" rtlCol="0">
+            <a:spAutoFit/>
+          </a:bodyPr>
+          <a:lstStyle/>
+          <a:p>
+            <a:pPr algn="ctr"/>
+            <a:r>
+              <a:rPr lang="en-US" sz="1000" dirty="0" smtClean="0">
+                <a:latin typeface="Tahoma" panose="020B0604030504040204" pitchFamily="34" charset="0"/>
+                <a:ea typeface="Tahoma" panose="020B0604030504040204" pitchFamily="34" charset="0"/>
+                <a:cs typeface="Tahoma" panose="020B0604030504040204" pitchFamily="34" charset="0"/>
+              </a:rPr>
+              <a:t>(3, 360, 640)</a:t>
+            </a:r>
+            <a:endParaRPr lang="en-US" sz="1000" dirty="0">
+              <a:latin typeface="Tahoma" panose="020B0604030504040204" pitchFamily="34" charset="0"/>
+              <a:ea typeface="Tahoma" panose="020B0604030504040204" pitchFamily="34" charset="0"/>
+              <a:cs typeface="Tahoma" panose="020B0604030504040204" pitchFamily="34" charset="0"/>
+            </a:endParaRPr>
+          </a:p>
+        </p:txBody>
+      </p:sp>
+      <p:grpSp>
+        <p:nvGrpSpPr>
+          <p:cNvPr id="26" name="Group 25"/>
+          <p:cNvGrpSpPr/>
+          <p:nvPr/>
+        </p:nvGrpSpPr>
+        <p:grpSpPr>
+          <a:xfrm>
+            <a:off x="3481444" y="3971383"/>
+            <a:ext cx="2021019" cy="3690229"/>
+            <a:chOff x="1798694" y="3812633"/>
+            <a:chExt cx="2021019" cy="3690229"/>
+          </a:xfrm>
+        </p:grpSpPr>
+        <p:grpSp>
+          <p:nvGrpSpPr>
+            <p:cNvPr id="27" name="Group 26"/>
+            <p:cNvGrpSpPr/>
+            <p:nvPr/>
+          </p:nvGrpSpPr>
+          <p:grpSpPr>
+            <a:xfrm>
+              <a:off x="1798694" y="3812633"/>
+              <a:ext cx="2021019" cy="3690229"/>
+              <a:chOff x="1798694" y="3812633"/>
+              <a:chExt cx="2021019" cy="3690229"/>
+            </a:xfrm>
+          </p:grpSpPr>
+          <p:grpSp>
+            <p:nvGrpSpPr>
+              <p:cNvPr id="29" name="Group 28"/>
+              <p:cNvGrpSpPr/>
+              <p:nvPr/>
+            </p:nvGrpSpPr>
+            <p:grpSpPr>
+              <a:xfrm>
+                <a:off x="1798694" y="3812633"/>
+                <a:ext cx="2021019" cy="1729721"/>
+                <a:chOff x="1798694" y="3812633"/>
+                <a:chExt cx="2021019" cy="1729721"/>
+              </a:xfrm>
+            </p:grpSpPr>
+            <p:grpSp>
+              <p:nvGrpSpPr>
+                <p:cNvPr id="40" name="Group 39"/>
+                <p:cNvGrpSpPr/>
+                <p:nvPr/>
+              </p:nvGrpSpPr>
+              <p:grpSpPr>
+                <a:xfrm>
+                  <a:off x="1798694" y="3812633"/>
+                  <a:ext cx="1775086" cy="1729721"/>
+                  <a:chOff x="1798694" y="3812633"/>
+                  <a:chExt cx="1775086" cy="1729721"/>
+                </a:xfrm>
+              </p:grpSpPr>
+              <p:sp>
+                <p:nvSpPr>
+                  <p:cNvPr id="43" name="Rounded Rectangle 42"/>
+                  <p:cNvSpPr/>
+                  <p:nvPr/>
+                </p:nvSpPr>
+                <p:spPr>
+                  <a:xfrm>
+                    <a:off x="1798694" y="3812633"/>
+                    <a:ext cx="1775086" cy="399071"/>
+                  </a:xfrm>
+                  <a:prstGeom prst="roundRect">
+                    <a:avLst/>
+                  </a:prstGeom>
+                  <a:solidFill>
+                    <a:schemeClr val="accent4">
+                      <a:lumMod val="20000"/>
+                      <a:lumOff val="80000"/>
+                    </a:schemeClr>
+                  </a:solidFill>
+                  <a:ln>
+                    <a:solidFill>
+                      <a:schemeClr val="bg1">
+                        <a:lumMod val="75000"/>
+                      </a:schemeClr>
+                    </a:solidFill>
+                  </a:ln>
+                </p:spPr>
+                <p:style>
+                  <a:lnRef idx="2">
+                    <a:schemeClr val="accent1">
+                      <a:shade val="50000"/>
+                    </a:schemeClr>
+                  </a:lnRef>
+                  <a:fillRef idx="1">
+                    <a:schemeClr val="accent1"/>
+                  </a:fillRef>
+                  <a:effectRef idx="0">
+                    <a:schemeClr val="accent1"/>
+                  </a:effectRef>
+                  <a:fontRef idx="minor">
+                    <a:schemeClr val="lt1"/>
+                  </a:fontRef>
+                </p:style>
+                <p:txBody>
+                  <a:bodyPr rot="0" spcFirstLastPara="0" vertOverflow="overflow" horzOverflow="overflow" vert="horz" wrap="square" lIns="51435" tIns="25718" rIns="51435" bIns="25718" numCol="1" spcCol="0" rtlCol="0" fromWordArt="0" anchor="ctr" anchorCtr="0" forceAA="0" compatLnSpc="1">
+                    <a:prstTxWarp prst="textNoShape">
+                      <a:avLst/>
+                    </a:prstTxWarp>
+                    <a:noAutofit/>
+                  </a:bodyPr>
+                  <a:lstStyle/>
+                  <a:p>
+                    <a:pPr algn="ctr"/>
+                    <a:r>
+                      <a:rPr lang="en-US" sz="1013" b="1" dirty="0" smtClean="0">
+                        <a:solidFill>
+                          <a:schemeClr val="accent1">
+                            <a:lumMod val="50000"/>
+                          </a:schemeClr>
+                        </a:solidFill>
+                        <a:latin typeface="Tahoma" panose="020B0604030504040204" pitchFamily="34" charset="0"/>
+                        <a:ea typeface="Tahoma" panose="020B0604030504040204" pitchFamily="34" charset="0"/>
+                        <a:cs typeface="Tahoma" panose="020B0604030504040204" pitchFamily="34" charset="0"/>
+                      </a:rPr>
+                      <a:t>Conv2d(3, 64, 3)</a:t>
+                    </a:r>
+                    <a:endParaRPr lang="en-US" sz="1013" b="1" dirty="0">
+                      <a:solidFill>
+                        <a:schemeClr val="accent1">
+                          <a:lumMod val="50000"/>
+                        </a:schemeClr>
+                      </a:solidFill>
+                      <a:latin typeface="Tahoma" panose="020B0604030504040204" pitchFamily="34" charset="0"/>
+                      <a:ea typeface="Tahoma" panose="020B0604030504040204" pitchFamily="34" charset="0"/>
+                      <a:cs typeface="Tahoma" panose="020B0604030504040204" pitchFamily="34" charset="0"/>
+                    </a:endParaRPr>
+                  </a:p>
+                </p:txBody>
+              </p:sp>
+              <p:sp>
+                <p:nvSpPr>
+                  <p:cNvPr id="44" name="Rounded Rectangle 43"/>
+                  <p:cNvSpPr/>
+                  <p:nvPr/>
+                </p:nvSpPr>
+                <p:spPr>
+                  <a:xfrm>
+                    <a:off x="1798694" y="4477958"/>
+                    <a:ext cx="1775086" cy="399071"/>
+                  </a:xfrm>
+                  <a:prstGeom prst="roundRect">
+                    <a:avLst/>
+                  </a:prstGeom>
+                  <a:solidFill>
+                    <a:schemeClr val="accent4">
+                      <a:lumMod val="20000"/>
+                      <a:lumOff val="80000"/>
+                    </a:schemeClr>
+                  </a:solidFill>
+                  <a:ln>
+                    <a:solidFill>
+                      <a:schemeClr val="bg1">
+                        <a:lumMod val="75000"/>
+                      </a:schemeClr>
+                    </a:solidFill>
+                  </a:ln>
+                </p:spPr>
+                <p:style>
+                  <a:lnRef idx="2">
+                    <a:schemeClr val="accent1">
+                      <a:shade val="50000"/>
+                    </a:schemeClr>
+                  </a:lnRef>
+                  <a:fillRef idx="1">
+                    <a:schemeClr val="accent1"/>
+                  </a:fillRef>
+                  <a:effectRef idx="0">
+                    <a:schemeClr val="accent1"/>
+                  </a:effectRef>
+                  <a:fontRef idx="minor">
+                    <a:schemeClr val="lt1"/>
+                  </a:fontRef>
+                </p:style>
+                <p:txBody>
+                  <a:bodyPr rot="0" spcFirstLastPara="0" vertOverflow="overflow" horzOverflow="overflow" vert="horz" wrap="square" lIns="51435" tIns="25718" rIns="51435" bIns="25718" numCol="1" spcCol="0" rtlCol="0" fromWordArt="0" anchor="ctr" anchorCtr="0" forceAA="0" compatLnSpc="1">
+                    <a:prstTxWarp prst="textNoShape">
+                      <a:avLst/>
+                    </a:prstTxWarp>
+                    <a:noAutofit/>
+                  </a:bodyPr>
+                  <a:lstStyle/>
+                  <a:p>
+                    <a:pPr algn="ctr"/>
+                    <a:r>
+                      <a:rPr lang="en-US" sz="1013" b="1" dirty="0" smtClean="0">
+                        <a:solidFill>
+                          <a:schemeClr val="accent1">
+                            <a:lumMod val="50000"/>
+                          </a:schemeClr>
+                        </a:solidFill>
+                        <a:latin typeface="Tahoma" panose="020B0604030504040204" pitchFamily="34" charset="0"/>
+                        <a:ea typeface="Tahoma" panose="020B0604030504040204" pitchFamily="34" charset="0"/>
+                        <a:cs typeface="Tahoma" panose="020B0604030504040204" pitchFamily="34" charset="0"/>
+                      </a:rPr>
+                      <a:t>BatchNorm2d(64)</a:t>
+                    </a:r>
+                    <a:endParaRPr lang="en-US" sz="1013" b="1" dirty="0">
+                      <a:solidFill>
+                        <a:schemeClr val="accent1">
+                          <a:lumMod val="50000"/>
+                        </a:schemeClr>
+                      </a:solidFill>
+                      <a:latin typeface="Tahoma" panose="020B0604030504040204" pitchFamily="34" charset="0"/>
+                      <a:ea typeface="Tahoma" panose="020B0604030504040204" pitchFamily="34" charset="0"/>
+                      <a:cs typeface="Tahoma" panose="020B0604030504040204" pitchFamily="34" charset="0"/>
+                    </a:endParaRPr>
+                  </a:p>
+                </p:txBody>
+              </p:sp>
+              <p:sp>
+                <p:nvSpPr>
+                  <p:cNvPr id="45" name="Rounded Rectangle 44"/>
+                  <p:cNvSpPr/>
+                  <p:nvPr/>
+                </p:nvSpPr>
+                <p:spPr>
+                  <a:xfrm>
+                    <a:off x="1798694" y="5143283"/>
+                    <a:ext cx="1775086" cy="399071"/>
+                  </a:xfrm>
+                  <a:prstGeom prst="roundRect">
+                    <a:avLst/>
+                  </a:prstGeom>
+                  <a:solidFill>
+                    <a:schemeClr val="accent4">
+                      <a:lumMod val="20000"/>
+                      <a:lumOff val="80000"/>
+                    </a:schemeClr>
+                  </a:solidFill>
+                  <a:ln>
+                    <a:solidFill>
+                      <a:schemeClr val="bg1">
+                        <a:lumMod val="75000"/>
+                      </a:schemeClr>
+                    </a:solidFill>
+                  </a:ln>
+                </p:spPr>
+                <p:style>
+                  <a:lnRef idx="2">
+                    <a:schemeClr val="accent1">
+                      <a:shade val="50000"/>
+                    </a:schemeClr>
+                  </a:lnRef>
+                  <a:fillRef idx="1">
+                    <a:schemeClr val="accent1"/>
+                  </a:fillRef>
+                  <a:effectRef idx="0">
+                    <a:schemeClr val="accent1"/>
+                  </a:effectRef>
+                  <a:fontRef idx="minor">
+                    <a:schemeClr val="lt1"/>
+                  </a:fontRef>
+                </p:style>
+                <p:txBody>
+                  <a:bodyPr rot="0" spcFirstLastPara="0" vertOverflow="overflow" horzOverflow="overflow" vert="horz" wrap="square" lIns="51435" tIns="25718" rIns="51435" bIns="25718" numCol="1" spcCol="0" rtlCol="0" fromWordArt="0" anchor="ctr" anchorCtr="0" forceAA="0" compatLnSpc="1">
+                    <a:prstTxWarp prst="textNoShape">
+                      <a:avLst/>
+                    </a:prstTxWarp>
+                    <a:noAutofit/>
+                  </a:bodyPr>
+                  <a:lstStyle/>
+                  <a:p>
+                    <a:pPr algn="ctr"/>
+                    <a:r>
+                      <a:rPr lang="en-US" sz="1013" b="1" dirty="0" smtClean="0">
+                        <a:solidFill>
+                          <a:schemeClr val="accent1">
+                            <a:lumMod val="50000"/>
+                          </a:schemeClr>
+                        </a:solidFill>
+                        <a:latin typeface="Tahoma" panose="020B0604030504040204" pitchFamily="34" charset="0"/>
+                        <a:ea typeface="Tahoma" panose="020B0604030504040204" pitchFamily="34" charset="0"/>
+                        <a:cs typeface="Tahoma" panose="020B0604030504040204" pitchFamily="34" charset="0"/>
+                      </a:rPr>
+                      <a:t>ReLU Activation</a:t>
+                    </a:r>
+                    <a:endParaRPr lang="en-US" sz="1013" b="1" dirty="0">
+                      <a:solidFill>
+                        <a:schemeClr val="accent1">
+                          <a:lumMod val="50000"/>
+                        </a:schemeClr>
+                      </a:solidFill>
+                      <a:latin typeface="Tahoma" panose="020B0604030504040204" pitchFamily="34" charset="0"/>
+                      <a:ea typeface="Tahoma" panose="020B0604030504040204" pitchFamily="34" charset="0"/>
+                      <a:cs typeface="Tahoma" panose="020B0604030504040204" pitchFamily="34" charset="0"/>
+                    </a:endParaRPr>
+                  </a:p>
+                </p:txBody>
+              </p:sp>
+              <p:cxnSp>
+                <p:nvCxnSpPr>
+                  <p:cNvPr id="46" name="Straight Arrow Connector 45"/>
+                  <p:cNvCxnSpPr>
+                    <a:stCxn id="43" idx="2"/>
+                    <a:endCxn id="44" idx="0"/>
+                  </p:cNvCxnSpPr>
+                  <p:nvPr/>
+                </p:nvCxnSpPr>
+                <p:spPr>
+                  <a:xfrm>
+                    <a:off x="2686237" y="4211704"/>
+                    <a:ext cx="0" cy="266254"/>
+                  </a:xfrm>
+                  <a:prstGeom prst="straightConnector1">
+                    <a:avLst/>
+                  </a:prstGeom>
+                  <a:ln>
+                    <a:solidFill>
+                      <a:schemeClr val="tx1"/>
+                    </a:solidFill>
+                    <a:tailEnd type="triangle"/>
+                  </a:ln>
+                </p:spPr>
+                <p:style>
+                  <a:lnRef idx="1">
+                    <a:schemeClr val="accent1"/>
+                  </a:lnRef>
+                  <a:fillRef idx="0">
+                    <a:schemeClr val="accent1"/>
+                  </a:fillRef>
+                  <a:effectRef idx="0">
+                    <a:schemeClr val="accent1"/>
+                  </a:effectRef>
+                  <a:fontRef idx="minor">
+                    <a:schemeClr val="tx1"/>
+                  </a:fontRef>
+                </p:style>
+              </p:cxnSp>
+              <p:cxnSp>
+                <p:nvCxnSpPr>
+                  <p:cNvPr id="47" name="Straight Arrow Connector 46"/>
+                  <p:cNvCxnSpPr>
+                    <a:stCxn id="44" idx="2"/>
+                    <a:endCxn id="45" idx="0"/>
+                  </p:cNvCxnSpPr>
+                  <p:nvPr/>
+                </p:nvCxnSpPr>
+                <p:spPr>
+                  <a:xfrm>
+                    <a:off x="2686237" y="4877029"/>
+                    <a:ext cx="0" cy="266254"/>
+                  </a:xfrm>
+                  <a:prstGeom prst="straightConnector1">
+                    <a:avLst/>
+                  </a:prstGeom>
+                  <a:ln>
+                    <a:solidFill>
+                      <a:schemeClr val="tx1"/>
+                    </a:solidFill>
+                    <a:tailEnd type="triangle"/>
+                  </a:ln>
+                </p:spPr>
+                <p:style>
+                  <a:lnRef idx="1">
+                    <a:schemeClr val="accent1"/>
+                  </a:lnRef>
+                  <a:fillRef idx="0">
+                    <a:schemeClr val="accent1"/>
+                  </a:fillRef>
+                  <a:effectRef idx="0">
+                    <a:schemeClr val="accent1"/>
+                  </a:effectRef>
+                  <a:fontRef idx="minor">
+                    <a:schemeClr val="tx1"/>
+                  </a:fontRef>
+                </p:style>
+              </p:cxnSp>
+            </p:grpSp>
+            <p:sp>
+              <p:nvSpPr>
+                <p:cNvPr id="41" name="TextBox 40"/>
+                <p:cNvSpPr txBox="1"/>
+                <p:nvPr/>
+              </p:nvSpPr>
+              <p:spPr>
+                <a:xfrm>
+                  <a:off x="2695762" y="4221282"/>
+                  <a:ext cx="1123951" cy="246221"/>
+                </a:xfrm>
+                <a:prstGeom prst="rect">
+                  <a:avLst/>
+                </a:prstGeom>
+                <a:noFill/>
+              </p:spPr>
+              <p:txBody>
+                <a:bodyPr wrap="square" rtlCol="0">
+                  <a:spAutoFit/>
+                </a:bodyPr>
+                <a:lstStyle/>
+                <a:p>
+                  <a:pPr algn="ctr"/>
+                  <a:r>
+                    <a:rPr lang="en-US" sz="1000" dirty="0" smtClean="0">
+                      <a:latin typeface="Tahoma" panose="020B0604030504040204" pitchFamily="34" charset="0"/>
+                      <a:ea typeface="Tahoma" panose="020B0604030504040204" pitchFamily="34" charset="0"/>
+                      <a:cs typeface="Tahoma" panose="020B0604030504040204" pitchFamily="34" charset="0"/>
+                    </a:rPr>
+                    <a:t>(64, 360, 640)</a:t>
+                  </a:r>
+                  <a:endParaRPr lang="en-US" sz="1000" dirty="0">
+                    <a:latin typeface="Tahoma" panose="020B0604030504040204" pitchFamily="34" charset="0"/>
+                    <a:ea typeface="Tahoma" panose="020B0604030504040204" pitchFamily="34" charset="0"/>
+                    <a:cs typeface="Tahoma" panose="020B0604030504040204" pitchFamily="34" charset="0"/>
+                  </a:endParaRPr>
+                </a:p>
+              </p:txBody>
+            </p:sp>
+            <p:sp>
+              <p:nvSpPr>
+                <p:cNvPr id="42" name="TextBox 41"/>
+                <p:cNvSpPr txBox="1"/>
+                <p:nvPr/>
+              </p:nvSpPr>
+              <p:spPr>
+                <a:xfrm>
+                  <a:off x="2695762" y="4891644"/>
+                  <a:ext cx="1123951" cy="246221"/>
+                </a:xfrm>
+                <a:prstGeom prst="rect">
+                  <a:avLst/>
+                </a:prstGeom>
+                <a:noFill/>
+              </p:spPr>
+              <p:txBody>
+                <a:bodyPr wrap="square" rtlCol="0">
+                  <a:spAutoFit/>
+                </a:bodyPr>
+                <a:lstStyle/>
+                <a:p>
+                  <a:pPr algn="ctr"/>
+                  <a:r>
+                    <a:rPr lang="en-US" sz="1000" dirty="0" smtClean="0">
+                      <a:latin typeface="Tahoma" panose="020B0604030504040204" pitchFamily="34" charset="0"/>
+                      <a:ea typeface="Tahoma" panose="020B0604030504040204" pitchFamily="34" charset="0"/>
+                      <a:cs typeface="Tahoma" panose="020B0604030504040204" pitchFamily="34" charset="0"/>
+                    </a:rPr>
+                    <a:t>(64, 360, 640)</a:t>
+                  </a:r>
+                  <a:endParaRPr lang="en-US" sz="1000" dirty="0">
+                    <a:latin typeface="Tahoma" panose="020B0604030504040204" pitchFamily="34" charset="0"/>
+                    <a:ea typeface="Tahoma" panose="020B0604030504040204" pitchFamily="34" charset="0"/>
+                    <a:cs typeface="Tahoma" panose="020B0604030504040204" pitchFamily="34" charset="0"/>
+                  </a:endParaRPr>
+                </a:p>
+              </p:txBody>
+            </p:sp>
+          </p:grpSp>
+          <p:grpSp>
+            <p:nvGrpSpPr>
+              <p:cNvPr id="30" name="Group 29"/>
+              <p:cNvGrpSpPr/>
+              <p:nvPr/>
+            </p:nvGrpSpPr>
+            <p:grpSpPr>
+              <a:xfrm>
+                <a:off x="1798694" y="5773141"/>
+                <a:ext cx="2021019" cy="1729721"/>
+                <a:chOff x="1798694" y="3812633"/>
+                <a:chExt cx="2021019" cy="1729721"/>
+              </a:xfrm>
+            </p:grpSpPr>
+            <p:grpSp>
+              <p:nvGrpSpPr>
+                <p:cNvPr id="32" name="Group 31"/>
+                <p:cNvGrpSpPr/>
+                <p:nvPr/>
+              </p:nvGrpSpPr>
+              <p:grpSpPr>
+                <a:xfrm>
+                  <a:off x="1798694" y="3812633"/>
+                  <a:ext cx="1775086" cy="1729721"/>
+                  <a:chOff x="1798694" y="3812633"/>
+                  <a:chExt cx="1775086" cy="1729721"/>
+                </a:xfrm>
+              </p:grpSpPr>
+              <p:sp>
+                <p:nvSpPr>
+                  <p:cNvPr id="35" name="Rounded Rectangle 34"/>
+                  <p:cNvSpPr/>
+                  <p:nvPr/>
+                </p:nvSpPr>
+                <p:spPr>
+                  <a:xfrm>
+                    <a:off x="1798694" y="3812633"/>
+                    <a:ext cx="1775086" cy="399071"/>
+                  </a:xfrm>
+                  <a:prstGeom prst="roundRect">
+                    <a:avLst/>
+                  </a:prstGeom>
+                  <a:solidFill>
+                    <a:schemeClr val="accent4">
+                      <a:lumMod val="20000"/>
+                      <a:lumOff val="80000"/>
+                    </a:schemeClr>
+                  </a:solidFill>
+                  <a:ln>
+                    <a:solidFill>
+                      <a:schemeClr val="bg1">
+                        <a:lumMod val="75000"/>
+                      </a:schemeClr>
+                    </a:solidFill>
+                  </a:ln>
+                </p:spPr>
+                <p:style>
+                  <a:lnRef idx="2">
+                    <a:schemeClr val="accent1">
+                      <a:shade val="50000"/>
+                    </a:schemeClr>
+                  </a:lnRef>
+                  <a:fillRef idx="1">
+                    <a:schemeClr val="accent1"/>
+                  </a:fillRef>
+                  <a:effectRef idx="0">
+                    <a:schemeClr val="accent1"/>
+                  </a:effectRef>
+                  <a:fontRef idx="minor">
+                    <a:schemeClr val="lt1"/>
+                  </a:fontRef>
+                </p:style>
+                <p:txBody>
+                  <a:bodyPr rot="0" spcFirstLastPara="0" vertOverflow="overflow" horzOverflow="overflow" vert="horz" wrap="square" lIns="51435" tIns="25718" rIns="51435" bIns="25718" numCol="1" spcCol="0" rtlCol="0" fromWordArt="0" anchor="ctr" anchorCtr="0" forceAA="0" compatLnSpc="1">
+                    <a:prstTxWarp prst="textNoShape">
+                      <a:avLst/>
+                    </a:prstTxWarp>
+                    <a:noAutofit/>
+                  </a:bodyPr>
+                  <a:lstStyle/>
+                  <a:p>
+                    <a:pPr algn="ctr"/>
+                    <a:r>
+                      <a:rPr lang="en-US" sz="1013" b="1" dirty="0" smtClean="0">
+                        <a:solidFill>
+                          <a:schemeClr val="accent1">
+                            <a:lumMod val="50000"/>
+                          </a:schemeClr>
+                        </a:solidFill>
+                        <a:latin typeface="Tahoma" panose="020B0604030504040204" pitchFamily="34" charset="0"/>
+                        <a:ea typeface="Tahoma" panose="020B0604030504040204" pitchFamily="34" charset="0"/>
+                        <a:cs typeface="Tahoma" panose="020B0604030504040204" pitchFamily="34" charset="0"/>
+                      </a:rPr>
+                      <a:t>Conv2d(64, 64, 3)</a:t>
+                    </a:r>
+                    <a:endParaRPr lang="en-US" sz="1013" b="1" dirty="0">
+                      <a:solidFill>
+                        <a:schemeClr val="accent1">
+                          <a:lumMod val="50000"/>
+                        </a:schemeClr>
+                      </a:solidFill>
+                      <a:latin typeface="Tahoma" panose="020B0604030504040204" pitchFamily="34" charset="0"/>
+                      <a:ea typeface="Tahoma" panose="020B0604030504040204" pitchFamily="34" charset="0"/>
+                      <a:cs typeface="Tahoma" panose="020B0604030504040204" pitchFamily="34" charset="0"/>
+                    </a:endParaRPr>
+                  </a:p>
+                </p:txBody>
+              </p:sp>
+              <p:sp>
+                <p:nvSpPr>
+                  <p:cNvPr id="36" name="Rounded Rectangle 35"/>
+                  <p:cNvSpPr/>
+                  <p:nvPr/>
+                </p:nvSpPr>
+                <p:spPr>
+                  <a:xfrm>
+                    <a:off x="1798694" y="4477958"/>
+                    <a:ext cx="1775086" cy="399071"/>
+                  </a:xfrm>
+                  <a:prstGeom prst="roundRect">
+                    <a:avLst/>
+                  </a:prstGeom>
+                  <a:solidFill>
+                    <a:schemeClr val="accent4">
+                      <a:lumMod val="20000"/>
+                      <a:lumOff val="80000"/>
+                    </a:schemeClr>
+                  </a:solidFill>
+                  <a:ln>
+                    <a:solidFill>
+                      <a:schemeClr val="bg1">
+                        <a:lumMod val="75000"/>
+                      </a:schemeClr>
+                    </a:solidFill>
+                  </a:ln>
+                </p:spPr>
+                <p:style>
+                  <a:lnRef idx="2">
+                    <a:schemeClr val="accent1">
+                      <a:shade val="50000"/>
+                    </a:schemeClr>
+                  </a:lnRef>
+                  <a:fillRef idx="1">
+                    <a:schemeClr val="accent1"/>
+                  </a:fillRef>
+                  <a:effectRef idx="0">
+                    <a:schemeClr val="accent1"/>
+                  </a:effectRef>
+                  <a:fontRef idx="minor">
+                    <a:schemeClr val="lt1"/>
+                  </a:fontRef>
+                </p:style>
+                <p:txBody>
+                  <a:bodyPr rot="0" spcFirstLastPara="0" vertOverflow="overflow" horzOverflow="overflow" vert="horz" wrap="square" lIns="51435" tIns="25718" rIns="51435" bIns="25718" numCol="1" spcCol="0" rtlCol="0" fromWordArt="0" anchor="ctr" anchorCtr="0" forceAA="0" compatLnSpc="1">
+                    <a:prstTxWarp prst="textNoShape">
+                      <a:avLst/>
+                    </a:prstTxWarp>
+                    <a:noAutofit/>
+                  </a:bodyPr>
+                  <a:lstStyle/>
+                  <a:p>
+                    <a:pPr algn="ctr"/>
+                    <a:r>
+                      <a:rPr lang="en-US" sz="1013" b="1" dirty="0" smtClean="0">
+                        <a:solidFill>
+                          <a:schemeClr val="accent1">
+                            <a:lumMod val="50000"/>
+                          </a:schemeClr>
+                        </a:solidFill>
+                        <a:latin typeface="Tahoma" panose="020B0604030504040204" pitchFamily="34" charset="0"/>
+                        <a:ea typeface="Tahoma" panose="020B0604030504040204" pitchFamily="34" charset="0"/>
+                        <a:cs typeface="Tahoma" panose="020B0604030504040204" pitchFamily="34" charset="0"/>
+                      </a:rPr>
+                      <a:t>BatchNorm2d(64)</a:t>
+                    </a:r>
+                    <a:endParaRPr lang="en-US" sz="1013" b="1" dirty="0">
+                      <a:solidFill>
+                        <a:schemeClr val="accent1">
+                          <a:lumMod val="50000"/>
+                        </a:schemeClr>
+                      </a:solidFill>
+                      <a:latin typeface="Tahoma" panose="020B0604030504040204" pitchFamily="34" charset="0"/>
+                      <a:ea typeface="Tahoma" panose="020B0604030504040204" pitchFamily="34" charset="0"/>
+                      <a:cs typeface="Tahoma" panose="020B0604030504040204" pitchFamily="34" charset="0"/>
+                    </a:endParaRPr>
+                  </a:p>
+                </p:txBody>
+              </p:sp>
+              <p:sp>
+                <p:nvSpPr>
+                  <p:cNvPr id="37" name="Rounded Rectangle 36"/>
+                  <p:cNvSpPr/>
+                  <p:nvPr/>
+                </p:nvSpPr>
+                <p:spPr>
+                  <a:xfrm>
+                    <a:off x="1798694" y="5143283"/>
+                    <a:ext cx="1775086" cy="399071"/>
+                  </a:xfrm>
+                  <a:prstGeom prst="roundRect">
+                    <a:avLst/>
+                  </a:prstGeom>
+                  <a:solidFill>
+                    <a:schemeClr val="accent4">
+                      <a:lumMod val="20000"/>
+                      <a:lumOff val="80000"/>
+                    </a:schemeClr>
+                  </a:solidFill>
+                  <a:ln>
+                    <a:solidFill>
+                      <a:schemeClr val="bg1">
+                        <a:lumMod val="75000"/>
+                      </a:schemeClr>
+                    </a:solidFill>
+                  </a:ln>
+                </p:spPr>
+                <p:style>
+                  <a:lnRef idx="2">
+                    <a:schemeClr val="accent1">
+                      <a:shade val="50000"/>
+                    </a:schemeClr>
+                  </a:lnRef>
+                  <a:fillRef idx="1">
+                    <a:schemeClr val="accent1"/>
+                  </a:fillRef>
+                  <a:effectRef idx="0">
+                    <a:schemeClr val="accent1"/>
+                  </a:effectRef>
+                  <a:fontRef idx="minor">
+                    <a:schemeClr val="lt1"/>
+                  </a:fontRef>
+                </p:style>
+                <p:txBody>
+                  <a:bodyPr rot="0" spcFirstLastPara="0" vertOverflow="overflow" horzOverflow="overflow" vert="horz" wrap="square" lIns="51435" tIns="25718" rIns="51435" bIns="25718" numCol="1" spcCol="0" rtlCol="0" fromWordArt="0" anchor="ctr" anchorCtr="0" forceAA="0" compatLnSpc="1">
+                    <a:prstTxWarp prst="textNoShape">
+                      <a:avLst/>
+                    </a:prstTxWarp>
+                    <a:noAutofit/>
+                  </a:bodyPr>
+                  <a:lstStyle/>
+                  <a:p>
+                    <a:pPr algn="ctr"/>
+                    <a:r>
+                      <a:rPr lang="en-US" sz="1013" b="1" dirty="0" smtClean="0">
+                        <a:solidFill>
+                          <a:schemeClr val="accent1">
+                            <a:lumMod val="50000"/>
+                          </a:schemeClr>
+                        </a:solidFill>
+                        <a:latin typeface="Tahoma" panose="020B0604030504040204" pitchFamily="34" charset="0"/>
+                        <a:ea typeface="Tahoma" panose="020B0604030504040204" pitchFamily="34" charset="0"/>
+                        <a:cs typeface="Tahoma" panose="020B0604030504040204" pitchFamily="34" charset="0"/>
+                      </a:rPr>
+                      <a:t>ReLU Activation</a:t>
+                    </a:r>
+                    <a:endParaRPr lang="en-US" sz="1013" b="1" dirty="0">
+                      <a:solidFill>
+                        <a:schemeClr val="accent1">
+                          <a:lumMod val="50000"/>
+                        </a:schemeClr>
+                      </a:solidFill>
+                      <a:latin typeface="Tahoma" panose="020B0604030504040204" pitchFamily="34" charset="0"/>
+                      <a:ea typeface="Tahoma" panose="020B0604030504040204" pitchFamily="34" charset="0"/>
+                      <a:cs typeface="Tahoma" panose="020B0604030504040204" pitchFamily="34" charset="0"/>
+                    </a:endParaRPr>
+                  </a:p>
+                </p:txBody>
+              </p:sp>
+              <p:cxnSp>
+                <p:nvCxnSpPr>
+                  <p:cNvPr id="38" name="Straight Arrow Connector 37"/>
+                  <p:cNvCxnSpPr>
+                    <a:stCxn id="35" idx="2"/>
+                    <a:endCxn id="36" idx="0"/>
+                  </p:cNvCxnSpPr>
+                  <p:nvPr/>
+                </p:nvCxnSpPr>
+                <p:spPr>
+                  <a:xfrm>
+                    <a:off x="2686237" y="4211704"/>
+                    <a:ext cx="0" cy="266254"/>
+                  </a:xfrm>
+                  <a:prstGeom prst="straightConnector1">
+                    <a:avLst/>
+                  </a:prstGeom>
+                  <a:ln>
+                    <a:solidFill>
+                      <a:schemeClr val="tx1"/>
+                    </a:solidFill>
+                    <a:tailEnd type="triangle"/>
+                  </a:ln>
+                </p:spPr>
+                <p:style>
+                  <a:lnRef idx="1">
+                    <a:schemeClr val="accent1"/>
+                  </a:lnRef>
+                  <a:fillRef idx="0">
+                    <a:schemeClr val="accent1"/>
+                  </a:fillRef>
+                  <a:effectRef idx="0">
+                    <a:schemeClr val="accent1"/>
+                  </a:effectRef>
+                  <a:fontRef idx="minor">
+                    <a:schemeClr val="tx1"/>
+                  </a:fontRef>
+                </p:style>
+              </p:cxnSp>
+              <p:cxnSp>
+                <p:nvCxnSpPr>
+                  <p:cNvPr id="39" name="Straight Arrow Connector 38"/>
+                  <p:cNvCxnSpPr>
+                    <a:stCxn id="36" idx="2"/>
+                    <a:endCxn id="37" idx="0"/>
+                  </p:cNvCxnSpPr>
+                  <p:nvPr/>
+                </p:nvCxnSpPr>
+                <p:spPr>
+                  <a:xfrm>
+                    <a:off x="2686237" y="4877029"/>
+                    <a:ext cx="0" cy="266254"/>
+                  </a:xfrm>
+                  <a:prstGeom prst="straightConnector1">
+                    <a:avLst/>
+                  </a:prstGeom>
+                  <a:ln>
+                    <a:solidFill>
+                      <a:schemeClr val="tx1"/>
+                    </a:solidFill>
+                    <a:tailEnd type="triangle"/>
+                  </a:ln>
+                </p:spPr>
+                <p:style>
+                  <a:lnRef idx="1">
+                    <a:schemeClr val="accent1"/>
+                  </a:lnRef>
+                  <a:fillRef idx="0">
+                    <a:schemeClr val="accent1"/>
+                  </a:fillRef>
+                  <a:effectRef idx="0">
+                    <a:schemeClr val="accent1"/>
+                  </a:effectRef>
+                  <a:fontRef idx="minor">
+                    <a:schemeClr val="tx1"/>
+                  </a:fontRef>
+                </p:style>
+              </p:cxnSp>
+            </p:grpSp>
+            <p:sp>
+              <p:nvSpPr>
+                <p:cNvPr id="33" name="TextBox 32"/>
+                <p:cNvSpPr txBox="1"/>
+                <p:nvPr/>
+              </p:nvSpPr>
+              <p:spPr>
+                <a:xfrm>
+                  <a:off x="2695762" y="4221282"/>
+                  <a:ext cx="1123951" cy="246221"/>
+                </a:xfrm>
+                <a:prstGeom prst="rect">
+                  <a:avLst/>
+                </a:prstGeom>
+                <a:noFill/>
+              </p:spPr>
+              <p:txBody>
+                <a:bodyPr wrap="square" rtlCol="0">
+                  <a:spAutoFit/>
+                </a:bodyPr>
+                <a:lstStyle/>
+                <a:p>
+                  <a:pPr algn="ctr"/>
+                  <a:r>
+                    <a:rPr lang="en-US" sz="1000" dirty="0" smtClean="0">
+                      <a:latin typeface="Tahoma" panose="020B0604030504040204" pitchFamily="34" charset="0"/>
+                      <a:ea typeface="Tahoma" panose="020B0604030504040204" pitchFamily="34" charset="0"/>
+                      <a:cs typeface="Tahoma" panose="020B0604030504040204" pitchFamily="34" charset="0"/>
+                    </a:rPr>
+                    <a:t>(64, 360, 640)</a:t>
+                  </a:r>
+                  <a:endParaRPr lang="en-US" sz="1000" dirty="0">
+                    <a:latin typeface="Tahoma" panose="020B0604030504040204" pitchFamily="34" charset="0"/>
+                    <a:ea typeface="Tahoma" panose="020B0604030504040204" pitchFamily="34" charset="0"/>
+                    <a:cs typeface="Tahoma" panose="020B0604030504040204" pitchFamily="34" charset="0"/>
+                  </a:endParaRPr>
+                </a:p>
+              </p:txBody>
+            </p:sp>
+            <p:sp>
+              <p:nvSpPr>
+                <p:cNvPr id="34" name="TextBox 33"/>
+                <p:cNvSpPr txBox="1"/>
+                <p:nvPr/>
+              </p:nvSpPr>
+              <p:spPr>
+                <a:xfrm>
+                  <a:off x="2695762" y="4891644"/>
+                  <a:ext cx="1123951" cy="246221"/>
+                </a:xfrm>
+                <a:prstGeom prst="rect">
+                  <a:avLst/>
+                </a:prstGeom>
+                <a:noFill/>
+              </p:spPr>
+              <p:txBody>
+                <a:bodyPr wrap="square" rtlCol="0">
+                  <a:spAutoFit/>
+                </a:bodyPr>
+                <a:lstStyle/>
+                <a:p>
+                  <a:pPr algn="ctr"/>
+                  <a:r>
+                    <a:rPr lang="en-US" sz="1000" dirty="0" smtClean="0">
+                      <a:latin typeface="Tahoma" panose="020B0604030504040204" pitchFamily="34" charset="0"/>
+                      <a:ea typeface="Tahoma" panose="020B0604030504040204" pitchFamily="34" charset="0"/>
+                      <a:cs typeface="Tahoma" panose="020B0604030504040204" pitchFamily="34" charset="0"/>
+                    </a:rPr>
+                    <a:t>(64, 360, 640)</a:t>
+                  </a:r>
+                  <a:endParaRPr lang="en-US" sz="1000" dirty="0">
+                    <a:latin typeface="Tahoma" panose="020B0604030504040204" pitchFamily="34" charset="0"/>
+                    <a:ea typeface="Tahoma" panose="020B0604030504040204" pitchFamily="34" charset="0"/>
+                    <a:cs typeface="Tahoma" panose="020B0604030504040204" pitchFamily="34" charset="0"/>
+                  </a:endParaRPr>
+                </a:p>
+              </p:txBody>
+            </p:sp>
+          </p:grpSp>
+          <p:cxnSp>
+            <p:nvCxnSpPr>
+              <p:cNvPr id="31" name="Straight Arrow Connector 30"/>
+              <p:cNvCxnSpPr>
+                <a:stCxn id="45" idx="2"/>
+                <a:endCxn id="35" idx="0"/>
+              </p:cNvCxnSpPr>
+              <p:nvPr/>
+            </p:nvCxnSpPr>
+            <p:spPr>
+              <a:xfrm>
+                <a:off x="2686237" y="5542354"/>
+                <a:ext cx="0" cy="230787"/>
+              </a:xfrm>
+              <a:prstGeom prst="straightConnector1">
+                <a:avLst/>
+              </a:prstGeom>
+              <a:ln>
+                <a:solidFill>
+                  <a:schemeClr val="tx1"/>
+                </a:solidFill>
+                <a:tailEnd type="triangle"/>
+              </a:ln>
+            </p:spPr>
+            <p:style>
+              <a:lnRef idx="1">
+                <a:schemeClr val="accent1"/>
+              </a:lnRef>
+              <a:fillRef idx="0">
+                <a:schemeClr val="accent1"/>
+              </a:fillRef>
+              <a:effectRef idx="0">
+                <a:schemeClr val="accent1"/>
+              </a:effectRef>
+              <a:fontRef idx="minor">
+                <a:schemeClr val="tx1"/>
+              </a:fontRef>
+            </p:style>
+          </p:cxnSp>
+        </p:grpSp>
+        <p:sp>
+          <p:nvSpPr>
+            <p:cNvPr id="28" name="TextBox 27"/>
+            <p:cNvSpPr txBox="1"/>
+            <p:nvPr/>
+          </p:nvSpPr>
+          <p:spPr>
+            <a:xfrm>
+              <a:off x="2670362" y="5542354"/>
+              <a:ext cx="1123951" cy="246221"/>
+            </a:xfrm>
+            <a:prstGeom prst="rect">
+              <a:avLst/>
+            </a:prstGeom>
+            <a:noFill/>
+          </p:spPr>
+          <p:txBody>
+            <a:bodyPr wrap="square" rtlCol="0">
+              <a:spAutoFit/>
+            </a:bodyPr>
+            <a:lstStyle/>
+            <a:p>
+              <a:pPr algn="ctr"/>
+              <a:r>
+                <a:rPr lang="en-US" sz="1000" dirty="0" smtClean="0">
+                  <a:latin typeface="Tahoma" panose="020B0604030504040204" pitchFamily="34" charset="0"/>
+                  <a:ea typeface="Tahoma" panose="020B0604030504040204" pitchFamily="34" charset="0"/>
+                  <a:cs typeface="Tahoma" panose="020B0604030504040204" pitchFamily="34" charset="0"/>
+                </a:rPr>
+                <a:t>(64, 360, 640)</a:t>
+              </a:r>
+              <a:endParaRPr lang="en-US" sz="1000" dirty="0">
+                <a:latin typeface="Tahoma" panose="020B0604030504040204" pitchFamily="34" charset="0"/>
+                <a:ea typeface="Tahoma" panose="020B0604030504040204" pitchFamily="34" charset="0"/>
+                <a:cs typeface="Tahoma" panose="020B0604030504040204" pitchFamily="34" charset="0"/>
+              </a:endParaRPr>
+            </a:p>
+          </p:txBody>
+        </p:sp>
+      </p:grpSp>
+      <p:sp>
+        <p:nvSpPr>
+          <p:cNvPr id="48" name="Rectangle 47"/>
+          <p:cNvSpPr/>
+          <p:nvPr/>
+        </p:nvSpPr>
+        <p:spPr>
+          <a:xfrm>
+            <a:off x="3244850" y="3788057"/>
+            <a:ext cx="2257613" cy="4057368"/>
+          </a:xfrm>
+          <a:prstGeom prst="rect">
+            <a:avLst/>
+          </a:prstGeom>
+          <a:noFill/>
+          <a:ln w="19050">
+            <a:solidFill>
+              <a:srgbClr val="0070C0"/>
+            </a:solidFill>
+          </a:ln>
+        </p:spPr>
+        <p:style>
+          <a:lnRef idx="2">
+            <a:schemeClr val="accent1">
+              <a:shade val="50000"/>
+            </a:schemeClr>
+          </a:lnRef>
+          <a:fillRef idx="1">
+            <a:schemeClr val="accent1"/>
+          </a:fillRef>
+          <a:effectRef idx="0">
+            <a:schemeClr val="accent1"/>
+          </a:effectRef>
+          <a:fontRef idx="minor">
+            <a:schemeClr val="lt1"/>
+          </a:fontRef>
+        </p:style>
+        <p:txBody>
+          <a:bodyPr rtlCol="0" anchor="ctr"/>
+          <a:lstStyle/>
+          <a:p>
+            <a:pPr algn="ctr"/>
+            <a:endParaRPr lang="en-US"/>
+          </a:p>
+        </p:txBody>
+      </p:sp>
+      <p:sp>
+        <p:nvSpPr>
+          <p:cNvPr id="49" name="TextBox 48"/>
+          <p:cNvSpPr txBox="1"/>
+          <p:nvPr/>
+        </p:nvSpPr>
+        <p:spPr>
+          <a:xfrm rot="5400000">
+            <a:off x="4880494" y="5501049"/>
+            <a:ext cx="1762148" cy="400110"/>
+          </a:xfrm>
+          <a:prstGeom prst="rect">
+            <a:avLst/>
+          </a:prstGeom>
+          <a:noFill/>
+        </p:spPr>
+        <p:txBody>
+          <a:bodyPr wrap="square" rtlCol="0">
+            <a:spAutoFit/>
+          </a:bodyPr>
+          <a:lstStyle/>
+          <a:p>
+            <a:pPr algn="ctr"/>
+            <a:r>
+              <a:rPr lang="en-US" sz="2000" dirty="0" smtClean="0">
+                <a:latin typeface="Tahoma" panose="020B0604030504040204" pitchFamily="34" charset="0"/>
+                <a:ea typeface="Tahoma" panose="020B0604030504040204" pitchFamily="34" charset="0"/>
+                <a:cs typeface="Tahoma" panose="020B0604030504040204" pitchFamily="34" charset="0"/>
+              </a:rPr>
+              <a:t>double_conv</a:t>
+            </a:r>
+            <a:endParaRPr lang="en-US" sz="2000" dirty="0">
+              <a:latin typeface="Tahoma" panose="020B0604030504040204" pitchFamily="34" charset="0"/>
+              <a:ea typeface="Tahoma" panose="020B0604030504040204" pitchFamily="34" charset="0"/>
+              <a:cs typeface="Tahoma" panose="020B0604030504040204" pitchFamily="34" charset="0"/>
+            </a:endParaRPr>
+          </a:p>
+        </p:txBody>
+      </p:sp>
+    </p:spTree>
+    <p:extLst>
+      <p:ext uri="{BB962C8B-B14F-4D97-AF65-F5344CB8AC3E}">
+        <p14:creationId xmlns:p14="http://schemas.microsoft.com/office/powerpoint/2010/main" val="4061402195"/>
+      </p:ext>
+    </p:extLst>
+  </p:cSld>
+  <p:clrMapOvr>
+    <a:masterClrMapping/>
+  </p:clrMapOvr>
+</p:sld>
+</file>
+
+<file path=ppt/slides/slide3.xml><?xml version="1.0" encoding="utf-8"?>
 <p:sld xmlns:a="http://schemas.openxmlformats.org/drawingml/2006/main" xmlns:r="http://schemas.openxmlformats.org/officeDocument/2006/relationships" xmlns:p="http://schemas.openxmlformats.org/presentationml/2006/main">
   <p:cSld>
     <p:spTree>
@@ -8827,20 +12519,7 @@
                         <a:ea typeface="Tahoma" panose="020B0604030504040204" pitchFamily="34" charset="0"/>
                         <a:cs typeface="Tahoma" panose="020B0604030504040204" pitchFamily="34" charset="0"/>
                       </a:rPr>
-                      <a:t>Conv2d(64, </a:t>
-                    </a:r>
-                    <a:r>
-                      <a:rPr lang="en-US" sz="1013" b="1" dirty="0" smtClean="0">
-                        <a:solidFill>
-                          <a:schemeClr val="accent1">
-                            <a:lumMod val="50000"/>
-                          </a:schemeClr>
-                        </a:solidFill>
-                        <a:latin typeface="Tahoma" panose="020B0604030504040204" pitchFamily="34" charset="0"/>
-                        <a:ea typeface="Tahoma" panose="020B0604030504040204" pitchFamily="34" charset="0"/>
-                        <a:cs typeface="Tahoma" panose="020B0604030504040204" pitchFamily="34" charset="0"/>
-                      </a:rPr>
-                      <a:t>64, 3)</a:t>
+                      <a:t>Conv2d(64, 64, 3)</a:t>
                     </a:r>
                     <a:endParaRPr lang="en-US" sz="1013" b="1" dirty="0">
                       <a:solidFill>
@@ -9351,7 +13030,7 @@
 </p:sld>
 </file>
 
-<file path=ppt/slides/slide3.xml><?xml version="1.0" encoding="utf-8"?>
+<file path=ppt/slides/slide4.xml><?xml version="1.0" encoding="utf-8"?>
 <p:sld xmlns:a="http://schemas.openxmlformats.org/drawingml/2006/main" xmlns:r="http://schemas.openxmlformats.org/officeDocument/2006/relationships" xmlns:p="http://schemas.openxmlformats.org/presentationml/2006/main">
   <p:cSld>
     <p:spTree>
@@ -11938,7 +15617,7 @@
 </p:sld>
 </file>
 
-<file path=ppt/slides/slide4.xml><?xml version="1.0" encoding="utf-8"?>
+<file path=ppt/slides/slide5.xml><?xml version="1.0" encoding="utf-8"?>
 <p:sld xmlns:a="http://schemas.openxmlformats.org/drawingml/2006/main" xmlns:r="http://schemas.openxmlformats.org/officeDocument/2006/relationships" xmlns:p="http://schemas.openxmlformats.org/presentationml/2006/main">
   <p:cSld>
     <p:spTree>
@@ -13109,7 +16788,7 @@
 </p:sld>
 </file>
 
-<file path=ppt/slides/slide5.xml><?xml version="1.0" encoding="utf-8"?>
+<file path=ppt/slides/slide6.xml><?xml version="1.0" encoding="utf-8"?>
 <p:sld xmlns:a="http://schemas.openxmlformats.org/drawingml/2006/main" xmlns:r="http://schemas.openxmlformats.org/officeDocument/2006/relationships" xmlns:p="http://schemas.openxmlformats.org/presentationml/2006/main">
   <p:cSld>
     <p:spTree>
@@ -15329,7 +19008,7 @@
 </p:sld>
 </file>
 
-<file path=ppt/slides/slide6.xml><?xml version="1.0" encoding="utf-8"?>
+<file path=ppt/slides/slide7.xml><?xml version="1.0" encoding="utf-8"?>
 <p:sld xmlns:a="http://schemas.openxmlformats.org/drawingml/2006/main" xmlns:r="http://schemas.openxmlformats.org/officeDocument/2006/relationships" xmlns:p="http://schemas.openxmlformats.org/presentationml/2006/main">
   <p:cSld>
     <p:spTree>
@@ -17259,7 +20938,7 @@
 </p:sld>
 </file>
 
-<file path=ppt/slides/slide7.xml><?xml version="1.0" encoding="utf-8"?>
+<file path=ppt/slides/slide8.xml><?xml version="1.0" encoding="utf-8"?>
 <p:sld xmlns:a="http://schemas.openxmlformats.org/drawingml/2006/main" xmlns:r="http://schemas.openxmlformats.org/officeDocument/2006/relationships" xmlns:p="http://schemas.openxmlformats.org/presentationml/2006/main">
   <p:cSld>
     <p:spTree>
@@ -18183,7 +21862,7 @@
 </p:sld>
 </file>
 
-<file path=ppt/slides/slide8.xml><?xml version="1.0" encoding="utf-8"?>
+<file path=ppt/slides/slide9.xml><?xml version="1.0" encoding="utf-8"?>
 <p:sld xmlns:a="http://schemas.openxmlformats.org/drawingml/2006/main" xmlns:r="http://schemas.openxmlformats.org/officeDocument/2006/relationships" xmlns:p="http://schemas.openxmlformats.org/presentationml/2006/main">
   <p:cSld>
     <p:spTree>
@@ -19747,2366 +23426,6 @@
     <p:extLst>
       <p:ext uri="{BB962C8B-B14F-4D97-AF65-F5344CB8AC3E}">
         <p14:creationId xmlns:p14="http://schemas.microsoft.com/office/powerpoint/2010/main" val="3402617851"/>
-      </p:ext>
-    </p:extLst>
-  </p:cSld>
-  <p:clrMapOvr>
-    <a:masterClrMapping/>
-  </p:clrMapOvr>
-</p:sld>
-</file>
-
-<file path=ppt/slides/slide9.xml><?xml version="1.0" encoding="utf-8"?>
-<p:sld xmlns:a="http://schemas.openxmlformats.org/drawingml/2006/main" xmlns:r="http://schemas.openxmlformats.org/officeDocument/2006/relationships" xmlns:p="http://schemas.openxmlformats.org/presentationml/2006/main">
-  <p:cSld>
-    <p:spTree>
-      <p:nvGrpSpPr>
-        <p:cNvPr id="1" name=""/>
-        <p:cNvGrpSpPr/>
-        <p:nvPr/>
-      </p:nvGrpSpPr>
-      <p:grpSpPr>
-        <a:xfrm>
-          <a:off x="0" y="0"/>
-          <a:ext cx="0" cy="0"/>
-          <a:chOff x="0" y="0"/>
-          <a:chExt cx="0" cy="0"/>
-        </a:xfrm>
-      </p:grpSpPr>
-      <p:sp>
-        <p:nvSpPr>
-          <p:cNvPr id="61" name="Rounded Rectangle 60"/>
-          <p:cNvSpPr/>
-          <p:nvPr/>
-        </p:nvSpPr>
-        <p:spPr>
-          <a:xfrm>
-            <a:off x="195491" y="2129015"/>
-            <a:ext cx="914400" cy="274320"/>
-          </a:xfrm>
-          <a:prstGeom prst="roundRect">
-            <a:avLst/>
-          </a:prstGeom>
-          <a:noFill/>
-          <a:ln>
-            <a:solidFill>
-              <a:schemeClr val="bg1">
-                <a:lumMod val="50000"/>
-              </a:schemeClr>
-            </a:solidFill>
-          </a:ln>
-        </p:spPr>
-        <p:style>
-          <a:lnRef idx="2">
-            <a:schemeClr val="accent1">
-              <a:shade val="50000"/>
-            </a:schemeClr>
-          </a:lnRef>
-          <a:fillRef idx="1">
-            <a:schemeClr val="accent1"/>
-          </a:fillRef>
-          <a:effectRef idx="0">
-            <a:schemeClr val="accent1"/>
-          </a:effectRef>
-          <a:fontRef idx="minor">
-            <a:schemeClr val="lt1"/>
-          </a:fontRef>
-        </p:style>
-        <p:txBody>
-          <a:bodyPr rot="0" spcFirstLastPara="0" vertOverflow="overflow" horzOverflow="overflow" vert="horz" wrap="square" lIns="51435" tIns="25718" rIns="51435" bIns="25718" numCol="1" spcCol="0" rtlCol="0" fromWordArt="0" anchor="ctr" anchorCtr="0" forceAA="0" compatLnSpc="1">
-            <a:prstTxWarp prst="textNoShape">
-              <a:avLst/>
-            </a:prstTxWarp>
-            <a:noAutofit/>
-          </a:bodyPr>
-          <a:lstStyle/>
-          <a:p>
-            <a:pPr algn="ctr"/>
-            <a:r>
-              <a:rPr lang="en-US" sz="800" b="1" dirty="0">
-                <a:solidFill>
-                  <a:schemeClr val="tx1"/>
-                </a:solidFill>
-                <a:latin typeface="Tahoma" panose="020B0604030504040204" pitchFamily="34" charset="0"/>
-                <a:ea typeface="Tahoma" panose="020B0604030504040204" pitchFamily="34" charset="0"/>
-                <a:cs typeface="Tahoma" panose="020B0604030504040204" pitchFamily="34" charset="0"/>
-              </a:rPr>
-              <a:t>Low level feature map</a:t>
-            </a:r>
-          </a:p>
-        </p:txBody>
-      </p:sp>
-      <p:sp>
-        <p:nvSpPr>
-          <p:cNvPr id="88" name="Rectangle 87"/>
-          <p:cNvSpPr/>
-          <p:nvPr/>
-        </p:nvSpPr>
-        <p:spPr>
-          <a:xfrm>
-            <a:off x="2991597" y="2549410"/>
-            <a:ext cx="137160" cy="137160"/>
-          </a:xfrm>
-          <a:prstGeom prst="rect">
-            <a:avLst/>
-          </a:prstGeom>
-          <a:noFill/>
-          <a:ln>
-            <a:solidFill>
-              <a:schemeClr val="tx1"/>
-            </a:solidFill>
-          </a:ln>
-        </p:spPr>
-        <p:style>
-          <a:lnRef idx="2">
-            <a:schemeClr val="accent1">
-              <a:shade val="50000"/>
-            </a:schemeClr>
-          </a:lnRef>
-          <a:fillRef idx="1">
-            <a:schemeClr val="accent1"/>
-          </a:fillRef>
-          <a:effectRef idx="0">
-            <a:schemeClr val="accent1"/>
-          </a:effectRef>
-          <a:fontRef idx="minor">
-            <a:schemeClr val="lt1"/>
-          </a:fontRef>
-        </p:style>
-        <p:txBody>
-          <a:bodyPr rtlCol="0" anchor="ctr"/>
-          <a:lstStyle/>
-          <a:p>
-            <a:pPr algn="ctr"/>
-            <a:endParaRPr lang="en-US"/>
-          </a:p>
-        </p:txBody>
-      </p:sp>
-      <p:cxnSp>
-        <p:nvCxnSpPr>
-          <p:cNvPr id="152" name="Elbow Connector 151"/>
-          <p:cNvCxnSpPr>
-            <a:stCxn id="26" idx="3"/>
-            <a:endCxn id="88" idx="0"/>
-          </p:cNvCxnSpPr>
-          <p:nvPr/>
-        </p:nvCxnSpPr>
-        <p:spPr>
-          <a:xfrm>
-            <a:off x="2768333" y="2266175"/>
-            <a:ext cx="291844" cy="283235"/>
-          </a:xfrm>
-          <a:prstGeom prst="bentConnector2">
-            <a:avLst/>
-          </a:prstGeom>
-          <a:ln>
-            <a:solidFill>
-              <a:schemeClr val="tx1"/>
-            </a:solidFill>
-            <a:tailEnd type="triangle"/>
-          </a:ln>
-        </p:spPr>
-        <p:style>
-          <a:lnRef idx="1">
-            <a:schemeClr val="accent1"/>
-          </a:lnRef>
-          <a:fillRef idx="0">
-            <a:schemeClr val="accent1"/>
-          </a:fillRef>
-          <a:effectRef idx="0">
-            <a:schemeClr val="accent1"/>
-          </a:effectRef>
-          <a:fontRef idx="minor">
-            <a:schemeClr val="tx1"/>
-          </a:fontRef>
-        </p:style>
-      </p:cxnSp>
-      <p:cxnSp>
-        <p:nvCxnSpPr>
-          <p:cNvPr id="157" name="Elbow Connector 156"/>
-          <p:cNvCxnSpPr>
-            <a:stCxn id="32" idx="3"/>
-            <a:endCxn id="88" idx="2"/>
-          </p:cNvCxnSpPr>
-          <p:nvPr/>
-        </p:nvCxnSpPr>
-        <p:spPr>
-          <a:xfrm flipV="1">
-            <a:off x="2768333" y="2686570"/>
-            <a:ext cx="291844" cy="354543"/>
-          </a:xfrm>
-          <a:prstGeom prst="bentConnector2">
-            <a:avLst/>
-          </a:prstGeom>
-          <a:ln>
-            <a:solidFill>
-              <a:schemeClr val="tx1"/>
-            </a:solidFill>
-            <a:tailEnd type="triangle"/>
-          </a:ln>
-        </p:spPr>
-        <p:style>
-          <a:lnRef idx="1">
-            <a:schemeClr val="accent1"/>
-          </a:lnRef>
-          <a:fillRef idx="0">
-            <a:schemeClr val="accent1"/>
-          </a:fillRef>
-          <a:effectRef idx="0">
-            <a:schemeClr val="accent1"/>
-          </a:effectRef>
-          <a:fontRef idx="minor">
-            <a:schemeClr val="tx1"/>
-          </a:fontRef>
-        </p:style>
-      </p:cxnSp>
-      <p:cxnSp>
-        <p:nvCxnSpPr>
-          <p:cNvPr id="165" name="Straight Arrow Connector 164"/>
-          <p:cNvCxnSpPr>
-            <a:stCxn id="88" idx="3"/>
-            <a:endCxn id="84" idx="1"/>
-          </p:cNvCxnSpPr>
-          <p:nvPr/>
-        </p:nvCxnSpPr>
-        <p:spPr>
-          <a:xfrm flipV="1">
-            <a:off x="3128757" y="2616060"/>
-            <a:ext cx="623533" cy="1930"/>
-          </a:xfrm>
-          <a:prstGeom prst="straightConnector1">
-            <a:avLst/>
-          </a:prstGeom>
-          <a:ln>
-            <a:solidFill>
-              <a:schemeClr val="tx1"/>
-            </a:solidFill>
-            <a:tailEnd type="triangle"/>
-          </a:ln>
-        </p:spPr>
-        <p:style>
-          <a:lnRef idx="1">
-            <a:schemeClr val="accent1"/>
-          </a:lnRef>
-          <a:fillRef idx="0">
-            <a:schemeClr val="accent1"/>
-          </a:fillRef>
-          <a:effectRef idx="0">
-            <a:schemeClr val="accent1"/>
-          </a:effectRef>
-          <a:fontRef idx="minor">
-            <a:schemeClr val="tx1"/>
-          </a:fontRef>
-        </p:style>
-      </p:cxnSp>
-      <p:sp>
-        <p:nvSpPr>
-          <p:cNvPr id="190" name="TextBox 189"/>
-          <p:cNvSpPr txBox="1"/>
-          <p:nvPr/>
-        </p:nvSpPr>
-        <p:spPr>
-          <a:xfrm>
-            <a:off x="2003509" y="1502799"/>
-            <a:ext cx="2009510" cy="261610"/>
-          </a:xfrm>
-          <a:prstGeom prst="rect">
-            <a:avLst/>
-          </a:prstGeom>
-          <a:noFill/>
-        </p:spPr>
-        <p:txBody>
-          <a:bodyPr wrap="square" rtlCol="0">
-            <a:spAutoFit/>
-          </a:bodyPr>
-          <a:lstStyle/>
-          <a:p>
-            <a:pPr algn="ctr"/>
-            <a:r>
-              <a:rPr lang="en-US" sz="1100" dirty="0" smtClean="0">
-                <a:solidFill>
-                  <a:srgbClr val="0070C0"/>
-                </a:solidFill>
-                <a:latin typeface="Tahoma" panose="020B0604030504040204" pitchFamily="34" charset="0"/>
-                <a:ea typeface="Tahoma" panose="020B0604030504040204" pitchFamily="34" charset="0"/>
-                <a:cs typeface="Tahoma" panose="020B0604030504040204" pitchFamily="34" charset="0"/>
-              </a:rPr>
-              <a:t>DEEPLABV3+ DECODER</a:t>
-            </a:r>
-            <a:endParaRPr lang="en-US" sz="1100" dirty="0">
-              <a:solidFill>
-                <a:srgbClr val="0070C0"/>
-              </a:solidFill>
-              <a:latin typeface="Tahoma" panose="020B0604030504040204" pitchFamily="34" charset="0"/>
-              <a:ea typeface="Tahoma" panose="020B0604030504040204" pitchFamily="34" charset="0"/>
-              <a:cs typeface="Tahoma" panose="020B0604030504040204" pitchFamily="34" charset="0"/>
-            </a:endParaRPr>
-          </a:p>
-        </p:txBody>
-      </p:sp>
-      <p:sp>
-        <p:nvSpPr>
-          <p:cNvPr id="182" name="Plus 181"/>
-          <p:cNvSpPr/>
-          <p:nvPr/>
-        </p:nvSpPr>
-        <p:spPr>
-          <a:xfrm>
-            <a:off x="3008264" y="2563696"/>
-            <a:ext cx="109728" cy="109728"/>
-          </a:xfrm>
-          <a:prstGeom prst="mathPlus">
-            <a:avLst>
-              <a:gd name="adj1" fmla="val 7304"/>
-            </a:avLst>
-          </a:prstGeom>
-          <a:solidFill>
-            <a:schemeClr val="tx1"/>
-          </a:solidFill>
-          <a:ln>
-            <a:noFill/>
-          </a:ln>
-        </p:spPr>
-        <p:style>
-          <a:lnRef idx="2">
-            <a:schemeClr val="accent1">
-              <a:shade val="50000"/>
-            </a:schemeClr>
-          </a:lnRef>
-          <a:fillRef idx="1">
-            <a:schemeClr val="accent1"/>
-          </a:fillRef>
-          <a:effectRef idx="0">
-            <a:schemeClr val="accent1"/>
-          </a:effectRef>
-          <a:fontRef idx="minor">
-            <a:schemeClr val="lt1"/>
-          </a:fontRef>
-        </p:style>
-        <p:txBody>
-          <a:bodyPr rtlCol="0" anchor="ctr"/>
-          <a:lstStyle/>
-          <a:p>
-            <a:pPr algn="ctr"/>
-            <a:endParaRPr lang="en-US"/>
-          </a:p>
-        </p:txBody>
-      </p:sp>
-      <p:sp>
-        <p:nvSpPr>
-          <p:cNvPr id="196" name="TextBox 195"/>
-          <p:cNvSpPr txBox="1"/>
-          <p:nvPr/>
-        </p:nvSpPr>
-        <p:spPr>
-          <a:xfrm>
-            <a:off x="830691" y="1894273"/>
-            <a:ext cx="897172" cy="200055"/>
-          </a:xfrm>
-          <a:prstGeom prst="rect">
-            <a:avLst/>
-          </a:prstGeom>
-          <a:noFill/>
-        </p:spPr>
-        <p:txBody>
-          <a:bodyPr wrap="square" rtlCol="0">
-            <a:spAutoFit/>
-          </a:bodyPr>
-          <a:lstStyle/>
-          <a:p>
-            <a:pPr algn="ctr"/>
-            <a:r>
-              <a:rPr lang="en-US" sz="700" dirty="0" smtClean="0">
-                <a:latin typeface="Tahoma" panose="020B0604030504040204" pitchFamily="34" charset="0"/>
-                <a:ea typeface="Tahoma" panose="020B0604030504040204" pitchFamily="34" charset="0"/>
-                <a:cs typeface="Tahoma" panose="020B0604030504040204" pitchFamily="34" charset="0"/>
-              </a:rPr>
-              <a:t>(256, 90, 160)</a:t>
-            </a:r>
-            <a:endParaRPr lang="en-US" sz="700" dirty="0">
-              <a:latin typeface="Tahoma" panose="020B0604030504040204" pitchFamily="34" charset="0"/>
-              <a:ea typeface="Tahoma" panose="020B0604030504040204" pitchFamily="34" charset="0"/>
-              <a:cs typeface="Tahoma" panose="020B0604030504040204" pitchFamily="34" charset="0"/>
-            </a:endParaRPr>
-          </a:p>
-        </p:txBody>
-      </p:sp>
-      <p:sp>
-        <p:nvSpPr>
-          <p:cNvPr id="26" name="Rounded Rectangle 25"/>
-          <p:cNvSpPr/>
-          <p:nvPr/>
-        </p:nvSpPr>
-        <p:spPr>
-          <a:xfrm>
-            <a:off x="1533893" y="2129015"/>
-            <a:ext cx="1234440" cy="274320"/>
-          </a:xfrm>
-          <a:prstGeom prst="roundRect">
-            <a:avLst/>
-          </a:prstGeom>
-          <a:solidFill>
-            <a:schemeClr val="accent4">
-              <a:lumMod val="20000"/>
-              <a:lumOff val="80000"/>
-            </a:schemeClr>
-          </a:solidFill>
-          <a:ln>
-            <a:solidFill>
-              <a:schemeClr val="bg1">
-                <a:lumMod val="75000"/>
-              </a:schemeClr>
-            </a:solidFill>
-          </a:ln>
-        </p:spPr>
-        <p:style>
-          <a:lnRef idx="2">
-            <a:schemeClr val="accent1">
-              <a:shade val="50000"/>
-            </a:schemeClr>
-          </a:lnRef>
-          <a:fillRef idx="1">
-            <a:schemeClr val="accent1"/>
-          </a:fillRef>
-          <a:effectRef idx="0">
-            <a:schemeClr val="accent1"/>
-          </a:effectRef>
-          <a:fontRef idx="minor">
-            <a:schemeClr val="lt1"/>
-          </a:fontRef>
-        </p:style>
-        <p:txBody>
-          <a:bodyPr rot="0" spcFirstLastPara="0" vertOverflow="overflow" horzOverflow="overflow" vert="horz" wrap="square" lIns="51435" tIns="25718" rIns="51435" bIns="25718" numCol="1" spcCol="0" rtlCol="0" fromWordArt="0" anchor="ctr" anchorCtr="0" forceAA="0" compatLnSpc="1">
-            <a:prstTxWarp prst="textNoShape">
-              <a:avLst/>
-            </a:prstTxWarp>
-            <a:noAutofit/>
-          </a:bodyPr>
-          <a:lstStyle/>
-          <a:p>
-            <a:pPr algn="ctr"/>
-            <a:r>
-              <a:rPr lang="en-US" sz="800" b="1" dirty="0" smtClean="0">
-                <a:solidFill>
-                  <a:schemeClr val="accent1">
-                    <a:lumMod val="50000"/>
-                  </a:schemeClr>
-                </a:solidFill>
-                <a:latin typeface="Tahoma" panose="020B0604030504040204" pitchFamily="34" charset="0"/>
-                <a:ea typeface="Tahoma" panose="020B0604030504040204" pitchFamily="34" charset="0"/>
-                <a:cs typeface="Tahoma" panose="020B0604030504040204" pitchFamily="34" charset="0"/>
-              </a:rPr>
-              <a:t>Conv2d(256, 48, 1)</a:t>
-            </a:r>
-            <a:endParaRPr lang="en-US" sz="800" b="1" dirty="0">
-              <a:solidFill>
-                <a:schemeClr val="accent1">
-                  <a:lumMod val="50000"/>
-                </a:schemeClr>
-              </a:solidFill>
-              <a:latin typeface="Tahoma" panose="020B0604030504040204" pitchFamily="34" charset="0"/>
-              <a:ea typeface="Tahoma" panose="020B0604030504040204" pitchFamily="34" charset="0"/>
-              <a:cs typeface="Tahoma" panose="020B0604030504040204" pitchFamily="34" charset="0"/>
-            </a:endParaRPr>
-          </a:p>
-        </p:txBody>
-      </p:sp>
-      <p:sp>
-        <p:nvSpPr>
-          <p:cNvPr id="31" name="Rounded Rectangle 30"/>
-          <p:cNvSpPr/>
-          <p:nvPr/>
-        </p:nvSpPr>
-        <p:spPr>
-          <a:xfrm>
-            <a:off x="195491" y="2903953"/>
-            <a:ext cx="914400" cy="274320"/>
-          </a:xfrm>
-          <a:prstGeom prst="roundRect">
-            <a:avLst/>
-          </a:prstGeom>
-          <a:noFill/>
-          <a:ln>
-            <a:solidFill>
-              <a:schemeClr val="bg1">
-                <a:lumMod val="50000"/>
-              </a:schemeClr>
-            </a:solidFill>
-          </a:ln>
-        </p:spPr>
-        <p:style>
-          <a:lnRef idx="2">
-            <a:schemeClr val="accent1">
-              <a:shade val="50000"/>
-            </a:schemeClr>
-          </a:lnRef>
-          <a:fillRef idx="1">
-            <a:schemeClr val="accent1"/>
-          </a:fillRef>
-          <a:effectRef idx="0">
-            <a:schemeClr val="accent1"/>
-          </a:effectRef>
-          <a:fontRef idx="minor">
-            <a:schemeClr val="lt1"/>
-          </a:fontRef>
-        </p:style>
-        <p:txBody>
-          <a:bodyPr rot="0" spcFirstLastPara="0" vertOverflow="overflow" horzOverflow="overflow" vert="horz" wrap="square" lIns="51435" tIns="25718" rIns="51435" bIns="25718" numCol="1" spcCol="0" rtlCol="0" fromWordArt="0" anchor="ctr" anchorCtr="0" forceAA="0" compatLnSpc="1">
-            <a:prstTxWarp prst="textNoShape">
-              <a:avLst/>
-            </a:prstTxWarp>
-            <a:noAutofit/>
-          </a:bodyPr>
-          <a:lstStyle/>
-          <a:p>
-            <a:pPr algn="ctr"/>
-            <a:r>
-              <a:rPr lang="en-US" sz="800" b="1" dirty="0">
-                <a:solidFill>
-                  <a:schemeClr val="tx1"/>
-                </a:solidFill>
-                <a:latin typeface="Tahoma" panose="020B0604030504040204" pitchFamily="34" charset="0"/>
-                <a:ea typeface="Tahoma" panose="020B0604030504040204" pitchFamily="34" charset="0"/>
-                <a:cs typeface="Tahoma" panose="020B0604030504040204" pitchFamily="34" charset="0"/>
-              </a:rPr>
-              <a:t>ASPP </a:t>
-            </a:r>
-            <a:r>
-              <a:rPr lang="en-US" sz="800" b="1" dirty="0" smtClean="0">
-                <a:solidFill>
-                  <a:schemeClr val="tx1"/>
-                </a:solidFill>
-                <a:latin typeface="Tahoma" panose="020B0604030504040204" pitchFamily="34" charset="0"/>
-                <a:ea typeface="Tahoma" panose="020B0604030504040204" pitchFamily="34" charset="0"/>
-                <a:cs typeface="Tahoma" panose="020B0604030504040204" pitchFamily="34" charset="0"/>
-              </a:rPr>
-              <a:t>output</a:t>
-            </a:r>
-            <a:endParaRPr lang="en-US" sz="800" b="1" dirty="0">
-              <a:solidFill>
-                <a:schemeClr val="tx1"/>
-              </a:solidFill>
-              <a:latin typeface="Tahoma" panose="020B0604030504040204" pitchFamily="34" charset="0"/>
-              <a:ea typeface="Tahoma" panose="020B0604030504040204" pitchFamily="34" charset="0"/>
-              <a:cs typeface="Tahoma" panose="020B0604030504040204" pitchFamily="34" charset="0"/>
-            </a:endParaRPr>
-          </a:p>
-        </p:txBody>
-      </p:sp>
-      <p:sp>
-        <p:nvSpPr>
-          <p:cNvPr id="32" name="Rounded Rectangle 31"/>
-          <p:cNvSpPr/>
-          <p:nvPr/>
-        </p:nvSpPr>
-        <p:spPr>
-          <a:xfrm>
-            <a:off x="1533893" y="2903953"/>
-            <a:ext cx="1234440" cy="274320"/>
-          </a:xfrm>
-          <a:prstGeom prst="roundRect">
-            <a:avLst/>
-          </a:prstGeom>
-          <a:solidFill>
-            <a:schemeClr val="accent6">
-              <a:lumMod val="20000"/>
-              <a:lumOff val="80000"/>
-            </a:schemeClr>
-          </a:solidFill>
-          <a:ln>
-            <a:solidFill>
-              <a:schemeClr val="bg1">
-                <a:lumMod val="75000"/>
-              </a:schemeClr>
-            </a:solidFill>
-          </a:ln>
-        </p:spPr>
-        <p:style>
-          <a:lnRef idx="2">
-            <a:schemeClr val="accent1">
-              <a:shade val="50000"/>
-            </a:schemeClr>
-          </a:lnRef>
-          <a:fillRef idx="1">
-            <a:schemeClr val="accent1"/>
-          </a:fillRef>
-          <a:effectRef idx="0">
-            <a:schemeClr val="accent1"/>
-          </a:effectRef>
-          <a:fontRef idx="minor">
-            <a:schemeClr val="lt1"/>
-          </a:fontRef>
-        </p:style>
-        <p:txBody>
-          <a:bodyPr rot="0" spcFirstLastPara="0" vertOverflow="overflow" horzOverflow="overflow" vert="horz" wrap="square" lIns="51435" tIns="25718" rIns="51435" bIns="25718" numCol="1" spcCol="0" rtlCol="0" fromWordArt="0" anchor="ctr" anchorCtr="0" forceAA="0" compatLnSpc="1">
-            <a:prstTxWarp prst="textNoShape">
-              <a:avLst/>
-            </a:prstTxWarp>
-            <a:noAutofit/>
-          </a:bodyPr>
-          <a:lstStyle/>
-          <a:p>
-            <a:pPr algn="ctr"/>
-            <a:r>
-              <a:rPr lang="en-US" sz="800" b="1" dirty="0" smtClean="0">
-                <a:solidFill>
-                  <a:schemeClr val="accent1">
-                    <a:lumMod val="50000"/>
-                  </a:schemeClr>
-                </a:solidFill>
-                <a:latin typeface="Tahoma" panose="020B0604030504040204" pitchFamily="34" charset="0"/>
-                <a:ea typeface="Tahoma" panose="020B0604030504040204" pitchFamily="34" charset="0"/>
-                <a:cs typeface="Tahoma" panose="020B0604030504040204" pitchFamily="34" charset="0"/>
-              </a:rPr>
-              <a:t>Bilinear Up sampling</a:t>
-            </a:r>
-            <a:endParaRPr lang="en-US" sz="800" b="1" dirty="0">
-              <a:solidFill>
-                <a:schemeClr val="accent1">
-                  <a:lumMod val="50000"/>
-                </a:schemeClr>
-              </a:solidFill>
-              <a:latin typeface="Tahoma" panose="020B0604030504040204" pitchFamily="34" charset="0"/>
-              <a:ea typeface="Tahoma" panose="020B0604030504040204" pitchFamily="34" charset="0"/>
-              <a:cs typeface="Tahoma" panose="020B0604030504040204" pitchFamily="34" charset="0"/>
-            </a:endParaRPr>
-          </a:p>
-        </p:txBody>
-      </p:sp>
-      <p:cxnSp>
-        <p:nvCxnSpPr>
-          <p:cNvPr id="33" name="Straight Arrow Connector 32"/>
-          <p:cNvCxnSpPr>
-            <a:stCxn id="31" idx="3"/>
-            <a:endCxn id="32" idx="1"/>
-          </p:cNvCxnSpPr>
-          <p:nvPr/>
-        </p:nvCxnSpPr>
-        <p:spPr>
-          <a:xfrm>
-            <a:off x="1109891" y="3041113"/>
-            <a:ext cx="424002" cy="0"/>
-          </a:xfrm>
-          <a:prstGeom prst="straightConnector1">
-            <a:avLst/>
-          </a:prstGeom>
-          <a:ln>
-            <a:solidFill>
-              <a:schemeClr val="tx1"/>
-            </a:solidFill>
-            <a:tailEnd type="triangle"/>
-          </a:ln>
-        </p:spPr>
-        <p:style>
-          <a:lnRef idx="1">
-            <a:schemeClr val="accent1"/>
-          </a:lnRef>
-          <a:fillRef idx="0">
-            <a:schemeClr val="accent1"/>
-          </a:fillRef>
-          <a:effectRef idx="0">
-            <a:schemeClr val="accent1"/>
-          </a:effectRef>
-          <a:fontRef idx="minor">
-            <a:schemeClr val="tx1"/>
-          </a:fontRef>
-        </p:style>
-      </p:cxnSp>
-      <p:cxnSp>
-        <p:nvCxnSpPr>
-          <p:cNvPr id="37" name="Straight Arrow Connector 36"/>
-          <p:cNvCxnSpPr>
-            <a:stCxn id="61" idx="3"/>
-            <a:endCxn id="26" idx="1"/>
-          </p:cNvCxnSpPr>
-          <p:nvPr/>
-        </p:nvCxnSpPr>
-        <p:spPr>
-          <a:xfrm>
-            <a:off x="1109891" y="2266175"/>
-            <a:ext cx="424002" cy="0"/>
-          </a:xfrm>
-          <a:prstGeom prst="straightConnector1">
-            <a:avLst/>
-          </a:prstGeom>
-          <a:ln>
-            <a:solidFill>
-              <a:schemeClr val="tx1"/>
-            </a:solidFill>
-            <a:tailEnd type="triangle"/>
-          </a:ln>
-        </p:spPr>
-        <p:style>
-          <a:lnRef idx="1">
-            <a:schemeClr val="accent1"/>
-          </a:lnRef>
-          <a:fillRef idx="0">
-            <a:schemeClr val="accent1"/>
-          </a:fillRef>
-          <a:effectRef idx="0">
-            <a:schemeClr val="accent1"/>
-          </a:effectRef>
-          <a:fontRef idx="minor">
-            <a:schemeClr val="tx1"/>
-          </a:fontRef>
-        </p:style>
-      </p:cxnSp>
-      <p:grpSp>
-        <p:nvGrpSpPr>
-          <p:cNvPr id="107" name="Group 106"/>
-          <p:cNvGrpSpPr/>
-          <p:nvPr/>
-        </p:nvGrpSpPr>
-        <p:grpSpPr>
-          <a:xfrm>
-            <a:off x="3752290" y="2501760"/>
-            <a:ext cx="1373366" cy="4102918"/>
-            <a:chOff x="1793492" y="4273847"/>
-            <a:chExt cx="1373366" cy="4102918"/>
-          </a:xfrm>
-        </p:grpSpPr>
-        <p:sp>
-          <p:nvSpPr>
-            <p:cNvPr id="59" name="Rounded Rectangle 58"/>
-            <p:cNvSpPr/>
-            <p:nvPr/>
-          </p:nvSpPr>
-          <p:spPr>
-            <a:xfrm>
-              <a:off x="1793492" y="8102445"/>
-              <a:ext cx="1188720" cy="274320"/>
-            </a:xfrm>
-            <a:prstGeom prst="roundRect">
-              <a:avLst/>
-            </a:prstGeom>
-            <a:noFill/>
-            <a:ln>
-              <a:solidFill>
-                <a:schemeClr val="bg1">
-                  <a:lumMod val="50000"/>
-                </a:schemeClr>
-              </a:solidFill>
-            </a:ln>
-          </p:spPr>
-          <p:style>
-            <a:lnRef idx="2">
-              <a:schemeClr val="accent1">
-                <a:shade val="50000"/>
-              </a:schemeClr>
-            </a:lnRef>
-            <a:fillRef idx="1">
-              <a:schemeClr val="accent1"/>
-            </a:fillRef>
-            <a:effectRef idx="0">
-              <a:schemeClr val="accent1"/>
-            </a:effectRef>
-            <a:fontRef idx="minor">
-              <a:schemeClr val="lt1"/>
-            </a:fontRef>
-          </p:style>
-          <p:txBody>
-            <a:bodyPr rot="0" spcFirstLastPara="0" vertOverflow="overflow" horzOverflow="overflow" vert="horz" wrap="square" lIns="51435" tIns="25718" rIns="51435" bIns="25718" numCol="1" spcCol="0" rtlCol="0" fromWordArt="0" anchor="ctr" anchorCtr="0" forceAA="0" compatLnSpc="1">
-              <a:prstTxWarp prst="textNoShape">
-                <a:avLst/>
-              </a:prstTxWarp>
-              <a:noAutofit/>
-            </a:bodyPr>
-            <a:lstStyle/>
-            <a:p>
-              <a:pPr algn="ctr"/>
-              <a:r>
-                <a:rPr lang="en-US" sz="900" b="1" dirty="0" smtClean="0">
-                  <a:solidFill>
-                    <a:schemeClr val="tx1"/>
-                  </a:solidFill>
-                  <a:latin typeface="Tahoma" panose="020B0604030504040204" pitchFamily="34" charset="0"/>
-                  <a:ea typeface="Tahoma" panose="020B0604030504040204" pitchFamily="34" charset="0"/>
-                  <a:cs typeface="Tahoma" panose="020B0604030504040204" pitchFamily="34" charset="0"/>
-                </a:rPr>
-                <a:t>PREDICTIONS</a:t>
-              </a:r>
-              <a:endParaRPr lang="en-US" sz="900" b="1" dirty="0">
-                <a:solidFill>
-                  <a:schemeClr val="tx1"/>
-                </a:solidFill>
-                <a:latin typeface="Tahoma" panose="020B0604030504040204" pitchFamily="34" charset="0"/>
-                <a:ea typeface="Tahoma" panose="020B0604030504040204" pitchFamily="34" charset="0"/>
-                <a:cs typeface="Tahoma" panose="020B0604030504040204" pitchFamily="34" charset="0"/>
-              </a:endParaRPr>
-            </a:p>
-          </p:txBody>
-        </p:sp>
-        <p:cxnSp>
-          <p:nvCxnSpPr>
-            <p:cNvPr id="60" name="Straight Arrow Connector 59"/>
-            <p:cNvCxnSpPr>
-              <a:stCxn id="104" idx="2"/>
-              <a:endCxn id="59" idx="0"/>
-            </p:cNvCxnSpPr>
-            <p:nvPr/>
-          </p:nvCxnSpPr>
-          <p:spPr>
-            <a:xfrm>
-              <a:off x="2387852" y="7861403"/>
-              <a:ext cx="0" cy="241042"/>
-            </a:xfrm>
-            <a:prstGeom prst="straightConnector1">
-              <a:avLst/>
-            </a:prstGeom>
-            <a:ln>
-              <a:solidFill>
-                <a:schemeClr val="tx1"/>
-              </a:solidFill>
-              <a:tailEnd type="triangle"/>
-            </a:ln>
-          </p:spPr>
-          <p:style>
-            <a:lnRef idx="1">
-              <a:schemeClr val="accent1"/>
-            </a:lnRef>
-            <a:fillRef idx="0">
-              <a:schemeClr val="accent1"/>
-            </a:fillRef>
-            <a:effectRef idx="0">
-              <a:schemeClr val="accent1"/>
-            </a:effectRef>
-            <a:fontRef idx="minor">
-              <a:schemeClr val="tx1"/>
-            </a:fontRef>
-          </p:style>
-        </p:cxnSp>
-        <p:grpSp>
-          <p:nvGrpSpPr>
-            <p:cNvPr id="92" name="Group 91"/>
-            <p:cNvGrpSpPr/>
-            <p:nvPr/>
-          </p:nvGrpSpPr>
-          <p:grpSpPr>
-            <a:xfrm>
-              <a:off x="1793492" y="4273847"/>
-              <a:ext cx="1373366" cy="3032189"/>
-              <a:chOff x="1793492" y="4273847"/>
-              <a:chExt cx="1373366" cy="3032189"/>
-            </a:xfrm>
-          </p:grpSpPr>
-          <p:grpSp>
-            <p:nvGrpSpPr>
-              <p:cNvPr id="90" name="Group 89"/>
-              <p:cNvGrpSpPr/>
-              <p:nvPr/>
-            </p:nvGrpSpPr>
-            <p:grpSpPr>
-              <a:xfrm>
-                <a:off x="1793492" y="4273847"/>
-                <a:ext cx="1188720" cy="3032189"/>
-                <a:chOff x="1793492" y="4273847"/>
-                <a:chExt cx="1188720" cy="3032189"/>
-              </a:xfrm>
-            </p:grpSpPr>
-            <p:grpSp>
-              <p:nvGrpSpPr>
-                <p:cNvPr id="49" name="Group 48"/>
-                <p:cNvGrpSpPr/>
-                <p:nvPr/>
-              </p:nvGrpSpPr>
-              <p:grpSpPr>
-                <a:xfrm>
-                  <a:off x="1793492" y="4273847"/>
-                  <a:ext cx="1188720" cy="3032189"/>
-                  <a:chOff x="1793492" y="4273847"/>
-                  <a:chExt cx="1188720" cy="3032189"/>
-                </a:xfrm>
-              </p:grpSpPr>
-              <p:sp>
-                <p:nvSpPr>
-                  <p:cNvPr id="84" name="Rounded Rectangle 83"/>
-                  <p:cNvSpPr/>
-                  <p:nvPr/>
-                </p:nvSpPr>
-                <p:spPr>
-                  <a:xfrm>
-                    <a:off x="1793492" y="4273847"/>
-                    <a:ext cx="1188720" cy="228600"/>
-                  </a:xfrm>
-                  <a:prstGeom prst="roundRect">
-                    <a:avLst/>
-                  </a:prstGeom>
-                  <a:solidFill>
-                    <a:schemeClr val="accent4">
-                      <a:lumMod val="20000"/>
-                      <a:lumOff val="80000"/>
-                    </a:schemeClr>
-                  </a:solidFill>
-                  <a:ln>
-                    <a:solidFill>
-                      <a:schemeClr val="bg1">
-                        <a:lumMod val="75000"/>
-                      </a:schemeClr>
-                    </a:solidFill>
-                  </a:ln>
-                </p:spPr>
-                <p:style>
-                  <a:lnRef idx="2">
-                    <a:schemeClr val="accent1">
-                      <a:shade val="50000"/>
-                    </a:schemeClr>
-                  </a:lnRef>
-                  <a:fillRef idx="1">
-                    <a:schemeClr val="accent1"/>
-                  </a:fillRef>
-                  <a:effectRef idx="0">
-                    <a:schemeClr val="accent1"/>
-                  </a:effectRef>
-                  <a:fontRef idx="minor">
-                    <a:schemeClr val="lt1"/>
-                  </a:fontRef>
-                </p:style>
-                <p:txBody>
-                  <a:bodyPr rot="0" spcFirstLastPara="0" vertOverflow="overflow" horzOverflow="overflow" vert="horz" wrap="square" lIns="51435" tIns="25718" rIns="51435" bIns="25718" numCol="1" spcCol="0" rtlCol="0" fromWordArt="0" anchor="ctr" anchorCtr="0" forceAA="0" compatLnSpc="1">
-                    <a:prstTxWarp prst="textNoShape">
-                      <a:avLst/>
-                    </a:prstTxWarp>
-                    <a:noAutofit/>
-                  </a:bodyPr>
-                  <a:lstStyle/>
-                  <a:p>
-                    <a:pPr algn="ctr"/>
-                    <a:r>
-                      <a:rPr lang="en-US" sz="800" b="1" dirty="0" smtClean="0">
-                        <a:solidFill>
-                          <a:schemeClr val="accent1">
-                            <a:lumMod val="50000"/>
-                          </a:schemeClr>
-                        </a:solidFill>
-                        <a:latin typeface="Tahoma" panose="020B0604030504040204" pitchFamily="34" charset="0"/>
-                        <a:ea typeface="Tahoma" panose="020B0604030504040204" pitchFamily="34" charset="0"/>
-                        <a:cs typeface="Tahoma" panose="020B0604030504040204" pitchFamily="34" charset="0"/>
-                      </a:rPr>
-                      <a:t>Conv2d(304, 256, 3)</a:t>
-                    </a:r>
-                    <a:endParaRPr lang="en-US" sz="800" b="1" dirty="0">
-                      <a:solidFill>
-                        <a:schemeClr val="accent1">
-                          <a:lumMod val="50000"/>
-                        </a:schemeClr>
-                      </a:solidFill>
-                      <a:latin typeface="Tahoma" panose="020B0604030504040204" pitchFamily="34" charset="0"/>
-                      <a:ea typeface="Tahoma" panose="020B0604030504040204" pitchFamily="34" charset="0"/>
-                      <a:cs typeface="Tahoma" panose="020B0604030504040204" pitchFamily="34" charset="0"/>
-                    </a:endParaRPr>
-                  </a:p>
-                </p:txBody>
-              </p:sp>
-              <p:sp>
-                <p:nvSpPr>
-                  <p:cNvPr id="85" name="Rounded Rectangle 84"/>
-                  <p:cNvSpPr/>
-                  <p:nvPr/>
-                </p:nvSpPr>
-                <p:spPr>
-                  <a:xfrm>
-                    <a:off x="1793492" y="4756282"/>
-                    <a:ext cx="1188720" cy="228600"/>
-                  </a:xfrm>
-                  <a:prstGeom prst="roundRect">
-                    <a:avLst/>
-                  </a:prstGeom>
-                  <a:solidFill>
-                    <a:schemeClr val="accent4">
-                      <a:lumMod val="20000"/>
-                      <a:lumOff val="80000"/>
-                    </a:schemeClr>
-                  </a:solidFill>
-                  <a:ln>
-                    <a:solidFill>
-                      <a:schemeClr val="bg1">
-                        <a:lumMod val="75000"/>
-                      </a:schemeClr>
-                    </a:solidFill>
-                  </a:ln>
-                </p:spPr>
-                <p:style>
-                  <a:lnRef idx="2">
-                    <a:schemeClr val="accent1">
-                      <a:shade val="50000"/>
-                    </a:schemeClr>
-                  </a:lnRef>
-                  <a:fillRef idx="1">
-                    <a:schemeClr val="accent1"/>
-                  </a:fillRef>
-                  <a:effectRef idx="0">
-                    <a:schemeClr val="accent1"/>
-                  </a:effectRef>
-                  <a:fontRef idx="minor">
-                    <a:schemeClr val="lt1"/>
-                  </a:fontRef>
-                </p:style>
-                <p:txBody>
-                  <a:bodyPr rot="0" spcFirstLastPara="0" vertOverflow="overflow" horzOverflow="overflow" vert="horz" wrap="square" lIns="51435" tIns="25718" rIns="51435" bIns="25718" numCol="1" spcCol="0" rtlCol="0" fromWordArt="0" anchor="ctr" anchorCtr="0" forceAA="0" compatLnSpc="1">
-                    <a:prstTxWarp prst="textNoShape">
-                      <a:avLst/>
-                    </a:prstTxWarp>
-                    <a:noAutofit/>
-                  </a:bodyPr>
-                  <a:lstStyle/>
-                  <a:p>
-                    <a:pPr algn="ctr"/>
-                    <a:r>
-                      <a:rPr lang="en-US" sz="800" b="1" dirty="0" smtClean="0">
-                        <a:solidFill>
-                          <a:schemeClr val="accent1">
-                            <a:lumMod val="50000"/>
-                          </a:schemeClr>
-                        </a:solidFill>
-                        <a:latin typeface="Tahoma" panose="020B0604030504040204" pitchFamily="34" charset="0"/>
-                        <a:ea typeface="Tahoma" panose="020B0604030504040204" pitchFamily="34" charset="0"/>
-                        <a:cs typeface="Tahoma" panose="020B0604030504040204" pitchFamily="34" charset="0"/>
-                      </a:rPr>
-                      <a:t>BatchNorm2d(256)</a:t>
-                    </a:r>
-                    <a:endParaRPr lang="en-US" sz="800" b="1" dirty="0">
-                      <a:solidFill>
-                        <a:schemeClr val="accent1">
-                          <a:lumMod val="50000"/>
-                        </a:schemeClr>
-                      </a:solidFill>
-                      <a:latin typeface="Tahoma" panose="020B0604030504040204" pitchFamily="34" charset="0"/>
-                      <a:ea typeface="Tahoma" panose="020B0604030504040204" pitchFamily="34" charset="0"/>
-                      <a:cs typeface="Tahoma" panose="020B0604030504040204" pitchFamily="34" charset="0"/>
-                    </a:endParaRPr>
-                  </a:p>
-                </p:txBody>
-              </p:sp>
-              <p:sp>
-                <p:nvSpPr>
-                  <p:cNvPr id="86" name="Rounded Rectangle 85"/>
-                  <p:cNvSpPr/>
-                  <p:nvPr/>
-                </p:nvSpPr>
-                <p:spPr>
-                  <a:xfrm>
-                    <a:off x="1793492" y="5232367"/>
-                    <a:ext cx="1188720" cy="228600"/>
-                  </a:xfrm>
-                  <a:prstGeom prst="roundRect">
-                    <a:avLst/>
-                  </a:prstGeom>
-                  <a:solidFill>
-                    <a:schemeClr val="accent4">
-                      <a:lumMod val="20000"/>
-                      <a:lumOff val="80000"/>
-                    </a:schemeClr>
-                  </a:solidFill>
-                  <a:ln>
-                    <a:solidFill>
-                      <a:schemeClr val="bg1">
-                        <a:lumMod val="75000"/>
-                      </a:schemeClr>
-                    </a:solidFill>
-                  </a:ln>
-                </p:spPr>
-                <p:style>
-                  <a:lnRef idx="2">
-                    <a:schemeClr val="accent1">
-                      <a:shade val="50000"/>
-                    </a:schemeClr>
-                  </a:lnRef>
-                  <a:fillRef idx="1">
-                    <a:schemeClr val="accent1"/>
-                  </a:fillRef>
-                  <a:effectRef idx="0">
-                    <a:schemeClr val="accent1"/>
-                  </a:effectRef>
-                  <a:fontRef idx="minor">
-                    <a:schemeClr val="lt1"/>
-                  </a:fontRef>
-                </p:style>
-                <p:txBody>
-                  <a:bodyPr rot="0" spcFirstLastPara="0" vertOverflow="overflow" horzOverflow="overflow" vert="horz" wrap="square" lIns="51435" tIns="25718" rIns="51435" bIns="25718" numCol="1" spcCol="0" rtlCol="0" fromWordArt="0" anchor="ctr" anchorCtr="0" forceAA="0" compatLnSpc="1">
-                    <a:prstTxWarp prst="textNoShape">
-                      <a:avLst/>
-                    </a:prstTxWarp>
-                    <a:noAutofit/>
-                  </a:bodyPr>
-                  <a:lstStyle/>
-                  <a:p>
-                    <a:pPr algn="ctr"/>
-                    <a:r>
-                      <a:rPr lang="en-US" sz="800" b="1" dirty="0" smtClean="0">
-                        <a:solidFill>
-                          <a:schemeClr val="accent1">
-                            <a:lumMod val="50000"/>
-                          </a:schemeClr>
-                        </a:solidFill>
-                        <a:latin typeface="Tahoma" panose="020B0604030504040204" pitchFamily="34" charset="0"/>
-                        <a:ea typeface="Tahoma" panose="020B0604030504040204" pitchFamily="34" charset="0"/>
-                        <a:cs typeface="Tahoma" panose="020B0604030504040204" pitchFamily="34" charset="0"/>
-                      </a:rPr>
-                      <a:t>ReLU Activation</a:t>
-                    </a:r>
-                    <a:endParaRPr lang="en-US" sz="800" b="1" dirty="0">
-                      <a:solidFill>
-                        <a:schemeClr val="accent1">
-                          <a:lumMod val="50000"/>
-                        </a:schemeClr>
-                      </a:solidFill>
-                      <a:latin typeface="Tahoma" panose="020B0604030504040204" pitchFamily="34" charset="0"/>
-                      <a:ea typeface="Tahoma" panose="020B0604030504040204" pitchFamily="34" charset="0"/>
-                      <a:cs typeface="Tahoma" panose="020B0604030504040204" pitchFamily="34" charset="0"/>
-                    </a:endParaRPr>
-                  </a:p>
-                </p:txBody>
-              </p:sp>
-              <p:sp>
-                <p:nvSpPr>
-                  <p:cNvPr id="75" name="Rounded Rectangle 74"/>
-                  <p:cNvSpPr/>
-                  <p:nvPr/>
-                </p:nvSpPr>
-                <p:spPr>
-                  <a:xfrm>
-                    <a:off x="1793492" y="5706607"/>
-                    <a:ext cx="1188720" cy="228600"/>
-                  </a:xfrm>
-                  <a:prstGeom prst="roundRect">
-                    <a:avLst/>
-                  </a:prstGeom>
-                  <a:solidFill>
-                    <a:schemeClr val="accent4">
-                      <a:lumMod val="20000"/>
-                      <a:lumOff val="80000"/>
-                    </a:schemeClr>
-                  </a:solidFill>
-                  <a:ln>
-                    <a:solidFill>
-                      <a:schemeClr val="bg1">
-                        <a:lumMod val="75000"/>
-                      </a:schemeClr>
-                    </a:solidFill>
-                  </a:ln>
-                </p:spPr>
-                <p:style>
-                  <a:lnRef idx="2">
-                    <a:schemeClr val="accent1">
-                      <a:shade val="50000"/>
-                    </a:schemeClr>
-                  </a:lnRef>
-                  <a:fillRef idx="1">
-                    <a:schemeClr val="accent1"/>
-                  </a:fillRef>
-                  <a:effectRef idx="0">
-                    <a:schemeClr val="accent1"/>
-                  </a:effectRef>
-                  <a:fontRef idx="minor">
-                    <a:schemeClr val="lt1"/>
-                  </a:fontRef>
-                </p:style>
-                <p:txBody>
-                  <a:bodyPr rot="0" spcFirstLastPara="0" vertOverflow="overflow" horzOverflow="overflow" vert="horz" wrap="square" lIns="51435" tIns="25718" rIns="51435" bIns="25718" numCol="1" spcCol="0" rtlCol="0" fromWordArt="0" anchor="ctr" anchorCtr="0" forceAA="0" compatLnSpc="1">
-                    <a:prstTxWarp prst="textNoShape">
-                      <a:avLst/>
-                    </a:prstTxWarp>
-                    <a:noAutofit/>
-                  </a:bodyPr>
-                  <a:lstStyle/>
-                  <a:p>
-                    <a:pPr algn="ctr"/>
-                    <a:r>
-                      <a:rPr lang="en-US" sz="800" b="1" dirty="0" smtClean="0">
-                        <a:solidFill>
-                          <a:schemeClr val="accent1">
-                            <a:lumMod val="50000"/>
-                          </a:schemeClr>
-                        </a:solidFill>
-                        <a:latin typeface="Tahoma" panose="020B0604030504040204" pitchFamily="34" charset="0"/>
-                        <a:ea typeface="Tahoma" panose="020B0604030504040204" pitchFamily="34" charset="0"/>
-                        <a:cs typeface="Tahoma" panose="020B0604030504040204" pitchFamily="34" charset="0"/>
-                      </a:rPr>
-                      <a:t>Conv2d(256, 256, 3)</a:t>
-                    </a:r>
-                    <a:endParaRPr lang="en-US" sz="800" b="1" dirty="0">
-                      <a:solidFill>
-                        <a:schemeClr val="accent1">
-                          <a:lumMod val="50000"/>
-                        </a:schemeClr>
-                      </a:solidFill>
-                      <a:latin typeface="Tahoma" panose="020B0604030504040204" pitchFamily="34" charset="0"/>
-                      <a:ea typeface="Tahoma" panose="020B0604030504040204" pitchFamily="34" charset="0"/>
-                      <a:cs typeface="Tahoma" panose="020B0604030504040204" pitchFamily="34" charset="0"/>
-                    </a:endParaRPr>
-                  </a:p>
-                </p:txBody>
-              </p:sp>
-              <p:sp>
-                <p:nvSpPr>
-                  <p:cNvPr id="76" name="Rounded Rectangle 75"/>
-                  <p:cNvSpPr/>
-                  <p:nvPr/>
-                </p:nvSpPr>
-                <p:spPr>
-                  <a:xfrm>
-                    <a:off x="1793492" y="6180847"/>
-                    <a:ext cx="1188720" cy="228600"/>
-                  </a:xfrm>
-                  <a:prstGeom prst="roundRect">
-                    <a:avLst/>
-                  </a:prstGeom>
-                  <a:solidFill>
-                    <a:schemeClr val="accent4">
-                      <a:lumMod val="20000"/>
-                      <a:lumOff val="80000"/>
-                    </a:schemeClr>
-                  </a:solidFill>
-                  <a:ln>
-                    <a:solidFill>
-                      <a:schemeClr val="bg1">
-                        <a:lumMod val="75000"/>
-                      </a:schemeClr>
-                    </a:solidFill>
-                  </a:ln>
-                </p:spPr>
-                <p:style>
-                  <a:lnRef idx="2">
-                    <a:schemeClr val="accent1">
-                      <a:shade val="50000"/>
-                    </a:schemeClr>
-                  </a:lnRef>
-                  <a:fillRef idx="1">
-                    <a:schemeClr val="accent1"/>
-                  </a:fillRef>
-                  <a:effectRef idx="0">
-                    <a:schemeClr val="accent1"/>
-                  </a:effectRef>
-                  <a:fontRef idx="minor">
-                    <a:schemeClr val="lt1"/>
-                  </a:fontRef>
-                </p:style>
-                <p:txBody>
-                  <a:bodyPr rot="0" spcFirstLastPara="0" vertOverflow="overflow" horzOverflow="overflow" vert="horz" wrap="square" lIns="51435" tIns="25718" rIns="51435" bIns="25718" numCol="1" spcCol="0" rtlCol="0" fromWordArt="0" anchor="ctr" anchorCtr="0" forceAA="0" compatLnSpc="1">
-                    <a:prstTxWarp prst="textNoShape">
-                      <a:avLst/>
-                    </a:prstTxWarp>
-                    <a:noAutofit/>
-                  </a:bodyPr>
-                  <a:lstStyle/>
-                  <a:p>
-                    <a:pPr algn="ctr"/>
-                    <a:r>
-                      <a:rPr lang="en-US" sz="800" b="1" dirty="0" smtClean="0">
-                        <a:solidFill>
-                          <a:schemeClr val="accent1">
-                            <a:lumMod val="50000"/>
-                          </a:schemeClr>
-                        </a:solidFill>
-                        <a:latin typeface="Tahoma" panose="020B0604030504040204" pitchFamily="34" charset="0"/>
-                        <a:ea typeface="Tahoma" panose="020B0604030504040204" pitchFamily="34" charset="0"/>
-                        <a:cs typeface="Tahoma" panose="020B0604030504040204" pitchFamily="34" charset="0"/>
-                      </a:rPr>
-                      <a:t>BatchNorm2d(256)</a:t>
-                    </a:r>
-                    <a:endParaRPr lang="en-US" sz="800" b="1" dirty="0">
-                      <a:solidFill>
-                        <a:schemeClr val="accent1">
-                          <a:lumMod val="50000"/>
-                        </a:schemeClr>
-                      </a:solidFill>
-                      <a:latin typeface="Tahoma" panose="020B0604030504040204" pitchFamily="34" charset="0"/>
-                      <a:ea typeface="Tahoma" panose="020B0604030504040204" pitchFamily="34" charset="0"/>
-                      <a:cs typeface="Tahoma" panose="020B0604030504040204" pitchFamily="34" charset="0"/>
-                    </a:endParaRPr>
-                  </a:p>
-                </p:txBody>
-              </p:sp>
-              <p:sp>
-                <p:nvSpPr>
-                  <p:cNvPr id="77" name="Rounded Rectangle 76"/>
-                  <p:cNvSpPr/>
-                  <p:nvPr/>
-                </p:nvSpPr>
-                <p:spPr>
-                  <a:xfrm>
-                    <a:off x="1793492" y="6636960"/>
-                    <a:ext cx="1188720" cy="228600"/>
-                  </a:xfrm>
-                  <a:prstGeom prst="roundRect">
-                    <a:avLst/>
-                  </a:prstGeom>
-                  <a:solidFill>
-                    <a:schemeClr val="accent4">
-                      <a:lumMod val="20000"/>
-                      <a:lumOff val="80000"/>
-                    </a:schemeClr>
-                  </a:solidFill>
-                  <a:ln>
-                    <a:solidFill>
-                      <a:schemeClr val="bg1">
-                        <a:lumMod val="75000"/>
-                      </a:schemeClr>
-                    </a:solidFill>
-                  </a:ln>
-                </p:spPr>
-                <p:style>
-                  <a:lnRef idx="2">
-                    <a:schemeClr val="accent1">
-                      <a:shade val="50000"/>
-                    </a:schemeClr>
-                  </a:lnRef>
-                  <a:fillRef idx="1">
-                    <a:schemeClr val="accent1"/>
-                  </a:fillRef>
-                  <a:effectRef idx="0">
-                    <a:schemeClr val="accent1"/>
-                  </a:effectRef>
-                  <a:fontRef idx="minor">
-                    <a:schemeClr val="lt1"/>
-                  </a:fontRef>
-                </p:style>
-                <p:txBody>
-                  <a:bodyPr rot="0" spcFirstLastPara="0" vertOverflow="overflow" horzOverflow="overflow" vert="horz" wrap="square" lIns="51435" tIns="25718" rIns="51435" bIns="25718" numCol="1" spcCol="0" rtlCol="0" fromWordArt="0" anchor="ctr" anchorCtr="0" forceAA="0" compatLnSpc="1">
-                    <a:prstTxWarp prst="textNoShape">
-                      <a:avLst/>
-                    </a:prstTxWarp>
-                    <a:noAutofit/>
-                  </a:bodyPr>
-                  <a:lstStyle/>
-                  <a:p>
-                    <a:pPr algn="ctr"/>
-                    <a:r>
-                      <a:rPr lang="en-US" sz="800" b="1" dirty="0" smtClean="0">
-                        <a:solidFill>
-                          <a:schemeClr val="accent1">
-                            <a:lumMod val="50000"/>
-                          </a:schemeClr>
-                        </a:solidFill>
-                        <a:latin typeface="Tahoma" panose="020B0604030504040204" pitchFamily="34" charset="0"/>
-                        <a:ea typeface="Tahoma" panose="020B0604030504040204" pitchFamily="34" charset="0"/>
-                        <a:cs typeface="Tahoma" panose="020B0604030504040204" pitchFamily="34" charset="0"/>
-                      </a:rPr>
-                      <a:t>ReLU Activation</a:t>
-                    </a:r>
-                    <a:endParaRPr lang="en-US" sz="800" b="1" dirty="0">
-                      <a:solidFill>
-                        <a:schemeClr val="accent1">
-                          <a:lumMod val="50000"/>
-                        </a:schemeClr>
-                      </a:solidFill>
-                      <a:latin typeface="Tahoma" panose="020B0604030504040204" pitchFamily="34" charset="0"/>
-                      <a:ea typeface="Tahoma" panose="020B0604030504040204" pitchFamily="34" charset="0"/>
-                      <a:cs typeface="Tahoma" panose="020B0604030504040204" pitchFamily="34" charset="0"/>
-                    </a:endParaRPr>
-                  </a:p>
-                </p:txBody>
-              </p:sp>
-              <p:sp>
-                <p:nvSpPr>
-                  <p:cNvPr id="96" name="Rounded Rectangle 95"/>
-                  <p:cNvSpPr/>
-                  <p:nvPr/>
-                </p:nvSpPr>
-                <p:spPr>
-                  <a:xfrm>
-                    <a:off x="1793492" y="7077436"/>
-                    <a:ext cx="1188720" cy="228600"/>
-                  </a:xfrm>
-                  <a:prstGeom prst="roundRect">
-                    <a:avLst/>
-                  </a:prstGeom>
-                  <a:solidFill>
-                    <a:schemeClr val="accent4">
-                      <a:lumMod val="20000"/>
-                      <a:lumOff val="80000"/>
-                    </a:schemeClr>
-                  </a:solidFill>
-                  <a:ln>
-                    <a:solidFill>
-                      <a:schemeClr val="bg1">
-                        <a:lumMod val="75000"/>
-                      </a:schemeClr>
-                    </a:solidFill>
-                  </a:ln>
-                </p:spPr>
-                <p:style>
-                  <a:lnRef idx="2">
-                    <a:schemeClr val="accent1">
-                      <a:shade val="50000"/>
-                    </a:schemeClr>
-                  </a:lnRef>
-                  <a:fillRef idx="1">
-                    <a:schemeClr val="accent1"/>
-                  </a:fillRef>
-                  <a:effectRef idx="0">
-                    <a:schemeClr val="accent1"/>
-                  </a:effectRef>
-                  <a:fontRef idx="minor">
-                    <a:schemeClr val="lt1"/>
-                  </a:fontRef>
-                </p:style>
-                <p:txBody>
-                  <a:bodyPr rot="0" spcFirstLastPara="0" vertOverflow="overflow" horzOverflow="overflow" vert="horz" wrap="square" lIns="51435" tIns="25718" rIns="51435" bIns="25718" numCol="1" spcCol="0" rtlCol="0" fromWordArt="0" anchor="ctr" anchorCtr="0" forceAA="0" compatLnSpc="1">
-                    <a:prstTxWarp prst="textNoShape">
-                      <a:avLst/>
-                    </a:prstTxWarp>
-                    <a:noAutofit/>
-                  </a:bodyPr>
-                  <a:lstStyle/>
-                  <a:p>
-                    <a:pPr algn="ctr"/>
-                    <a:r>
-                      <a:rPr lang="en-US" sz="800" b="1" dirty="0" smtClean="0">
-                        <a:solidFill>
-                          <a:schemeClr val="accent1">
-                            <a:lumMod val="50000"/>
-                          </a:schemeClr>
-                        </a:solidFill>
-                        <a:latin typeface="Tahoma" panose="020B0604030504040204" pitchFamily="34" charset="0"/>
-                        <a:ea typeface="Tahoma" panose="020B0604030504040204" pitchFamily="34" charset="0"/>
-                        <a:cs typeface="Tahoma" panose="020B0604030504040204" pitchFamily="34" charset="0"/>
-                      </a:rPr>
-                      <a:t>Conv2d(256, 3, 3)</a:t>
-                    </a:r>
-                    <a:endParaRPr lang="en-US" sz="800" b="1" dirty="0">
-                      <a:solidFill>
-                        <a:schemeClr val="accent1">
-                          <a:lumMod val="50000"/>
-                        </a:schemeClr>
-                      </a:solidFill>
-                      <a:latin typeface="Tahoma" panose="020B0604030504040204" pitchFamily="34" charset="0"/>
-                      <a:ea typeface="Tahoma" panose="020B0604030504040204" pitchFamily="34" charset="0"/>
-                      <a:cs typeface="Tahoma" panose="020B0604030504040204" pitchFamily="34" charset="0"/>
-                    </a:endParaRPr>
-                  </a:p>
-                </p:txBody>
-              </p:sp>
-            </p:grpSp>
-            <p:grpSp>
-              <p:nvGrpSpPr>
-                <p:cNvPr id="48" name="Group 47"/>
-                <p:cNvGrpSpPr/>
-                <p:nvPr/>
-              </p:nvGrpSpPr>
-              <p:grpSpPr>
-                <a:xfrm>
-                  <a:off x="2387852" y="4502447"/>
-                  <a:ext cx="0" cy="2574989"/>
-                  <a:chOff x="2387852" y="4502447"/>
-                  <a:chExt cx="0" cy="2574989"/>
-                </a:xfrm>
-              </p:grpSpPr>
-              <p:cxnSp>
-                <p:nvCxnSpPr>
-                  <p:cNvPr id="87" name="Straight Arrow Connector 86"/>
-                  <p:cNvCxnSpPr/>
-                  <p:nvPr/>
-                </p:nvCxnSpPr>
-                <p:spPr>
-                  <a:xfrm>
-                    <a:off x="2387852" y="4502447"/>
-                    <a:ext cx="0" cy="253835"/>
-                  </a:xfrm>
-                  <a:prstGeom prst="straightConnector1">
-                    <a:avLst/>
-                  </a:prstGeom>
-                  <a:ln>
-                    <a:solidFill>
-                      <a:schemeClr val="tx1"/>
-                    </a:solidFill>
-                    <a:tailEnd type="triangle"/>
-                  </a:ln>
-                </p:spPr>
-                <p:style>
-                  <a:lnRef idx="1">
-                    <a:schemeClr val="accent1"/>
-                  </a:lnRef>
-                  <a:fillRef idx="0">
-                    <a:schemeClr val="accent1"/>
-                  </a:fillRef>
-                  <a:effectRef idx="0">
-                    <a:schemeClr val="accent1"/>
-                  </a:effectRef>
-                  <a:fontRef idx="minor">
-                    <a:schemeClr val="tx1"/>
-                  </a:fontRef>
-                </p:style>
-              </p:cxnSp>
-              <p:cxnSp>
-                <p:nvCxnSpPr>
-                  <p:cNvPr id="89" name="Straight Arrow Connector 88"/>
-                  <p:cNvCxnSpPr/>
-                  <p:nvPr/>
-                </p:nvCxnSpPr>
-                <p:spPr>
-                  <a:xfrm>
-                    <a:off x="2387852" y="4984882"/>
-                    <a:ext cx="0" cy="247485"/>
-                  </a:xfrm>
-                  <a:prstGeom prst="straightConnector1">
-                    <a:avLst/>
-                  </a:prstGeom>
-                  <a:ln>
-                    <a:solidFill>
-                      <a:schemeClr val="tx1"/>
-                    </a:solidFill>
-                    <a:tailEnd type="triangle"/>
-                  </a:ln>
-                </p:spPr>
-                <p:style>
-                  <a:lnRef idx="1">
-                    <a:schemeClr val="accent1"/>
-                  </a:lnRef>
-                  <a:fillRef idx="0">
-                    <a:schemeClr val="accent1"/>
-                  </a:fillRef>
-                  <a:effectRef idx="0">
-                    <a:schemeClr val="accent1"/>
-                  </a:effectRef>
-                  <a:fontRef idx="minor">
-                    <a:schemeClr val="tx1"/>
-                  </a:fontRef>
-                </p:style>
-              </p:cxnSp>
-              <p:cxnSp>
-                <p:nvCxnSpPr>
-                  <p:cNvPr id="79" name="Straight Arrow Connector 78"/>
-                  <p:cNvCxnSpPr/>
-                  <p:nvPr/>
-                </p:nvCxnSpPr>
-                <p:spPr>
-                  <a:xfrm>
-                    <a:off x="2387852" y="5935207"/>
-                    <a:ext cx="0" cy="245640"/>
-                  </a:xfrm>
-                  <a:prstGeom prst="straightConnector1">
-                    <a:avLst/>
-                  </a:prstGeom>
-                  <a:ln>
-                    <a:solidFill>
-                      <a:schemeClr val="tx1"/>
-                    </a:solidFill>
-                    <a:tailEnd type="triangle"/>
-                  </a:ln>
-                </p:spPr>
-                <p:style>
-                  <a:lnRef idx="1">
-                    <a:schemeClr val="accent1"/>
-                  </a:lnRef>
-                  <a:fillRef idx="0">
-                    <a:schemeClr val="accent1"/>
-                  </a:fillRef>
-                  <a:effectRef idx="0">
-                    <a:schemeClr val="accent1"/>
-                  </a:effectRef>
-                  <a:fontRef idx="minor">
-                    <a:schemeClr val="tx1"/>
-                  </a:fontRef>
-                </p:style>
-              </p:cxnSp>
-              <p:cxnSp>
-                <p:nvCxnSpPr>
-                  <p:cNvPr id="80" name="Straight Arrow Connector 79"/>
-                  <p:cNvCxnSpPr/>
-                  <p:nvPr/>
-                </p:nvCxnSpPr>
-                <p:spPr>
-                  <a:xfrm>
-                    <a:off x="2387852" y="6409447"/>
-                    <a:ext cx="0" cy="227513"/>
-                  </a:xfrm>
-                  <a:prstGeom prst="straightConnector1">
-                    <a:avLst/>
-                  </a:prstGeom>
-                  <a:ln>
-                    <a:solidFill>
-                      <a:schemeClr val="tx1"/>
-                    </a:solidFill>
-                    <a:tailEnd type="triangle"/>
-                  </a:ln>
-                </p:spPr>
-                <p:style>
-                  <a:lnRef idx="1">
-                    <a:schemeClr val="accent1"/>
-                  </a:lnRef>
-                  <a:fillRef idx="0">
-                    <a:schemeClr val="accent1"/>
-                  </a:fillRef>
-                  <a:effectRef idx="0">
-                    <a:schemeClr val="accent1"/>
-                  </a:effectRef>
-                  <a:fontRef idx="minor">
-                    <a:schemeClr val="tx1"/>
-                  </a:fontRef>
-                </p:style>
-              </p:cxnSp>
-              <p:cxnSp>
-                <p:nvCxnSpPr>
-                  <p:cNvPr id="70" name="Straight Arrow Connector 69"/>
-                  <p:cNvCxnSpPr/>
-                  <p:nvPr/>
-                </p:nvCxnSpPr>
-                <p:spPr>
-                  <a:xfrm>
-                    <a:off x="2387852" y="5460967"/>
-                    <a:ext cx="0" cy="245640"/>
-                  </a:xfrm>
-                  <a:prstGeom prst="straightConnector1">
-                    <a:avLst/>
-                  </a:prstGeom>
-                  <a:ln>
-                    <a:solidFill>
-                      <a:schemeClr val="tx1"/>
-                    </a:solidFill>
-                    <a:tailEnd type="triangle"/>
-                  </a:ln>
-                </p:spPr>
-                <p:style>
-                  <a:lnRef idx="1">
-                    <a:schemeClr val="accent1"/>
-                  </a:lnRef>
-                  <a:fillRef idx="0">
-                    <a:schemeClr val="accent1"/>
-                  </a:fillRef>
-                  <a:effectRef idx="0">
-                    <a:schemeClr val="accent1"/>
-                  </a:effectRef>
-                  <a:fontRef idx="minor">
-                    <a:schemeClr val="tx1"/>
-                  </a:fontRef>
-                </p:style>
-              </p:cxnSp>
-              <p:cxnSp>
-                <p:nvCxnSpPr>
-                  <p:cNvPr id="97" name="Straight Arrow Connector 96"/>
-                  <p:cNvCxnSpPr/>
-                  <p:nvPr/>
-                </p:nvCxnSpPr>
-                <p:spPr>
-                  <a:xfrm>
-                    <a:off x="2387852" y="6865560"/>
-                    <a:ext cx="0" cy="211876"/>
-                  </a:xfrm>
-                  <a:prstGeom prst="straightConnector1">
-                    <a:avLst/>
-                  </a:prstGeom>
-                  <a:ln>
-                    <a:solidFill>
-                      <a:schemeClr val="tx1"/>
-                    </a:solidFill>
-                    <a:tailEnd type="triangle"/>
-                  </a:ln>
-                </p:spPr>
-                <p:style>
-                  <a:lnRef idx="1">
-                    <a:schemeClr val="accent1"/>
-                  </a:lnRef>
-                  <a:fillRef idx="0">
-                    <a:schemeClr val="accent1"/>
-                  </a:fillRef>
-                  <a:effectRef idx="0">
-                    <a:schemeClr val="accent1"/>
-                  </a:effectRef>
-                  <a:fontRef idx="minor">
-                    <a:schemeClr val="tx1"/>
-                  </a:fontRef>
-                </p:style>
-              </p:cxnSp>
-            </p:grpSp>
-          </p:grpSp>
-          <p:grpSp>
-            <p:nvGrpSpPr>
-              <p:cNvPr id="91" name="Group 90"/>
-              <p:cNvGrpSpPr/>
-              <p:nvPr/>
-            </p:nvGrpSpPr>
-            <p:grpSpPr>
-              <a:xfrm>
-                <a:off x="2409749" y="4518103"/>
-                <a:ext cx="757109" cy="2553769"/>
-                <a:chOff x="2409749" y="4518103"/>
-                <a:chExt cx="757109" cy="2553769"/>
-              </a:xfrm>
-            </p:grpSpPr>
-            <p:sp>
-              <p:nvSpPr>
-                <p:cNvPr id="82" name="TextBox 81"/>
-                <p:cNvSpPr txBox="1"/>
-                <p:nvPr/>
-              </p:nvSpPr>
-              <p:spPr>
-                <a:xfrm>
-                  <a:off x="2409749" y="4518103"/>
-                  <a:ext cx="757109" cy="200055"/>
-                </a:xfrm>
-                <a:prstGeom prst="rect">
-                  <a:avLst/>
-                </a:prstGeom>
-                <a:noFill/>
-              </p:spPr>
-              <p:txBody>
-                <a:bodyPr wrap="square" rtlCol="0">
-                  <a:spAutoFit/>
-                </a:bodyPr>
-                <a:lstStyle/>
-                <a:p>
-                  <a:pPr algn="ctr"/>
-                  <a:r>
-                    <a:rPr lang="en-US" sz="700" dirty="0" smtClean="0">
-                      <a:latin typeface="Tahoma" panose="020B0604030504040204" pitchFamily="34" charset="0"/>
-                      <a:ea typeface="Tahoma" panose="020B0604030504040204" pitchFamily="34" charset="0"/>
-                      <a:cs typeface="Tahoma" panose="020B0604030504040204" pitchFamily="34" charset="0"/>
-                    </a:rPr>
-                    <a:t>(256, 90, 160)</a:t>
-                  </a:r>
-                  <a:endParaRPr lang="en-US" sz="700" dirty="0">
-                    <a:latin typeface="Tahoma" panose="020B0604030504040204" pitchFamily="34" charset="0"/>
-                    <a:ea typeface="Tahoma" panose="020B0604030504040204" pitchFamily="34" charset="0"/>
-                    <a:cs typeface="Tahoma" panose="020B0604030504040204" pitchFamily="34" charset="0"/>
-                  </a:endParaRPr>
-                </a:p>
-              </p:txBody>
-            </p:sp>
-            <p:sp>
-              <p:nvSpPr>
-                <p:cNvPr id="99" name="TextBox 98"/>
-                <p:cNvSpPr txBox="1"/>
-                <p:nvPr/>
-              </p:nvSpPr>
-              <p:spPr>
-                <a:xfrm>
-                  <a:off x="2409749" y="5001460"/>
-                  <a:ext cx="757109" cy="200055"/>
-                </a:xfrm>
-                <a:prstGeom prst="rect">
-                  <a:avLst/>
-                </a:prstGeom>
-                <a:noFill/>
-              </p:spPr>
-              <p:txBody>
-                <a:bodyPr wrap="square" rtlCol="0">
-                  <a:spAutoFit/>
-                </a:bodyPr>
-                <a:lstStyle/>
-                <a:p>
-                  <a:pPr algn="ctr"/>
-                  <a:r>
-                    <a:rPr lang="en-US" sz="700" dirty="0" smtClean="0">
-                      <a:latin typeface="Tahoma" panose="020B0604030504040204" pitchFamily="34" charset="0"/>
-                      <a:ea typeface="Tahoma" panose="020B0604030504040204" pitchFamily="34" charset="0"/>
-                      <a:cs typeface="Tahoma" panose="020B0604030504040204" pitchFamily="34" charset="0"/>
-                    </a:rPr>
-                    <a:t>(256, 90, 160)</a:t>
-                  </a:r>
-                  <a:endParaRPr lang="en-US" sz="700" dirty="0">
-                    <a:latin typeface="Tahoma" panose="020B0604030504040204" pitchFamily="34" charset="0"/>
-                    <a:ea typeface="Tahoma" panose="020B0604030504040204" pitchFamily="34" charset="0"/>
-                    <a:cs typeface="Tahoma" panose="020B0604030504040204" pitchFamily="34" charset="0"/>
-                  </a:endParaRPr>
-                </a:p>
-              </p:txBody>
-            </p:sp>
-            <p:sp>
-              <p:nvSpPr>
-                <p:cNvPr id="100" name="TextBox 99"/>
-                <p:cNvSpPr txBox="1"/>
-                <p:nvPr/>
-              </p:nvSpPr>
-              <p:spPr>
-                <a:xfrm>
-                  <a:off x="2409749" y="5476622"/>
-                  <a:ext cx="757109" cy="200055"/>
-                </a:xfrm>
-                <a:prstGeom prst="rect">
-                  <a:avLst/>
-                </a:prstGeom>
-                <a:noFill/>
-              </p:spPr>
-              <p:txBody>
-                <a:bodyPr wrap="square" rtlCol="0">
-                  <a:spAutoFit/>
-                </a:bodyPr>
-                <a:lstStyle/>
-                <a:p>
-                  <a:pPr algn="ctr"/>
-                  <a:r>
-                    <a:rPr lang="en-US" sz="700" dirty="0" smtClean="0">
-                      <a:latin typeface="Tahoma" panose="020B0604030504040204" pitchFamily="34" charset="0"/>
-                      <a:ea typeface="Tahoma" panose="020B0604030504040204" pitchFamily="34" charset="0"/>
-                      <a:cs typeface="Tahoma" panose="020B0604030504040204" pitchFamily="34" charset="0"/>
-                    </a:rPr>
-                    <a:t>(256, 90, 160)</a:t>
-                  </a:r>
-                  <a:endParaRPr lang="en-US" sz="700" dirty="0">
-                    <a:latin typeface="Tahoma" panose="020B0604030504040204" pitchFamily="34" charset="0"/>
-                    <a:ea typeface="Tahoma" panose="020B0604030504040204" pitchFamily="34" charset="0"/>
-                    <a:cs typeface="Tahoma" panose="020B0604030504040204" pitchFamily="34" charset="0"/>
-                  </a:endParaRPr>
-                </a:p>
-              </p:txBody>
-            </p:sp>
-            <p:sp>
-              <p:nvSpPr>
-                <p:cNvPr id="101" name="TextBox 100"/>
-                <p:cNvSpPr txBox="1"/>
-                <p:nvPr/>
-              </p:nvSpPr>
-              <p:spPr>
-                <a:xfrm>
-                  <a:off x="2409749" y="5940097"/>
-                  <a:ext cx="757109" cy="200055"/>
-                </a:xfrm>
-                <a:prstGeom prst="rect">
-                  <a:avLst/>
-                </a:prstGeom>
-                <a:noFill/>
-              </p:spPr>
-              <p:txBody>
-                <a:bodyPr wrap="square" rtlCol="0">
-                  <a:spAutoFit/>
-                </a:bodyPr>
-                <a:lstStyle/>
-                <a:p>
-                  <a:pPr algn="ctr"/>
-                  <a:r>
-                    <a:rPr lang="en-US" sz="700" dirty="0" smtClean="0">
-                      <a:latin typeface="Tahoma" panose="020B0604030504040204" pitchFamily="34" charset="0"/>
-                      <a:ea typeface="Tahoma" panose="020B0604030504040204" pitchFamily="34" charset="0"/>
-                      <a:cs typeface="Tahoma" panose="020B0604030504040204" pitchFamily="34" charset="0"/>
-                    </a:rPr>
-                    <a:t>(256, 90, 160)</a:t>
-                  </a:r>
-                  <a:endParaRPr lang="en-US" sz="700" dirty="0">
-                    <a:latin typeface="Tahoma" panose="020B0604030504040204" pitchFamily="34" charset="0"/>
-                    <a:ea typeface="Tahoma" panose="020B0604030504040204" pitchFamily="34" charset="0"/>
-                    <a:cs typeface="Tahoma" panose="020B0604030504040204" pitchFamily="34" charset="0"/>
-                  </a:endParaRPr>
-                </a:p>
-              </p:txBody>
-            </p:sp>
-            <p:sp>
-              <p:nvSpPr>
-                <p:cNvPr id="102" name="TextBox 101"/>
-                <p:cNvSpPr txBox="1"/>
-                <p:nvPr/>
-              </p:nvSpPr>
-              <p:spPr>
-                <a:xfrm>
-                  <a:off x="2409749" y="6422636"/>
-                  <a:ext cx="757109" cy="200055"/>
-                </a:xfrm>
-                <a:prstGeom prst="rect">
-                  <a:avLst/>
-                </a:prstGeom>
-                <a:noFill/>
-              </p:spPr>
-              <p:txBody>
-                <a:bodyPr wrap="square" rtlCol="0">
-                  <a:spAutoFit/>
-                </a:bodyPr>
-                <a:lstStyle/>
-                <a:p>
-                  <a:pPr algn="ctr"/>
-                  <a:r>
-                    <a:rPr lang="en-US" sz="700" dirty="0" smtClean="0">
-                      <a:latin typeface="Tahoma" panose="020B0604030504040204" pitchFamily="34" charset="0"/>
-                      <a:ea typeface="Tahoma" panose="020B0604030504040204" pitchFamily="34" charset="0"/>
-                      <a:cs typeface="Tahoma" panose="020B0604030504040204" pitchFamily="34" charset="0"/>
-                    </a:rPr>
-                    <a:t>(256, 90, 160)</a:t>
-                  </a:r>
-                  <a:endParaRPr lang="en-US" sz="700" dirty="0">
-                    <a:latin typeface="Tahoma" panose="020B0604030504040204" pitchFamily="34" charset="0"/>
-                    <a:ea typeface="Tahoma" panose="020B0604030504040204" pitchFamily="34" charset="0"/>
-                    <a:cs typeface="Tahoma" panose="020B0604030504040204" pitchFamily="34" charset="0"/>
-                  </a:endParaRPr>
-                </a:p>
-              </p:txBody>
-            </p:sp>
-            <p:sp>
-              <p:nvSpPr>
-                <p:cNvPr id="103" name="TextBox 102"/>
-                <p:cNvSpPr txBox="1"/>
-                <p:nvPr/>
-              </p:nvSpPr>
-              <p:spPr>
-                <a:xfrm>
-                  <a:off x="2409749" y="6871817"/>
-                  <a:ext cx="757109" cy="200055"/>
-                </a:xfrm>
-                <a:prstGeom prst="rect">
-                  <a:avLst/>
-                </a:prstGeom>
-                <a:noFill/>
-              </p:spPr>
-              <p:txBody>
-                <a:bodyPr wrap="square" rtlCol="0">
-                  <a:spAutoFit/>
-                </a:bodyPr>
-                <a:lstStyle/>
-                <a:p>
-                  <a:pPr algn="ctr"/>
-                  <a:r>
-                    <a:rPr lang="en-US" sz="700" dirty="0" smtClean="0">
-                      <a:latin typeface="Tahoma" panose="020B0604030504040204" pitchFamily="34" charset="0"/>
-                      <a:ea typeface="Tahoma" panose="020B0604030504040204" pitchFamily="34" charset="0"/>
-                      <a:cs typeface="Tahoma" panose="020B0604030504040204" pitchFamily="34" charset="0"/>
-                    </a:rPr>
-                    <a:t>(256, 90, 160)</a:t>
-                  </a:r>
-                  <a:endParaRPr lang="en-US" sz="700" dirty="0">
-                    <a:latin typeface="Tahoma" panose="020B0604030504040204" pitchFamily="34" charset="0"/>
-                    <a:ea typeface="Tahoma" panose="020B0604030504040204" pitchFamily="34" charset="0"/>
-                    <a:cs typeface="Tahoma" panose="020B0604030504040204" pitchFamily="34" charset="0"/>
-                  </a:endParaRPr>
-                </a:p>
-              </p:txBody>
-            </p:sp>
-          </p:grpSp>
-        </p:grpSp>
-        <p:sp>
-          <p:nvSpPr>
-            <p:cNvPr id="104" name="Rounded Rectangle 103"/>
-            <p:cNvSpPr/>
-            <p:nvPr/>
-          </p:nvSpPr>
-          <p:spPr>
-            <a:xfrm>
-              <a:off x="1793492" y="7632803"/>
-              <a:ext cx="1188720" cy="228600"/>
-            </a:xfrm>
-            <a:prstGeom prst="roundRect">
-              <a:avLst/>
-            </a:prstGeom>
-            <a:solidFill>
-              <a:schemeClr val="accent6">
-                <a:lumMod val="20000"/>
-                <a:lumOff val="80000"/>
-              </a:schemeClr>
-            </a:solidFill>
-            <a:ln>
-              <a:solidFill>
-                <a:schemeClr val="bg1">
-                  <a:lumMod val="75000"/>
-                </a:schemeClr>
-              </a:solidFill>
-            </a:ln>
-          </p:spPr>
-          <p:style>
-            <a:lnRef idx="2">
-              <a:schemeClr val="accent1">
-                <a:shade val="50000"/>
-              </a:schemeClr>
-            </a:lnRef>
-            <a:fillRef idx="1">
-              <a:schemeClr val="accent1"/>
-            </a:fillRef>
-            <a:effectRef idx="0">
-              <a:schemeClr val="accent1"/>
-            </a:effectRef>
-            <a:fontRef idx="minor">
-              <a:schemeClr val="lt1"/>
-            </a:fontRef>
-          </p:style>
-          <p:txBody>
-            <a:bodyPr rot="0" spcFirstLastPara="0" vertOverflow="overflow" horzOverflow="overflow" vert="horz" wrap="square" lIns="51435" tIns="25718" rIns="51435" bIns="25718" numCol="1" spcCol="0" rtlCol="0" fromWordArt="0" anchor="ctr" anchorCtr="0" forceAA="0" compatLnSpc="1">
-              <a:prstTxWarp prst="textNoShape">
-                <a:avLst/>
-              </a:prstTxWarp>
-              <a:noAutofit/>
-            </a:bodyPr>
-            <a:lstStyle/>
-            <a:p>
-              <a:pPr algn="ctr"/>
-              <a:r>
-                <a:rPr lang="en-US" sz="800" b="1" dirty="0" smtClean="0">
-                  <a:solidFill>
-                    <a:schemeClr val="accent1">
-                      <a:lumMod val="50000"/>
-                    </a:schemeClr>
-                  </a:solidFill>
-                  <a:latin typeface="Tahoma" panose="020B0604030504040204" pitchFamily="34" charset="0"/>
-                  <a:ea typeface="Tahoma" panose="020B0604030504040204" pitchFamily="34" charset="0"/>
-                  <a:cs typeface="Tahoma" panose="020B0604030504040204" pitchFamily="34" charset="0"/>
-                </a:rPr>
-                <a:t>Bilinear Up sampling</a:t>
-              </a:r>
-              <a:endParaRPr lang="en-US" sz="800" b="1" dirty="0">
-                <a:solidFill>
-                  <a:schemeClr val="accent1">
-                    <a:lumMod val="50000"/>
-                  </a:schemeClr>
-                </a:solidFill>
-                <a:latin typeface="Tahoma" panose="020B0604030504040204" pitchFamily="34" charset="0"/>
-                <a:ea typeface="Tahoma" panose="020B0604030504040204" pitchFamily="34" charset="0"/>
-                <a:cs typeface="Tahoma" panose="020B0604030504040204" pitchFamily="34" charset="0"/>
-              </a:endParaRPr>
-            </a:p>
-          </p:txBody>
-        </p:sp>
-        <p:cxnSp>
-          <p:nvCxnSpPr>
-            <p:cNvPr id="105" name="Straight Arrow Connector 104"/>
-            <p:cNvCxnSpPr/>
-            <p:nvPr/>
-          </p:nvCxnSpPr>
-          <p:spPr>
-            <a:xfrm>
-              <a:off x="2387852" y="7306036"/>
-              <a:ext cx="0" cy="288667"/>
-            </a:xfrm>
-            <a:prstGeom prst="straightConnector1">
-              <a:avLst/>
-            </a:prstGeom>
-            <a:ln>
-              <a:solidFill>
-                <a:schemeClr val="tx1"/>
-              </a:solidFill>
-              <a:tailEnd type="triangle"/>
-            </a:ln>
-          </p:spPr>
-          <p:style>
-            <a:lnRef idx="1">
-              <a:schemeClr val="accent1"/>
-            </a:lnRef>
-            <a:fillRef idx="0">
-              <a:schemeClr val="accent1"/>
-            </a:fillRef>
-            <a:effectRef idx="0">
-              <a:schemeClr val="accent1"/>
-            </a:effectRef>
-            <a:fontRef idx="minor">
-              <a:schemeClr val="tx1"/>
-            </a:fontRef>
-          </p:style>
-        </p:cxnSp>
-        <p:sp>
-          <p:nvSpPr>
-            <p:cNvPr id="116" name="TextBox 115"/>
-            <p:cNvSpPr txBox="1"/>
-            <p:nvPr/>
-          </p:nvSpPr>
-          <p:spPr>
-            <a:xfrm>
-              <a:off x="2371648" y="7899473"/>
-              <a:ext cx="795210" cy="200055"/>
-            </a:xfrm>
-            <a:prstGeom prst="rect">
-              <a:avLst/>
-            </a:prstGeom>
-            <a:noFill/>
-          </p:spPr>
-          <p:txBody>
-            <a:bodyPr wrap="square" rtlCol="0">
-              <a:spAutoFit/>
-            </a:bodyPr>
-            <a:lstStyle/>
-            <a:p>
-              <a:pPr algn="ctr"/>
-              <a:r>
-                <a:rPr lang="en-US" sz="700" dirty="0" smtClean="0">
-                  <a:latin typeface="Tahoma" panose="020B0604030504040204" pitchFamily="34" charset="0"/>
-                  <a:ea typeface="Tahoma" panose="020B0604030504040204" pitchFamily="34" charset="0"/>
-                  <a:cs typeface="Tahoma" panose="020B0604030504040204" pitchFamily="34" charset="0"/>
-                </a:rPr>
-                <a:t>(3, 360,640)</a:t>
-              </a:r>
-              <a:endParaRPr lang="en-US" sz="700" dirty="0">
-                <a:latin typeface="Tahoma" panose="020B0604030504040204" pitchFamily="34" charset="0"/>
-                <a:ea typeface="Tahoma" panose="020B0604030504040204" pitchFamily="34" charset="0"/>
-                <a:cs typeface="Tahoma" panose="020B0604030504040204" pitchFamily="34" charset="0"/>
-              </a:endParaRPr>
-            </a:p>
-          </p:txBody>
-        </p:sp>
-        <p:sp>
-          <p:nvSpPr>
-            <p:cNvPr id="117" name="TextBox 116"/>
-            <p:cNvSpPr txBox="1"/>
-            <p:nvPr/>
-          </p:nvSpPr>
-          <p:spPr>
-            <a:xfrm>
-              <a:off x="2409749" y="7422171"/>
-              <a:ext cx="757109" cy="200055"/>
-            </a:xfrm>
-            <a:prstGeom prst="rect">
-              <a:avLst/>
-            </a:prstGeom>
-            <a:noFill/>
-          </p:spPr>
-          <p:txBody>
-            <a:bodyPr wrap="square" rtlCol="0">
-              <a:spAutoFit/>
-            </a:bodyPr>
-            <a:lstStyle/>
-            <a:p>
-              <a:pPr algn="ctr"/>
-              <a:r>
-                <a:rPr lang="en-US" sz="700" dirty="0" smtClean="0">
-                  <a:latin typeface="Tahoma" panose="020B0604030504040204" pitchFamily="34" charset="0"/>
-                  <a:ea typeface="Tahoma" panose="020B0604030504040204" pitchFamily="34" charset="0"/>
-                  <a:cs typeface="Tahoma" panose="020B0604030504040204" pitchFamily="34" charset="0"/>
-                </a:rPr>
-                <a:t>(3, 90, 160)</a:t>
-              </a:r>
-              <a:endParaRPr lang="en-US" sz="700" dirty="0">
-                <a:latin typeface="Tahoma" panose="020B0604030504040204" pitchFamily="34" charset="0"/>
-                <a:ea typeface="Tahoma" panose="020B0604030504040204" pitchFamily="34" charset="0"/>
-                <a:cs typeface="Tahoma" panose="020B0604030504040204" pitchFamily="34" charset="0"/>
-              </a:endParaRPr>
-            </a:p>
-          </p:txBody>
-        </p:sp>
-      </p:grpSp>
-      <p:sp>
-        <p:nvSpPr>
-          <p:cNvPr id="121" name="Rectangle 120"/>
-          <p:cNvSpPr/>
-          <p:nvPr/>
-        </p:nvSpPr>
-        <p:spPr>
-          <a:xfrm>
-            <a:off x="3637990" y="2390000"/>
-            <a:ext cx="1487666" cy="3229674"/>
-          </a:xfrm>
-          <a:prstGeom prst="rect">
-            <a:avLst/>
-          </a:prstGeom>
-          <a:noFill/>
-          <a:ln w="19050">
-            <a:solidFill>
-              <a:srgbClr val="FF0000"/>
-            </a:solidFill>
-            <a:prstDash val="solid"/>
-          </a:ln>
-        </p:spPr>
-        <p:style>
-          <a:lnRef idx="2">
-            <a:schemeClr val="accent1">
-              <a:shade val="50000"/>
-            </a:schemeClr>
-          </a:lnRef>
-          <a:fillRef idx="1">
-            <a:schemeClr val="accent1"/>
-          </a:fillRef>
-          <a:effectRef idx="0">
-            <a:schemeClr val="accent1"/>
-          </a:effectRef>
-          <a:fontRef idx="minor">
-            <a:schemeClr val="lt1"/>
-          </a:fontRef>
-        </p:style>
-        <p:txBody>
-          <a:bodyPr rtlCol="0" anchor="ctr"/>
-          <a:lstStyle/>
-          <a:p>
-            <a:pPr algn="ctr"/>
-            <a:endParaRPr lang="en-US" b="1"/>
-          </a:p>
-        </p:txBody>
-      </p:sp>
-      <p:sp>
-        <p:nvSpPr>
-          <p:cNvPr id="128" name="TextBox 127"/>
-          <p:cNvSpPr txBox="1"/>
-          <p:nvPr/>
-        </p:nvSpPr>
-        <p:spPr>
-          <a:xfrm>
-            <a:off x="830691" y="2676184"/>
-            <a:ext cx="897172" cy="200055"/>
-          </a:xfrm>
-          <a:prstGeom prst="rect">
-            <a:avLst/>
-          </a:prstGeom>
-          <a:noFill/>
-        </p:spPr>
-        <p:txBody>
-          <a:bodyPr wrap="square" rtlCol="0">
-            <a:spAutoFit/>
-          </a:bodyPr>
-          <a:lstStyle/>
-          <a:p>
-            <a:pPr algn="ctr"/>
-            <a:r>
-              <a:rPr lang="en-US" sz="700" dirty="0" smtClean="0">
-                <a:latin typeface="Tahoma" panose="020B0604030504040204" pitchFamily="34" charset="0"/>
-                <a:ea typeface="Tahoma" panose="020B0604030504040204" pitchFamily="34" charset="0"/>
-                <a:cs typeface="Tahoma" panose="020B0604030504040204" pitchFamily="34" charset="0"/>
-              </a:rPr>
-              <a:t>(256, 23, 40)</a:t>
-            </a:r>
-            <a:endParaRPr lang="en-US" sz="700" dirty="0">
-              <a:latin typeface="Tahoma" panose="020B0604030504040204" pitchFamily="34" charset="0"/>
-              <a:ea typeface="Tahoma" panose="020B0604030504040204" pitchFamily="34" charset="0"/>
-              <a:cs typeface="Tahoma" panose="020B0604030504040204" pitchFamily="34" charset="0"/>
-            </a:endParaRPr>
-          </a:p>
-        </p:txBody>
-      </p:sp>
-      <p:sp>
-        <p:nvSpPr>
-          <p:cNvPr id="129" name="TextBox 128"/>
-          <p:cNvSpPr txBox="1"/>
-          <p:nvPr/>
-        </p:nvSpPr>
-        <p:spPr>
-          <a:xfrm>
-            <a:off x="2220820" y="1878165"/>
-            <a:ext cx="897172" cy="200055"/>
-          </a:xfrm>
-          <a:prstGeom prst="rect">
-            <a:avLst/>
-          </a:prstGeom>
-          <a:noFill/>
-        </p:spPr>
-        <p:txBody>
-          <a:bodyPr wrap="square" rtlCol="0">
-            <a:spAutoFit/>
-          </a:bodyPr>
-          <a:lstStyle/>
-          <a:p>
-            <a:pPr algn="ctr"/>
-            <a:r>
-              <a:rPr lang="en-US" sz="700" dirty="0" smtClean="0">
-                <a:latin typeface="Tahoma" panose="020B0604030504040204" pitchFamily="34" charset="0"/>
-                <a:ea typeface="Tahoma" panose="020B0604030504040204" pitchFamily="34" charset="0"/>
-                <a:cs typeface="Tahoma" panose="020B0604030504040204" pitchFamily="34" charset="0"/>
-              </a:rPr>
-              <a:t>(48, 90, 160)</a:t>
-            </a:r>
-            <a:endParaRPr lang="en-US" sz="700" dirty="0">
-              <a:latin typeface="Tahoma" panose="020B0604030504040204" pitchFamily="34" charset="0"/>
-              <a:ea typeface="Tahoma" panose="020B0604030504040204" pitchFamily="34" charset="0"/>
-              <a:cs typeface="Tahoma" panose="020B0604030504040204" pitchFamily="34" charset="0"/>
-            </a:endParaRPr>
-          </a:p>
-        </p:txBody>
-      </p:sp>
-      <p:sp>
-        <p:nvSpPr>
-          <p:cNvPr id="130" name="TextBox 129"/>
-          <p:cNvSpPr txBox="1"/>
-          <p:nvPr/>
-        </p:nvSpPr>
-        <p:spPr>
-          <a:xfrm>
-            <a:off x="2220820" y="2676183"/>
-            <a:ext cx="897172" cy="200055"/>
-          </a:xfrm>
-          <a:prstGeom prst="rect">
-            <a:avLst/>
-          </a:prstGeom>
-          <a:noFill/>
-        </p:spPr>
-        <p:txBody>
-          <a:bodyPr wrap="square" rtlCol="0">
-            <a:spAutoFit/>
-          </a:bodyPr>
-          <a:lstStyle/>
-          <a:p>
-            <a:pPr algn="ctr"/>
-            <a:r>
-              <a:rPr lang="en-US" sz="700" dirty="0" smtClean="0">
-                <a:latin typeface="Tahoma" panose="020B0604030504040204" pitchFamily="34" charset="0"/>
-                <a:ea typeface="Tahoma" panose="020B0604030504040204" pitchFamily="34" charset="0"/>
-                <a:cs typeface="Tahoma" panose="020B0604030504040204" pitchFamily="34" charset="0"/>
-              </a:rPr>
-              <a:t>(256, 90, 160)</a:t>
-            </a:r>
-            <a:endParaRPr lang="en-US" sz="700" dirty="0">
-              <a:latin typeface="Tahoma" panose="020B0604030504040204" pitchFamily="34" charset="0"/>
-              <a:ea typeface="Tahoma" panose="020B0604030504040204" pitchFamily="34" charset="0"/>
-              <a:cs typeface="Tahoma" panose="020B0604030504040204" pitchFamily="34" charset="0"/>
-            </a:endParaRPr>
-          </a:p>
-        </p:txBody>
-      </p:sp>
-      <p:sp>
-        <p:nvSpPr>
-          <p:cNvPr id="131" name="TextBox 130"/>
-          <p:cNvSpPr txBox="1"/>
-          <p:nvPr/>
-        </p:nvSpPr>
-        <p:spPr>
-          <a:xfrm rot="5400000">
-            <a:off x="4543219" y="3803715"/>
-            <a:ext cx="1542434" cy="261610"/>
-          </a:xfrm>
-          <a:prstGeom prst="rect">
-            <a:avLst/>
-          </a:prstGeom>
-          <a:noFill/>
-        </p:spPr>
-        <p:txBody>
-          <a:bodyPr wrap="square" rtlCol="0">
-            <a:spAutoFit/>
-          </a:bodyPr>
-          <a:lstStyle/>
-          <a:p>
-            <a:pPr algn="ctr"/>
-            <a:r>
-              <a:rPr lang="en-US" sz="1100" dirty="0" smtClean="0">
-                <a:solidFill>
-                  <a:srgbClr val="FF0000"/>
-                </a:solidFill>
-                <a:latin typeface="Tahoma" panose="020B0604030504040204" pitchFamily="34" charset="0"/>
-                <a:ea typeface="Tahoma" panose="020B0604030504040204" pitchFamily="34" charset="0"/>
-                <a:cs typeface="Tahoma" panose="020B0604030504040204" pitchFamily="34" charset="0"/>
-              </a:rPr>
-              <a:t>CLASSIFIER</a:t>
-            </a:r>
-            <a:endParaRPr lang="en-US" sz="1100" dirty="0">
-              <a:solidFill>
-                <a:srgbClr val="FF0000"/>
-              </a:solidFill>
-              <a:latin typeface="Tahoma" panose="020B0604030504040204" pitchFamily="34" charset="0"/>
-              <a:ea typeface="Tahoma" panose="020B0604030504040204" pitchFamily="34" charset="0"/>
-              <a:cs typeface="Tahoma" panose="020B0604030504040204" pitchFamily="34" charset="0"/>
-            </a:endParaRPr>
-          </a:p>
-        </p:txBody>
-      </p:sp>
-      <p:sp>
-        <p:nvSpPr>
-          <p:cNvPr id="132" name="TextBox 131"/>
-          <p:cNvSpPr txBox="1"/>
-          <p:nvPr/>
-        </p:nvSpPr>
-        <p:spPr>
-          <a:xfrm>
-            <a:off x="2991597" y="2183205"/>
-            <a:ext cx="897172" cy="200055"/>
-          </a:xfrm>
-          <a:prstGeom prst="rect">
-            <a:avLst/>
-          </a:prstGeom>
-          <a:noFill/>
-        </p:spPr>
-        <p:txBody>
-          <a:bodyPr wrap="square" rtlCol="0">
-            <a:spAutoFit/>
-          </a:bodyPr>
-          <a:lstStyle/>
-          <a:p>
-            <a:pPr algn="ctr"/>
-            <a:r>
-              <a:rPr lang="en-US" sz="700" dirty="0" smtClean="0">
-                <a:latin typeface="Tahoma" panose="020B0604030504040204" pitchFamily="34" charset="0"/>
-                <a:ea typeface="Tahoma" panose="020B0604030504040204" pitchFamily="34" charset="0"/>
-                <a:cs typeface="Tahoma" panose="020B0604030504040204" pitchFamily="34" charset="0"/>
-              </a:rPr>
-              <a:t>(304, 90, 160)</a:t>
-            </a:r>
-            <a:endParaRPr lang="en-US" sz="700" dirty="0">
-              <a:latin typeface="Tahoma" panose="020B0604030504040204" pitchFamily="34" charset="0"/>
-              <a:ea typeface="Tahoma" panose="020B0604030504040204" pitchFamily="34" charset="0"/>
-              <a:cs typeface="Tahoma" panose="020B0604030504040204" pitchFamily="34" charset="0"/>
-            </a:endParaRPr>
-          </a:p>
-        </p:txBody>
-      </p:sp>
-    </p:spTree>
-    <p:extLst>
-      <p:ext uri="{BB962C8B-B14F-4D97-AF65-F5344CB8AC3E}">
-        <p14:creationId xmlns:p14="http://schemas.microsoft.com/office/powerpoint/2010/main" val="1505300293"/>
       </p:ext>
     </p:extLst>
   </p:cSld>

--- a/images/presentation/models.pptx
+++ b/images/presentation/models.pptx
@@ -12,12 +12,13 @@
     <p:sldId id="259" r:id="rId6"/>
     <p:sldId id="260" r:id="rId7"/>
     <p:sldId id="261" r:id="rId8"/>
-    <p:sldId id="262" r:id="rId9"/>
-    <p:sldId id="263" r:id="rId10"/>
-    <p:sldId id="264" r:id="rId11"/>
-    <p:sldId id="265" r:id="rId12"/>
-    <p:sldId id="266" r:id="rId13"/>
-    <p:sldId id="267" r:id="rId14"/>
+    <p:sldId id="269" r:id="rId9"/>
+    <p:sldId id="262" r:id="rId10"/>
+    <p:sldId id="263" r:id="rId11"/>
+    <p:sldId id="264" r:id="rId12"/>
+    <p:sldId id="265" r:id="rId13"/>
+    <p:sldId id="266" r:id="rId14"/>
+    <p:sldId id="267" r:id="rId15"/>
   </p:sldIdLst>
   <p:sldSz cx="6858000" cy="9906000" type="A4"/>
   <p:notesSz cx="6858000" cy="9144000"/>
@@ -255,7 +256,7 @@
           <a:p>
             <a:fld id="{8CFA0E7C-984D-478C-8A58-5F25078EE913}" type="datetimeFigureOut">
               <a:rPr lang="en-US" smtClean="0"/>
-              <a:t>10-Sep-22</a:t>
+              <a:t>18-Sep-22</a:t>
             </a:fld>
             <a:endParaRPr lang="en-US"/>
           </a:p>
@@ -425,7 +426,7 @@
           <a:p>
             <a:fld id="{8CFA0E7C-984D-478C-8A58-5F25078EE913}" type="datetimeFigureOut">
               <a:rPr lang="en-US" smtClean="0"/>
-              <a:t>10-Sep-22</a:t>
+              <a:t>18-Sep-22</a:t>
             </a:fld>
             <a:endParaRPr lang="en-US"/>
           </a:p>
@@ -605,7 +606,7 @@
           <a:p>
             <a:fld id="{8CFA0E7C-984D-478C-8A58-5F25078EE913}" type="datetimeFigureOut">
               <a:rPr lang="en-US" smtClean="0"/>
-              <a:t>10-Sep-22</a:t>
+              <a:t>18-Sep-22</a:t>
             </a:fld>
             <a:endParaRPr lang="en-US"/>
           </a:p>
@@ -804,7 +805,7 @@
                 </a:solidFill>
               </a:rPr>
               <a:pPr/>
-              <a:t>10-Sep-22</a:t>
+              <a:t>18-Sep-22</a:t>
             </a:fld>
             <a:endParaRPr lang="en-US">
               <a:solidFill>
@@ -1006,7 +1007,7 @@
                 </a:solidFill>
               </a:rPr>
               <a:pPr/>
-              <a:t>10-Sep-22</a:t>
+              <a:t>18-Sep-22</a:t>
             </a:fld>
             <a:endParaRPr lang="en-US">
               <a:solidFill>
@@ -1284,7 +1285,7 @@
                 </a:solidFill>
               </a:rPr>
               <a:pPr/>
-              <a:t>10-Sep-22</a:t>
+              <a:t>18-Sep-22</a:t>
             </a:fld>
             <a:endParaRPr lang="en-US">
               <a:solidFill>
@@ -1548,7 +1549,7 @@
                 </a:solidFill>
               </a:rPr>
               <a:pPr/>
-              <a:t>10-Sep-22</a:t>
+              <a:t>18-Sep-22</a:t>
             </a:fld>
             <a:endParaRPr lang="en-US">
               <a:solidFill>
@@ -1947,7 +1948,7 @@
                 </a:solidFill>
               </a:rPr>
               <a:pPr/>
-              <a:t>10-Sep-22</a:t>
+              <a:t>18-Sep-22</a:t>
             </a:fld>
             <a:endParaRPr lang="en-US">
               <a:solidFill>
@@ -2097,7 +2098,7 @@
                 </a:solidFill>
               </a:rPr>
               <a:pPr/>
-              <a:t>10-Sep-22</a:t>
+              <a:t>18-Sep-22</a:t>
             </a:fld>
             <a:endParaRPr lang="en-US">
               <a:solidFill>
@@ -2224,7 +2225,7 @@
                 </a:solidFill>
               </a:rPr>
               <a:pPr/>
-              <a:t>10-Sep-22</a:t>
+              <a:t>18-Sep-22</a:t>
             </a:fld>
             <a:endParaRPr lang="en-US">
               <a:solidFill>
@@ -2533,7 +2534,7 @@
                 </a:solidFill>
               </a:rPr>
               <a:pPr/>
-              <a:t>10-Sep-22</a:t>
+              <a:t>18-Sep-22</a:t>
             </a:fld>
             <a:endParaRPr lang="en-US">
               <a:solidFill>
@@ -2728,7 +2729,7 @@
           <a:p>
             <a:fld id="{8CFA0E7C-984D-478C-8A58-5F25078EE913}" type="datetimeFigureOut">
               <a:rPr lang="en-US" smtClean="0"/>
-              <a:t>10-Sep-22</a:t>
+              <a:t>18-Sep-22</a:t>
             </a:fld>
             <a:endParaRPr lang="en-US"/>
           </a:p>
@@ -2988,7 +2989,7 @@
                 </a:solidFill>
               </a:rPr>
               <a:pPr/>
-              <a:t>10-Sep-22</a:t>
+              <a:t>18-Sep-22</a:t>
             </a:fld>
             <a:endParaRPr lang="en-US">
               <a:solidFill>
@@ -3190,7 +3191,7 @@
                 </a:solidFill>
               </a:rPr>
               <a:pPr/>
-              <a:t>10-Sep-22</a:t>
+              <a:t>18-Sep-22</a:t>
             </a:fld>
             <a:endParaRPr lang="en-US">
               <a:solidFill>
@@ -3402,7 +3403,7 @@
                 </a:solidFill>
               </a:rPr>
               <a:pPr/>
-              <a:t>10-Sep-22</a:t>
+              <a:t>18-Sep-22</a:t>
             </a:fld>
             <a:endParaRPr lang="en-US">
               <a:solidFill>
@@ -3671,7 +3672,7 @@
           <a:p>
             <a:fld id="{8CFA0E7C-984D-478C-8A58-5F25078EE913}" type="datetimeFigureOut">
               <a:rPr lang="en-US" smtClean="0"/>
-              <a:t>10-Sep-22</a:t>
+              <a:t>18-Sep-22</a:t>
             </a:fld>
             <a:endParaRPr lang="en-US"/>
           </a:p>
@@ -3903,7 +3904,7 @@
           <a:p>
             <a:fld id="{8CFA0E7C-984D-478C-8A58-5F25078EE913}" type="datetimeFigureOut">
               <a:rPr lang="en-US" smtClean="0"/>
-              <a:t>10-Sep-22</a:t>
+              <a:t>18-Sep-22</a:t>
             </a:fld>
             <a:endParaRPr lang="en-US"/>
           </a:p>
@@ -4270,7 +4271,7 @@
           <a:p>
             <a:fld id="{8CFA0E7C-984D-478C-8A58-5F25078EE913}" type="datetimeFigureOut">
               <a:rPr lang="en-US" smtClean="0"/>
-              <a:t>10-Sep-22</a:t>
+              <a:t>18-Sep-22</a:t>
             </a:fld>
             <a:endParaRPr lang="en-US"/>
           </a:p>
@@ -4388,7 +4389,7 @@
           <a:p>
             <a:fld id="{8CFA0E7C-984D-478C-8A58-5F25078EE913}" type="datetimeFigureOut">
               <a:rPr lang="en-US" smtClean="0"/>
-              <a:t>10-Sep-22</a:t>
+              <a:t>18-Sep-22</a:t>
             </a:fld>
             <a:endParaRPr lang="en-US"/>
           </a:p>
@@ -4483,7 +4484,7 @@
           <a:p>
             <a:fld id="{8CFA0E7C-984D-478C-8A58-5F25078EE913}" type="datetimeFigureOut">
               <a:rPr lang="en-US" smtClean="0"/>
-              <a:t>10-Sep-22</a:t>
+              <a:t>18-Sep-22</a:t>
             </a:fld>
             <a:endParaRPr lang="en-US"/>
           </a:p>
@@ -4760,7 +4761,7 @@
           <a:p>
             <a:fld id="{8CFA0E7C-984D-478C-8A58-5F25078EE913}" type="datetimeFigureOut">
               <a:rPr lang="en-US" smtClean="0"/>
-              <a:t>10-Sep-22</a:t>
+              <a:t>18-Sep-22</a:t>
             </a:fld>
             <a:endParaRPr lang="en-US"/>
           </a:p>
@@ -5017,7 +5018,7 @@
           <a:p>
             <a:fld id="{8CFA0E7C-984D-478C-8A58-5F25078EE913}" type="datetimeFigureOut">
               <a:rPr lang="en-US" smtClean="0"/>
-              <a:t>10-Sep-22</a:t>
+              <a:t>18-Sep-22</a:t>
             </a:fld>
             <a:endParaRPr lang="en-US"/>
           </a:p>
@@ -5230,7 +5231,7 @@
           <a:p>
             <a:fld id="{8CFA0E7C-984D-478C-8A58-5F25078EE913}" type="datetimeFigureOut">
               <a:rPr lang="en-US" smtClean="0"/>
-              <a:t>10-Sep-22</a:t>
+              <a:t>18-Sep-22</a:t>
             </a:fld>
             <a:endParaRPr lang="en-US"/>
           </a:p>
@@ -5777,7 +5778,7 @@
                 </a:solidFill>
               </a:rPr>
               <a:pPr/>
-              <a:t>10-Sep-22</a:t>
+              <a:t>18-Sep-22</a:t>
             </a:fld>
             <a:endParaRPr lang="en-US">
               <a:solidFill>
@@ -6251,6 +6252,1579 @@
 </file>
 
 <file path=ppt/slides/slide10.xml><?xml version="1.0" encoding="utf-8"?>
+<p:sld xmlns:a="http://schemas.openxmlformats.org/drawingml/2006/main" xmlns:r="http://schemas.openxmlformats.org/officeDocument/2006/relationships" xmlns:p="http://schemas.openxmlformats.org/presentationml/2006/main">
+  <p:cSld>
+    <p:spTree>
+      <p:nvGrpSpPr>
+        <p:cNvPr id="1" name=""/>
+        <p:cNvGrpSpPr/>
+        <p:nvPr/>
+      </p:nvGrpSpPr>
+      <p:grpSpPr>
+        <a:xfrm>
+          <a:off x="0" y="0"/>
+          <a:ext cx="0" cy="0"/>
+          <a:chOff x="0" y="0"/>
+          <a:chExt cx="0" cy="0"/>
+        </a:xfrm>
+      </p:grpSpPr>
+      <p:sp>
+        <p:nvSpPr>
+          <p:cNvPr id="61" name="Rounded Rectangle 60"/>
+          <p:cNvSpPr/>
+          <p:nvPr/>
+        </p:nvSpPr>
+        <p:spPr>
+          <a:xfrm>
+            <a:off x="466938" y="2189665"/>
+            <a:ext cx="615102" cy="332786"/>
+          </a:xfrm>
+          <a:prstGeom prst="roundRect">
+            <a:avLst/>
+          </a:prstGeom>
+          <a:noFill/>
+          <a:ln>
+            <a:solidFill>
+              <a:schemeClr val="bg1">
+                <a:lumMod val="50000"/>
+              </a:schemeClr>
+            </a:solidFill>
+          </a:ln>
+        </p:spPr>
+        <p:style>
+          <a:lnRef idx="2">
+            <a:schemeClr val="accent1">
+              <a:shade val="50000"/>
+            </a:schemeClr>
+          </a:lnRef>
+          <a:fillRef idx="1">
+            <a:schemeClr val="accent1"/>
+          </a:fillRef>
+          <a:effectRef idx="0">
+            <a:schemeClr val="accent1"/>
+          </a:effectRef>
+          <a:fontRef idx="minor">
+            <a:schemeClr val="lt1"/>
+          </a:fontRef>
+        </p:style>
+        <p:txBody>
+          <a:bodyPr rot="0" spcFirstLastPara="0" vertOverflow="overflow" horzOverflow="overflow" vert="horz" wrap="square" lIns="51435" tIns="25718" rIns="51435" bIns="25718" numCol="1" spcCol="0" rtlCol="0" fromWordArt="0" anchor="ctr" anchorCtr="0" forceAA="0" compatLnSpc="1">
+            <a:prstTxWarp prst="textNoShape">
+              <a:avLst/>
+            </a:prstTxWarp>
+            <a:noAutofit/>
+          </a:bodyPr>
+          <a:lstStyle/>
+          <a:p>
+            <a:pPr algn="ctr"/>
+            <a:r>
+              <a:rPr lang="en-US" sz="900" b="1" dirty="0" smtClean="0">
+                <a:solidFill>
+                  <a:schemeClr val="tx1"/>
+                </a:solidFill>
+                <a:latin typeface="Tahoma" panose="020B0604030504040204" pitchFamily="34" charset="0"/>
+                <a:ea typeface="Tahoma" panose="020B0604030504040204" pitchFamily="34" charset="0"/>
+                <a:cs typeface="Tahoma" panose="020B0604030504040204" pitchFamily="34" charset="0"/>
+              </a:rPr>
+              <a:t>Feature Map</a:t>
+            </a:r>
+            <a:endParaRPr lang="en-US" sz="900" b="1" dirty="0">
+              <a:solidFill>
+                <a:schemeClr val="tx1"/>
+              </a:solidFill>
+              <a:latin typeface="Tahoma" panose="020B0604030504040204" pitchFamily="34" charset="0"/>
+              <a:ea typeface="Tahoma" panose="020B0604030504040204" pitchFamily="34" charset="0"/>
+              <a:cs typeface="Tahoma" panose="020B0604030504040204" pitchFamily="34" charset="0"/>
+            </a:endParaRPr>
+          </a:p>
+        </p:txBody>
+      </p:sp>
+      <p:sp>
+        <p:nvSpPr>
+          <p:cNvPr id="62" name="Rounded Rectangle 61"/>
+          <p:cNvSpPr/>
+          <p:nvPr/>
+        </p:nvSpPr>
+        <p:spPr>
+          <a:xfrm>
+            <a:off x="1835198" y="1298462"/>
+            <a:ext cx="1371600" cy="274320"/>
+          </a:xfrm>
+          <a:prstGeom prst="roundRect">
+            <a:avLst/>
+          </a:prstGeom>
+          <a:solidFill>
+            <a:srgbClr val="FF5050"/>
+          </a:solidFill>
+          <a:ln>
+            <a:noFill/>
+          </a:ln>
+        </p:spPr>
+        <p:style>
+          <a:lnRef idx="2">
+            <a:schemeClr val="accent1">
+              <a:shade val="50000"/>
+            </a:schemeClr>
+          </a:lnRef>
+          <a:fillRef idx="1">
+            <a:schemeClr val="accent1"/>
+          </a:fillRef>
+          <a:effectRef idx="0">
+            <a:schemeClr val="accent1"/>
+          </a:effectRef>
+          <a:fontRef idx="minor">
+            <a:schemeClr val="lt1"/>
+          </a:fontRef>
+        </p:style>
+        <p:txBody>
+          <a:bodyPr rot="0" spcFirstLastPara="0" vertOverflow="overflow" horzOverflow="overflow" vert="horz" wrap="square" lIns="51435" tIns="25718" rIns="51435" bIns="25718" numCol="1" spcCol="0" rtlCol="0" fromWordArt="0" anchor="ctr" anchorCtr="0" forceAA="0" compatLnSpc="1">
+            <a:prstTxWarp prst="textNoShape">
+              <a:avLst/>
+            </a:prstTxWarp>
+            <a:noAutofit/>
+          </a:bodyPr>
+          <a:lstStyle/>
+          <a:p>
+            <a:pPr algn="ctr"/>
+            <a:r>
+              <a:rPr lang="en-US" sz="800" b="1" dirty="0" smtClean="0">
+                <a:solidFill>
+                  <a:schemeClr val="bg1"/>
+                </a:solidFill>
+                <a:latin typeface="Tahoma" panose="020B0604030504040204" pitchFamily="34" charset="0"/>
+                <a:ea typeface="Tahoma" panose="020B0604030504040204" pitchFamily="34" charset="0"/>
+                <a:cs typeface="Tahoma" panose="020B0604030504040204" pitchFamily="34" charset="0"/>
+              </a:rPr>
+              <a:t>ASPP conv</a:t>
+            </a:r>
+          </a:p>
+          <a:p>
+            <a:pPr algn="ctr"/>
+            <a:r>
+              <a:rPr lang="en-US" sz="800" b="1" dirty="0" smtClean="0">
+                <a:solidFill>
+                  <a:schemeClr val="bg1"/>
+                </a:solidFill>
+                <a:latin typeface="Tahoma" panose="020B0604030504040204" pitchFamily="34" charset="0"/>
+                <a:ea typeface="Tahoma" panose="020B0604030504040204" pitchFamily="34" charset="0"/>
+                <a:cs typeface="Tahoma" panose="020B0604030504040204" pitchFamily="34" charset="0"/>
+              </a:rPr>
+              <a:t>(2048, 256,rate =6)</a:t>
+            </a:r>
+            <a:endParaRPr lang="en-US" sz="800" b="1" dirty="0">
+              <a:solidFill>
+                <a:schemeClr val="bg1"/>
+              </a:solidFill>
+              <a:latin typeface="Tahoma" panose="020B0604030504040204" pitchFamily="34" charset="0"/>
+              <a:ea typeface="Tahoma" panose="020B0604030504040204" pitchFamily="34" charset="0"/>
+              <a:cs typeface="Tahoma" panose="020B0604030504040204" pitchFamily="34" charset="0"/>
+            </a:endParaRPr>
+          </a:p>
+        </p:txBody>
+      </p:sp>
+      <p:sp>
+        <p:nvSpPr>
+          <p:cNvPr id="64" name="Rounded Rectangle 63"/>
+          <p:cNvSpPr/>
+          <p:nvPr/>
+        </p:nvSpPr>
+        <p:spPr>
+          <a:xfrm>
+            <a:off x="1835198" y="1772679"/>
+            <a:ext cx="1371600" cy="274320"/>
+          </a:xfrm>
+          <a:prstGeom prst="roundRect">
+            <a:avLst/>
+          </a:prstGeom>
+          <a:solidFill>
+            <a:schemeClr val="accent2"/>
+          </a:solidFill>
+          <a:ln>
+            <a:noFill/>
+          </a:ln>
+        </p:spPr>
+        <p:style>
+          <a:lnRef idx="2">
+            <a:schemeClr val="accent1">
+              <a:shade val="50000"/>
+            </a:schemeClr>
+          </a:lnRef>
+          <a:fillRef idx="1">
+            <a:schemeClr val="accent1"/>
+          </a:fillRef>
+          <a:effectRef idx="0">
+            <a:schemeClr val="accent1"/>
+          </a:effectRef>
+          <a:fontRef idx="minor">
+            <a:schemeClr val="lt1"/>
+          </a:fontRef>
+        </p:style>
+        <p:txBody>
+          <a:bodyPr rot="0" spcFirstLastPara="0" vertOverflow="overflow" horzOverflow="overflow" vert="horz" wrap="square" lIns="51435" tIns="25718" rIns="51435" bIns="25718" numCol="1" spcCol="0" rtlCol="0" fromWordArt="0" anchor="ctr" anchorCtr="0" forceAA="0" compatLnSpc="1">
+            <a:prstTxWarp prst="textNoShape">
+              <a:avLst/>
+            </a:prstTxWarp>
+            <a:noAutofit/>
+          </a:bodyPr>
+          <a:lstStyle/>
+          <a:p>
+            <a:pPr algn="ctr"/>
+            <a:r>
+              <a:rPr lang="en-US" sz="800" b="1" dirty="0">
+                <a:solidFill>
+                  <a:schemeClr val="bg1"/>
+                </a:solidFill>
+                <a:latin typeface="Tahoma" panose="020B0604030504040204" pitchFamily="34" charset="0"/>
+                <a:ea typeface="Tahoma" panose="020B0604030504040204" pitchFamily="34" charset="0"/>
+                <a:cs typeface="Tahoma" panose="020B0604030504040204" pitchFamily="34" charset="0"/>
+              </a:rPr>
+              <a:t>ASPP conv</a:t>
+            </a:r>
+          </a:p>
+          <a:p>
+            <a:pPr algn="ctr"/>
+            <a:r>
+              <a:rPr lang="en-US" sz="800" b="1" dirty="0">
+                <a:solidFill>
+                  <a:schemeClr val="bg1"/>
+                </a:solidFill>
+                <a:latin typeface="Tahoma" panose="020B0604030504040204" pitchFamily="34" charset="0"/>
+                <a:ea typeface="Tahoma" panose="020B0604030504040204" pitchFamily="34" charset="0"/>
+                <a:cs typeface="Tahoma" panose="020B0604030504040204" pitchFamily="34" charset="0"/>
+              </a:rPr>
+              <a:t>(2048, 256,rate </a:t>
+            </a:r>
+            <a:r>
+              <a:rPr lang="en-US" sz="800" b="1" dirty="0" smtClean="0">
+                <a:solidFill>
+                  <a:schemeClr val="bg1"/>
+                </a:solidFill>
+                <a:latin typeface="Tahoma" panose="020B0604030504040204" pitchFamily="34" charset="0"/>
+                <a:ea typeface="Tahoma" panose="020B0604030504040204" pitchFamily="34" charset="0"/>
+                <a:cs typeface="Tahoma" panose="020B0604030504040204" pitchFamily="34" charset="0"/>
+              </a:rPr>
+              <a:t>=12)</a:t>
+            </a:r>
+            <a:endParaRPr lang="en-US" sz="800" b="1" dirty="0">
+              <a:solidFill>
+                <a:schemeClr val="bg1"/>
+              </a:solidFill>
+              <a:latin typeface="Tahoma" panose="020B0604030504040204" pitchFamily="34" charset="0"/>
+              <a:ea typeface="Tahoma" panose="020B0604030504040204" pitchFamily="34" charset="0"/>
+              <a:cs typeface="Tahoma" panose="020B0604030504040204" pitchFamily="34" charset="0"/>
+            </a:endParaRPr>
+          </a:p>
+        </p:txBody>
+      </p:sp>
+      <p:sp>
+        <p:nvSpPr>
+          <p:cNvPr id="66" name="Rounded Rectangle 65"/>
+          <p:cNvSpPr/>
+          <p:nvPr/>
+        </p:nvSpPr>
+        <p:spPr>
+          <a:xfrm>
+            <a:off x="1835198" y="3173664"/>
+            <a:ext cx="1371600" cy="274320"/>
+          </a:xfrm>
+          <a:prstGeom prst="roundRect">
+            <a:avLst/>
+          </a:prstGeom>
+          <a:solidFill>
+            <a:srgbClr val="00B050"/>
+          </a:solidFill>
+          <a:ln>
+            <a:noFill/>
+          </a:ln>
+        </p:spPr>
+        <p:style>
+          <a:lnRef idx="2">
+            <a:schemeClr val="accent1">
+              <a:shade val="50000"/>
+            </a:schemeClr>
+          </a:lnRef>
+          <a:fillRef idx="1">
+            <a:schemeClr val="accent1"/>
+          </a:fillRef>
+          <a:effectRef idx="0">
+            <a:schemeClr val="accent1"/>
+          </a:effectRef>
+          <a:fontRef idx="minor">
+            <a:schemeClr val="lt1"/>
+          </a:fontRef>
+        </p:style>
+        <p:txBody>
+          <a:bodyPr rot="0" spcFirstLastPara="0" vertOverflow="overflow" horzOverflow="overflow" vert="horz" wrap="square" lIns="51435" tIns="25718" rIns="51435" bIns="25718" numCol="1" spcCol="0" rtlCol="0" fromWordArt="0" anchor="ctr" anchorCtr="0" forceAA="0" compatLnSpc="1">
+            <a:prstTxWarp prst="textNoShape">
+              <a:avLst/>
+            </a:prstTxWarp>
+            <a:noAutofit/>
+          </a:bodyPr>
+          <a:lstStyle/>
+          <a:p>
+            <a:pPr algn="ctr"/>
+            <a:r>
+              <a:rPr lang="en-US" sz="800" b="1" dirty="0" smtClean="0">
+                <a:solidFill>
+                  <a:schemeClr val="bg1"/>
+                </a:solidFill>
+                <a:latin typeface="Tahoma" panose="020B0604030504040204" pitchFamily="34" charset="0"/>
+                <a:ea typeface="Tahoma" panose="020B0604030504040204" pitchFamily="34" charset="0"/>
+                <a:cs typeface="Tahoma" panose="020B0604030504040204" pitchFamily="34" charset="0"/>
+              </a:rPr>
+              <a:t>ASPP pooling</a:t>
+            </a:r>
+          </a:p>
+          <a:p>
+            <a:pPr algn="ctr"/>
+            <a:r>
+              <a:rPr lang="en-US" sz="800" b="1" dirty="0" smtClean="0">
+                <a:solidFill>
+                  <a:schemeClr val="bg1"/>
+                </a:solidFill>
+                <a:latin typeface="Tahoma" panose="020B0604030504040204" pitchFamily="34" charset="0"/>
+                <a:ea typeface="Tahoma" panose="020B0604030504040204" pitchFamily="34" charset="0"/>
+                <a:cs typeface="Tahoma" panose="020B0604030504040204" pitchFamily="34" charset="0"/>
+              </a:rPr>
+              <a:t>(2048, 256)</a:t>
+            </a:r>
+            <a:endParaRPr lang="en-US" sz="800" b="1" dirty="0">
+              <a:solidFill>
+                <a:schemeClr val="bg1"/>
+              </a:solidFill>
+              <a:latin typeface="Tahoma" panose="020B0604030504040204" pitchFamily="34" charset="0"/>
+              <a:ea typeface="Tahoma" panose="020B0604030504040204" pitchFamily="34" charset="0"/>
+              <a:cs typeface="Tahoma" panose="020B0604030504040204" pitchFamily="34" charset="0"/>
+            </a:endParaRPr>
+          </a:p>
+        </p:txBody>
+      </p:sp>
+      <p:cxnSp>
+        <p:nvCxnSpPr>
+          <p:cNvPr id="9" name="Elbow Connector 8"/>
+          <p:cNvCxnSpPr>
+            <a:stCxn id="61" idx="3"/>
+            <a:endCxn id="62" idx="1"/>
+          </p:cNvCxnSpPr>
+          <p:nvPr/>
+        </p:nvCxnSpPr>
+        <p:spPr>
+          <a:xfrm flipV="1">
+            <a:off x="1082040" y="1435622"/>
+            <a:ext cx="753158" cy="920436"/>
+          </a:xfrm>
+          <a:prstGeom prst="bentConnector3">
+            <a:avLst/>
+          </a:prstGeom>
+          <a:ln>
+            <a:solidFill>
+              <a:schemeClr val="tx1"/>
+            </a:solidFill>
+            <a:tailEnd type="triangle"/>
+          </a:ln>
+        </p:spPr>
+        <p:style>
+          <a:lnRef idx="1">
+            <a:schemeClr val="accent1"/>
+          </a:lnRef>
+          <a:fillRef idx="0">
+            <a:schemeClr val="accent1"/>
+          </a:fillRef>
+          <a:effectRef idx="0">
+            <a:schemeClr val="accent1"/>
+          </a:effectRef>
+          <a:fontRef idx="minor">
+            <a:schemeClr val="tx1"/>
+          </a:fontRef>
+        </p:style>
+      </p:cxnSp>
+      <p:cxnSp>
+        <p:nvCxnSpPr>
+          <p:cNvPr id="69" name="Elbow Connector 68"/>
+          <p:cNvCxnSpPr>
+            <a:stCxn id="61" idx="3"/>
+            <a:endCxn id="64" idx="1"/>
+          </p:cNvCxnSpPr>
+          <p:nvPr/>
+        </p:nvCxnSpPr>
+        <p:spPr>
+          <a:xfrm flipV="1">
+            <a:off x="1082040" y="1909839"/>
+            <a:ext cx="753158" cy="446219"/>
+          </a:xfrm>
+          <a:prstGeom prst="bentConnector3">
+            <a:avLst>
+              <a:gd name="adj1" fmla="val 50000"/>
+            </a:avLst>
+          </a:prstGeom>
+          <a:ln>
+            <a:solidFill>
+              <a:schemeClr val="tx1"/>
+            </a:solidFill>
+            <a:tailEnd type="triangle"/>
+          </a:ln>
+        </p:spPr>
+        <p:style>
+          <a:lnRef idx="1">
+            <a:schemeClr val="accent1"/>
+          </a:lnRef>
+          <a:fillRef idx="0">
+            <a:schemeClr val="accent1"/>
+          </a:fillRef>
+          <a:effectRef idx="0">
+            <a:schemeClr val="accent1"/>
+          </a:effectRef>
+          <a:fontRef idx="minor">
+            <a:schemeClr val="tx1"/>
+          </a:fontRef>
+        </p:style>
+      </p:cxnSp>
+      <p:cxnSp>
+        <p:nvCxnSpPr>
+          <p:cNvPr id="74" name="Elbow Connector 73"/>
+          <p:cNvCxnSpPr>
+            <a:stCxn id="61" idx="3"/>
+            <a:endCxn id="66" idx="1"/>
+          </p:cNvCxnSpPr>
+          <p:nvPr/>
+        </p:nvCxnSpPr>
+        <p:spPr>
+          <a:xfrm>
+            <a:off x="1082040" y="2356058"/>
+            <a:ext cx="753158" cy="954766"/>
+          </a:xfrm>
+          <a:prstGeom prst="bentConnector3">
+            <a:avLst>
+              <a:gd name="adj1" fmla="val 50000"/>
+            </a:avLst>
+          </a:prstGeom>
+          <a:ln>
+            <a:solidFill>
+              <a:schemeClr val="tx1"/>
+            </a:solidFill>
+            <a:tailEnd type="triangle"/>
+          </a:ln>
+        </p:spPr>
+        <p:style>
+          <a:lnRef idx="1">
+            <a:schemeClr val="accent1"/>
+          </a:lnRef>
+          <a:fillRef idx="0">
+            <a:schemeClr val="accent1"/>
+          </a:fillRef>
+          <a:effectRef idx="0">
+            <a:schemeClr val="accent1"/>
+          </a:effectRef>
+          <a:fontRef idx="minor">
+            <a:schemeClr val="tx1"/>
+          </a:fontRef>
+        </p:style>
+      </p:cxnSp>
+      <p:cxnSp>
+        <p:nvCxnSpPr>
+          <p:cNvPr id="78" name="Elbow Connector 77"/>
+          <p:cNvCxnSpPr>
+            <a:stCxn id="61" idx="3"/>
+            <a:endCxn id="50" idx="1"/>
+          </p:cNvCxnSpPr>
+          <p:nvPr/>
+        </p:nvCxnSpPr>
+        <p:spPr>
+          <a:xfrm>
+            <a:off x="1082040" y="2356058"/>
+            <a:ext cx="753158" cy="465243"/>
+          </a:xfrm>
+          <a:prstGeom prst="bentConnector3">
+            <a:avLst>
+              <a:gd name="adj1" fmla="val 50000"/>
+            </a:avLst>
+          </a:prstGeom>
+          <a:ln>
+            <a:solidFill>
+              <a:schemeClr val="tx1"/>
+            </a:solidFill>
+            <a:tailEnd type="triangle"/>
+          </a:ln>
+        </p:spPr>
+        <p:style>
+          <a:lnRef idx="1">
+            <a:schemeClr val="accent1"/>
+          </a:lnRef>
+          <a:fillRef idx="0">
+            <a:schemeClr val="accent1"/>
+          </a:fillRef>
+          <a:effectRef idx="0">
+            <a:schemeClr val="accent1"/>
+          </a:effectRef>
+          <a:fontRef idx="minor">
+            <a:schemeClr val="tx1"/>
+          </a:fontRef>
+        </p:style>
+      </p:cxnSp>
+      <p:sp>
+        <p:nvSpPr>
+          <p:cNvPr id="88" name="Rectangle 87"/>
+          <p:cNvSpPr/>
+          <p:nvPr/>
+        </p:nvSpPr>
+        <p:spPr>
+          <a:xfrm>
+            <a:off x="3512237" y="2241798"/>
+            <a:ext cx="228600" cy="228600"/>
+          </a:xfrm>
+          <a:prstGeom prst="rect">
+            <a:avLst/>
+          </a:prstGeom>
+          <a:noFill/>
+          <a:ln>
+            <a:solidFill>
+              <a:schemeClr val="tx1"/>
+            </a:solidFill>
+          </a:ln>
+        </p:spPr>
+        <p:style>
+          <a:lnRef idx="2">
+            <a:schemeClr val="accent1">
+              <a:shade val="50000"/>
+            </a:schemeClr>
+          </a:lnRef>
+          <a:fillRef idx="1">
+            <a:schemeClr val="accent1"/>
+          </a:fillRef>
+          <a:effectRef idx="0">
+            <a:schemeClr val="accent1"/>
+          </a:effectRef>
+          <a:fontRef idx="minor">
+            <a:schemeClr val="lt1"/>
+          </a:fontRef>
+        </p:style>
+        <p:txBody>
+          <a:bodyPr rtlCol="0" anchor="ctr"/>
+          <a:lstStyle/>
+          <a:p>
+            <a:pPr algn="ctr"/>
+            <a:endParaRPr lang="en-US"/>
+          </a:p>
+        </p:txBody>
+      </p:sp>
+      <p:cxnSp>
+        <p:nvCxnSpPr>
+          <p:cNvPr id="95" name="Straight Arrow Connector 94"/>
+          <p:cNvCxnSpPr>
+            <a:stCxn id="61" idx="3"/>
+          </p:cNvCxnSpPr>
+          <p:nvPr/>
+        </p:nvCxnSpPr>
+        <p:spPr>
+          <a:xfrm>
+            <a:off x="1082040" y="2356058"/>
+            <a:ext cx="745538" cy="6973"/>
+          </a:xfrm>
+          <a:prstGeom prst="straightConnector1">
+            <a:avLst/>
+          </a:prstGeom>
+          <a:ln>
+            <a:solidFill>
+              <a:schemeClr val="tx1"/>
+            </a:solidFill>
+            <a:tailEnd type="triangle"/>
+          </a:ln>
+        </p:spPr>
+        <p:style>
+          <a:lnRef idx="1">
+            <a:schemeClr val="accent1"/>
+          </a:lnRef>
+          <a:fillRef idx="0">
+            <a:schemeClr val="accent1"/>
+          </a:fillRef>
+          <a:effectRef idx="0">
+            <a:schemeClr val="accent1"/>
+          </a:effectRef>
+          <a:fontRef idx="minor">
+            <a:schemeClr val="tx1"/>
+          </a:fontRef>
+        </p:style>
+      </p:cxnSp>
+      <p:cxnSp>
+        <p:nvCxnSpPr>
+          <p:cNvPr id="150" name="Elbow Connector 149"/>
+          <p:cNvCxnSpPr>
+            <a:stCxn id="62" idx="3"/>
+            <a:endCxn id="88" idx="0"/>
+          </p:cNvCxnSpPr>
+          <p:nvPr/>
+        </p:nvCxnSpPr>
+        <p:spPr>
+          <a:xfrm>
+            <a:off x="3206798" y="1435622"/>
+            <a:ext cx="419739" cy="806176"/>
+          </a:xfrm>
+          <a:prstGeom prst="bentConnector2">
+            <a:avLst/>
+          </a:prstGeom>
+          <a:ln>
+            <a:solidFill>
+              <a:schemeClr val="tx1"/>
+            </a:solidFill>
+            <a:tailEnd type="triangle"/>
+          </a:ln>
+        </p:spPr>
+        <p:style>
+          <a:lnRef idx="1">
+            <a:schemeClr val="accent1"/>
+          </a:lnRef>
+          <a:fillRef idx="0">
+            <a:schemeClr val="accent1"/>
+          </a:fillRef>
+          <a:effectRef idx="0">
+            <a:schemeClr val="accent1"/>
+          </a:effectRef>
+          <a:fontRef idx="minor">
+            <a:schemeClr val="tx1"/>
+          </a:fontRef>
+        </p:style>
+      </p:cxnSp>
+      <p:cxnSp>
+        <p:nvCxnSpPr>
+          <p:cNvPr id="152" name="Elbow Connector 151"/>
+          <p:cNvCxnSpPr>
+            <a:stCxn id="64" idx="3"/>
+            <a:endCxn id="88" idx="0"/>
+          </p:cNvCxnSpPr>
+          <p:nvPr/>
+        </p:nvCxnSpPr>
+        <p:spPr>
+          <a:xfrm>
+            <a:off x="3206798" y="1909839"/>
+            <a:ext cx="419739" cy="331959"/>
+          </a:xfrm>
+          <a:prstGeom prst="bentConnector2">
+            <a:avLst/>
+          </a:prstGeom>
+          <a:ln>
+            <a:solidFill>
+              <a:schemeClr val="tx1"/>
+            </a:solidFill>
+            <a:tailEnd type="triangle"/>
+          </a:ln>
+        </p:spPr>
+        <p:style>
+          <a:lnRef idx="1">
+            <a:schemeClr val="accent1"/>
+          </a:lnRef>
+          <a:fillRef idx="0">
+            <a:schemeClr val="accent1"/>
+          </a:fillRef>
+          <a:effectRef idx="0">
+            <a:schemeClr val="accent1"/>
+          </a:effectRef>
+          <a:fontRef idx="minor">
+            <a:schemeClr val="tx1"/>
+          </a:fontRef>
+        </p:style>
+      </p:cxnSp>
+      <p:cxnSp>
+        <p:nvCxnSpPr>
+          <p:cNvPr id="157" name="Elbow Connector 156"/>
+          <p:cNvCxnSpPr>
+            <a:stCxn id="50" idx="3"/>
+            <a:endCxn id="88" idx="2"/>
+          </p:cNvCxnSpPr>
+          <p:nvPr/>
+        </p:nvCxnSpPr>
+        <p:spPr>
+          <a:xfrm flipV="1">
+            <a:off x="3206798" y="2470398"/>
+            <a:ext cx="419739" cy="350903"/>
+          </a:xfrm>
+          <a:prstGeom prst="bentConnector2">
+            <a:avLst/>
+          </a:prstGeom>
+          <a:ln>
+            <a:solidFill>
+              <a:schemeClr val="tx1"/>
+            </a:solidFill>
+            <a:tailEnd type="triangle"/>
+          </a:ln>
+        </p:spPr>
+        <p:style>
+          <a:lnRef idx="1">
+            <a:schemeClr val="accent1"/>
+          </a:lnRef>
+          <a:fillRef idx="0">
+            <a:schemeClr val="accent1"/>
+          </a:fillRef>
+          <a:effectRef idx="0">
+            <a:schemeClr val="accent1"/>
+          </a:effectRef>
+          <a:fontRef idx="minor">
+            <a:schemeClr val="tx1"/>
+          </a:fontRef>
+        </p:style>
+      </p:cxnSp>
+      <p:cxnSp>
+        <p:nvCxnSpPr>
+          <p:cNvPr id="160" name="Elbow Connector 159"/>
+          <p:cNvCxnSpPr>
+            <a:stCxn id="66" idx="3"/>
+            <a:endCxn id="88" idx="2"/>
+          </p:cNvCxnSpPr>
+          <p:nvPr/>
+        </p:nvCxnSpPr>
+        <p:spPr>
+          <a:xfrm flipV="1">
+            <a:off x="3206798" y="2470398"/>
+            <a:ext cx="419739" cy="840426"/>
+          </a:xfrm>
+          <a:prstGeom prst="bentConnector2">
+            <a:avLst/>
+          </a:prstGeom>
+          <a:ln>
+            <a:solidFill>
+              <a:schemeClr val="tx1"/>
+            </a:solidFill>
+            <a:tailEnd type="triangle"/>
+          </a:ln>
+        </p:spPr>
+        <p:style>
+          <a:lnRef idx="1">
+            <a:schemeClr val="accent1"/>
+          </a:lnRef>
+          <a:fillRef idx="0">
+            <a:schemeClr val="accent1"/>
+          </a:fillRef>
+          <a:effectRef idx="0">
+            <a:schemeClr val="accent1"/>
+          </a:effectRef>
+          <a:fontRef idx="minor">
+            <a:schemeClr val="tx1"/>
+          </a:fontRef>
+        </p:style>
+      </p:cxnSp>
+      <p:cxnSp>
+        <p:nvCxnSpPr>
+          <p:cNvPr id="165" name="Straight Arrow Connector 164"/>
+          <p:cNvCxnSpPr>
+            <a:stCxn id="88" idx="3"/>
+            <a:endCxn id="57" idx="1"/>
+          </p:cNvCxnSpPr>
+          <p:nvPr/>
+        </p:nvCxnSpPr>
+        <p:spPr>
+          <a:xfrm flipV="1">
+            <a:off x="3740837" y="2356058"/>
+            <a:ext cx="473603" cy="40"/>
+          </a:xfrm>
+          <a:prstGeom prst="straightConnector1">
+            <a:avLst/>
+          </a:prstGeom>
+          <a:ln>
+            <a:solidFill>
+              <a:schemeClr val="tx1"/>
+            </a:solidFill>
+            <a:tailEnd type="triangle"/>
+          </a:ln>
+        </p:spPr>
+        <p:style>
+          <a:lnRef idx="1">
+            <a:schemeClr val="accent1"/>
+          </a:lnRef>
+          <a:fillRef idx="0">
+            <a:schemeClr val="accent1"/>
+          </a:fillRef>
+          <a:effectRef idx="0">
+            <a:schemeClr val="accent1"/>
+          </a:effectRef>
+          <a:fontRef idx="minor">
+            <a:schemeClr val="tx1"/>
+          </a:fontRef>
+        </p:style>
+      </p:cxnSp>
+      <p:sp>
+        <p:nvSpPr>
+          <p:cNvPr id="190" name="TextBox 189"/>
+          <p:cNvSpPr txBox="1"/>
+          <p:nvPr/>
+        </p:nvSpPr>
+        <p:spPr>
+          <a:xfrm>
+            <a:off x="972813" y="984199"/>
+            <a:ext cx="3741779" cy="261610"/>
+          </a:xfrm>
+          <a:prstGeom prst="rect">
+            <a:avLst/>
+          </a:prstGeom>
+          <a:noFill/>
+        </p:spPr>
+        <p:txBody>
+          <a:bodyPr wrap="square" rtlCol="0">
+            <a:spAutoFit/>
+          </a:bodyPr>
+          <a:lstStyle/>
+          <a:p>
+            <a:pPr algn="ctr"/>
+            <a:r>
+              <a:rPr lang="en-US" sz="1100" dirty="0" smtClean="0">
+                <a:solidFill>
+                  <a:srgbClr val="0070C0"/>
+                </a:solidFill>
+                <a:latin typeface="Tahoma" panose="020B0604030504040204" pitchFamily="34" charset="0"/>
+                <a:ea typeface="Tahoma" panose="020B0604030504040204" pitchFamily="34" charset="0"/>
+                <a:cs typeface="Tahoma" panose="020B0604030504040204" pitchFamily="34" charset="0"/>
+              </a:rPr>
+              <a:t>ATROUS SPATIAL PYRAMID POOLING MODULE</a:t>
+            </a:r>
+            <a:endParaRPr lang="en-US" sz="1100" dirty="0">
+              <a:solidFill>
+                <a:srgbClr val="0070C0"/>
+              </a:solidFill>
+              <a:latin typeface="Tahoma" panose="020B0604030504040204" pitchFamily="34" charset="0"/>
+              <a:ea typeface="Tahoma" panose="020B0604030504040204" pitchFamily="34" charset="0"/>
+              <a:cs typeface="Tahoma" panose="020B0604030504040204" pitchFamily="34" charset="0"/>
+            </a:endParaRPr>
+          </a:p>
+        </p:txBody>
+      </p:sp>
+      <p:sp>
+        <p:nvSpPr>
+          <p:cNvPr id="182" name="Plus 181"/>
+          <p:cNvSpPr/>
+          <p:nvPr/>
+        </p:nvSpPr>
+        <p:spPr>
+          <a:xfrm>
+            <a:off x="3536734" y="2266459"/>
+            <a:ext cx="182880" cy="182880"/>
+          </a:xfrm>
+          <a:prstGeom prst="mathPlus">
+            <a:avLst>
+              <a:gd name="adj1" fmla="val 7304"/>
+            </a:avLst>
+          </a:prstGeom>
+          <a:solidFill>
+            <a:schemeClr val="tx1"/>
+          </a:solidFill>
+          <a:ln>
+            <a:noFill/>
+          </a:ln>
+        </p:spPr>
+        <p:style>
+          <a:lnRef idx="2">
+            <a:schemeClr val="accent1">
+              <a:shade val="50000"/>
+            </a:schemeClr>
+          </a:lnRef>
+          <a:fillRef idx="1">
+            <a:schemeClr val="accent1"/>
+          </a:fillRef>
+          <a:effectRef idx="0">
+            <a:schemeClr val="accent1"/>
+          </a:effectRef>
+          <a:fontRef idx="minor">
+            <a:schemeClr val="lt1"/>
+          </a:fontRef>
+        </p:style>
+        <p:txBody>
+          <a:bodyPr rtlCol="0" anchor="ctr"/>
+          <a:lstStyle/>
+          <a:p>
+            <a:pPr algn="ctr"/>
+            <a:endParaRPr lang="en-US"/>
+          </a:p>
+        </p:txBody>
+      </p:sp>
+      <p:sp>
+        <p:nvSpPr>
+          <p:cNvPr id="196" name="TextBox 195"/>
+          <p:cNvSpPr txBox="1"/>
+          <p:nvPr/>
+        </p:nvSpPr>
+        <p:spPr>
+          <a:xfrm rot="5400000">
+            <a:off x="851887" y="2263869"/>
+            <a:ext cx="897172" cy="200055"/>
+          </a:xfrm>
+          <a:prstGeom prst="rect">
+            <a:avLst/>
+          </a:prstGeom>
+          <a:noFill/>
+        </p:spPr>
+        <p:txBody>
+          <a:bodyPr wrap="square" rtlCol="0">
+            <a:spAutoFit/>
+          </a:bodyPr>
+          <a:lstStyle/>
+          <a:p>
+            <a:pPr algn="ctr"/>
+            <a:r>
+              <a:rPr lang="en-US" sz="700" dirty="0" smtClean="0">
+                <a:latin typeface="Tahoma" panose="020B0604030504040204" pitchFamily="34" charset="0"/>
+                <a:ea typeface="Tahoma" panose="020B0604030504040204" pitchFamily="34" charset="0"/>
+                <a:cs typeface="Tahoma" panose="020B0604030504040204" pitchFamily="34" charset="0"/>
+              </a:rPr>
+              <a:t>(2048, 23, </a:t>
+            </a:r>
+            <a:r>
+              <a:rPr lang="en-US" sz="700" dirty="0">
+                <a:latin typeface="Tahoma" panose="020B0604030504040204" pitchFamily="34" charset="0"/>
+                <a:ea typeface="Tahoma" panose="020B0604030504040204" pitchFamily="34" charset="0"/>
+                <a:cs typeface="Tahoma" panose="020B0604030504040204" pitchFamily="34" charset="0"/>
+              </a:rPr>
+              <a:t>4</a:t>
+            </a:r>
+            <a:r>
+              <a:rPr lang="en-US" sz="700" dirty="0" smtClean="0">
+                <a:latin typeface="Tahoma" panose="020B0604030504040204" pitchFamily="34" charset="0"/>
+                <a:ea typeface="Tahoma" panose="020B0604030504040204" pitchFamily="34" charset="0"/>
+                <a:cs typeface="Tahoma" panose="020B0604030504040204" pitchFamily="34" charset="0"/>
+              </a:rPr>
+              <a:t>0)</a:t>
+            </a:r>
+            <a:endParaRPr lang="en-US" sz="700" dirty="0">
+              <a:latin typeface="Tahoma" panose="020B0604030504040204" pitchFamily="34" charset="0"/>
+              <a:ea typeface="Tahoma" panose="020B0604030504040204" pitchFamily="34" charset="0"/>
+              <a:cs typeface="Tahoma" panose="020B0604030504040204" pitchFamily="34" charset="0"/>
+            </a:endParaRPr>
+          </a:p>
+        </p:txBody>
+      </p:sp>
+      <p:sp>
+        <p:nvSpPr>
+          <p:cNvPr id="197" name="TextBox 196"/>
+          <p:cNvSpPr txBox="1"/>
+          <p:nvPr/>
+        </p:nvSpPr>
+        <p:spPr>
+          <a:xfrm rot="5400000">
+            <a:off x="3543581" y="2269233"/>
+            <a:ext cx="829784" cy="200055"/>
+          </a:xfrm>
+          <a:prstGeom prst="rect">
+            <a:avLst/>
+          </a:prstGeom>
+          <a:noFill/>
+        </p:spPr>
+        <p:txBody>
+          <a:bodyPr wrap="square" rtlCol="0">
+            <a:spAutoFit/>
+          </a:bodyPr>
+          <a:lstStyle/>
+          <a:p>
+            <a:pPr algn="ctr"/>
+            <a:r>
+              <a:rPr lang="en-US" sz="700" dirty="0" smtClean="0">
+                <a:latin typeface="Tahoma" panose="020B0604030504040204" pitchFamily="34" charset="0"/>
+                <a:ea typeface="Tahoma" panose="020B0604030504040204" pitchFamily="34" charset="0"/>
+                <a:cs typeface="Tahoma" panose="020B0604030504040204" pitchFamily="34" charset="0"/>
+              </a:rPr>
+              <a:t>(1280, 23, </a:t>
+            </a:r>
+            <a:r>
+              <a:rPr lang="en-US" sz="700" dirty="0">
+                <a:latin typeface="Tahoma" panose="020B0604030504040204" pitchFamily="34" charset="0"/>
+                <a:ea typeface="Tahoma" panose="020B0604030504040204" pitchFamily="34" charset="0"/>
+                <a:cs typeface="Tahoma" panose="020B0604030504040204" pitchFamily="34" charset="0"/>
+              </a:rPr>
+              <a:t>4</a:t>
+            </a:r>
+            <a:r>
+              <a:rPr lang="en-US" sz="700" dirty="0" smtClean="0">
+                <a:latin typeface="Tahoma" panose="020B0604030504040204" pitchFamily="34" charset="0"/>
+                <a:ea typeface="Tahoma" panose="020B0604030504040204" pitchFamily="34" charset="0"/>
+                <a:cs typeface="Tahoma" panose="020B0604030504040204" pitchFamily="34" charset="0"/>
+              </a:rPr>
+              <a:t>0)</a:t>
+            </a:r>
+            <a:endParaRPr lang="en-US" sz="700" dirty="0">
+              <a:latin typeface="Tahoma" panose="020B0604030504040204" pitchFamily="34" charset="0"/>
+              <a:ea typeface="Tahoma" panose="020B0604030504040204" pitchFamily="34" charset="0"/>
+              <a:cs typeface="Tahoma" panose="020B0604030504040204" pitchFamily="34" charset="0"/>
+            </a:endParaRPr>
+          </a:p>
+        </p:txBody>
+      </p:sp>
+      <p:sp>
+        <p:nvSpPr>
+          <p:cNvPr id="50" name="Rounded Rectangle 49"/>
+          <p:cNvSpPr/>
+          <p:nvPr/>
+        </p:nvSpPr>
+        <p:spPr>
+          <a:xfrm>
+            <a:off x="1835198" y="2684141"/>
+            <a:ext cx="1371600" cy="274320"/>
+          </a:xfrm>
+          <a:prstGeom prst="roundRect">
+            <a:avLst/>
+          </a:prstGeom>
+          <a:solidFill>
+            <a:srgbClr val="00B0F0"/>
+          </a:solidFill>
+          <a:ln>
+            <a:noFill/>
+          </a:ln>
+        </p:spPr>
+        <p:style>
+          <a:lnRef idx="2">
+            <a:schemeClr val="accent1">
+              <a:shade val="50000"/>
+            </a:schemeClr>
+          </a:lnRef>
+          <a:fillRef idx="1">
+            <a:schemeClr val="accent1"/>
+          </a:fillRef>
+          <a:effectRef idx="0">
+            <a:schemeClr val="accent1"/>
+          </a:effectRef>
+          <a:fontRef idx="minor">
+            <a:schemeClr val="lt1"/>
+          </a:fontRef>
+        </p:style>
+        <p:txBody>
+          <a:bodyPr rot="0" spcFirstLastPara="0" vertOverflow="overflow" horzOverflow="overflow" vert="horz" wrap="square" lIns="51435" tIns="25718" rIns="51435" bIns="25718" numCol="1" spcCol="0" rtlCol="0" fromWordArt="0" anchor="ctr" anchorCtr="0" forceAA="0" compatLnSpc="1">
+            <a:prstTxWarp prst="textNoShape">
+              <a:avLst/>
+            </a:prstTxWarp>
+            <a:noAutofit/>
+          </a:bodyPr>
+          <a:lstStyle/>
+          <a:p>
+            <a:pPr algn="ctr"/>
+            <a:r>
+              <a:rPr lang="en-US" sz="800" b="1" dirty="0">
+                <a:solidFill>
+                  <a:schemeClr val="bg1"/>
+                </a:solidFill>
+                <a:latin typeface="Tahoma" panose="020B0604030504040204" pitchFamily="34" charset="0"/>
+                <a:ea typeface="Tahoma" panose="020B0604030504040204" pitchFamily="34" charset="0"/>
+                <a:cs typeface="Tahoma" panose="020B0604030504040204" pitchFamily="34" charset="0"/>
+              </a:rPr>
+              <a:t>ASPP conv</a:t>
+            </a:r>
+          </a:p>
+          <a:p>
+            <a:pPr algn="ctr"/>
+            <a:r>
+              <a:rPr lang="en-US" sz="800" b="1" dirty="0">
+                <a:solidFill>
+                  <a:schemeClr val="bg1"/>
+                </a:solidFill>
+                <a:latin typeface="Tahoma" panose="020B0604030504040204" pitchFamily="34" charset="0"/>
+                <a:ea typeface="Tahoma" panose="020B0604030504040204" pitchFamily="34" charset="0"/>
+                <a:cs typeface="Tahoma" panose="020B0604030504040204" pitchFamily="34" charset="0"/>
+              </a:rPr>
+              <a:t>(2048, 256,rate </a:t>
+            </a:r>
+            <a:r>
+              <a:rPr lang="en-US" sz="800" b="1" dirty="0" smtClean="0">
+                <a:solidFill>
+                  <a:schemeClr val="bg1"/>
+                </a:solidFill>
+                <a:latin typeface="Tahoma" panose="020B0604030504040204" pitchFamily="34" charset="0"/>
+                <a:ea typeface="Tahoma" panose="020B0604030504040204" pitchFamily="34" charset="0"/>
+                <a:cs typeface="Tahoma" panose="020B0604030504040204" pitchFamily="34" charset="0"/>
+              </a:rPr>
+              <a:t>=18)</a:t>
+            </a:r>
+            <a:endParaRPr lang="en-US" sz="800" b="1" dirty="0">
+              <a:solidFill>
+                <a:schemeClr val="bg1"/>
+              </a:solidFill>
+              <a:latin typeface="Tahoma" panose="020B0604030504040204" pitchFamily="34" charset="0"/>
+              <a:ea typeface="Tahoma" panose="020B0604030504040204" pitchFamily="34" charset="0"/>
+              <a:cs typeface="Tahoma" panose="020B0604030504040204" pitchFamily="34" charset="0"/>
+            </a:endParaRPr>
+          </a:p>
+        </p:txBody>
+      </p:sp>
+      <p:sp>
+        <p:nvSpPr>
+          <p:cNvPr id="57" name="Rounded Rectangle 56"/>
+          <p:cNvSpPr/>
+          <p:nvPr/>
+        </p:nvSpPr>
+        <p:spPr>
+          <a:xfrm>
+            <a:off x="4214440" y="2218898"/>
+            <a:ext cx="1371600" cy="274320"/>
+          </a:xfrm>
+          <a:prstGeom prst="roundRect">
+            <a:avLst/>
+          </a:prstGeom>
+          <a:solidFill>
+            <a:schemeClr val="accent4">
+              <a:lumMod val="20000"/>
+              <a:lumOff val="80000"/>
+            </a:schemeClr>
+          </a:solidFill>
+          <a:ln>
+            <a:solidFill>
+              <a:schemeClr val="bg1">
+                <a:lumMod val="75000"/>
+              </a:schemeClr>
+            </a:solidFill>
+          </a:ln>
+        </p:spPr>
+        <p:style>
+          <a:lnRef idx="2">
+            <a:schemeClr val="accent1">
+              <a:shade val="50000"/>
+            </a:schemeClr>
+          </a:lnRef>
+          <a:fillRef idx="1">
+            <a:schemeClr val="accent1"/>
+          </a:fillRef>
+          <a:effectRef idx="0">
+            <a:schemeClr val="accent1"/>
+          </a:effectRef>
+          <a:fontRef idx="minor">
+            <a:schemeClr val="lt1"/>
+          </a:fontRef>
+        </p:style>
+        <p:txBody>
+          <a:bodyPr rot="0" spcFirstLastPara="0" vertOverflow="overflow" horzOverflow="overflow" vert="horz" wrap="square" lIns="51435" tIns="25718" rIns="51435" bIns="25718" numCol="1" spcCol="0" rtlCol="0" fromWordArt="0" anchor="ctr" anchorCtr="0" forceAA="0" compatLnSpc="1">
+            <a:prstTxWarp prst="textNoShape">
+              <a:avLst/>
+            </a:prstTxWarp>
+            <a:noAutofit/>
+          </a:bodyPr>
+          <a:lstStyle/>
+          <a:p>
+            <a:pPr algn="ctr"/>
+            <a:r>
+              <a:rPr lang="en-US" sz="800" b="1" dirty="0" smtClean="0">
+                <a:solidFill>
+                  <a:schemeClr val="accent1">
+                    <a:lumMod val="50000"/>
+                  </a:schemeClr>
+                </a:solidFill>
+                <a:latin typeface="Tahoma" panose="020B0604030504040204" pitchFamily="34" charset="0"/>
+                <a:ea typeface="Tahoma" panose="020B0604030504040204" pitchFamily="34" charset="0"/>
+                <a:cs typeface="Tahoma" panose="020B0604030504040204" pitchFamily="34" charset="0"/>
+              </a:rPr>
+              <a:t>Conv2d(1280, 256, 3)</a:t>
+            </a:r>
+            <a:endParaRPr lang="en-US" sz="800" b="1" dirty="0">
+              <a:solidFill>
+                <a:schemeClr val="accent1">
+                  <a:lumMod val="50000"/>
+                </a:schemeClr>
+              </a:solidFill>
+              <a:latin typeface="Tahoma" panose="020B0604030504040204" pitchFamily="34" charset="0"/>
+              <a:ea typeface="Tahoma" panose="020B0604030504040204" pitchFamily="34" charset="0"/>
+              <a:cs typeface="Tahoma" panose="020B0604030504040204" pitchFamily="34" charset="0"/>
+            </a:endParaRPr>
+          </a:p>
+        </p:txBody>
+      </p:sp>
+      <p:sp>
+        <p:nvSpPr>
+          <p:cNvPr id="59" name="Rounded Rectangle 58"/>
+          <p:cNvSpPr/>
+          <p:nvPr/>
+        </p:nvSpPr>
+        <p:spPr>
+          <a:xfrm>
+            <a:off x="4214440" y="2740486"/>
+            <a:ext cx="1371600" cy="274320"/>
+          </a:xfrm>
+          <a:prstGeom prst="roundRect">
+            <a:avLst/>
+          </a:prstGeom>
+          <a:noFill/>
+          <a:ln>
+            <a:solidFill>
+              <a:schemeClr val="bg1">
+                <a:lumMod val="50000"/>
+              </a:schemeClr>
+            </a:solidFill>
+          </a:ln>
+        </p:spPr>
+        <p:style>
+          <a:lnRef idx="2">
+            <a:schemeClr val="accent1">
+              <a:shade val="50000"/>
+            </a:schemeClr>
+          </a:lnRef>
+          <a:fillRef idx="1">
+            <a:schemeClr val="accent1"/>
+          </a:fillRef>
+          <a:effectRef idx="0">
+            <a:schemeClr val="accent1"/>
+          </a:effectRef>
+          <a:fontRef idx="minor">
+            <a:schemeClr val="lt1"/>
+          </a:fontRef>
+        </p:style>
+        <p:txBody>
+          <a:bodyPr rot="0" spcFirstLastPara="0" vertOverflow="overflow" horzOverflow="overflow" vert="horz" wrap="square" lIns="51435" tIns="25718" rIns="51435" bIns="25718" numCol="1" spcCol="0" rtlCol="0" fromWordArt="0" anchor="ctr" anchorCtr="0" forceAA="0" compatLnSpc="1">
+            <a:prstTxWarp prst="textNoShape">
+              <a:avLst/>
+            </a:prstTxWarp>
+            <a:noAutofit/>
+          </a:bodyPr>
+          <a:lstStyle/>
+          <a:p>
+            <a:pPr algn="ctr"/>
+            <a:r>
+              <a:rPr lang="en-US" sz="900" b="1" dirty="0" smtClean="0">
+                <a:solidFill>
+                  <a:schemeClr val="tx1"/>
+                </a:solidFill>
+                <a:latin typeface="Tahoma" panose="020B0604030504040204" pitchFamily="34" charset="0"/>
+                <a:ea typeface="Tahoma" panose="020B0604030504040204" pitchFamily="34" charset="0"/>
+                <a:cs typeface="Tahoma" panose="020B0604030504040204" pitchFamily="34" charset="0"/>
+              </a:rPr>
+              <a:t>OUTPUT</a:t>
+            </a:r>
+            <a:endParaRPr lang="en-US" sz="900" b="1" dirty="0">
+              <a:solidFill>
+                <a:schemeClr val="tx1"/>
+              </a:solidFill>
+              <a:latin typeface="Tahoma" panose="020B0604030504040204" pitchFamily="34" charset="0"/>
+              <a:ea typeface="Tahoma" panose="020B0604030504040204" pitchFamily="34" charset="0"/>
+              <a:cs typeface="Tahoma" panose="020B0604030504040204" pitchFamily="34" charset="0"/>
+            </a:endParaRPr>
+          </a:p>
+        </p:txBody>
+      </p:sp>
+      <p:cxnSp>
+        <p:nvCxnSpPr>
+          <p:cNvPr id="60" name="Straight Arrow Connector 59"/>
+          <p:cNvCxnSpPr>
+            <a:stCxn id="57" idx="2"/>
+            <a:endCxn id="59" idx="0"/>
+          </p:cNvCxnSpPr>
+          <p:nvPr/>
+        </p:nvCxnSpPr>
+        <p:spPr>
+          <a:xfrm>
+            <a:off x="4900240" y="2493218"/>
+            <a:ext cx="0" cy="247268"/>
+          </a:xfrm>
+          <a:prstGeom prst="straightConnector1">
+            <a:avLst/>
+          </a:prstGeom>
+          <a:ln>
+            <a:solidFill>
+              <a:schemeClr val="tx1"/>
+            </a:solidFill>
+            <a:tailEnd type="triangle"/>
+          </a:ln>
+        </p:spPr>
+        <p:style>
+          <a:lnRef idx="1">
+            <a:schemeClr val="accent1"/>
+          </a:lnRef>
+          <a:fillRef idx="0">
+            <a:schemeClr val="accent1"/>
+          </a:fillRef>
+          <a:effectRef idx="0">
+            <a:schemeClr val="accent1"/>
+          </a:effectRef>
+          <a:fontRef idx="minor">
+            <a:schemeClr val="tx1"/>
+          </a:fontRef>
+        </p:style>
+      </p:cxnSp>
+      <p:sp>
+        <p:nvSpPr>
+          <p:cNvPr id="68" name="TextBox 67"/>
+          <p:cNvSpPr txBox="1"/>
+          <p:nvPr/>
+        </p:nvSpPr>
+        <p:spPr>
+          <a:xfrm>
+            <a:off x="4889119" y="2517334"/>
+            <a:ext cx="734116" cy="200055"/>
+          </a:xfrm>
+          <a:prstGeom prst="rect">
+            <a:avLst/>
+          </a:prstGeom>
+          <a:noFill/>
+        </p:spPr>
+        <p:txBody>
+          <a:bodyPr wrap="square" rtlCol="0">
+            <a:spAutoFit/>
+          </a:bodyPr>
+          <a:lstStyle/>
+          <a:p>
+            <a:pPr algn="ctr"/>
+            <a:r>
+              <a:rPr lang="en-US" sz="700" dirty="0" smtClean="0">
+                <a:latin typeface="Tahoma" panose="020B0604030504040204" pitchFamily="34" charset="0"/>
+                <a:ea typeface="Tahoma" panose="020B0604030504040204" pitchFamily="34" charset="0"/>
+                <a:cs typeface="Tahoma" panose="020B0604030504040204" pitchFamily="34" charset="0"/>
+              </a:rPr>
+              <a:t>(256, 23, </a:t>
+            </a:r>
+            <a:r>
+              <a:rPr lang="en-US" sz="700" dirty="0">
+                <a:latin typeface="Tahoma" panose="020B0604030504040204" pitchFamily="34" charset="0"/>
+                <a:ea typeface="Tahoma" panose="020B0604030504040204" pitchFamily="34" charset="0"/>
+                <a:cs typeface="Tahoma" panose="020B0604030504040204" pitchFamily="34" charset="0"/>
+              </a:rPr>
+              <a:t>4</a:t>
+            </a:r>
+            <a:r>
+              <a:rPr lang="en-US" sz="700" dirty="0" smtClean="0">
+                <a:latin typeface="Tahoma" panose="020B0604030504040204" pitchFamily="34" charset="0"/>
+                <a:ea typeface="Tahoma" panose="020B0604030504040204" pitchFamily="34" charset="0"/>
+                <a:cs typeface="Tahoma" panose="020B0604030504040204" pitchFamily="34" charset="0"/>
+              </a:rPr>
+              <a:t>0)</a:t>
+            </a:r>
+            <a:endParaRPr lang="en-US" sz="700" dirty="0">
+              <a:latin typeface="Tahoma" panose="020B0604030504040204" pitchFamily="34" charset="0"/>
+              <a:ea typeface="Tahoma" panose="020B0604030504040204" pitchFamily="34" charset="0"/>
+              <a:cs typeface="Tahoma" panose="020B0604030504040204" pitchFamily="34" charset="0"/>
+            </a:endParaRPr>
+          </a:p>
+        </p:txBody>
+      </p:sp>
+      <p:sp>
+        <p:nvSpPr>
+          <p:cNvPr id="26" name="Rounded Rectangle 25"/>
+          <p:cNvSpPr/>
+          <p:nvPr/>
+        </p:nvSpPr>
+        <p:spPr>
+          <a:xfrm>
+            <a:off x="1835198" y="2233491"/>
+            <a:ext cx="1371600" cy="274320"/>
+          </a:xfrm>
+          <a:prstGeom prst="roundRect">
+            <a:avLst/>
+          </a:prstGeom>
+          <a:solidFill>
+            <a:schemeClr val="accent4">
+              <a:lumMod val="20000"/>
+              <a:lumOff val="80000"/>
+            </a:schemeClr>
+          </a:solidFill>
+          <a:ln>
+            <a:solidFill>
+              <a:schemeClr val="bg1">
+                <a:lumMod val="75000"/>
+              </a:schemeClr>
+            </a:solidFill>
+          </a:ln>
+        </p:spPr>
+        <p:style>
+          <a:lnRef idx="2">
+            <a:schemeClr val="accent1">
+              <a:shade val="50000"/>
+            </a:schemeClr>
+          </a:lnRef>
+          <a:fillRef idx="1">
+            <a:schemeClr val="accent1"/>
+          </a:fillRef>
+          <a:effectRef idx="0">
+            <a:schemeClr val="accent1"/>
+          </a:effectRef>
+          <a:fontRef idx="minor">
+            <a:schemeClr val="lt1"/>
+          </a:fontRef>
+        </p:style>
+        <p:txBody>
+          <a:bodyPr rot="0" spcFirstLastPara="0" vertOverflow="overflow" horzOverflow="overflow" vert="horz" wrap="square" lIns="51435" tIns="25718" rIns="51435" bIns="25718" numCol="1" spcCol="0" rtlCol="0" fromWordArt="0" anchor="ctr" anchorCtr="0" forceAA="0" compatLnSpc="1">
+            <a:prstTxWarp prst="textNoShape">
+              <a:avLst/>
+            </a:prstTxWarp>
+            <a:noAutofit/>
+          </a:bodyPr>
+          <a:lstStyle/>
+          <a:p>
+            <a:pPr algn="ctr"/>
+            <a:r>
+              <a:rPr lang="en-US" sz="800" b="1" dirty="0" smtClean="0">
+                <a:solidFill>
+                  <a:schemeClr val="accent1">
+                    <a:lumMod val="50000"/>
+                  </a:schemeClr>
+                </a:solidFill>
+                <a:latin typeface="Tahoma" panose="020B0604030504040204" pitchFamily="34" charset="0"/>
+                <a:ea typeface="Tahoma" panose="020B0604030504040204" pitchFamily="34" charset="0"/>
+                <a:cs typeface="Tahoma" panose="020B0604030504040204" pitchFamily="34" charset="0"/>
+              </a:rPr>
+              <a:t>Conv2d(2048, 256, 3)</a:t>
+            </a:r>
+            <a:endParaRPr lang="en-US" sz="800" b="1" dirty="0">
+              <a:solidFill>
+                <a:schemeClr val="accent1">
+                  <a:lumMod val="50000"/>
+                </a:schemeClr>
+              </a:solidFill>
+              <a:latin typeface="Tahoma" panose="020B0604030504040204" pitchFamily="34" charset="0"/>
+              <a:ea typeface="Tahoma" panose="020B0604030504040204" pitchFamily="34" charset="0"/>
+              <a:cs typeface="Tahoma" panose="020B0604030504040204" pitchFamily="34" charset="0"/>
+            </a:endParaRPr>
+          </a:p>
+        </p:txBody>
+      </p:sp>
+      <p:cxnSp>
+        <p:nvCxnSpPr>
+          <p:cNvPr id="30" name="Straight Arrow Connector 29"/>
+          <p:cNvCxnSpPr>
+            <a:stCxn id="26" idx="3"/>
+            <a:endCxn id="88" idx="1"/>
+          </p:cNvCxnSpPr>
+          <p:nvPr/>
+        </p:nvCxnSpPr>
+        <p:spPr>
+          <a:xfrm flipV="1">
+            <a:off x="3206798" y="2356098"/>
+            <a:ext cx="305439" cy="14553"/>
+          </a:xfrm>
+          <a:prstGeom prst="straightConnector1">
+            <a:avLst/>
+          </a:prstGeom>
+          <a:ln>
+            <a:solidFill>
+              <a:schemeClr val="tx1"/>
+            </a:solidFill>
+            <a:tailEnd type="triangle"/>
+          </a:ln>
+        </p:spPr>
+        <p:style>
+          <a:lnRef idx="1">
+            <a:schemeClr val="accent1"/>
+          </a:lnRef>
+          <a:fillRef idx="0">
+            <a:schemeClr val="accent1"/>
+          </a:fillRef>
+          <a:effectRef idx="0">
+            <a:schemeClr val="accent1"/>
+          </a:effectRef>
+          <a:fontRef idx="minor">
+            <a:schemeClr val="tx1"/>
+          </a:fontRef>
+        </p:style>
+      </p:cxnSp>
+      <p:sp>
+        <p:nvSpPr>
+          <p:cNvPr id="34" name="TextBox 33"/>
+          <p:cNvSpPr txBox="1"/>
+          <p:nvPr/>
+        </p:nvSpPr>
+        <p:spPr>
+          <a:xfrm rot="5400000">
+            <a:off x="3344611" y="1589643"/>
+            <a:ext cx="772298" cy="200055"/>
+          </a:xfrm>
+          <a:prstGeom prst="rect">
+            <a:avLst/>
+          </a:prstGeom>
+          <a:noFill/>
+        </p:spPr>
+        <p:txBody>
+          <a:bodyPr wrap="square" rtlCol="0">
+            <a:spAutoFit/>
+          </a:bodyPr>
+          <a:lstStyle/>
+          <a:p>
+            <a:pPr algn="ctr"/>
+            <a:r>
+              <a:rPr lang="en-US" sz="700" dirty="0" smtClean="0">
+                <a:latin typeface="Tahoma" panose="020B0604030504040204" pitchFamily="34" charset="0"/>
+                <a:ea typeface="Tahoma" panose="020B0604030504040204" pitchFamily="34" charset="0"/>
+                <a:cs typeface="Tahoma" panose="020B0604030504040204" pitchFamily="34" charset="0"/>
+              </a:rPr>
+              <a:t>(256, 23, </a:t>
+            </a:r>
+            <a:r>
+              <a:rPr lang="en-US" sz="700" dirty="0">
+                <a:latin typeface="Tahoma" panose="020B0604030504040204" pitchFamily="34" charset="0"/>
+                <a:ea typeface="Tahoma" panose="020B0604030504040204" pitchFamily="34" charset="0"/>
+                <a:cs typeface="Tahoma" panose="020B0604030504040204" pitchFamily="34" charset="0"/>
+              </a:rPr>
+              <a:t>4</a:t>
+            </a:r>
+            <a:r>
+              <a:rPr lang="en-US" sz="700" dirty="0" smtClean="0">
+                <a:latin typeface="Tahoma" panose="020B0604030504040204" pitchFamily="34" charset="0"/>
+                <a:ea typeface="Tahoma" panose="020B0604030504040204" pitchFamily="34" charset="0"/>
+                <a:cs typeface="Tahoma" panose="020B0604030504040204" pitchFamily="34" charset="0"/>
+              </a:rPr>
+              <a:t>0)</a:t>
+            </a:r>
+            <a:endParaRPr lang="en-US" sz="700" dirty="0">
+              <a:latin typeface="Tahoma" panose="020B0604030504040204" pitchFamily="34" charset="0"/>
+              <a:ea typeface="Tahoma" panose="020B0604030504040204" pitchFamily="34" charset="0"/>
+              <a:cs typeface="Tahoma" panose="020B0604030504040204" pitchFamily="34" charset="0"/>
+            </a:endParaRPr>
+          </a:p>
+        </p:txBody>
+      </p:sp>
+      <p:sp>
+        <p:nvSpPr>
+          <p:cNvPr id="38" name="TextBox 37"/>
+          <p:cNvSpPr txBox="1"/>
+          <p:nvPr/>
+        </p:nvSpPr>
+        <p:spPr>
+          <a:xfrm rot="5400000">
+            <a:off x="3344611" y="2961808"/>
+            <a:ext cx="772298" cy="200055"/>
+          </a:xfrm>
+          <a:prstGeom prst="rect">
+            <a:avLst/>
+          </a:prstGeom>
+          <a:noFill/>
+        </p:spPr>
+        <p:txBody>
+          <a:bodyPr wrap="square" rtlCol="0">
+            <a:spAutoFit/>
+          </a:bodyPr>
+          <a:lstStyle/>
+          <a:p>
+            <a:pPr algn="ctr"/>
+            <a:r>
+              <a:rPr lang="en-US" sz="700" dirty="0" smtClean="0">
+                <a:latin typeface="Tahoma" panose="020B0604030504040204" pitchFamily="34" charset="0"/>
+                <a:ea typeface="Tahoma" panose="020B0604030504040204" pitchFamily="34" charset="0"/>
+                <a:cs typeface="Tahoma" panose="020B0604030504040204" pitchFamily="34" charset="0"/>
+              </a:rPr>
+              <a:t>(256, 23, </a:t>
+            </a:r>
+            <a:r>
+              <a:rPr lang="en-US" sz="700" dirty="0">
+                <a:latin typeface="Tahoma" panose="020B0604030504040204" pitchFamily="34" charset="0"/>
+                <a:ea typeface="Tahoma" panose="020B0604030504040204" pitchFamily="34" charset="0"/>
+                <a:cs typeface="Tahoma" panose="020B0604030504040204" pitchFamily="34" charset="0"/>
+              </a:rPr>
+              <a:t>4</a:t>
+            </a:r>
+            <a:r>
+              <a:rPr lang="en-US" sz="700" dirty="0" smtClean="0">
+                <a:latin typeface="Tahoma" panose="020B0604030504040204" pitchFamily="34" charset="0"/>
+                <a:ea typeface="Tahoma" panose="020B0604030504040204" pitchFamily="34" charset="0"/>
+                <a:cs typeface="Tahoma" panose="020B0604030504040204" pitchFamily="34" charset="0"/>
+              </a:rPr>
+              <a:t>0)</a:t>
+            </a:r>
+            <a:endParaRPr lang="en-US" sz="700" dirty="0">
+              <a:latin typeface="Tahoma" panose="020B0604030504040204" pitchFamily="34" charset="0"/>
+              <a:ea typeface="Tahoma" panose="020B0604030504040204" pitchFamily="34" charset="0"/>
+              <a:cs typeface="Tahoma" panose="020B0604030504040204" pitchFamily="34" charset="0"/>
+            </a:endParaRPr>
+          </a:p>
+        </p:txBody>
+      </p:sp>
+    </p:spTree>
+    <p:extLst>
+      <p:ext uri="{BB962C8B-B14F-4D97-AF65-F5344CB8AC3E}">
+        <p14:creationId xmlns:p14="http://schemas.microsoft.com/office/powerpoint/2010/main" val="3402617851"/>
+      </p:ext>
+    </p:extLst>
+  </p:cSld>
+  <p:clrMapOvr>
+    <a:masterClrMapping/>
+  </p:clrMapOvr>
+</p:sld>
+</file>
+
+<file path=ppt/slides/slide11.xml><?xml version="1.0" encoding="utf-8"?>
 <p:sld xmlns:a="http://schemas.openxmlformats.org/drawingml/2006/main" xmlns:r="http://schemas.openxmlformats.org/officeDocument/2006/relationships" xmlns:p="http://schemas.openxmlformats.org/presentationml/2006/main">
   <p:cSld>
     <p:spTree>
@@ -8610,7 +10184,7 @@
 </p:sld>
 </file>
 
-<file path=ppt/slides/slide11.xml><?xml version="1.0" encoding="utf-8"?>
+<file path=ppt/slides/slide12.xml><?xml version="1.0" encoding="utf-8"?>
 <p:sld xmlns:a="http://schemas.openxmlformats.org/drawingml/2006/main" xmlns:r="http://schemas.openxmlformats.org/officeDocument/2006/relationships" xmlns:p="http://schemas.openxmlformats.org/presentationml/2006/main">
   <p:cSld>
     <p:spTree>
@@ -9196,7 +10770,7 @@
 </p:sld>
 </file>
 
-<file path=ppt/slides/slide12.xml><?xml version="1.0" encoding="utf-8"?>
+<file path=ppt/slides/slide13.xml><?xml version="1.0" encoding="utf-8"?>
 <p:sld xmlns:a="http://schemas.openxmlformats.org/drawingml/2006/main" xmlns:r="http://schemas.openxmlformats.org/officeDocument/2006/relationships" xmlns:p="http://schemas.openxmlformats.org/presentationml/2006/main">
   <p:cSld>
     <p:spTree>
@@ -10699,15 +12273,7 @@
                 <a:ea typeface="Tahoma" panose="020B0604030504040204" pitchFamily="34" charset="0"/>
                 <a:cs typeface="Tahoma" panose="020B0604030504040204" pitchFamily="34" charset="0"/>
               </a:rPr>
-              <a:t>Resnet</a:t>
-            </a:r>
-            <a:r>
-              <a:rPr lang="en-US" sz="1000" dirty="0" smtClean="0">
-                <a:latin typeface="Tahoma" panose="020B0604030504040204" pitchFamily="34" charset="0"/>
-                <a:ea typeface="Tahoma" panose="020B0604030504040204" pitchFamily="34" charset="0"/>
-                <a:cs typeface="Tahoma" panose="020B0604030504040204" pitchFamily="34" charset="0"/>
-              </a:rPr>
-              <a:t>50 backbone</a:t>
+              <a:t>Resnet50 backbone</a:t>
             </a:r>
             <a:endParaRPr lang="en-US" sz="1000" dirty="0">
               <a:latin typeface="Tahoma" panose="020B0604030504040204" pitchFamily="34" charset="0"/>
@@ -19025,6 +20591,2422 @@
           <a:chExt cx="0" cy="0"/>
         </a:xfrm>
       </p:grpSpPr>
+      <p:sp>
+        <p:nvSpPr>
+          <p:cNvPr id="61" name="Rounded Rectangle 60"/>
+          <p:cNvSpPr/>
+          <p:nvPr/>
+        </p:nvSpPr>
+        <p:spPr>
+          <a:xfrm>
+            <a:off x="342900" y="2241290"/>
+            <a:ext cx="1555039" cy="280653"/>
+          </a:xfrm>
+          <a:prstGeom prst="roundRect">
+            <a:avLst/>
+          </a:prstGeom>
+          <a:solidFill>
+            <a:schemeClr val="bg2"/>
+          </a:solidFill>
+          <a:ln>
+            <a:solidFill>
+              <a:schemeClr val="bg1">
+                <a:lumMod val="50000"/>
+              </a:schemeClr>
+            </a:solidFill>
+          </a:ln>
+        </p:spPr>
+        <p:style>
+          <a:lnRef idx="2">
+            <a:schemeClr val="accent1">
+              <a:shade val="50000"/>
+            </a:schemeClr>
+          </a:lnRef>
+          <a:fillRef idx="1">
+            <a:schemeClr val="accent1"/>
+          </a:fillRef>
+          <a:effectRef idx="0">
+            <a:schemeClr val="accent1"/>
+          </a:effectRef>
+          <a:fontRef idx="minor">
+            <a:schemeClr val="lt1"/>
+          </a:fontRef>
+        </p:style>
+        <p:txBody>
+          <a:bodyPr rot="0" spcFirstLastPara="0" vertOverflow="overflow" horzOverflow="overflow" vert="horz" wrap="square" lIns="51435" tIns="25718" rIns="51435" bIns="25718" numCol="1" spcCol="0" rtlCol="0" fromWordArt="0" anchor="ctr" anchorCtr="0" forceAA="0" compatLnSpc="1">
+            <a:prstTxWarp prst="textNoShape">
+              <a:avLst/>
+            </a:prstTxWarp>
+            <a:noAutofit/>
+          </a:bodyPr>
+          <a:lstStyle/>
+          <a:p>
+            <a:pPr algn="ctr"/>
+            <a:r>
+              <a:rPr lang="en-US" sz="900" b="1" dirty="0" smtClean="0">
+                <a:solidFill>
+                  <a:schemeClr val="tx1"/>
+                </a:solidFill>
+                <a:latin typeface="Tahoma" panose="020B0604030504040204" pitchFamily="34" charset="0"/>
+                <a:ea typeface="Tahoma" panose="020B0604030504040204" pitchFamily="34" charset="0"/>
+                <a:cs typeface="Tahoma" panose="020B0604030504040204" pitchFamily="34" charset="0"/>
+              </a:rPr>
+              <a:t>Feature Map</a:t>
+            </a:r>
+            <a:endParaRPr lang="en-US" sz="900" b="1" dirty="0">
+              <a:solidFill>
+                <a:schemeClr val="tx1"/>
+              </a:solidFill>
+              <a:latin typeface="Tahoma" panose="020B0604030504040204" pitchFamily="34" charset="0"/>
+              <a:ea typeface="Tahoma" panose="020B0604030504040204" pitchFamily="34" charset="0"/>
+              <a:cs typeface="Tahoma" panose="020B0604030504040204" pitchFamily="34" charset="0"/>
+            </a:endParaRPr>
+          </a:p>
+        </p:txBody>
+      </p:sp>
+      <p:cxnSp>
+        <p:nvCxnSpPr>
+          <p:cNvPr id="9" name="Elbow Connector 8"/>
+          <p:cNvCxnSpPr>
+            <a:stCxn id="61" idx="3"/>
+            <a:endCxn id="62" idx="1"/>
+          </p:cNvCxnSpPr>
+          <p:nvPr/>
+        </p:nvCxnSpPr>
+        <p:spPr>
+          <a:xfrm flipV="1">
+            <a:off x="1897939" y="1640653"/>
+            <a:ext cx="724554" cy="740964"/>
+          </a:xfrm>
+          <a:prstGeom prst="bentConnector3">
+            <a:avLst/>
+          </a:prstGeom>
+          <a:ln>
+            <a:solidFill>
+              <a:schemeClr val="tx1"/>
+            </a:solidFill>
+            <a:tailEnd type="triangle"/>
+          </a:ln>
+        </p:spPr>
+        <p:style>
+          <a:lnRef idx="1">
+            <a:schemeClr val="accent1"/>
+          </a:lnRef>
+          <a:fillRef idx="0">
+            <a:schemeClr val="accent1"/>
+          </a:fillRef>
+          <a:effectRef idx="0">
+            <a:schemeClr val="accent1"/>
+          </a:effectRef>
+          <a:fontRef idx="minor">
+            <a:schemeClr val="tx1"/>
+          </a:fontRef>
+        </p:style>
+      </p:cxnSp>
+      <p:cxnSp>
+        <p:nvCxnSpPr>
+          <p:cNvPr id="69" name="Elbow Connector 68"/>
+          <p:cNvCxnSpPr>
+            <a:stCxn id="61" idx="3"/>
+            <a:endCxn id="64" idx="1"/>
+          </p:cNvCxnSpPr>
+          <p:nvPr/>
+        </p:nvCxnSpPr>
+        <p:spPr>
+          <a:xfrm flipV="1">
+            <a:off x="1897939" y="2104834"/>
+            <a:ext cx="724554" cy="276783"/>
+          </a:xfrm>
+          <a:prstGeom prst="bentConnector3">
+            <a:avLst>
+              <a:gd name="adj1" fmla="val 50000"/>
+            </a:avLst>
+          </a:prstGeom>
+          <a:ln>
+            <a:solidFill>
+              <a:schemeClr val="tx1"/>
+            </a:solidFill>
+            <a:tailEnd type="triangle"/>
+          </a:ln>
+        </p:spPr>
+        <p:style>
+          <a:lnRef idx="1">
+            <a:schemeClr val="accent1"/>
+          </a:lnRef>
+          <a:fillRef idx="0">
+            <a:schemeClr val="accent1"/>
+          </a:fillRef>
+          <a:effectRef idx="0">
+            <a:schemeClr val="accent1"/>
+          </a:effectRef>
+          <a:fontRef idx="minor">
+            <a:schemeClr val="tx1"/>
+          </a:fontRef>
+        </p:style>
+      </p:cxnSp>
+      <p:cxnSp>
+        <p:nvCxnSpPr>
+          <p:cNvPr id="74" name="Elbow Connector 73"/>
+          <p:cNvCxnSpPr>
+            <a:stCxn id="61" idx="3"/>
+            <a:endCxn id="66" idx="1"/>
+          </p:cNvCxnSpPr>
+          <p:nvPr/>
+        </p:nvCxnSpPr>
+        <p:spPr>
+          <a:xfrm>
+            <a:off x="1897939" y="2381617"/>
+            <a:ext cx="724554" cy="865891"/>
+          </a:xfrm>
+          <a:prstGeom prst="bentConnector3">
+            <a:avLst>
+              <a:gd name="adj1" fmla="val 50000"/>
+            </a:avLst>
+          </a:prstGeom>
+          <a:ln>
+            <a:solidFill>
+              <a:schemeClr val="tx1"/>
+            </a:solidFill>
+            <a:tailEnd type="triangle"/>
+          </a:ln>
+        </p:spPr>
+        <p:style>
+          <a:lnRef idx="1">
+            <a:schemeClr val="accent1"/>
+          </a:lnRef>
+          <a:fillRef idx="0">
+            <a:schemeClr val="accent1"/>
+          </a:fillRef>
+          <a:effectRef idx="0">
+            <a:schemeClr val="accent1"/>
+          </a:effectRef>
+          <a:fontRef idx="minor">
+            <a:schemeClr val="tx1"/>
+          </a:fontRef>
+        </p:style>
+      </p:cxnSp>
+      <p:cxnSp>
+        <p:nvCxnSpPr>
+          <p:cNvPr id="78" name="Elbow Connector 77"/>
+          <p:cNvCxnSpPr>
+            <a:stCxn id="61" idx="3"/>
+            <a:endCxn id="65" idx="1"/>
+          </p:cNvCxnSpPr>
+          <p:nvPr/>
+        </p:nvCxnSpPr>
+        <p:spPr>
+          <a:xfrm>
+            <a:off x="1897939" y="2381617"/>
+            <a:ext cx="724554" cy="332010"/>
+          </a:xfrm>
+          <a:prstGeom prst="bentConnector3">
+            <a:avLst>
+              <a:gd name="adj1" fmla="val 50000"/>
+            </a:avLst>
+          </a:prstGeom>
+          <a:ln>
+            <a:solidFill>
+              <a:schemeClr val="tx1"/>
+            </a:solidFill>
+            <a:tailEnd type="triangle"/>
+          </a:ln>
+        </p:spPr>
+        <p:style>
+          <a:lnRef idx="1">
+            <a:schemeClr val="accent1"/>
+          </a:lnRef>
+          <a:fillRef idx="0">
+            <a:schemeClr val="accent1"/>
+          </a:fillRef>
+          <a:effectRef idx="0">
+            <a:schemeClr val="accent1"/>
+          </a:effectRef>
+          <a:fontRef idx="minor">
+            <a:schemeClr val="tx1"/>
+          </a:fontRef>
+        </p:style>
+      </p:cxnSp>
+      <p:cxnSp>
+        <p:nvCxnSpPr>
+          <p:cNvPr id="116" name="Straight Arrow Connector 115"/>
+          <p:cNvCxnSpPr>
+            <a:stCxn id="113" idx="2"/>
+            <a:endCxn id="173" idx="0"/>
+          </p:cNvCxnSpPr>
+          <p:nvPr/>
+        </p:nvCxnSpPr>
+        <p:spPr>
+          <a:xfrm>
+            <a:off x="5620317" y="4104482"/>
+            <a:ext cx="0" cy="349425"/>
+          </a:xfrm>
+          <a:prstGeom prst="straightConnector1">
+            <a:avLst/>
+          </a:prstGeom>
+          <a:ln>
+            <a:solidFill>
+              <a:schemeClr val="tx1"/>
+            </a:solidFill>
+            <a:tailEnd type="triangle"/>
+          </a:ln>
+        </p:spPr>
+        <p:style>
+          <a:lnRef idx="1">
+            <a:schemeClr val="accent1"/>
+          </a:lnRef>
+          <a:fillRef idx="0">
+            <a:schemeClr val="accent1"/>
+          </a:fillRef>
+          <a:effectRef idx="0">
+            <a:schemeClr val="accent1"/>
+          </a:effectRef>
+          <a:fontRef idx="minor">
+            <a:schemeClr val="tx1"/>
+          </a:fontRef>
+        </p:style>
+      </p:cxnSp>
+      <p:grpSp>
+        <p:nvGrpSpPr>
+          <p:cNvPr id="161" name="Group 160"/>
+          <p:cNvGrpSpPr/>
+          <p:nvPr/>
+        </p:nvGrpSpPr>
+        <p:grpSpPr>
+          <a:xfrm>
+            <a:off x="4927464" y="2240130"/>
+            <a:ext cx="1385706" cy="1864352"/>
+            <a:chOff x="4008826" y="2240130"/>
+            <a:chExt cx="1600200" cy="1864352"/>
+          </a:xfrm>
+        </p:grpSpPr>
+        <p:sp>
+          <p:nvSpPr>
+            <p:cNvPr id="121" name="Rounded Rectangle 120"/>
+            <p:cNvSpPr/>
+            <p:nvPr/>
+          </p:nvSpPr>
+          <p:spPr>
+            <a:xfrm>
+              <a:off x="4008826" y="2240130"/>
+              <a:ext cx="1600200" cy="274320"/>
+            </a:xfrm>
+            <a:prstGeom prst="roundRect">
+              <a:avLst/>
+            </a:prstGeom>
+            <a:solidFill>
+              <a:schemeClr val="accent4">
+                <a:lumMod val="20000"/>
+                <a:lumOff val="80000"/>
+              </a:schemeClr>
+            </a:solidFill>
+            <a:ln>
+              <a:solidFill>
+                <a:schemeClr val="bg1">
+                  <a:lumMod val="75000"/>
+                </a:schemeClr>
+              </a:solidFill>
+            </a:ln>
+          </p:spPr>
+          <p:style>
+            <a:lnRef idx="2">
+              <a:schemeClr val="accent1">
+                <a:shade val="50000"/>
+              </a:schemeClr>
+            </a:lnRef>
+            <a:fillRef idx="1">
+              <a:schemeClr val="accent1"/>
+            </a:fillRef>
+            <a:effectRef idx="0">
+              <a:schemeClr val="accent1"/>
+            </a:effectRef>
+            <a:fontRef idx="minor">
+              <a:schemeClr val="lt1"/>
+            </a:fontRef>
+          </p:style>
+          <p:txBody>
+            <a:bodyPr rot="0" spcFirstLastPara="0" vertOverflow="overflow" horzOverflow="overflow" vert="horz" wrap="square" lIns="51435" tIns="25718" rIns="51435" bIns="25718" numCol="1" spcCol="0" rtlCol="0" fromWordArt="0" anchor="ctr" anchorCtr="0" forceAA="0" compatLnSpc="1">
+              <a:prstTxWarp prst="textNoShape">
+                <a:avLst/>
+              </a:prstTxWarp>
+              <a:noAutofit/>
+            </a:bodyPr>
+            <a:lstStyle/>
+            <a:p>
+              <a:pPr algn="ctr"/>
+              <a:r>
+                <a:rPr lang="en-US" sz="800" b="1" dirty="0" smtClean="0">
+                  <a:solidFill>
+                    <a:schemeClr val="accent1">
+                      <a:lumMod val="50000"/>
+                    </a:schemeClr>
+                  </a:solidFill>
+                  <a:latin typeface="Tahoma" panose="020B0604030504040204" pitchFamily="34" charset="0"/>
+                  <a:ea typeface="Tahoma" panose="020B0604030504040204" pitchFamily="34" charset="0"/>
+                  <a:cs typeface="Tahoma" panose="020B0604030504040204" pitchFamily="34" charset="0"/>
+                </a:rPr>
+                <a:t>Conv2d(4096, 512, 3)</a:t>
+              </a:r>
+              <a:endParaRPr lang="en-US" sz="800" b="1" dirty="0">
+                <a:solidFill>
+                  <a:schemeClr val="accent1">
+                    <a:lumMod val="50000"/>
+                  </a:schemeClr>
+                </a:solidFill>
+                <a:latin typeface="Tahoma" panose="020B0604030504040204" pitchFamily="34" charset="0"/>
+                <a:ea typeface="Tahoma" panose="020B0604030504040204" pitchFamily="34" charset="0"/>
+                <a:cs typeface="Tahoma" panose="020B0604030504040204" pitchFamily="34" charset="0"/>
+              </a:endParaRPr>
+            </a:p>
+          </p:txBody>
+        </p:sp>
+        <p:sp>
+          <p:nvSpPr>
+            <p:cNvPr id="122" name="Rounded Rectangle 121"/>
+            <p:cNvSpPr/>
+            <p:nvPr/>
+          </p:nvSpPr>
+          <p:spPr>
+            <a:xfrm>
+              <a:off x="4008826" y="2770141"/>
+              <a:ext cx="1600200" cy="274320"/>
+            </a:xfrm>
+            <a:prstGeom prst="roundRect">
+              <a:avLst/>
+            </a:prstGeom>
+            <a:solidFill>
+              <a:schemeClr val="accent4">
+                <a:lumMod val="20000"/>
+                <a:lumOff val="80000"/>
+              </a:schemeClr>
+            </a:solidFill>
+            <a:ln>
+              <a:solidFill>
+                <a:schemeClr val="bg1">
+                  <a:lumMod val="75000"/>
+                </a:schemeClr>
+              </a:solidFill>
+            </a:ln>
+          </p:spPr>
+          <p:style>
+            <a:lnRef idx="2">
+              <a:schemeClr val="accent1">
+                <a:shade val="50000"/>
+              </a:schemeClr>
+            </a:lnRef>
+            <a:fillRef idx="1">
+              <a:schemeClr val="accent1"/>
+            </a:fillRef>
+            <a:effectRef idx="0">
+              <a:schemeClr val="accent1"/>
+            </a:effectRef>
+            <a:fontRef idx="minor">
+              <a:schemeClr val="lt1"/>
+            </a:fontRef>
+          </p:style>
+          <p:txBody>
+            <a:bodyPr rot="0" spcFirstLastPara="0" vertOverflow="overflow" horzOverflow="overflow" vert="horz" wrap="square" lIns="51435" tIns="25718" rIns="51435" bIns="25718" numCol="1" spcCol="0" rtlCol="0" fromWordArt="0" anchor="ctr" anchorCtr="0" forceAA="0" compatLnSpc="1">
+              <a:prstTxWarp prst="textNoShape">
+                <a:avLst/>
+              </a:prstTxWarp>
+              <a:noAutofit/>
+            </a:bodyPr>
+            <a:lstStyle/>
+            <a:p>
+              <a:pPr algn="ctr"/>
+              <a:r>
+                <a:rPr lang="en-US" sz="800" b="1" dirty="0" smtClean="0">
+                  <a:solidFill>
+                    <a:schemeClr val="accent1">
+                      <a:lumMod val="50000"/>
+                    </a:schemeClr>
+                  </a:solidFill>
+                  <a:latin typeface="Tahoma" panose="020B0604030504040204" pitchFamily="34" charset="0"/>
+                  <a:ea typeface="Tahoma" panose="020B0604030504040204" pitchFamily="34" charset="0"/>
+                  <a:cs typeface="Tahoma" panose="020B0604030504040204" pitchFamily="34" charset="0"/>
+                </a:rPr>
+                <a:t>BatchNorm2d(512)</a:t>
+              </a:r>
+              <a:endParaRPr lang="en-US" sz="800" b="1" dirty="0">
+                <a:solidFill>
+                  <a:schemeClr val="accent1">
+                    <a:lumMod val="50000"/>
+                  </a:schemeClr>
+                </a:solidFill>
+                <a:latin typeface="Tahoma" panose="020B0604030504040204" pitchFamily="34" charset="0"/>
+                <a:ea typeface="Tahoma" panose="020B0604030504040204" pitchFamily="34" charset="0"/>
+                <a:cs typeface="Tahoma" panose="020B0604030504040204" pitchFamily="34" charset="0"/>
+              </a:endParaRPr>
+            </a:p>
+          </p:txBody>
+        </p:sp>
+        <p:sp>
+          <p:nvSpPr>
+            <p:cNvPr id="123" name="Rounded Rectangle 122"/>
+            <p:cNvSpPr/>
+            <p:nvPr/>
+          </p:nvSpPr>
+          <p:spPr>
+            <a:xfrm>
+              <a:off x="4008826" y="3300152"/>
+              <a:ext cx="1600200" cy="274320"/>
+            </a:xfrm>
+            <a:prstGeom prst="roundRect">
+              <a:avLst/>
+            </a:prstGeom>
+            <a:solidFill>
+              <a:schemeClr val="accent4">
+                <a:lumMod val="20000"/>
+                <a:lumOff val="80000"/>
+              </a:schemeClr>
+            </a:solidFill>
+            <a:ln>
+              <a:solidFill>
+                <a:schemeClr val="bg1">
+                  <a:lumMod val="75000"/>
+                </a:schemeClr>
+              </a:solidFill>
+            </a:ln>
+          </p:spPr>
+          <p:style>
+            <a:lnRef idx="2">
+              <a:schemeClr val="accent1">
+                <a:shade val="50000"/>
+              </a:schemeClr>
+            </a:lnRef>
+            <a:fillRef idx="1">
+              <a:schemeClr val="accent1"/>
+            </a:fillRef>
+            <a:effectRef idx="0">
+              <a:schemeClr val="accent1"/>
+            </a:effectRef>
+            <a:fontRef idx="minor">
+              <a:schemeClr val="lt1"/>
+            </a:fontRef>
+          </p:style>
+          <p:txBody>
+            <a:bodyPr rot="0" spcFirstLastPara="0" vertOverflow="overflow" horzOverflow="overflow" vert="horz" wrap="square" lIns="51435" tIns="25718" rIns="51435" bIns="25718" numCol="1" spcCol="0" rtlCol="0" fromWordArt="0" anchor="ctr" anchorCtr="0" forceAA="0" compatLnSpc="1">
+              <a:prstTxWarp prst="textNoShape">
+                <a:avLst/>
+              </a:prstTxWarp>
+              <a:noAutofit/>
+            </a:bodyPr>
+            <a:lstStyle/>
+            <a:p>
+              <a:pPr algn="ctr"/>
+              <a:r>
+                <a:rPr lang="en-US" sz="800" b="1" dirty="0" smtClean="0">
+                  <a:solidFill>
+                    <a:schemeClr val="accent1">
+                      <a:lumMod val="50000"/>
+                    </a:schemeClr>
+                  </a:solidFill>
+                  <a:latin typeface="Tahoma" panose="020B0604030504040204" pitchFamily="34" charset="0"/>
+                  <a:ea typeface="Tahoma" panose="020B0604030504040204" pitchFamily="34" charset="0"/>
+                  <a:cs typeface="Tahoma" panose="020B0604030504040204" pitchFamily="34" charset="0"/>
+                </a:rPr>
+                <a:t>ReLU Activation</a:t>
+              </a:r>
+              <a:endParaRPr lang="en-US" sz="800" b="1" dirty="0">
+                <a:solidFill>
+                  <a:schemeClr val="accent1">
+                    <a:lumMod val="50000"/>
+                  </a:schemeClr>
+                </a:solidFill>
+                <a:latin typeface="Tahoma" panose="020B0604030504040204" pitchFamily="34" charset="0"/>
+                <a:ea typeface="Tahoma" panose="020B0604030504040204" pitchFamily="34" charset="0"/>
+                <a:cs typeface="Tahoma" panose="020B0604030504040204" pitchFamily="34" charset="0"/>
+              </a:endParaRPr>
+            </a:p>
+          </p:txBody>
+        </p:sp>
+        <p:cxnSp>
+          <p:nvCxnSpPr>
+            <p:cNvPr id="124" name="Straight Arrow Connector 123"/>
+            <p:cNvCxnSpPr>
+              <a:stCxn id="121" idx="2"/>
+              <a:endCxn id="122" idx="0"/>
+            </p:cNvCxnSpPr>
+            <p:nvPr/>
+          </p:nvCxnSpPr>
+          <p:spPr>
+            <a:xfrm>
+              <a:off x="4808926" y="2514450"/>
+              <a:ext cx="0" cy="255691"/>
+            </a:xfrm>
+            <a:prstGeom prst="straightConnector1">
+              <a:avLst/>
+            </a:prstGeom>
+            <a:ln>
+              <a:solidFill>
+                <a:schemeClr val="tx1"/>
+              </a:solidFill>
+              <a:tailEnd type="triangle"/>
+            </a:ln>
+          </p:spPr>
+          <p:style>
+            <a:lnRef idx="1">
+              <a:schemeClr val="accent1"/>
+            </a:lnRef>
+            <a:fillRef idx="0">
+              <a:schemeClr val="accent1"/>
+            </a:fillRef>
+            <a:effectRef idx="0">
+              <a:schemeClr val="accent1"/>
+            </a:effectRef>
+            <a:fontRef idx="minor">
+              <a:schemeClr val="tx1"/>
+            </a:fontRef>
+          </p:style>
+        </p:cxnSp>
+        <p:cxnSp>
+          <p:nvCxnSpPr>
+            <p:cNvPr id="125" name="Straight Arrow Connector 124"/>
+            <p:cNvCxnSpPr>
+              <a:stCxn id="122" idx="2"/>
+              <a:endCxn id="123" idx="0"/>
+            </p:cNvCxnSpPr>
+            <p:nvPr/>
+          </p:nvCxnSpPr>
+          <p:spPr>
+            <a:xfrm>
+              <a:off x="4808926" y="3044461"/>
+              <a:ext cx="0" cy="255691"/>
+            </a:xfrm>
+            <a:prstGeom prst="straightConnector1">
+              <a:avLst/>
+            </a:prstGeom>
+            <a:ln>
+              <a:solidFill>
+                <a:schemeClr val="tx1"/>
+              </a:solidFill>
+              <a:tailEnd type="triangle"/>
+            </a:ln>
+          </p:spPr>
+          <p:style>
+            <a:lnRef idx="1">
+              <a:schemeClr val="accent1"/>
+            </a:lnRef>
+            <a:fillRef idx="0">
+              <a:schemeClr val="accent1"/>
+            </a:fillRef>
+            <a:effectRef idx="0">
+              <a:schemeClr val="accent1"/>
+            </a:effectRef>
+            <a:fontRef idx="minor">
+              <a:schemeClr val="tx1"/>
+            </a:fontRef>
+          </p:style>
+        </p:cxnSp>
+        <p:sp>
+          <p:nvSpPr>
+            <p:cNvPr id="113" name="Rounded Rectangle 112"/>
+            <p:cNvSpPr/>
+            <p:nvPr/>
+          </p:nvSpPr>
+          <p:spPr>
+            <a:xfrm>
+              <a:off x="4008826" y="3830162"/>
+              <a:ext cx="1600200" cy="274320"/>
+            </a:xfrm>
+            <a:prstGeom prst="roundRect">
+              <a:avLst/>
+            </a:prstGeom>
+            <a:solidFill>
+              <a:schemeClr val="accent4">
+                <a:lumMod val="20000"/>
+                <a:lumOff val="80000"/>
+              </a:schemeClr>
+            </a:solidFill>
+            <a:ln>
+              <a:solidFill>
+                <a:schemeClr val="bg1">
+                  <a:lumMod val="75000"/>
+                </a:schemeClr>
+              </a:solidFill>
+            </a:ln>
+          </p:spPr>
+          <p:style>
+            <a:lnRef idx="2">
+              <a:schemeClr val="accent1">
+                <a:shade val="50000"/>
+              </a:schemeClr>
+            </a:lnRef>
+            <a:fillRef idx="1">
+              <a:schemeClr val="accent1"/>
+            </a:fillRef>
+            <a:effectRef idx="0">
+              <a:schemeClr val="accent1"/>
+            </a:effectRef>
+            <a:fontRef idx="minor">
+              <a:schemeClr val="lt1"/>
+            </a:fontRef>
+          </p:style>
+          <p:txBody>
+            <a:bodyPr rot="0" spcFirstLastPara="0" vertOverflow="overflow" horzOverflow="overflow" vert="horz" wrap="square" lIns="51435" tIns="25718" rIns="51435" bIns="25718" numCol="1" spcCol="0" rtlCol="0" fromWordArt="0" anchor="ctr" anchorCtr="0" forceAA="0" compatLnSpc="1">
+              <a:prstTxWarp prst="textNoShape">
+                <a:avLst/>
+              </a:prstTxWarp>
+              <a:noAutofit/>
+            </a:bodyPr>
+            <a:lstStyle/>
+            <a:p>
+              <a:pPr algn="ctr"/>
+              <a:r>
+                <a:rPr lang="en-US" sz="800" b="1" dirty="0" smtClean="0">
+                  <a:solidFill>
+                    <a:schemeClr val="accent1">
+                      <a:lumMod val="50000"/>
+                    </a:schemeClr>
+                  </a:solidFill>
+                  <a:latin typeface="Tahoma" panose="020B0604030504040204" pitchFamily="34" charset="0"/>
+                  <a:ea typeface="Tahoma" panose="020B0604030504040204" pitchFamily="34" charset="0"/>
+                  <a:cs typeface="Tahoma" panose="020B0604030504040204" pitchFamily="34" charset="0"/>
+                </a:rPr>
+                <a:t>Conv2d(512, 3, 3)</a:t>
+              </a:r>
+              <a:endParaRPr lang="en-US" sz="800" b="1" dirty="0">
+                <a:solidFill>
+                  <a:schemeClr val="accent1">
+                    <a:lumMod val="50000"/>
+                  </a:schemeClr>
+                </a:solidFill>
+                <a:latin typeface="Tahoma" panose="020B0604030504040204" pitchFamily="34" charset="0"/>
+                <a:ea typeface="Tahoma" panose="020B0604030504040204" pitchFamily="34" charset="0"/>
+                <a:cs typeface="Tahoma" panose="020B0604030504040204" pitchFamily="34" charset="0"/>
+              </a:endParaRPr>
+            </a:p>
+          </p:txBody>
+        </p:sp>
+        <p:cxnSp>
+          <p:nvCxnSpPr>
+            <p:cNvPr id="109" name="Straight Arrow Connector 108"/>
+            <p:cNvCxnSpPr>
+              <a:stCxn id="123" idx="2"/>
+              <a:endCxn id="113" idx="0"/>
+            </p:cNvCxnSpPr>
+            <p:nvPr/>
+          </p:nvCxnSpPr>
+          <p:spPr>
+            <a:xfrm>
+              <a:off x="4808926" y="3574472"/>
+              <a:ext cx="0" cy="255690"/>
+            </a:xfrm>
+            <a:prstGeom prst="straightConnector1">
+              <a:avLst/>
+            </a:prstGeom>
+            <a:ln>
+              <a:solidFill>
+                <a:schemeClr val="tx1"/>
+              </a:solidFill>
+              <a:tailEnd type="triangle"/>
+            </a:ln>
+          </p:spPr>
+          <p:style>
+            <a:lnRef idx="1">
+              <a:schemeClr val="accent1"/>
+            </a:lnRef>
+            <a:fillRef idx="0">
+              <a:schemeClr val="accent1"/>
+            </a:fillRef>
+            <a:effectRef idx="0">
+              <a:schemeClr val="accent1"/>
+            </a:effectRef>
+            <a:fontRef idx="minor">
+              <a:schemeClr val="tx1"/>
+            </a:fontRef>
+          </p:style>
+        </p:cxnSp>
+      </p:grpSp>
+      <p:grpSp>
+        <p:nvGrpSpPr>
+          <p:cNvPr id="167" name="Group 166"/>
+          <p:cNvGrpSpPr/>
+          <p:nvPr/>
+        </p:nvGrpSpPr>
+        <p:grpSpPr>
+          <a:xfrm>
+            <a:off x="4798487" y="2164899"/>
+            <a:ext cx="1883390" cy="2031677"/>
+            <a:chOff x="3879849" y="2164899"/>
+            <a:chExt cx="1883390" cy="2031677"/>
+          </a:xfrm>
+        </p:grpSpPr>
+        <p:sp>
+          <p:nvSpPr>
+            <p:cNvPr id="176" name="TextBox 175"/>
+            <p:cNvSpPr txBox="1"/>
+            <p:nvPr/>
+          </p:nvSpPr>
+          <p:spPr>
+            <a:xfrm rot="5400000">
+              <a:off x="4868912" y="3057626"/>
+              <a:ext cx="1542434" cy="246221"/>
+            </a:xfrm>
+            <a:prstGeom prst="rect">
+              <a:avLst/>
+            </a:prstGeom>
+            <a:noFill/>
+          </p:spPr>
+          <p:txBody>
+            <a:bodyPr wrap="square" rtlCol="0">
+              <a:spAutoFit/>
+            </a:bodyPr>
+            <a:lstStyle/>
+            <a:p>
+              <a:pPr algn="ctr"/>
+              <a:r>
+                <a:rPr lang="en-US" sz="1000" dirty="0" smtClean="0">
+                  <a:solidFill>
+                    <a:srgbClr val="0070C0"/>
+                  </a:solidFill>
+                  <a:latin typeface="Tahoma" panose="020B0604030504040204" pitchFamily="34" charset="0"/>
+                  <a:ea typeface="Tahoma" panose="020B0604030504040204" pitchFamily="34" charset="0"/>
+                  <a:cs typeface="Tahoma" panose="020B0604030504040204" pitchFamily="34" charset="0"/>
+                </a:rPr>
+                <a:t>CLASSIFIER</a:t>
+              </a:r>
+              <a:endParaRPr lang="en-US" sz="1000" dirty="0">
+                <a:solidFill>
+                  <a:srgbClr val="0070C0"/>
+                </a:solidFill>
+                <a:latin typeface="Tahoma" panose="020B0604030504040204" pitchFamily="34" charset="0"/>
+                <a:ea typeface="Tahoma" panose="020B0604030504040204" pitchFamily="34" charset="0"/>
+                <a:cs typeface="Tahoma" panose="020B0604030504040204" pitchFamily="34" charset="0"/>
+              </a:endParaRPr>
+            </a:p>
+          </p:txBody>
+        </p:sp>
+        <p:sp>
+          <p:nvSpPr>
+            <p:cNvPr id="126" name="Rectangle 125"/>
+            <p:cNvSpPr/>
+            <p:nvPr/>
+          </p:nvSpPr>
+          <p:spPr>
+            <a:xfrm>
+              <a:off x="3879849" y="2164899"/>
+              <a:ext cx="1621363" cy="2031677"/>
+            </a:xfrm>
+            <a:prstGeom prst="rect">
+              <a:avLst/>
+            </a:prstGeom>
+            <a:noFill/>
+            <a:ln w="19050">
+              <a:solidFill>
+                <a:schemeClr val="bg2">
+                  <a:lumMod val="75000"/>
+                </a:schemeClr>
+              </a:solidFill>
+            </a:ln>
+          </p:spPr>
+          <p:style>
+            <a:lnRef idx="2">
+              <a:schemeClr val="accent1">
+                <a:shade val="50000"/>
+              </a:schemeClr>
+            </a:lnRef>
+            <a:fillRef idx="1">
+              <a:schemeClr val="accent1"/>
+            </a:fillRef>
+            <a:effectRef idx="0">
+              <a:schemeClr val="accent1"/>
+            </a:effectRef>
+            <a:fontRef idx="minor">
+              <a:schemeClr val="lt1"/>
+            </a:fontRef>
+          </p:style>
+          <p:txBody>
+            <a:bodyPr rtlCol="0" anchor="ctr"/>
+            <a:lstStyle/>
+            <a:p>
+              <a:pPr algn="ctr"/>
+              <a:endParaRPr lang="en-US"/>
+            </a:p>
+          </p:txBody>
+        </p:sp>
+      </p:grpSp>
+      <p:cxnSp>
+        <p:nvCxnSpPr>
+          <p:cNvPr id="95" name="Straight Arrow Connector 94"/>
+          <p:cNvCxnSpPr>
+            <a:stCxn id="61" idx="3"/>
+            <a:endCxn id="88" idx="1"/>
+          </p:cNvCxnSpPr>
+          <p:nvPr/>
+        </p:nvCxnSpPr>
+        <p:spPr>
+          <a:xfrm flipV="1">
+            <a:off x="1897939" y="2378958"/>
+            <a:ext cx="2136366" cy="2659"/>
+          </a:xfrm>
+          <a:prstGeom prst="straightConnector1">
+            <a:avLst/>
+          </a:prstGeom>
+          <a:ln>
+            <a:solidFill>
+              <a:schemeClr val="tx1"/>
+            </a:solidFill>
+            <a:tailEnd type="triangle"/>
+          </a:ln>
+        </p:spPr>
+        <p:style>
+          <a:lnRef idx="1">
+            <a:schemeClr val="accent1"/>
+          </a:lnRef>
+          <a:fillRef idx="0">
+            <a:schemeClr val="accent1"/>
+          </a:fillRef>
+          <a:effectRef idx="0">
+            <a:schemeClr val="accent1"/>
+          </a:effectRef>
+          <a:fontRef idx="minor">
+            <a:schemeClr val="tx1"/>
+          </a:fontRef>
+        </p:style>
+      </p:cxnSp>
+      <p:cxnSp>
+        <p:nvCxnSpPr>
+          <p:cNvPr id="165" name="Straight Arrow Connector 164"/>
+          <p:cNvCxnSpPr>
+            <a:stCxn id="88" idx="3"/>
+            <a:endCxn id="121" idx="1"/>
+          </p:cNvCxnSpPr>
+          <p:nvPr/>
+        </p:nvCxnSpPr>
+        <p:spPr>
+          <a:xfrm flipV="1">
+            <a:off x="4260438" y="2377290"/>
+            <a:ext cx="667026" cy="1668"/>
+          </a:xfrm>
+          <a:prstGeom prst="straightConnector1">
+            <a:avLst/>
+          </a:prstGeom>
+          <a:ln>
+            <a:solidFill>
+              <a:schemeClr val="tx1"/>
+            </a:solidFill>
+            <a:tailEnd type="triangle"/>
+          </a:ln>
+        </p:spPr>
+        <p:style>
+          <a:lnRef idx="1">
+            <a:schemeClr val="accent1"/>
+          </a:lnRef>
+          <a:fillRef idx="0">
+            <a:schemeClr val="accent1"/>
+          </a:fillRef>
+          <a:effectRef idx="0">
+            <a:schemeClr val="accent1"/>
+          </a:effectRef>
+          <a:fontRef idx="minor">
+            <a:schemeClr val="tx1"/>
+          </a:fontRef>
+        </p:style>
+      </p:cxnSp>
+      <p:sp>
+        <p:nvSpPr>
+          <p:cNvPr id="173" name="Rounded Rectangle 172"/>
+          <p:cNvSpPr/>
+          <p:nvPr/>
+        </p:nvSpPr>
+        <p:spPr>
+          <a:xfrm>
+            <a:off x="4927464" y="4453907"/>
+            <a:ext cx="1385706" cy="274320"/>
+          </a:xfrm>
+          <a:prstGeom prst="roundRect">
+            <a:avLst/>
+          </a:prstGeom>
+          <a:solidFill>
+            <a:schemeClr val="accent6">
+              <a:lumMod val="20000"/>
+              <a:lumOff val="80000"/>
+            </a:schemeClr>
+          </a:solidFill>
+          <a:ln>
+            <a:solidFill>
+              <a:schemeClr val="bg1">
+                <a:lumMod val="75000"/>
+              </a:schemeClr>
+            </a:solidFill>
+          </a:ln>
+        </p:spPr>
+        <p:style>
+          <a:lnRef idx="2">
+            <a:schemeClr val="accent1">
+              <a:shade val="50000"/>
+            </a:schemeClr>
+          </a:lnRef>
+          <a:fillRef idx="1">
+            <a:schemeClr val="accent1"/>
+          </a:fillRef>
+          <a:effectRef idx="0">
+            <a:schemeClr val="accent1"/>
+          </a:effectRef>
+          <a:fontRef idx="minor">
+            <a:schemeClr val="lt1"/>
+          </a:fontRef>
+        </p:style>
+        <p:txBody>
+          <a:bodyPr rot="0" spcFirstLastPara="0" vertOverflow="overflow" horzOverflow="overflow" vert="horz" wrap="square" lIns="51435" tIns="25718" rIns="51435" bIns="25718" numCol="1" spcCol="0" rtlCol="0" fromWordArt="0" anchor="ctr" anchorCtr="0" forceAA="0" compatLnSpc="1">
+            <a:prstTxWarp prst="textNoShape">
+              <a:avLst/>
+            </a:prstTxWarp>
+            <a:noAutofit/>
+          </a:bodyPr>
+          <a:lstStyle/>
+          <a:p>
+            <a:pPr algn="ctr"/>
+            <a:r>
+              <a:rPr lang="en-US" sz="900" b="1" dirty="0" smtClean="0">
+                <a:solidFill>
+                  <a:schemeClr val="accent1">
+                    <a:lumMod val="50000"/>
+                  </a:schemeClr>
+                </a:solidFill>
+                <a:latin typeface="Tahoma" panose="020B0604030504040204" pitchFamily="34" charset="0"/>
+                <a:ea typeface="Tahoma" panose="020B0604030504040204" pitchFamily="34" charset="0"/>
+                <a:cs typeface="Tahoma" panose="020B0604030504040204" pitchFamily="34" charset="0"/>
+              </a:rPr>
+              <a:t>Bilinear Up sampling</a:t>
+            </a:r>
+            <a:endParaRPr lang="en-US" sz="900" b="1" dirty="0">
+              <a:solidFill>
+                <a:schemeClr val="accent1">
+                  <a:lumMod val="50000"/>
+                </a:schemeClr>
+              </a:solidFill>
+              <a:latin typeface="Tahoma" panose="020B0604030504040204" pitchFamily="34" charset="0"/>
+              <a:ea typeface="Tahoma" panose="020B0604030504040204" pitchFamily="34" charset="0"/>
+              <a:cs typeface="Tahoma" panose="020B0604030504040204" pitchFamily="34" charset="0"/>
+            </a:endParaRPr>
+          </a:p>
+        </p:txBody>
+      </p:sp>
+      <p:grpSp>
+        <p:nvGrpSpPr>
+          <p:cNvPr id="166" name="Group 165"/>
+          <p:cNvGrpSpPr/>
+          <p:nvPr/>
+        </p:nvGrpSpPr>
+        <p:grpSpPr>
+          <a:xfrm>
+            <a:off x="5594633" y="2545310"/>
+            <a:ext cx="718537" cy="2420215"/>
+            <a:chOff x="4889355" y="2545310"/>
+            <a:chExt cx="847207" cy="2420215"/>
+          </a:xfrm>
+        </p:grpSpPr>
+        <p:sp>
+          <p:nvSpPr>
+            <p:cNvPr id="119" name="TextBox 118"/>
+            <p:cNvSpPr txBox="1"/>
+            <p:nvPr/>
+          </p:nvSpPr>
+          <p:spPr>
+            <a:xfrm>
+              <a:off x="4889355" y="2545310"/>
+              <a:ext cx="847207" cy="200055"/>
+            </a:xfrm>
+            <a:prstGeom prst="rect">
+              <a:avLst/>
+            </a:prstGeom>
+            <a:noFill/>
+          </p:spPr>
+          <p:txBody>
+            <a:bodyPr wrap="square" rtlCol="0">
+              <a:spAutoFit/>
+            </a:bodyPr>
+            <a:lstStyle/>
+            <a:p>
+              <a:pPr algn="ctr"/>
+              <a:r>
+                <a:rPr lang="en-US" sz="700" dirty="0" smtClean="0">
+                  <a:latin typeface="Tahoma" panose="020B0604030504040204" pitchFamily="34" charset="0"/>
+                  <a:ea typeface="Tahoma" panose="020B0604030504040204" pitchFamily="34" charset="0"/>
+                  <a:cs typeface="Tahoma" panose="020B0604030504040204" pitchFamily="34" charset="0"/>
+                </a:rPr>
+                <a:t>(512, 45, 80)</a:t>
+              </a:r>
+              <a:endParaRPr lang="en-US" sz="700" dirty="0">
+                <a:latin typeface="Tahoma" panose="020B0604030504040204" pitchFamily="34" charset="0"/>
+                <a:ea typeface="Tahoma" panose="020B0604030504040204" pitchFamily="34" charset="0"/>
+                <a:cs typeface="Tahoma" panose="020B0604030504040204" pitchFamily="34" charset="0"/>
+              </a:endParaRPr>
+            </a:p>
+          </p:txBody>
+        </p:sp>
+        <p:sp>
+          <p:nvSpPr>
+            <p:cNvPr id="168" name="TextBox 167"/>
+            <p:cNvSpPr txBox="1"/>
+            <p:nvPr/>
+          </p:nvSpPr>
+          <p:spPr>
+            <a:xfrm>
+              <a:off x="4889355" y="3083557"/>
+              <a:ext cx="847207" cy="200055"/>
+            </a:xfrm>
+            <a:prstGeom prst="rect">
+              <a:avLst/>
+            </a:prstGeom>
+            <a:noFill/>
+          </p:spPr>
+          <p:txBody>
+            <a:bodyPr wrap="square" rtlCol="0">
+              <a:spAutoFit/>
+            </a:bodyPr>
+            <a:lstStyle/>
+            <a:p>
+              <a:pPr algn="ctr"/>
+              <a:r>
+                <a:rPr lang="en-US" sz="700" dirty="0" smtClean="0">
+                  <a:latin typeface="Tahoma" panose="020B0604030504040204" pitchFamily="34" charset="0"/>
+                  <a:ea typeface="Tahoma" panose="020B0604030504040204" pitchFamily="34" charset="0"/>
+                  <a:cs typeface="Tahoma" panose="020B0604030504040204" pitchFamily="34" charset="0"/>
+                </a:rPr>
+                <a:t>(512, 45, 80)</a:t>
+              </a:r>
+              <a:endParaRPr lang="en-US" sz="700" dirty="0">
+                <a:latin typeface="Tahoma" panose="020B0604030504040204" pitchFamily="34" charset="0"/>
+                <a:ea typeface="Tahoma" panose="020B0604030504040204" pitchFamily="34" charset="0"/>
+                <a:cs typeface="Tahoma" panose="020B0604030504040204" pitchFamily="34" charset="0"/>
+              </a:endParaRPr>
+            </a:p>
+          </p:txBody>
+        </p:sp>
+        <p:sp>
+          <p:nvSpPr>
+            <p:cNvPr id="171" name="TextBox 170"/>
+            <p:cNvSpPr txBox="1"/>
+            <p:nvPr/>
+          </p:nvSpPr>
+          <p:spPr>
+            <a:xfrm>
+              <a:off x="4889355" y="3602289"/>
+              <a:ext cx="847207" cy="200055"/>
+            </a:xfrm>
+            <a:prstGeom prst="rect">
+              <a:avLst/>
+            </a:prstGeom>
+            <a:noFill/>
+          </p:spPr>
+          <p:txBody>
+            <a:bodyPr wrap="square" rtlCol="0">
+              <a:spAutoFit/>
+            </a:bodyPr>
+            <a:lstStyle/>
+            <a:p>
+              <a:pPr algn="ctr"/>
+              <a:r>
+                <a:rPr lang="en-US" sz="700" dirty="0" smtClean="0">
+                  <a:latin typeface="Tahoma" panose="020B0604030504040204" pitchFamily="34" charset="0"/>
+                  <a:ea typeface="Tahoma" panose="020B0604030504040204" pitchFamily="34" charset="0"/>
+                  <a:cs typeface="Tahoma" panose="020B0604030504040204" pitchFamily="34" charset="0"/>
+                </a:rPr>
+                <a:t>(512, 45, 80)</a:t>
+              </a:r>
+              <a:endParaRPr lang="en-US" sz="700" dirty="0">
+                <a:latin typeface="Tahoma" panose="020B0604030504040204" pitchFamily="34" charset="0"/>
+                <a:ea typeface="Tahoma" panose="020B0604030504040204" pitchFamily="34" charset="0"/>
+                <a:cs typeface="Tahoma" panose="020B0604030504040204" pitchFamily="34" charset="0"/>
+              </a:endParaRPr>
+            </a:p>
+          </p:txBody>
+        </p:sp>
+        <p:sp>
+          <p:nvSpPr>
+            <p:cNvPr id="172" name="TextBox 171"/>
+            <p:cNvSpPr txBox="1"/>
+            <p:nvPr/>
+          </p:nvSpPr>
+          <p:spPr>
+            <a:xfrm>
+              <a:off x="4889355" y="4244201"/>
+              <a:ext cx="847207" cy="200055"/>
+            </a:xfrm>
+            <a:prstGeom prst="rect">
+              <a:avLst/>
+            </a:prstGeom>
+            <a:noFill/>
+          </p:spPr>
+          <p:txBody>
+            <a:bodyPr wrap="square" rtlCol="0">
+              <a:spAutoFit/>
+            </a:bodyPr>
+            <a:lstStyle/>
+            <a:p>
+              <a:pPr algn="ctr"/>
+              <a:r>
+                <a:rPr lang="en-US" sz="700" dirty="0" smtClean="0">
+                  <a:latin typeface="Tahoma" panose="020B0604030504040204" pitchFamily="34" charset="0"/>
+                  <a:ea typeface="Tahoma" panose="020B0604030504040204" pitchFamily="34" charset="0"/>
+                  <a:cs typeface="Tahoma" panose="020B0604030504040204" pitchFamily="34" charset="0"/>
+                </a:rPr>
+                <a:t>(3, 45, 80)</a:t>
+              </a:r>
+              <a:endParaRPr lang="en-US" sz="700" dirty="0">
+                <a:latin typeface="Tahoma" panose="020B0604030504040204" pitchFamily="34" charset="0"/>
+                <a:ea typeface="Tahoma" panose="020B0604030504040204" pitchFamily="34" charset="0"/>
+                <a:cs typeface="Tahoma" panose="020B0604030504040204" pitchFamily="34" charset="0"/>
+              </a:endParaRPr>
+            </a:p>
+          </p:txBody>
+        </p:sp>
+        <p:sp>
+          <p:nvSpPr>
+            <p:cNvPr id="177" name="TextBox 176"/>
+            <p:cNvSpPr txBox="1"/>
+            <p:nvPr/>
+          </p:nvSpPr>
+          <p:spPr>
+            <a:xfrm>
+              <a:off x="4889355" y="4765470"/>
+              <a:ext cx="847207" cy="200055"/>
+            </a:xfrm>
+            <a:prstGeom prst="rect">
+              <a:avLst/>
+            </a:prstGeom>
+            <a:noFill/>
+          </p:spPr>
+          <p:txBody>
+            <a:bodyPr wrap="square" rtlCol="0">
+              <a:spAutoFit/>
+            </a:bodyPr>
+            <a:lstStyle/>
+            <a:p>
+              <a:pPr algn="ctr"/>
+              <a:r>
+                <a:rPr lang="en-US" sz="700" dirty="0" smtClean="0">
+                  <a:latin typeface="Tahoma" panose="020B0604030504040204" pitchFamily="34" charset="0"/>
+                  <a:ea typeface="Tahoma" panose="020B0604030504040204" pitchFamily="34" charset="0"/>
+                  <a:cs typeface="Tahoma" panose="020B0604030504040204" pitchFamily="34" charset="0"/>
+                </a:rPr>
+                <a:t>(3, 360, 640)</a:t>
+              </a:r>
+              <a:endParaRPr lang="en-US" sz="700" dirty="0">
+                <a:latin typeface="Tahoma" panose="020B0604030504040204" pitchFamily="34" charset="0"/>
+                <a:ea typeface="Tahoma" panose="020B0604030504040204" pitchFamily="34" charset="0"/>
+                <a:cs typeface="Tahoma" panose="020B0604030504040204" pitchFamily="34" charset="0"/>
+              </a:endParaRPr>
+            </a:p>
+          </p:txBody>
+        </p:sp>
+      </p:grpSp>
+      <p:sp>
+        <p:nvSpPr>
+          <p:cNvPr id="180" name="Rounded Rectangle 179"/>
+          <p:cNvSpPr/>
+          <p:nvPr/>
+        </p:nvSpPr>
+        <p:spPr>
+          <a:xfrm>
+            <a:off x="4927464" y="4965525"/>
+            <a:ext cx="1385706" cy="274320"/>
+          </a:xfrm>
+          <a:prstGeom prst="roundRect">
+            <a:avLst/>
+          </a:prstGeom>
+          <a:noFill/>
+          <a:ln>
+            <a:solidFill>
+              <a:schemeClr val="bg1">
+                <a:lumMod val="50000"/>
+              </a:schemeClr>
+            </a:solidFill>
+          </a:ln>
+        </p:spPr>
+        <p:style>
+          <a:lnRef idx="2">
+            <a:schemeClr val="accent1">
+              <a:shade val="50000"/>
+            </a:schemeClr>
+          </a:lnRef>
+          <a:fillRef idx="1">
+            <a:schemeClr val="accent1"/>
+          </a:fillRef>
+          <a:effectRef idx="0">
+            <a:schemeClr val="accent1"/>
+          </a:effectRef>
+          <a:fontRef idx="minor">
+            <a:schemeClr val="lt1"/>
+          </a:fontRef>
+        </p:style>
+        <p:txBody>
+          <a:bodyPr rot="0" spcFirstLastPara="0" vertOverflow="overflow" horzOverflow="overflow" vert="horz" wrap="square" lIns="51435" tIns="25718" rIns="51435" bIns="25718" numCol="1" spcCol="0" rtlCol="0" fromWordArt="0" anchor="ctr" anchorCtr="0" forceAA="0" compatLnSpc="1">
+            <a:prstTxWarp prst="textNoShape">
+              <a:avLst/>
+            </a:prstTxWarp>
+            <a:noAutofit/>
+          </a:bodyPr>
+          <a:lstStyle/>
+          <a:p>
+            <a:pPr algn="ctr"/>
+            <a:r>
+              <a:rPr lang="en-US" sz="900" b="1" dirty="0" smtClean="0">
+                <a:solidFill>
+                  <a:schemeClr val="tx1"/>
+                </a:solidFill>
+                <a:latin typeface="Tahoma" panose="020B0604030504040204" pitchFamily="34" charset="0"/>
+                <a:ea typeface="Tahoma" panose="020B0604030504040204" pitchFamily="34" charset="0"/>
+                <a:cs typeface="Tahoma" panose="020B0604030504040204" pitchFamily="34" charset="0"/>
+              </a:rPr>
+              <a:t>Prediction</a:t>
+            </a:r>
+            <a:endParaRPr lang="en-US" sz="900" b="1" dirty="0">
+              <a:solidFill>
+                <a:schemeClr val="tx1"/>
+              </a:solidFill>
+              <a:latin typeface="Tahoma" panose="020B0604030504040204" pitchFamily="34" charset="0"/>
+              <a:ea typeface="Tahoma" panose="020B0604030504040204" pitchFamily="34" charset="0"/>
+              <a:cs typeface="Tahoma" panose="020B0604030504040204" pitchFamily="34" charset="0"/>
+            </a:endParaRPr>
+          </a:p>
+        </p:txBody>
+      </p:sp>
+      <p:cxnSp>
+        <p:nvCxnSpPr>
+          <p:cNvPr id="181" name="Straight Arrow Connector 180"/>
+          <p:cNvCxnSpPr>
+            <a:stCxn id="173" idx="2"/>
+            <a:endCxn id="180" idx="0"/>
+          </p:cNvCxnSpPr>
+          <p:nvPr/>
+        </p:nvCxnSpPr>
+        <p:spPr>
+          <a:xfrm>
+            <a:off x="5620317" y="4728227"/>
+            <a:ext cx="0" cy="237298"/>
+          </a:xfrm>
+          <a:prstGeom prst="straightConnector1">
+            <a:avLst/>
+          </a:prstGeom>
+          <a:ln>
+            <a:solidFill>
+              <a:schemeClr val="tx1"/>
+            </a:solidFill>
+            <a:tailEnd type="triangle"/>
+          </a:ln>
+        </p:spPr>
+        <p:style>
+          <a:lnRef idx="1">
+            <a:schemeClr val="accent1"/>
+          </a:lnRef>
+          <a:fillRef idx="0">
+            <a:schemeClr val="accent1"/>
+          </a:fillRef>
+          <a:effectRef idx="0">
+            <a:schemeClr val="accent1"/>
+          </a:effectRef>
+          <a:fontRef idx="minor">
+            <a:schemeClr val="tx1"/>
+          </a:fontRef>
+        </p:style>
+      </p:cxnSp>
+      <p:grpSp>
+        <p:nvGrpSpPr>
+          <p:cNvPr id="8" name="Group 7"/>
+          <p:cNvGrpSpPr/>
+          <p:nvPr/>
+        </p:nvGrpSpPr>
+        <p:grpSpPr>
+          <a:xfrm>
+            <a:off x="2432157" y="1056167"/>
+            <a:ext cx="1980313" cy="2403313"/>
+            <a:chOff x="1725402" y="1056167"/>
+            <a:chExt cx="2001913" cy="2403313"/>
+          </a:xfrm>
+        </p:grpSpPr>
+        <p:sp>
+          <p:nvSpPr>
+            <p:cNvPr id="189" name="Rectangle 188"/>
+            <p:cNvSpPr/>
+            <p:nvPr/>
+          </p:nvSpPr>
+          <p:spPr>
+            <a:xfrm>
+              <a:off x="1725402" y="1348740"/>
+              <a:ext cx="2001913" cy="2110740"/>
+            </a:xfrm>
+            <a:prstGeom prst="rect">
+              <a:avLst/>
+            </a:prstGeom>
+            <a:noFill/>
+            <a:ln w="19050">
+              <a:solidFill>
+                <a:schemeClr val="tx1">
+                  <a:lumMod val="50000"/>
+                  <a:lumOff val="50000"/>
+                </a:schemeClr>
+              </a:solidFill>
+              <a:prstDash val="solid"/>
+            </a:ln>
+          </p:spPr>
+          <p:style>
+            <a:lnRef idx="2">
+              <a:schemeClr val="accent1">
+                <a:shade val="50000"/>
+              </a:schemeClr>
+            </a:lnRef>
+            <a:fillRef idx="1">
+              <a:schemeClr val="accent1"/>
+            </a:fillRef>
+            <a:effectRef idx="0">
+              <a:schemeClr val="accent1"/>
+            </a:effectRef>
+            <a:fontRef idx="minor">
+              <a:schemeClr val="lt1"/>
+            </a:fontRef>
+          </p:style>
+          <p:txBody>
+            <a:bodyPr rtlCol="0" anchor="ctr"/>
+            <a:lstStyle/>
+            <a:p>
+              <a:pPr algn="ctr"/>
+              <a:endParaRPr lang="en-US" b="1"/>
+            </a:p>
+          </p:txBody>
+        </p:sp>
+        <p:grpSp>
+          <p:nvGrpSpPr>
+            <p:cNvPr id="129" name="Group 128"/>
+            <p:cNvGrpSpPr/>
+            <p:nvPr/>
+          </p:nvGrpSpPr>
+          <p:grpSpPr>
+            <a:xfrm>
+              <a:off x="1917814" y="1516380"/>
+              <a:ext cx="830789" cy="1855401"/>
+              <a:chOff x="1404082" y="1313702"/>
+              <a:chExt cx="1143000" cy="2047808"/>
+            </a:xfrm>
+          </p:grpSpPr>
+          <p:sp>
+            <p:nvSpPr>
+              <p:cNvPr id="62" name="Rounded Rectangle 61"/>
+              <p:cNvSpPr/>
+              <p:nvPr/>
+            </p:nvSpPr>
+            <p:spPr>
+              <a:xfrm>
+                <a:off x="1404082" y="1313702"/>
+                <a:ext cx="1143000" cy="274320"/>
+              </a:xfrm>
+              <a:prstGeom prst="roundRect">
+                <a:avLst/>
+              </a:prstGeom>
+              <a:solidFill>
+                <a:srgbClr val="FF5050"/>
+              </a:solidFill>
+              <a:ln>
+                <a:noFill/>
+              </a:ln>
+            </p:spPr>
+            <p:style>
+              <a:lnRef idx="2">
+                <a:schemeClr val="accent1">
+                  <a:shade val="50000"/>
+                </a:schemeClr>
+              </a:lnRef>
+              <a:fillRef idx="1">
+                <a:schemeClr val="accent1"/>
+              </a:fillRef>
+              <a:effectRef idx="0">
+                <a:schemeClr val="accent1"/>
+              </a:effectRef>
+              <a:fontRef idx="minor">
+                <a:schemeClr val="lt1"/>
+              </a:fontRef>
+            </p:style>
+            <p:txBody>
+              <a:bodyPr rot="0" spcFirstLastPara="0" vertOverflow="overflow" horzOverflow="overflow" vert="horz" wrap="square" lIns="51435" tIns="25718" rIns="51435" bIns="25718" numCol="1" spcCol="0" rtlCol="0" fromWordArt="0" anchor="ctr" anchorCtr="0" forceAA="0" compatLnSpc="1">
+                <a:prstTxWarp prst="textNoShape">
+                  <a:avLst/>
+                </a:prstTxWarp>
+                <a:noAutofit/>
+              </a:bodyPr>
+              <a:lstStyle/>
+              <a:p>
+                <a:pPr algn="ctr"/>
+                <a:r>
+                  <a:rPr lang="en-US" sz="800" b="1" dirty="0" smtClean="0">
+                    <a:solidFill>
+                      <a:schemeClr val="bg1"/>
+                    </a:solidFill>
+                    <a:latin typeface="Tahoma" panose="020B0604030504040204" pitchFamily="34" charset="0"/>
+                    <a:ea typeface="Tahoma" panose="020B0604030504040204" pitchFamily="34" charset="0"/>
+                    <a:cs typeface="Tahoma" panose="020B0604030504040204" pitchFamily="34" charset="0"/>
+                  </a:rPr>
+                  <a:t>PPM (bin=1)</a:t>
+                </a:r>
+                <a:endParaRPr lang="en-US" sz="800" b="1" dirty="0">
+                  <a:solidFill>
+                    <a:schemeClr val="bg1"/>
+                  </a:solidFill>
+                  <a:latin typeface="Tahoma" panose="020B0604030504040204" pitchFamily="34" charset="0"/>
+                  <a:ea typeface="Tahoma" panose="020B0604030504040204" pitchFamily="34" charset="0"/>
+                  <a:cs typeface="Tahoma" panose="020B0604030504040204" pitchFamily="34" charset="0"/>
+                </a:endParaRPr>
+              </a:p>
+            </p:txBody>
+          </p:sp>
+          <p:sp>
+            <p:nvSpPr>
+              <p:cNvPr id="64" name="Rounded Rectangle 63"/>
+              <p:cNvSpPr/>
+              <p:nvPr/>
+            </p:nvSpPr>
+            <p:spPr>
+              <a:xfrm>
+                <a:off x="1404082" y="1826019"/>
+                <a:ext cx="1143000" cy="274320"/>
+              </a:xfrm>
+              <a:prstGeom prst="roundRect">
+                <a:avLst/>
+              </a:prstGeom>
+              <a:solidFill>
+                <a:schemeClr val="accent2"/>
+              </a:solidFill>
+              <a:ln>
+                <a:noFill/>
+              </a:ln>
+            </p:spPr>
+            <p:style>
+              <a:lnRef idx="2">
+                <a:schemeClr val="accent1">
+                  <a:shade val="50000"/>
+                </a:schemeClr>
+              </a:lnRef>
+              <a:fillRef idx="1">
+                <a:schemeClr val="accent1"/>
+              </a:fillRef>
+              <a:effectRef idx="0">
+                <a:schemeClr val="accent1"/>
+              </a:effectRef>
+              <a:fontRef idx="minor">
+                <a:schemeClr val="lt1"/>
+              </a:fontRef>
+            </p:style>
+            <p:txBody>
+              <a:bodyPr rot="0" spcFirstLastPara="0" vertOverflow="overflow" horzOverflow="overflow" vert="horz" wrap="square" lIns="51435" tIns="25718" rIns="51435" bIns="25718" numCol="1" spcCol="0" rtlCol="0" fromWordArt="0" anchor="ctr" anchorCtr="0" forceAA="0" compatLnSpc="1">
+                <a:prstTxWarp prst="textNoShape">
+                  <a:avLst/>
+                </a:prstTxWarp>
+                <a:noAutofit/>
+              </a:bodyPr>
+              <a:lstStyle/>
+              <a:p>
+                <a:pPr algn="ctr"/>
+                <a:r>
+                  <a:rPr lang="en-US" sz="800" b="1" dirty="0" smtClean="0">
+                    <a:solidFill>
+                      <a:schemeClr val="bg1"/>
+                    </a:solidFill>
+                    <a:latin typeface="Tahoma" panose="020B0604030504040204" pitchFamily="34" charset="0"/>
+                    <a:ea typeface="Tahoma" panose="020B0604030504040204" pitchFamily="34" charset="0"/>
+                    <a:cs typeface="Tahoma" panose="020B0604030504040204" pitchFamily="34" charset="0"/>
+                  </a:rPr>
+                  <a:t>PPM (bin=2)</a:t>
+                </a:r>
+                <a:endParaRPr lang="en-US" sz="800" b="1" dirty="0">
+                  <a:solidFill>
+                    <a:schemeClr val="bg1"/>
+                  </a:solidFill>
+                  <a:latin typeface="Tahoma" panose="020B0604030504040204" pitchFamily="34" charset="0"/>
+                  <a:ea typeface="Tahoma" panose="020B0604030504040204" pitchFamily="34" charset="0"/>
+                  <a:cs typeface="Tahoma" panose="020B0604030504040204" pitchFamily="34" charset="0"/>
+                </a:endParaRPr>
+              </a:p>
+            </p:txBody>
+          </p:sp>
+          <p:sp>
+            <p:nvSpPr>
+              <p:cNvPr id="65" name="Rounded Rectangle 64"/>
+              <p:cNvSpPr/>
+              <p:nvPr/>
+            </p:nvSpPr>
+            <p:spPr>
+              <a:xfrm>
+                <a:off x="1404082" y="2497945"/>
+                <a:ext cx="1143000" cy="274321"/>
+              </a:xfrm>
+              <a:prstGeom prst="roundRect">
+                <a:avLst/>
+              </a:prstGeom>
+              <a:solidFill>
+                <a:srgbClr val="00B0F0"/>
+              </a:solidFill>
+              <a:ln>
+                <a:noFill/>
+              </a:ln>
+            </p:spPr>
+            <p:style>
+              <a:lnRef idx="2">
+                <a:schemeClr val="accent1">
+                  <a:shade val="50000"/>
+                </a:schemeClr>
+              </a:lnRef>
+              <a:fillRef idx="1">
+                <a:schemeClr val="accent1"/>
+              </a:fillRef>
+              <a:effectRef idx="0">
+                <a:schemeClr val="accent1"/>
+              </a:effectRef>
+              <a:fontRef idx="minor">
+                <a:schemeClr val="lt1"/>
+              </a:fontRef>
+            </p:style>
+            <p:txBody>
+              <a:bodyPr rot="0" spcFirstLastPara="0" vertOverflow="overflow" horzOverflow="overflow" vert="horz" wrap="square" lIns="51435" tIns="25718" rIns="51435" bIns="25718" numCol="1" spcCol="0" rtlCol="0" fromWordArt="0" anchor="ctr" anchorCtr="0" forceAA="0" compatLnSpc="1">
+                <a:prstTxWarp prst="textNoShape">
+                  <a:avLst/>
+                </a:prstTxWarp>
+                <a:noAutofit/>
+              </a:bodyPr>
+              <a:lstStyle/>
+              <a:p>
+                <a:pPr algn="ctr"/>
+                <a:r>
+                  <a:rPr lang="en-US" sz="800" b="1" dirty="0" smtClean="0">
+                    <a:solidFill>
+                      <a:schemeClr val="bg1"/>
+                    </a:solidFill>
+                    <a:latin typeface="Tahoma" panose="020B0604030504040204" pitchFamily="34" charset="0"/>
+                    <a:ea typeface="Tahoma" panose="020B0604030504040204" pitchFamily="34" charset="0"/>
+                    <a:cs typeface="Tahoma" panose="020B0604030504040204" pitchFamily="34" charset="0"/>
+                  </a:rPr>
+                  <a:t>PPM (bin=3)</a:t>
+                </a:r>
+                <a:endParaRPr lang="en-US" sz="800" b="1" dirty="0">
+                  <a:solidFill>
+                    <a:schemeClr val="bg1"/>
+                  </a:solidFill>
+                  <a:latin typeface="Tahoma" panose="020B0604030504040204" pitchFamily="34" charset="0"/>
+                  <a:ea typeface="Tahoma" panose="020B0604030504040204" pitchFamily="34" charset="0"/>
+                  <a:cs typeface="Tahoma" panose="020B0604030504040204" pitchFamily="34" charset="0"/>
+                </a:endParaRPr>
+              </a:p>
+            </p:txBody>
+          </p:sp>
+          <p:sp>
+            <p:nvSpPr>
+              <p:cNvPr id="66" name="Rounded Rectangle 65"/>
+              <p:cNvSpPr/>
+              <p:nvPr/>
+            </p:nvSpPr>
+            <p:spPr>
+              <a:xfrm>
+                <a:off x="1404082" y="3087189"/>
+                <a:ext cx="1143000" cy="274321"/>
+              </a:xfrm>
+              <a:prstGeom prst="roundRect">
+                <a:avLst/>
+              </a:prstGeom>
+              <a:solidFill>
+                <a:srgbClr val="00B050"/>
+              </a:solidFill>
+              <a:ln>
+                <a:noFill/>
+              </a:ln>
+            </p:spPr>
+            <p:style>
+              <a:lnRef idx="2">
+                <a:schemeClr val="accent1">
+                  <a:shade val="50000"/>
+                </a:schemeClr>
+              </a:lnRef>
+              <a:fillRef idx="1">
+                <a:schemeClr val="accent1"/>
+              </a:fillRef>
+              <a:effectRef idx="0">
+                <a:schemeClr val="accent1"/>
+              </a:effectRef>
+              <a:fontRef idx="minor">
+                <a:schemeClr val="lt1"/>
+              </a:fontRef>
+            </p:style>
+            <p:txBody>
+              <a:bodyPr rot="0" spcFirstLastPara="0" vertOverflow="overflow" horzOverflow="overflow" vert="horz" wrap="square" lIns="51435" tIns="25718" rIns="51435" bIns="25718" numCol="1" spcCol="0" rtlCol="0" fromWordArt="0" anchor="ctr" anchorCtr="0" forceAA="0" compatLnSpc="1">
+                <a:prstTxWarp prst="textNoShape">
+                  <a:avLst/>
+                </a:prstTxWarp>
+                <a:noAutofit/>
+              </a:bodyPr>
+              <a:lstStyle/>
+              <a:p>
+                <a:pPr algn="ctr"/>
+                <a:r>
+                  <a:rPr lang="en-US" sz="800" b="1" dirty="0" smtClean="0">
+                    <a:solidFill>
+                      <a:schemeClr val="bg1"/>
+                    </a:solidFill>
+                    <a:latin typeface="Tahoma" panose="020B0604030504040204" pitchFamily="34" charset="0"/>
+                    <a:ea typeface="Tahoma" panose="020B0604030504040204" pitchFamily="34" charset="0"/>
+                    <a:cs typeface="Tahoma" panose="020B0604030504040204" pitchFamily="34" charset="0"/>
+                  </a:rPr>
+                  <a:t>PPM (bin=6)</a:t>
+                </a:r>
+                <a:endParaRPr lang="en-US" sz="800" b="1" dirty="0">
+                  <a:solidFill>
+                    <a:schemeClr val="bg1"/>
+                  </a:solidFill>
+                  <a:latin typeface="Tahoma" panose="020B0604030504040204" pitchFamily="34" charset="0"/>
+                  <a:ea typeface="Tahoma" panose="020B0604030504040204" pitchFamily="34" charset="0"/>
+                  <a:cs typeface="Tahoma" panose="020B0604030504040204" pitchFamily="34" charset="0"/>
+                </a:endParaRPr>
+              </a:p>
+            </p:txBody>
+          </p:sp>
+        </p:grpSp>
+        <p:sp>
+          <p:nvSpPr>
+            <p:cNvPr id="88" name="Rectangle 87"/>
+            <p:cNvSpPr/>
+            <p:nvPr/>
+          </p:nvSpPr>
+          <p:spPr>
+            <a:xfrm>
+              <a:off x="3345025" y="2264658"/>
+              <a:ext cx="228600" cy="228600"/>
+            </a:xfrm>
+            <a:prstGeom prst="rect">
+              <a:avLst/>
+            </a:prstGeom>
+            <a:noFill/>
+            <a:ln>
+              <a:solidFill>
+                <a:schemeClr val="tx1"/>
+              </a:solidFill>
+            </a:ln>
+          </p:spPr>
+          <p:style>
+            <a:lnRef idx="2">
+              <a:schemeClr val="accent1">
+                <a:shade val="50000"/>
+              </a:schemeClr>
+            </a:lnRef>
+            <a:fillRef idx="1">
+              <a:schemeClr val="accent1"/>
+            </a:fillRef>
+            <a:effectRef idx="0">
+              <a:schemeClr val="accent1"/>
+            </a:effectRef>
+            <a:fontRef idx="minor">
+              <a:schemeClr val="lt1"/>
+            </a:fontRef>
+          </p:style>
+          <p:txBody>
+            <a:bodyPr rtlCol="0" anchor="ctr"/>
+            <a:lstStyle/>
+            <a:p>
+              <a:pPr algn="ctr"/>
+              <a:endParaRPr lang="en-US"/>
+            </a:p>
+          </p:txBody>
+        </p:sp>
+        <p:cxnSp>
+          <p:nvCxnSpPr>
+            <p:cNvPr id="150" name="Elbow Connector 149"/>
+            <p:cNvCxnSpPr>
+              <a:stCxn id="62" idx="3"/>
+              <a:endCxn id="88" idx="0"/>
+            </p:cNvCxnSpPr>
+            <p:nvPr/>
+          </p:nvCxnSpPr>
+          <p:spPr>
+            <a:xfrm>
+              <a:off x="2748603" y="1640653"/>
+              <a:ext cx="710722" cy="624005"/>
+            </a:xfrm>
+            <a:prstGeom prst="bentConnector2">
+              <a:avLst/>
+            </a:prstGeom>
+            <a:ln>
+              <a:solidFill>
+                <a:schemeClr val="tx1"/>
+              </a:solidFill>
+              <a:tailEnd type="triangle"/>
+            </a:ln>
+          </p:spPr>
+          <p:style>
+            <a:lnRef idx="1">
+              <a:schemeClr val="accent1"/>
+            </a:lnRef>
+            <a:fillRef idx="0">
+              <a:schemeClr val="accent1"/>
+            </a:fillRef>
+            <a:effectRef idx="0">
+              <a:schemeClr val="accent1"/>
+            </a:effectRef>
+            <a:fontRef idx="minor">
+              <a:schemeClr val="tx1"/>
+            </a:fontRef>
+          </p:style>
+        </p:cxnSp>
+        <p:cxnSp>
+          <p:nvCxnSpPr>
+            <p:cNvPr id="152" name="Elbow Connector 151"/>
+            <p:cNvCxnSpPr>
+              <a:stCxn id="64" idx="3"/>
+              <a:endCxn id="88" idx="0"/>
+            </p:cNvCxnSpPr>
+            <p:nvPr/>
+          </p:nvCxnSpPr>
+          <p:spPr>
+            <a:xfrm>
+              <a:off x="2748603" y="2104834"/>
+              <a:ext cx="710722" cy="159824"/>
+            </a:xfrm>
+            <a:prstGeom prst="bentConnector2">
+              <a:avLst/>
+            </a:prstGeom>
+            <a:ln>
+              <a:solidFill>
+                <a:schemeClr val="tx1"/>
+              </a:solidFill>
+              <a:tailEnd type="triangle"/>
+            </a:ln>
+          </p:spPr>
+          <p:style>
+            <a:lnRef idx="1">
+              <a:schemeClr val="accent1"/>
+            </a:lnRef>
+            <a:fillRef idx="0">
+              <a:schemeClr val="accent1"/>
+            </a:fillRef>
+            <a:effectRef idx="0">
+              <a:schemeClr val="accent1"/>
+            </a:effectRef>
+            <a:fontRef idx="minor">
+              <a:schemeClr val="tx1"/>
+            </a:fontRef>
+          </p:style>
+        </p:cxnSp>
+        <p:cxnSp>
+          <p:nvCxnSpPr>
+            <p:cNvPr id="157" name="Elbow Connector 156"/>
+            <p:cNvCxnSpPr>
+              <a:stCxn id="65" idx="3"/>
+              <a:endCxn id="88" idx="2"/>
+            </p:cNvCxnSpPr>
+            <p:nvPr/>
+          </p:nvCxnSpPr>
+          <p:spPr>
+            <a:xfrm flipV="1">
+              <a:off x="2748603" y="2493258"/>
+              <a:ext cx="710722" cy="220369"/>
+            </a:xfrm>
+            <a:prstGeom prst="bentConnector2">
+              <a:avLst/>
+            </a:prstGeom>
+            <a:ln>
+              <a:solidFill>
+                <a:schemeClr val="tx1"/>
+              </a:solidFill>
+              <a:tailEnd type="triangle"/>
+            </a:ln>
+          </p:spPr>
+          <p:style>
+            <a:lnRef idx="1">
+              <a:schemeClr val="accent1"/>
+            </a:lnRef>
+            <a:fillRef idx="0">
+              <a:schemeClr val="accent1"/>
+            </a:fillRef>
+            <a:effectRef idx="0">
+              <a:schemeClr val="accent1"/>
+            </a:effectRef>
+            <a:fontRef idx="minor">
+              <a:schemeClr val="tx1"/>
+            </a:fontRef>
+          </p:style>
+        </p:cxnSp>
+        <p:cxnSp>
+          <p:nvCxnSpPr>
+            <p:cNvPr id="160" name="Elbow Connector 159"/>
+            <p:cNvCxnSpPr>
+              <a:stCxn id="66" idx="3"/>
+              <a:endCxn id="88" idx="2"/>
+            </p:cNvCxnSpPr>
+            <p:nvPr/>
+          </p:nvCxnSpPr>
+          <p:spPr>
+            <a:xfrm flipV="1">
+              <a:off x="2748603" y="2493258"/>
+              <a:ext cx="710722" cy="754250"/>
+            </a:xfrm>
+            <a:prstGeom prst="bentConnector2">
+              <a:avLst/>
+            </a:prstGeom>
+            <a:ln>
+              <a:solidFill>
+                <a:schemeClr val="tx1"/>
+              </a:solidFill>
+              <a:tailEnd type="triangle"/>
+            </a:ln>
+          </p:spPr>
+          <p:style>
+            <a:lnRef idx="1">
+              <a:schemeClr val="accent1"/>
+            </a:lnRef>
+            <a:fillRef idx="0">
+              <a:schemeClr val="accent1"/>
+            </a:fillRef>
+            <a:effectRef idx="0">
+              <a:schemeClr val="accent1"/>
+            </a:effectRef>
+            <a:fontRef idx="minor">
+              <a:schemeClr val="tx1"/>
+            </a:fontRef>
+          </p:style>
+        </p:cxnSp>
+        <p:grpSp>
+          <p:nvGrpSpPr>
+            <p:cNvPr id="174" name="Group 173"/>
+            <p:cNvGrpSpPr/>
+            <p:nvPr/>
+          </p:nvGrpSpPr>
+          <p:grpSpPr>
+            <a:xfrm>
+              <a:off x="2711340" y="1416688"/>
+              <a:ext cx="741736" cy="1804089"/>
+              <a:chOff x="2793462" y="1368428"/>
+              <a:chExt cx="741736" cy="1804089"/>
+            </a:xfrm>
+          </p:grpSpPr>
+          <p:sp>
+            <p:nvSpPr>
+              <p:cNvPr id="67" name="TextBox 66"/>
+              <p:cNvSpPr txBox="1"/>
+              <p:nvPr/>
+            </p:nvSpPr>
+            <p:spPr>
+              <a:xfrm>
+                <a:off x="2801082" y="1368428"/>
+                <a:ext cx="734116" cy="200055"/>
+              </a:xfrm>
+              <a:prstGeom prst="rect">
+                <a:avLst/>
+              </a:prstGeom>
+              <a:noFill/>
+            </p:spPr>
+            <p:txBody>
+              <a:bodyPr wrap="square" rtlCol="0">
+                <a:spAutoFit/>
+              </a:bodyPr>
+              <a:lstStyle/>
+              <a:p>
+                <a:pPr algn="ctr"/>
+                <a:r>
+                  <a:rPr lang="en-US" sz="700" dirty="0" smtClean="0">
+                    <a:latin typeface="Tahoma" panose="020B0604030504040204" pitchFamily="34" charset="0"/>
+                    <a:ea typeface="Tahoma" panose="020B0604030504040204" pitchFamily="34" charset="0"/>
+                    <a:cs typeface="Tahoma" panose="020B0604030504040204" pitchFamily="34" charset="0"/>
+                  </a:rPr>
+                  <a:t>(512, 45, 80)</a:t>
+                </a:r>
+                <a:endParaRPr lang="en-US" sz="700" dirty="0">
+                  <a:latin typeface="Tahoma" panose="020B0604030504040204" pitchFamily="34" charset="0"/>
+                  <a:ea typeface="Tahoma" panose="020B0604030504040204" pitchFamily="34" charset="0"/>
+                  <a:cs typeface="Tahoma" panose="020B0604030504040204" pitchFamily="34" charset="0"/>
+                </a:endParaRPr>
+              </a:p>
+            </p:txBody>
+          </p:sp>
+          <p:sp>
+            <p:nvSpPr>
+              <p:cNvPr id="156" name="TextBox 155"/>
+              <p:cNvSpPr txBox="1"/>
+              <p:nvPr/>
+            </p:nvSpPr>
+            <p:spPr>
+              <a:xfrm>
+                <a:off x="2793462" y="1850833"/>
+                <a:ext cx="734116" cy="200055"/>
+              </a:xfrm>
+              <a:prstGeom prst="rect">
+                <a:avLst/>
+              </a:prstGeom>
+              <a:noFill/>
+            </p:spPr>
+            <p:txBody>
+              <a:bodyPr wrap="square" rtlCol="0">
+                <a:spAutoFit/>
+              </a:bodyPr>
+              <a:lstStyle/>
+              <a:p>
+                <a:pPr algn="ctr"/>
+                <a:r>
+                  <a:rPr lang="en-US" sz="700" dirty="0" smtClean="0">
+                    <a:latin typeface="Tahoma" panose="020B0604030504040204" pitchFamily="34" charset="0"/>
+                    <a:ea typeface="Tahoma" panose="020B0604030504040204" pitchFamily="34" charset="0"/>
+                    <a:cs typeface="Tahoma" panose="020B0604030504040204" pitchFamily="34" charset="0"/>
+                  </a:rPr>
+                  <a:t>(512, 45, 80)</a:t>
+                </a:r>
+                <a:endParaRPr lang="en-US" sz="700" dirty="0">
+                  <a:latin typeface="Tahoma" panose="020B0604030504040204" pitchFamily="34" charset="0"/>
+                  <a:ea typeface="Tahoma" panose="020B0604030504040204" pitchFamily="34" charset="0"/>
+                  <a:cs typeface="Tahoma" panose="020B0604030504040204" pitchFamily="34" charset="0"/>
+                </a:endParaRPr>
+              </a:p>
+            </p:txBody>
+          </p:sp>
+          <p:sp>
+            <p:nvSpPr>
+              <p:cNvPr id="163" name="TextBox 162"/>
+              <p:cNvSpPr txBox="1"/>
+              <p:nvPr/>
+            </p:nvSpPr>
+            <p:spPr>
+              <a:xfrm>
+                <a:off x="2801082" y="2473683"/>
+                <a:ext cx="734116" cy="200055"/>
+              </a:xfrm>
+              <a:prstGeom prst="rect">
+                <a:avLst/>
+              </a:prstGeom>
+              <a:noFill/>
+            </p:spPr>
+            <p:txBody>
+              <a:bodyPr wrap="square" rtlCol="0">
+                <a:spAutoFit/>
+              </a:bodyPr>
+              <a:lstStyle/>
+              <a:p>
+                <a:pPr algn="ctr"/>
+                <a:r>
+                  <a:rPr lang="en-US" sz="700" dirty="0" smtClean="0">
+                    <a:latin typeface="Tahoma" panose="020B0604030504040204" pitchFamily="34" charset="0"/>
+                    <a:ea typeface="Tahoma" panose="020B0604030504040204" pitchFamily="34" charset="0"/>
+                    <a:cs typeface="Tahoma" panose="020B0604030504040204" pitchFamily="34" charset="0"/>
+                  </a:rPr>
+                  <a:t>(512, 45, 80)</a:t>
+                </a:r>
+                <a:endParaRPr lang="en-US" sz="700" dirty="0">
+                  <a:latin typeface="Tahoma" panose="020B0604030504040204" pitchFamily="34" charset="0"/>
+                  <a:ea typeface="Tahoma" panose="020B0604030504040204" pitchFamily="34" charset="0"/>
+                  <a:cs typeface="Tahoma" panose="020B0604030504040204" pitchFamily="34" charset="0"/>
+                </a:endParaRPr>
+              </a:p>
+            </p:txBody>
+          </p:sp>
+          <p:sp>
+            <p:nvSpPr>
+              <p:cNvPr id="164" name="TextBox 163"/>
+              <p:cNvSpPr txBox="1"/>
+              <p:nvPr/>
+            </p:nvSpPr>
+            <p:spPr>
+              <a:xfrm>
+                <a:off x="2801082" y="2972462"/>
+                <a:ext cx="734116" cy="200055"/>
+              </a:xfrm>
+              <a:prstGeom prst="rect">
+                <a:avLst/>
+              </a:prstGeom>
+              <a:noFill/>
+            </p:spPr>
+            <p:txBody>
+              <a:bodyPr wrap="square" rtlCol="0">
+                <a:spAutoFit/>
+              </a:bodyPr>
+              <a:lstStyle/>
+              <a:p>
+                <a:pPr algn="ctr"/>
+                <a:r>
+                  <a:rPr lang="en-US" sz="700" dirty="0" smtClean="0">
+                    <a:latin typeface="Tahoma" panose="020B0604030504040204" pitchFamily="34" charset="0"/>
+                    <a:ea typeface="Tahoma" panose="020B0604030504040204" pitchFamily="34" charset="0"/>
+                    <a:cs typeface="Tahoma" panose="020B0604030504040204" pitchFamily="34" charset="0"/>
+                  </a:rPr>
+                  <a:t>(512, 45, 80)</a:t>
+                </a:r>
+                <a:endParaRPr lang="en-US" sz="700" dirty="0">
+                  <a:latin typeface="Tahoma" panose="020B0604030504040204" pitchFamily="34" charset="0"/>
+                  <a:ea typeface="Tahoma" panose="020B0604030504040204" pitchFamily="34" charset="0"/>
+                  <a:cs typeface="Tahoma" panose="020B0604030504040204" pitchFamily="34" charset="0"/>
+                </a:endParaRPr>
+              </a:p>
+            </p:txBody>
+          </p:sp>
+        </p:grpSp>
+        <p:sp>
+          <p:nvSpPr>
+            <p:cNvPr id="190" name="TextBox 189"/>
+            <p:cNvSpPr txBox="1"/>
+            <p:nvPr/>
+          </p:nvSpPr>
+          <p:spPr>
+            <a:xfrm>
+              <a:off x="1725402" y="1056167"/>
+              <a:ext cx="2001913" cy="246221"/>
+            </a:xfrm>
+            <a:prstGeom prst="rect">
+              <a:avLst/>
+            </a:prstGeom>
+            <a:noFill/>
+          </p:spPr>
+          <p:txBody>
+            <a:bodyPr wrap="square" rtlCol="0">
+              <a:spAutoFit/>
+            </a:bodyPr>
+            <a:lstStyle/>
+            <a:p>
+              <a:pPr algn="ctr"/>
+              <a:r>
+                <a:rPr lang="en-US" sz="1000" dirty="0" smtClean="0">
+                  <a:solidFill>
+                    <a:srgbClr val="FF0000"/>
+                  </a:solidFill>
+                  <a:latin typeface="Tahoma" panose="020B0604030504040204" pitchFamily="34" charset="0"/>
+                  <a:ea typeface="Tahoma" panose="020B0604030504040204" pitchFamily="34" charset="0"/>
+                  <a:cs typeface="Tahoma" panose="020B0604030504040204" pitchFamily="34" charset="0"/>
+                </a:rPr>
+                <a:t>PYRAMID POOLING MODULE</a:t>
+              </a:r>
+              <a:endParaRPr lang="en-US" sz="1000" dirty="0">
+                <a:solidFill>
+                  <a:srgbClr val="FF0000"/>
+                </a:solidFill>
+                <a:latin typeface="Tahoma" panose="020B0604030504040204" pitchFamily="34" charset="0"/>
+                <a:ea typeface="Tahoma" panose="020B0604030504040204" pitchFamily="34" charset="0"/>
+                <a:cs typeface="Tahoma" panose="020B0604030504040204" pitchFamily="34" charset="0"/>
+              </a:endParaRPr>
+            </a:p>
+          </p:txBody>
+        </p:sp>
+        <p:sp>
+          <p:nvSpPr>
+            <p:cNvPr id="182" name="Plus 181"/>
+            <p:cNvSpPr/>
+            <p:nvPr/>
+          </p:nvSpPr>
+          <p:spPr>
+            <a:xfrm>
+              <a:off x="3369522" y="2289319"/>
+              <a:ext cx="182880" cy="182880"/>
+            </a:xfrm>
+            <a:prstGeom prst="mathPlus">
+              <a:avLst>
+                <a:gd name="adj1" fmla="val 7304"/>
+              </a:avLst>
+            </a:prstGeom>
+            <a:solidFill>
+              <a:schemeClr val="tx1"/>
+            </a:solidFill>
+            <a:ln>
+              <a:noFill/>
+            </a:ln>
+          </p:spPr>
+          <p:style>
+            <a:lnRef idx="2">
+              <a:schemeClr val="accent1">
+                <a:shade val="50000"/>
+              </a:schemeClr>
+            </a:lnRef>
+            <a:fillRef idx="1">
+              <a:schemeClr val="accent1"/>
+            </a:fillRef>
+            <a:effectRef idx="0">
+              <a:schemeClr val="accent1"/>
+            </a:effectRef>
+            <a:fontRef idx="minor">
+              <a:schemeClr val="lt1"/>
+            </a:fontRef>
+          </p:style>
+          <p:txBody>
+            <a:bodyPr rtlCol="0" anchor="ctr"/>
+            <a:lstStyle/>
+            <a:p>
+              <a:pPr algn="ctr"/>
+              <a:endParaRPr lang="en-US"/>
+            </a:p>
+          </p:txBody>
+        </p:sp>
+      </p:grpSp>
+      <p:sp>
+        <p:nvSpPr>
+          <p:cNvPr id="196" name="TextBox 195"/>
+          <p:cNvSpPr txBox="1"/>
+          <p:nvPr/>
+        </p:nvSpPr>
+        <p:spPr>
+          <a:xfrm rot="5400000">
+            <a:off x="1657320" y="2298519"/>
+            <a:ext cx="829784" cy="200055"/>
+          </a:xfrm>
+          <a:prstGeom prst="rect">
+            <a:avLst/>
+          </a:prstGeom>
+          <a:noFill/>
+        </p:spPr>
+        <p:txBody>
+          <a:bodyPr wrap="square" rtlCol="0">
+            <a:spAutoFit/>
+          </a:bodyPr>
+          <a:lstStyle/>
+          <a:p>
+            <a:pPr algn="ctr"/>
+            <a:r>
+              <a:rPr lang="en-US" sz="700" dirty="0" smtClean="0">
+                <a:latin typeface="Tahoma" panose="020B0604030504040204" pitchFamily="34" charset="0"/>
+                <a:ea typeface="Tahoma" panose="020B0604030504040204" pitchFamily="34" charset="0"/>
+                <a:cs typeface="Tahoma" panose="020B0604030504040204" pitchFamily="34" charset="0"/>
+              </a:rPr>
+              <a:t>(2048, 45, 80)</a:t>
+            </a:r>
+            <a:endParaRPr lang="en-US" sz="700" dirty="0">
+              <a:latin typeface="Tahoma" panose="020B0604030504040204" pitchFamily="34" charset="0"/>
+              <a:ea typeface="Tahoma" panose="020B0604030504040204" pitchFamily="34" charset="0"/>
+              <a:cs typeface="Tahoma" panose="020B0604030504040204" pitchFamily="34" charset="0"/>
+            </a:endParaRPr>
+          </a:p>
+        </p:txBody>
+      </p:sp>
+      <p:sp>
+        <p:nvSpPr>
+          <p:cNvPr id="197" name="TextBox 196"/>
+          <p:cNvSpPr txBox="1"/>
+          <p:nvPr/>
+        </p:nvSpPr>
+        <p:spPr>
+          <a:xfrm rot="5400000">
+            <a:off x="4182184" y="2292093"/>
+            <a:ext cx="829784" cy="200055"/>
+          </a:xfrm>
+          <a:prstGeom prst="rect">
+            <a:avLst/>
+          </a:prstGeom>
+          <a:noFill/>
+        </p:spPr>
+        <p:txBody>
+          <a:bodyPr wrap="square" rtlCol="0">
+            <a:spAutoFit/>
+          </a:bodyPr>
+          <a:lstStyle/>
+          <a:p>
+            <a:pPr algn="ctr"/>
+            <a:r>
+              <a:rPr lang="en-US" sz="700" dirty="0" smtClean="0">
+                <a:latin typeface="Tahoma" panose="020B0604030504040204" pitchFamily="34" charset="0"/>
+                <a:ea typeface="Tahoma" panose="020B0604030504040204" pitchFamily="34" charset="0"/>
+                <a:cs typeface="Tahoma" panose="020B0604030504040204" pitchFamily="34" charset="0"/>
+              </a:rPr>
+              <a:t>(4096, 45, 80)</a:t>
+            </a:r>
+            <a:endParaRPr lang="en-US" sz="700" dirty="0">
+              <a:latin typeface="Tahoma" panose="020B0604030504040204" pitchFamily="34" charset="0"/>
+              <a:ea typeface="Tahoma" panose="020B0604030504040204" pitchFamily="34" charset="0"/>
+              <a:cs typeface="Tahoma" panose="020B0604030504040204" pitchFamily="34" charset="0"/>
+            </a:endParaRPr>
+          </a:p>
+        </p:txBody>
+      </p:sp>
+      <p:pic>
+        <p:nvPicPr>
+          <p:cNvPr id="51" name="Picture 50"/>
+          <p:cNvPicPr>
+            <a:picLocks noChangeAspect="1"/>
+          </p:cNvPicPr>
+          <p:nvPr/>
+        </p:nvPicPr>
+        <p:blipFill rotWithShape="1">
+          <a:blip r:embed="rId2"/>
+          <a:srcRect r="54415"/>
+          <a:stretch/>
+        </p:blipFill>
+        <p:spPr>
+          <a:xfrm>
+            <a:off x="342900" y="731149"/>
+            <a:ext cx="1555039" cy="844957"/>
+          </a:xfrm>
+          <a:prstGeom prst="rect">
+            <a:avLst/>
+          </a:prstGeom>
+        </p:spPr>
+      </p:pic>
+      <p:sp>
+        <p:nvSpPr>
+          <p:cNvPr id="52" name="Rounded Rectangle 51"/>
+          <p:cNvSpPr/>
+          <p:nvPr/>
+        </p:nvSpPr>
+        <p:spPr>
+          <a:xfrm>
+            <a:off x="342900" y="1780192"/>
+            <a:ext cx="1555039" cy="268725"/>
+          </a:xfrm>
+          <a:prstGeom prst="roundRect">
+            <a:avLst>
+              <a:gd name="adj" fmla="val 11561"/>
+            </a:avLst>
+          </a:prstGeom>
+          <a:solidFill>
+            <a:schemeClr val="bg2"/>
+          </a:solidFill>
+          <a:ln>
+            <a:solidFill>
+              <a:schemeClr val="tx1"/>
+            </a:solidFill>
+          </a:ln>
+        </p:spPr>
+        <p:style>
+          <a:lnRef idx="2">
+            <a:schemeClr val="accent1">
+              <a:shade val="50000"/>
+            </a:schemeClr>
+          </a:lnRef>
+          <a:fillRef idx="1">
+            <a:schemeClr val="accent1"/>
+          </a:fillRef>
+          <a:effectRef idx="0">
+            <a:schemeClr val="accent1"/>
+          </a:effectRef>
+          <a:fontRef idx="minor">
+            <a:schemeClr val="lt1"/>
+          </a:fontRef>
+        </p:style>
+        <p:txBody>
+          <a:bodyPr rot="0" spcFirstLastPara="0" vertOverflow="overflow" horzOverflow="overflow" vert="horz" wrap="square" lIns="51435" tIns="25718" rIns="51435" bIns="25718" numCol="1" spcCol="0" rtlCol="0" fromWordArt="0" anchor="ctr" anchorCtr="0" forceAA="0" compatLnSpc="1">
+            <a:prstTxWarp prst="textNoShape">
+              <a:avLst/>
+            </a:prstTxWarp>
+            <a:noAutofit/>
+          </a:bodyPr>
+          <a:lstStyle/>
+          <a:p>
+            <a:pPr algn="ctr"/>
+            <a:r>
+              <a:rPr lang="en-US" sz="1000" b="1" dirty="0" smtClean="0">
+                <a:solidFill>
+                  <a:sysClr val="windowText" lastClr="000000"/>
+                </a:solidFill>
+                <a:latin typeface="Tahoma" panose="020B0604030504040204" pitchFamily="34" charset="0"/>
+                <a:ea typeface="Tahoma" panose="020B0604030504040204" pitchFamily="34" charset="0"/>
+                <a:cs typeface="Tahoma" panose="020B0604030504040204" pitchFamily="34" charset="0"/>
+              </a:rPr>
+              <a:t>Resnet50 backbone</a:t>
+            </a:r>
+            <a:endParaRPr lang="en-US" sz="1000" b="1" dirty="0">
+              <a:solidFill>
+                <a:sysClr val="windowText" lastClr="000000"/>
+              </a:solidFill>
+              <a:latin typeface="Tahoma" panose="020B0604030504040204" pitchFamily="34" charset="0"/>
+              <a:ea typeface="Tahoma" panose="020B0604030504040204" pitchFamily="34" charset="0"/>
+              <a:cs typeface="Tahoma" panose="020B0604030504040204" pitchFamily="34" charset="0"/>
+            </a:endParaRPr>
+          </a:p>
+        </p:txBody>
+      </p:sp>
+      <p:cxnSp>
+        <p:nvCxnSpPr>
+          <p:cNvPr id="20" name="Straight Arrow Connector 19"/>
+          <p:cNvCxnSpPr>
+            <a:stCxn id="51" idx="2"/>
+            <a:endCxn id="52" idx="0"/>
+          </p:cNvCxnSpPr>
+          <p:nvPr/>
+        </p:nvCxnSpPr>
+        <p:spPr>
+          <a:xfrm>
+            <a:off x="1120420" y="1576106"/>
+            <a:ext cx="0" cy="204086"/>
+          </a:xfrm>
+          <a:prstGeom prst="straightConnector1">
+            <a:avLst/>
+          </a:prstGeom>
+          <a:ln>
+            <a:solidFill>
+              <a:schemeClr val="tx1"/>
+            </a:solidFill>
+            <a:tailEnd type="triangle"/>
+          </a:ln>
+        </p:spPr>
+        <p:style>
+          <a:lnRef idx="1">
+            <a:schemeClr val="accent1"/>
+          </a:lnRef>
+          <a:fillRef idx="0">
+            <a:schemeClr val="accent1"/>
+          </a:fillRef>
+          <a:effectRef idx="0">
+            <a:schemeClr val="accent1"/>
+          </a:effectRef>
+          <a:fontRef idx="minor">
+            <a:schemeClr val="tx1"/>
+          </a:fontRef>
+        </p:style>
+      </p:cxnSp>
+      <p:cxnSp>
+        <p:nvCxnSpPr>
+          <p:cNvPr id="70" name="Straight Arrow Connector 69"/>
+          <p:cNvCxnSpPr>
+            <a:stCxn id="52" idx="2"/>
+            <a:endCxn id="61" idx="0"/>
+          </p:cNvCxnSpPr>
+          <p:nvPr/>
+        </p:nvCxnSpPr>
+        <p:spPr>
+          <a:xfrm>
+            <a:off x="1120420" y="2048917"/>
+            <a:ext cx="0" cy="192373"/>
+          </a:xfrm>
+          <a:prstGeom prst="straightConnector1">
+            <a:avLst/>
+          </a:prstGeom>
+          <a:ln>
+            <a:solidFill>
+              <a:schemeClr val="tx1"/>
+            </a:solidFill>
+            <a:tailEnd type="triangle"/>
+          </a:ln>
+        </p:spPr>
+        <p:style>
+          <a:lnRef idx="1">
+            <a:schemeClr val="accent1"/>
+          </a:lnRef>
+          <a:fillRef idx="0">
+            <a:schemeClr val="accent1"/>
+          </a:fillRef>
+          <a:effectRef idx="0">
+            <a:schemeClr val="accent1"/>
+          </a:effectRef>
+          <a:fontRef idx="minor">
+            <a:schemeClr val="tx1"/>
+          </a:fontRef>
+        </p:style>
+      </p:cxnSp>
+    </p:spTree>
+    <p:extLst>
+      <p:ext uri="{BB962C8B-B14F-4D97-AF65-F5344CB8AC3E}">
+        <p14:creationId xmlns:p14="http://schemas.microsoft.com/office/powerpoint/2010/main" val="2468844312"/>
+      </p:ext>
+    </p:extLst>
+  </p:cSld>
+  <p:clrMapOvr>
+    <a:masterClrMapping/>
+  </p:clrMapOvr>
+</p:sld>
+</file>
+
+<file path=ppt/slides/slide8.xml><?xml version="1.0" encoding="utf-8"?>
+<p:sld xmlns:a="http://schemas.openxmlformats.org/drawingml/2006/main" xmlns:r="http://schemas.openxmlformats.org/officeDocument/2006/relationships" xmlns:p="http://schemas.openxmlformats.org/presentationml/2006/main">
+  <p:cSld>
+    <p:spTree>
+      <p:nvGrpSpPr>
+        <p:cNvPr id="1" name=""/>
+        <p:cNvGrpSpPr/>
+        <p:nvPr/>
+      </p:nvGrpSpPr>
+      <p:grpSpPr>
+        <a:xfrm>
+          <a:off x="0" y="0"/>
+          <a:ext cx="0" cy="0"/>
+          <a:chOff x="0" y="0"/>
+          <a:chExt cx="0" cy="0"/>
+        </a:xfrm>
+      </p:grpSpPr>
       <p:cxnSp>
         <p:nvCxnSpPr>
           <p:cNvPr id="59" name="Straight Arrow Connector 58"/>
@@ -20938,7 +24920,7 @@
 </p:sld>
 </file>
 
-<file path=ppt/slides/slide8.xml><?xml version="1.0" encoding="utf-8"?>
+<file path=ppt/slides/slide9.xml><?xml version="1.0" encoding="utf-8"?>
 <p:sld xmlns:a="http://schemas.openxmlformats.org/drawingml/2006/main" xmlns:r="http://schemas.openxmlformats.org/officeDocument/2006/relationships" xmlns:p="http://schemas.openxmlformats.org/presentationml/2006/main">
   <p:cSld>
     <p:spTree>
@@ -21853,1579 +25835,6 @@
     <p:extLst>
       <p:ext uri="{BB962C8B-B14F-4D97-AF65-F5344CB8AC3E}">
         <p14:creationId xmlns:p14="http://schemas.microsoft.com/office/powerpoint/2010/main" val="748592250"/>
-      </p:ext>
-    </p:extLst>
-  </p:cSld>
-  <p:clrMapOvr>
-    <a:masterClrMapping/>
-  </p:clrMapOvr>
-</p:sld>
-</file>
-
-<file path=ppt/slides/slide9.xml><?xml version="1.0" encoding="utf-8"?>
-<p:sld xmlns:a="http://schemas.openxmlformats.org/drawingml/2006/main" xmlns:r="http://schemas.openxmlformats.org/officeDocument/2006/relationships" xmlns:p="http://schemas.openxmlformats.org/presentationml/2006/main">
-  <p:cSld>
-    <p:spTree>
-      <p:nvGrpSpPr>
-        <p:cNvPr id="1" name=""/>
-        <p:cNvGrpSpPr/>
-        <p:nvPr/>
-      </p:nvGrpSpPr>
-      <p:grpSpPr>
-        <a:xfrm>
-          <a:off x="0" y="0"/>
-          <a:ext cx="0" cy="0"/>
-          <a:chOff x="0" y="0"/>
-          <a:chExt cx="0" cy="0"/>
-        </a:xfrm>
-      </p:grpSpPr>
-      <p:sp>
-        <p:nvSpPr>
-          <p:cNvPr id="61" name="Rounded Rectangle 60"/>
-          <p:cNvSpPr/>
-          <p:nvPr/>
-        </p:nvSpPr>
-        <p:spPr>
-          <a:xfrm>
-            <a:off x="466938" y="2189665"/>
-            <a:ext cx="615102" cy="332786"/>
-          </a:xfrm>
-          <a:prstGeom prst="roundRect">
-            <a:avLst/>
-          </a:prstGeom>
-          <a:noFill/>
-          <a:ln>
-            <a:solidFill>
-              <a:schemeClr val="bg1">
-                <a:lumMod val="50000"/>
-              </a:schemeClr>
-            </a:solidFill>
-          </a:ln>
-        </p:spPr>
-        <p:style>
-          <a:lnRef idx="2">
-            <a:schemeClr val="accent1">
-              <a:shade val="50000"/>
-            </a:schemeClr>
-          </a:lnRef>
-          <a:fillRef idx="1">
-            <a:schemeClr val="accent1"/>
-          </a:fillRef>
-          <a:effectRef idx="0">
-            <a:schemeClr val="accent1"/>
-          </a:effectRef>
-          <a:fontRef idx="minor">
-            <a:schemeClr val="lt1"/>
-          </a:fontRef>
-        </p:style>
-        <p:txBody>
-          <a:bodyPr rot="0" spcFirstLastPara="0" vertOverflow="overflow" horzOverflow="overflow" vert="horz" wrap="square" lIns="51435" tIns="25718" rIns="51435" bIns="25718" numCol="1" spcCol="0" rtlCol="0" fromWordArt="0" anchor="ctr" anchorCtr="0" forceAA="0" compatLnSpc="1">
-            <a:prstTxWarp prst="textNoShape">
-              <a:avLst/>
-            </a:prstTxWarp>
-            <a:noAutofit/>
-          </a:bodyPr>
-          <a:lstStyle/>
-          <a:p>
-            <a:pPr algn="ctr"/>
-            <a:r>
-              <a:rPr lang="en-US" sz="900" b="1" dirty="0" smtClean="0">
-                <a:solidFill>
-                  <a:schemeClr val="tx1"/>
-                </a:solidFill>
-                <a:latin typeface="Tahoma" panose="020B0604030504040204" pitchFamily="34" charset="0"/>
-                <a:ea typeface="Tahoma" panose="020B0604030504040204" pitchFamily="34" charset="0"/>
-                <a:cs typeface="Tahoma" panose="020B0604030504040204" pitchFamily="34" charset="0"/>
-              </a:rPr>
-              <a:t>Feature Map</a:t>
-            </a:r>
-            <a:endParaRPr lang="en-US" sz="900" b="1" dirty="0">
-              <a:solidFill>
-                <a:schemeClr val="tx1"/>
-              </a:solidFill>
-              <a:latin typeface="Tahoma" panose="020B0604030504040204" pitchFamily="34" charset="0"/>
-              <a:ea typeface="Tahoma" panose="020B0604030504040204" pitchFamily="34" charset="0"/>
-              <a:cs typeface="Tahoma" panose="020B0604030504040204" pitchFamily="34" charset="0"/>
-            </a:endParaRPr>
-          </a:p>
-        </p:txBody>
-      </p:sp>
-      <p:sp>
-        <p:nvSpPr>
-          <p:cNvPr id="62" name="Rounded Rectangle 61"/>
-          <p:cNvSpPr/>
-          <p:nvPr/>
-        </p:nvSpPr>
-        <p:spPr>
-          <a:xfrm>
-            <a:off x="1835198" y="1298462"/>
-            <a:ext cx="1371600" cy="274320"/>
-          </a:xfrm>
-          <a:prstGeom prst="roundRect">
-            <a:avLst/>
-          </a:prstGeom>
-          <a:solidFill>
-            <a:srgbClr val="FF5050"/>
-          </a:solidFill>
-          <a:ln>
-            <a:noFill/>
-          </a:ln>
-        </p:spPr>
-        <p:style>
-          <a:lnRef idx="2">
-            <a:schemeClr val="accent1">
-              <a:shade val="50000"/>
-            </a:schemeClr>
-          </a:lnRef>
-          <a:fillRef idx="1">
-            <a:schemeClr val="accent1"/>
-          </a:fillRef>
-          <a:effectRef idx="0">
-            <a:schemeClr val="accent1"/>
-          </a:effectRef>
-          <a:fontRef idx="minor">
-            <a:schemeClr val="lt1"/>
-          </a:fontRef>
-        </p:style>
-        <p:txBody>
-          <a:bodyPr rot="0" spcFirstLastPara="0" vertOverflow="overflow" horzOverflow="overflow" vert="horz" wrap="square" lIns="51435" tIns="25718" rIns="51435" bIns="25718" numCol="1" spcCol="0" rtlCol="0" fromWordArt="0" anchor="ctr" anchorCtr="0" forceAA="0" compatLnSpc="1">
-            <a:prstTxWarp prst="textNoShape">
-              <a:avLst/>
-            </a:prstTxWarp>
-            <a:noAutofit/>
-          </a:bodyPr>
-          <a:lstStyle/>
-          <a:p>
-            <a:pPr algn="ctr"/>
-            <a:r>
-              <a:rPr lang="en-US" sz="800" b="1" dirty="0" smtClean="0">
-                <a:solidFill>
-                  <a:schemeClr val="bg1"/>
-                </a:solidFill>
-                <a:latin typeface="Tahoma" panose="020B0604030504040204" pitchFamily="34" charset="0"/>
-                <a:ea typeface="Tahoma" panose="020B0604030504040204" pitchFamily="34" charset="0"/>
-                <a:cs typeface="Tahoma" panose="020B0604030504040204" pitchFamily="34" charset="0"/>
-              </a:rPr>
-              <a:t>ASPP conv</a:t>
-            </a:r>
-          </a:p>
-          <a:p>
-            <a:pPr algn="ctr"/>
-            <a:r>
-              <a:rPr lang="en-US" sz="800" b="1" dirty="0" smtClean="0">
-                <a:solidFill>
-                  <a:schemeClr val="bg1"/>
-                </a:solidFill>
-                <a:latin typeface="Tahoma" panose="020B0604030504040204" pitchFamily="34" charset="0"/>
-                <a:ea typeface="Tahoma" panose="020B0604030504040204" pitchFamily="34" charset="0"/>
-                <a:cs typeface="Tahoma" panose="020B0604030504040204" pitchFamily="34" charset="0"/>
-              </a:rPr>
-              <a:t>(2048, 256,rate =6)</a:t>
-            </a:r>
-            <a:endParaRPr lang="en-US" sz="800" b="1" dirty="0">
-              <a:solidFill>
-                <a:schemeClr val="bg1"/>
-              </a:solidFill>
-              <a:latin typeface="Tahoma" panose="020B0604030504040204" pitchFamily="34" charset="0"/>
-              <a:ea typeface="Tahoma" panose="020B0604030504040204" pitchFamily="34" charset="0"/>
-              <a:cs typeface="Tahoma" panose="020B0604030504040204" pitchFamily="34" charset="0"/>
-            </a:endParaRPr>
-          </a:p>
-        </p:txBody>
-      </p:sp>
-      <p:sp>
-        <p:nvSpPr>
-          <p:cNvPr id="64" name="Rounded Rectangle 63"/>
-          <p:cNvSpPr/>
-          <p:nvPr/>
-        </p:nvSpPr>
-        <p:spPr>
-          <a:xfrm>
-            <a:off x="1835198" y="1772679"/>
-            <a:ext cx="1371600" cy="274320"/>
-          </a:xfrm>
-          <a:prstGeom prst="roundRect">
-            <a:avLst/>
-          </a:prstGeom>
-          <a:solidFill>
-            <a:schemeClr val="accent2"/>
-          </a:solidFill>
-          <a:ln>
-            <a:noFill/>
-          </a:ln>
-        </p:spPr>
-        <p:style>
-          <a:lnRef idx="2">
-            <a:schemeClr val="accent1">
-              <a:shade val="50000"/>
-            </a:schemeClr>
-          </a:lnRef>
-          <a:fillRef idx="1">
-            <a:schemeClr val="accent1"/>
-          </a:fillRef>
-          <a:effectRef idx="0">
-            <a:schemeClr val="accent1"/>
-          </a:effectRef>
-          <a:fontRef idx="minor">
-            <a:schemeClr val="lt1"/>
-          </a:fontRef>
-        </p:style>
-        <p:txBody>
-          <a:bodyPr rot="0" spcFirstLastPara="0" vertOverflow="overflow" horzOverflow="overflow" vert="horz" wrap="square" lIns="51435" tIns="25718" rIns="51435" bIns="25718" numCol="1" spcCol="0" rtlCol="0" fromWordArt="0" anchor="ctr" anchorCtr="0" forceAA="0" compatLnSpc="1">
-            <a:prstTxWarp prst="textNoShape">
-              <a:avLst/>
-            </a:prstTxWarp>
-            <a:noAutofit/>
-          </a:bodyPr>
-          <a:lstStyle/>
-          <a:p>
-            <a:pPr algn="ctr"/>
-            <a:r>
-              <a:rPr lang="en-US" sz="800" b="1" dirty="0">
-                <a:solidFill>
-                  <a:schemeClr val="bg1"/>
-                </a:solidFill>
-                <a:latin typeface="Tahoma" panose="020B0604030504040204" pitchFamily="34" charset="0"/>
-                <a:ea typeface="Tahoma" panose="020B0604030504040204" pitchFamily="34" charset="0"/>
-                <a:cs typeface="Tahoma" panose="020B0604030504040204" pitchFamily="34" charset="0"/>
-              </a:rPr>
-              <a:t>ASPP conv</a:t>
-            </a:r>
-          </a:p>
-          <a:p>
-            <a:pPr algn="ctr"/>
-            <a:r>
-              <a:rPr lang="en-US" sz="800" b="1" dirty="0">
-                <a:solidFill>
-                  <a:schemeClr val="bg1"/>
-                </a:solidFill>
-                <a:latin typeface="Tahoma" panose="020B0604030504040204" pitchFamily="34" charset="0"/>
-                <a:ea typeface="Tahoma" panose="020B0604030504040204" pitchFamily="34" charset="0"/>
-                <a:cs typeface="Tahoma" panose="020B0604030504040204" pitchFamily="34" charset="0"/>
-              </a:rPr>
-              <a:t>(2048, 256,rate </a:t>
-            </a:r>
-            <a:r>
-              <a:rPr lang="en-US" sz="800" b="1" dirty="0" smtClean="0">
-                <a:solidFill>
-                  <a:schemeClr val="bg1"/>
-                </a:solidFill>
-                <a:latin typeface="Tahoma" panose="020B0604030504040204" pitchFamily="34" charset="0"/>
-                <a:ea typeface="Tahoma" panose="020B0604030504040204" pitchFamily="34" charset="0"/>
-                <a:cs typeface="Tahoma" panose="020B0604030504040204" pitchFamily="34" charset="0"/>
-              </a:rPr>
-              <a:t>=12)</a:t>
-            </a:r>
-            <a:endParaRPr lang="en-US" sz="800" b="1" dirty="0">
-              <a:solidFill>
-                <a:schemeClr val="bg1"/>
-              </a:solidFill>
-              <a:latin typeface="Tahoma" panose="020B0604030504040204" pitchFamily="34" charset="0"/>
-              <a:ea typeface="Tahoma" panose="020B0604030504040204" pitchFamily="34" charset="0"/>
-              <a:cs typeface="Tahoma" panose="020B0604030504040204" pitchFamily="34" charset="0"/>
-            </a:endParaRPr>
-          </a:p>
-        </p:txBody>
-      </p:sp>
-      <p:sp>
-        <p:nvSpPr>
-          <p:cNvPr id="66" name="Rounded Rectangle 65"/>
-          <p:cNvSpPr/>
-          <p:nvPr/>
-        </p:nvSpPr>
-        <p:spPr>
-          <a:xfrm>
-            <a:off x="1835198" y="3173664"/>
-            <a:ext cx="1371600" cy="274320"/>
-          </a:xfrm>
-          <a:prstGeom prst="roundRect">
-            <a:avLst/>
-          </a:prstGeom>
-          <a:solidFill>
-            <a:srgbClr val="00B050"/>
-          </a:solidFill>
-          <a:ln>
-            <a:noFill/>
-          </a:ln>
-        </p:spPr>
-        <p:style>
-          <a:lnRef idx="2">
-            <a:schemeClr val="accent1">
-              <a:shade val="50000"/>
-            </a:schemeClr>
-          </a:lnRef>
-          <a:fillRef idx="1">
-            <a:schemeClr val="accent1"/>
-          </a:fillRef>
-          <a:effectRef idx="0">
-            <a:schemeClr val="accent1"/>
-          </a:effectRef>
-          <a:fontRef idx="minor">
-            <a:schemeClr val="lt1"/>
-          </a:fontRef>
-        </p:style>
-        <p:txBody>
-          <a:bodyPr rot="0" spcFirstLastPara="0" vertOverflow="overflow" horzOverflow="overflow" vert="horz" wrap="square" lIns="51435" tIns="25718" rIns="51435" bIns="25718" numCol="1" spcCol="0" rtlCol="0" fromWordArt="0" anchor="ctr" anchorCtr="0" forceAA="0" compatLnSpc="1">
-            <a:prstTxWarp prst="textNoShape">
-              <a:avLst/>
-            </a:prstTxWarp>
-            <a:noAutofit/>
-          </a:bodyPr>
-          <a:lstStyle/>
-          <a:p>
-            <a:pPr algn="ctr"/>
-            <a:r>
-              <a:rPr lang="en-US" sz="800" b="1" dirty="0" smtClean="0">
-                <a:solidFill>
-                  <a:schemeClr val="bg1"/>
-                </a:solidFill>
-                <a:latin typeface="Tahoma" panose="020B0604030504040204" pitchFamily="34" charset="0"/>
-                <a:ea typeface="Tahoma" panose="020B0604030504040204" pitchFamily="34" charset="0"/>
-                <a:cs typeface="Tahoma" panose="020B0604030504040204" pitchFamily="34" charset="0"/>
-              </a:rPr>
-              <a:t>ASPP pooling</a:t>
-            </a:r>
-          </a:p>
-          <a:p>
-            <a:pPr algn="ctr"/>
-            <a:r>
-              <a:rPr lang="en-US" sz="800" b="1" dirty="0" smtClean="0">
-                <a:solidFill>
-                  <a:schemeClr val="bg1"/>
-                </a:solidFill>
-                <a:latin typeface="Tahoma" panose="020B0604030504040204" pitchFamily="34" charset="0"/>
-                <a:ea typeface="Tahoma" panose="020B0604030504040204" pitchFamily="34" charset="0"/>
-                <a:cs typeface="Tahoma" panose="020B0604030504040204" pitchFamily="34" charset="0"/>
-              </a:rPr>
-              <a:t>(2048, 256)</a:t>
-            </a:r>
-            <a:endParaRPr lang="en-US" sz="800" b="1" dirty="0">
-              <a:solidFill>
-                <a:schemeClr val="bg1"/>
-              </a:solidFill>
-              <a:latin typeface="Tahoma" panose="020B0604030504040204" pitchFamily="34" charset="0"/>
-              <a:ea typeface="Tahoma" panose="020B0604030504040204" pitchFamily="34" charset="0"/>
-              <a:cs typeface="Tahoma" panose="020B0604030504040204" pitchFamily="34" charset="0"/>
-            </a:endParaRPr>
-          </a:p>
-        </p:txBody>
-      </p:sp>
-      <p:cxnSp>
-        <p:nvCxnSpPr>
-          <p:cNvPr id="9" name="Elbow Connector 8"/>
-          <p:cNvCxnSpPr>
-            <a:stCxn id="61" idx="3"/>
-            <a:endCxn id="62" idx="1"/>
-          </p:cNvCxnSpPr>
-          <p:nvPr/>
-        </p:nvCxnSpPr>
-        <p:spPr>
-          <a:xfrm flipV="1">
-            <a:off x="1082040" y="1435622"/>
-            <a:ext cx="753158" cy="920436"/>
-          </a:xfrm>
-          <a:prstGeom prst="bentConnector3">
-            <a:avLst/>
-          </a:prstGeom>
-          <a:ln>
-            <a:solidFill>
-              <a:schemeClr val="tx1"/>
-            </a:solidFill>
-            <a:tailEnd type="triangle"/>
-          </a:ln>
-        </p:spPr>
-        <p:style>
-          <a:lnRef idx="1">
-            <a:schemeClr val="accent1"/>
-          </a:lnRef>
-          <a:fillRef idx="0">
-            <a:schemeClr val="accent1"/>
-          </a:fillRef>
-          <a:effectRef idx="0">
-            <a:schemeClr val="accent1"/>
-          </a:effectRef>
-          <a:fontRef idx="minor">
-            <a:schemeClr val="tx1"/>
-          </a:fontRef>
-        </p:style>
-      </p:cxnSp>
-      <p:cxnSp>
-        <p:nvCxnSpPr>
-          <p:cNvPr id="69" name="Elbow Connector 68"/>
-          <p:cNvCxnSpPr>
-            <a:stCxn id="61" idx="3"/>
-            <a:endCxn id="64" idx="1"/>
-          </p:cNvCxnSpPr>
-          <p:nvPr/>
-        </p:nvCxnSpPr>
-        <p:spPr>
-          <a:xfrm flipV="1">
-            <a:off x="1082040" y="1909839"/>
-            <a:ext cx="753158" cy="446219"/>
-          </a:xfrm>
-          <a:prstGeom prst="bentConnector3">
-            <a:avLst>
-              <a:gd name="adj1" fmla="val 50000"/>
-            </a:avLst>
-          </a:prstGeom>
-          <a:ln>
-            <a:solidFill>
-              <a:schemeClr val="tx1"/>
-            </a:solidFill>
-            <a:tailEnd type="triangle"/>
-          </a:ln>
-        </p:spPr>
-        <p:style>
-          <a:lnRef idx="1">
-            <a:schemeClr val="accent1"/>
-          </a:lnRef>
-          <a:fillRef idx="0">
-            <a:schemeClr val="accent1"/>
-          </a:fillRef>
-          <a:effectRef idx="0">
-            <a:schemeClr val="accent1"/>
-          </a:effectRef>
-          <a:fontRef idx="minor">
-            <a:schemeClr val="tx1"/>
-          </a:fontRef>
-        </p:style>
-      </p:cxnSp>
-      <p:cxnSp>
-        <p:nvCxnSpPr>
-          <p:cNvPr id="74" name="Elbow Connector 73"/>
-          <p:cNvCxnSpPr>
-            <a:stCxn id="61" idx="3"/>
-            <a:endCxn id="66" idx="1"/>
-          </p:cNvCxnSpPr>
-          <p:nvPr/>
-        </p:nvCxnSpPr>
-        <p:spPr>
-          <a:xfrm>
-            <a:off x="1082040" y="2356058"/>
-            <a:ext cx="753158" cy="954766"/>
-          </a:xfrm>
-          <a:prstGeom prst="bentConnector3">
-            <a:avLst>
-              <a:gd name="adj1" fmla="val 50000"/>
-            </a:avLst>
-          </a:prstGeom>
-          <a:ln>
-            <a:solidFill>
-              <a:schemeClr val="tx1"/>
-            </a:solidFill>
-            <a:tailEnd type="triangle"/>
-          </a:ln>
-        </p:spPr>
-        <p:style>
-          <a:lnRef idx="1">
-            <a:schemeClr val="accent1"/>
-          </a:lnRef>
-          <a:fillRef idx="0">
-            <a:schemeClr val="accent1"/>
-          </a:fillRef>
-          <a:effectRef idx="0">
-            <a:schemeClr val="accent1"/>
-          </a:effectRef>
-          <a:fontRef idx="minor">
-            <a:schemeClr val="tx1"/>
-          </a:fontRef>
-        </p:style>
-      </p:cxnSp>
-      <p:cxnSp>
-        <p:nvCxnSpPr>
-          <p:cNvPr id="78" name="Elbow Connector 77"/>
-          <p:cNvCxnSpPr>
-            <a:stCxn id="61" idx="3"/>
-            <a:endCxn id="50" idx="1"/>
-          </p:cNvCxnSpPr>
-          <p:nvPr/>
-        </p:nvCxnSpPr>
-        <p:spPr>
-          <a:xfrm>
-            <a:off x="1082040" y="2356058"/>
-            <a:ext cx="753158" cy="465243"/>
-          </a:xfrm>
-          <a:prstGeom prst="bentConnector3">
-            <a:avLst>
-              <a:gd name="adj1" fmla="val 50000"/>
-            </a:avLst>
-          </a:prstGeom>
-          <a:ln>
-            <a:solidFill>
-              <a:schemeClr val="tx1"/>
-            </a:solidFill>
-            <a:tailEnd type="triangle"/>
-          </a:ln>
-        </p:spPr>
-        <p:style>
-          <a:lnRef idx="1">
-            <a:schemeClr val="accent1"/>
-          </a:lnRef>
-          <a:fillRef idx="0">
-            <a:schemeClr val="accent1"/>
-          </a:fillRef>
-          <a:effectRef idx="0">
-            <a:schemeClr val="accent1"/>
-          </a:effectRef>
-          <a:fontRef idx="minor">
-            <a:schemeClr val="tx1"/>
-          </a:fontRef>
-        </p:style>
-      </p:cxnSp>
-      <p:sp>
-        <p:nvSpPr>
-          <p:cNvPr id="88" name="Rectangle 87"/>
-          <p:cNvSpPr/>
-          <p:nvPr/>
-        </p:nvSpPr>
-        <p:spPr>
-          <a:xfrm>
-            <a:off x="3512237" y="2241798"/>
-            <a:ext cx="228600" cy="228600"/>
-          </a:xfrm>
-          <a:prstGeom prst="rect">
-            <a:avLst/>
-          </a:prstGeom>
-          <a:noFill/>
-          <a:ln>
-            <a:solidFill>
-              <a:schemeClr val="tx1"/>
-            </a:solidFill>
-          </a:ln>
-        </p:spPr>
-        <p:style>
-          <a:lnRef idx="2">
-            <a:schemeClr val="accent1">
-              <a:shade val="50000"/>
-            </a:schemeClr>
-          </a:lnRef>
-          <a:fillRef idx="1">
-            <a:schemeClr val="accent1"/>
-          </a:fillRef>
-          <a:effectRef idx="0">
-            <a:schemeClr val="accent1"/>
-          </a:effectRef>
-          <a:fontRef idx="minor">
-            <a:schemeClr val="lt1"/>
-          </a:fontRef>
-        </p:style>
-        <p:txBody>
-          <a:bodyPr rtlCol="0" anchor="ctr"/>
-          <a:lstStyle/>
-          <a:p>
-            <a:pPr algn="ctr"/>
-            <a:endParaRPr lang="en-US"/>
-          </a:p>
-        </p:txBody>
-      </p:sp>
-      <p:cxnSp>
-        <p:nvCxnSpPr>
-          <p:cNvPr id="95" name="Straight Arrow Connector 94"/>
-          <p:cNvCxnSpPr>
-            <a:stCxn id="61" idx="3"/>
-          </p:cNvCxnSpPr>
-          <p:nvPr/>
-        </p:nvCxnSpPr>
-        <p:spPr>
-          <a:xfrm>
-            <a:off x="1082040" y="2356058"/>
-            <a:ext cx="745538" cy="6973"/>
-          </a:xfrm>
-          <a:prstGeom prst="straightConnector1">
-            <a:avLst/>
-          </a:prstGeom>
-          <a:ln>
-            <a:solidFill>
-              <a:schemeClr val="tx1"/>
-            </a:solidFill>
-            <a:tailEnd type="triangle"/>
-          </a:ln>
-        </p:spPr>
-        <p:style>
-          <a:lnRef idx="1">
-            <a:schemeClr val="accent1"/>
-          </a:lnRef>
-          <a:fillRef idx="0">
-            <a:schemeClr val="accent1"/>
-          </a:fillRef>
-          <a:effectRef idx="0">
-            <a:schemeClr val="accent1"/>
-          </a:effectRef>
-          <a:fontRef idx="minor">
-            <a:schemeClr val="tx1"/>
-          </a:fontRef>
-        </p:style>
-      </p:cxnSp>
-      <p:cxnSp>
-        <p:nvCxnSpPr>
-          <p:cNvPr id="150" name="Elbow Connector 149"/>
-          <p:cNvCxnSpPr>
-            <a:stCxn id="62" idx="3"/>
-            <a:endCxn id="88" idx="0"/>
-          </p:cNvCxnSpPr>
-          <p:nvPr/>
-        </p:nvCxnSpPr>
-        <p:spPr>
-          <a:xfrm>
-            <a:off x="3206798" y="1435622"/>
-            <a:ext cx="419739" cy="806176"/>
-          </a:xfrm>
-          <a:prstGeom prst="bentConnector2">
-            <a:avLst/>
-          </a:prstGeom>
-          <a:ln>
-            <a:solidFill>
-              <a:schemeClr val="tx1"/>
-            </a:solidFill>
-            <a:tailEnd type="triangle"/>
-          </a:ln>
-        </p:spPr>
-        <p:style>
-          <a:lnRef idx="1">
-            <a:schemeClr val="accent1"/>
-          </a:lnRef>
-          <a:fillRef idx="0">
-            <a:schemeClr val="accent1"/>
-          </a:fillRef>
-          <a:effectRef idx="0">
-            <a:schemeClr val="accent1"/>
-          </a:effectRef>
-          <a:fontRef idx="minor">
-            <a:schemeClr val="tx1"/>
-          </a:fontRef>
-        </p:style>
-      </p:cxnSp>
-      <p:cxnSp>
-        <p:nvCxnSpPr>
-          <p:cNvPr id="152" name="Elbow Connector 151"/>
-          <p:cNvCxnSpPr>
-            <a:stCxn id="64" idx="3"/>
-            <a:endCxn id="88" idx="0"/>
-          </p:cNvCxnSpPr>
-          <p:nvPr/>
-        </p:nvCxnSpPr>
-        <p:spPr>
-          <a:xfrm>
-            <a:off x="3206798" y="1909839"/>
-            <a:ext cx="419739" cy="331959"/>
-          </a:xfrm>
-          <a:prstGeom prst="bentConnector2">
-            <a:avLst/>
-          </a:prstGeom>
-          <a:ln>
-            <a:solidFill>
-              <a:schemeClr val="tx1"/>
-            </a:solidFill>
-            <a:tailEnd type="triangle"/>
-          </a:ln>
-        </p:spPr>
-        <p:style>
-          <a:lnRef idx="1">
-            <a:schemeClr val="accent1"/>
-          </a:lnRef>
-          <a:fillRef idx="0">
-            <a:schemeClr val="accent1"/>
-          </a:fillRef>
-          <a:effectRef idx="0">
-            <a:schemeClr val="accent1"/>
-          </a:effectRef>
-          <a:fontRef idx="minor">
-            <a:schemeClr val="tx1"/>
-          </a:fontRef>
-        </p:style>
-      </p:cxnSp>
-      <p:cxnSp>
-        <p:nvCxnSpPr>
-          <p:cNvPr id="157" name="Elbow Connector 156"/>
-          <p:cNvCxnSpPr>
-            <a:stCxn id="50" idx="3"/>
-            <a:endCxn id="88" idx="2"/>
-          </p:cNvCxnSpPr>
-          <p:nvPr/>
-        </p:nvCxnSpPr>
-        <p:spPr>
-          <a:xfrm flipV="1">
-            <a:off x="3206798" y="2470398"/>
-            <a:ext cx="419739" cy="350903"/>
-          </a:xfrm>
-          <a:prstGeom prst="bentConnector2">
-            <a:avLst/>
-          </a:prstGeom>
-          <a:ln>
-            <a:solidFill>
-              <a:schemeClr val="tx1"/>
-            </a:solidFill>
-            <a:tailEnd type="triangle"/>
-          </a:ln>
-        </p:spPr>
-        <p:style>
-          <a:lnRef idx="1">
-            <a:schemeClr val="accent1"/>
-          </a:lnRef>
-          <a:fillRef idx="0">
-            <a:schemeClr val="accent1"/>
-          </a:fillRef>
-          <a:effectRef idx="0">
-            <a:schemeClr val="accent1"/>
-          </a:effectRef>
-          <a:fontRef idx="minor">
-            <a:schemeClr val="tx1"/>
-          </a:fontRef>
-        </p:style>
-      </p:cxnSp>
-      <p:cxnSp>
-        <p:nvCxnSpPr>
-          <p:cNvPr id="160" name="Elbow Connector 159"/>
-          <p:cNvCxnSpPr>
-            <a:stCxn id="66" idx="3"/>
-            <a:endCxn id="88" idx="2"/>
-          </p:cNvCxnSpPr>
-          <p:nvPr/>
-        </p:nvCxnSpPr>
-        <p:spPr>
-          <a:xfrm flipV="1">
-            <a:off x="3206798" y="2470398"/>
-            <a:ext cx="419739" cy="840426"/>
-          </a:xfrm>
-          <a:prstGeom prst="bentConnector2">
-            <a:avLst/>
-          </a:prstGeom>
-          <a:ln>
-            <a:solidFill>
-              <a:schemeClr val="tx1"/>
-            </a:solidFill>
-            <a:tailEnd type="triangle"/>
-          </a:ln>
-        </p:spPr>
-        <p:style>
-          <a:lnRef idx="1">
-            <a:schemeClr val="accent1"/>
-          </a:lnRef>
-          <a:fillRef idx="0">
-            <a:schemeClr val="accent1"/>
-          </a:fillRef>
-          <a:effectRef idx="0">
-            <a:schemeClr val="accent1"/>
-          </a:effectRef>
-          <a:fontRef idx="minor">
-            <a:schemeClr val="tx1"/>
-          </a:fontRef>
-        </p:style>
-      </p:cxnSp>
-      <p:cxnSp>
-        <p:nvCxnSpPr>
-          <p:cNvPr id="165" name="Straight Arrow Connector 164"/>
-          <p:cNvCxnSpPr>
-            <a:stCxn id="88" idx="3"/>
-            <a:endCxn id="57" idx="1"/>
-          </p:cNvCxnSpPr>
-          <p:nvPr/>
-        </p:nvCxnSpPr>
-        <p:spPr>
-          <a:xfrm flipV="1">
-            <a:off x="3740837" y="2356058"/>
-            <a:ext cx="473603" cy="40"/>
-          </a:xfrm>
-          <a:prstGeom prst="straightConnector1">
-            <a:avLst/>
-          </a:prstGeom>
-          <a:ln>
-            <a:solidFill>
-              <a:schemeClr val="tx1"/>
-            </a:solidFill>
-            <a:tailEnd type="triangle"/>
-          </a:ln>
-        </p:spPr>
-        <p:style>
-          <a:lnRef idx="1">
-            <a:schemeClr val="accent1"/>
-          </a:lnRef>
-          <a:fillRef idx="0">
-            <a:schemeClr val="accent1"/>
-          </a:fillRef>
-          <a:effectRef idx="0">
-            <a:schemeClr val="accent1"/>
-          </a:effectRef>
-          <a:fontRef idx="minor">
-            <a:schemeClr val="tx1"/>
-          </a:fontRef>
-        </p:style>
-      </p:cxnSp>
-      <p:sp>
-        <p:nvSpPr>
-          <p:cNvPr id="190" name="TextBox 189"/>
-          <p:cNvSpPr txBox="1"/>
-          <p:nvPr/>
-        </p:nvSpPr>
-        <p:spPr>
-          <a:xfrm>
-            <a:off x="972813" y="984199"/>
-            <a:ext cx="3741779" cy="261610"/>
-          </a:xfrm>
-          <a:prstGeom prst="rect">
-            <a:avLst/>
-          </a:prstGeom>
-          <a:noFill/>
-        </p:spPr>
-        <p:txBody>
-          <a:bodyPr wrap="square" rtlCol="0">
-            <a:spAutoFit/>
-          </a:bodyPr>
-          <a:lstStyle/>
-          <a:p>
-            <a:pPr algn="ctr"/>
-            <a:r>
-              <a:rPr lang="en-US" sz="1100" dirty="0" smtClean="0">
-                <a:solidFill>
-                  <a:srgbClr val="0070C0"/>
-                </a:solidFill>
-                <a:latin typeface="Tahoma" panose="020B0604030504040204" pitchFamily="34" charset="0"/>
-                <a:ea typeface="Tahoma" panose="020B0604030504040204" pitchFamily="34" charset="0"/>
-                <a:cs typeface="Tahoma" panose="020B0604030504040204" pitchFamily="34" charset="0"/>
-              </a:rPr>
-              <a:t>ATROUS SPATIAL PYRAMID POOLING MODULE</a:t>
-            </a:r>
-            <a:endParaRPr lang="en-US" sz="1100" dirty="0">
-              <a:solidFill>
-                <a:srgbClr val="0070C0"/>
-              </a:solidFill>
-              <a:latin typeface="Tahoma" panose="020B0604030504040204" pitchFamily="34" charset="0"/>
-              <a:ea typeface="Tahoma" panose="020B0604030504040204" pitchFamily="34" charset="0"/>
-              <a:cs typeface="Tahoma" panose="020B0604030504040204" pitchFamily="34" charset="0"/>
-            </a:endParaRPr>
-          </a:p>
-        </p:txBody>
-      </p:sp>
-      <p:sp>
-        <p:nvSpPr>
-          <p:cNvPr id="182" name="Plus 181"/>
-          <p:cNvSpPr/>
-          <p:nvPr/>
-        </p:nvSpPr>
-        <p:spPr>
-          <a:xfrm>
-            <a:off x="3536734" y="2266459"/>
-            <a:ext cx="182880" cy="182880"/>
-          </a:xfrm>
-          <a:prstGeom prst="mathPlus">
-            <a:avLst>
-              <a:gd name="adj1" fmla="val 7304"/>
-            </a:avLst>
-          </a:prstGeom>
-          <a:solidFill>
-            <a:schemeClr val="tx1"/>
-          </a:solidFill>
-          <a:ln>
-            <a:noFill/>
-          </a:ln>
-        </p:spPr>
-        <p:style>
-          <a:lnRef idx="2">
-            <a:schemeClr val="accent1">
-              <a:shade val="50000"/>
-            </a:schemeClr>
-          </a:lnRef>
-          <a:fillRef idx="1">
-            <a:schemeClr val="accent1"/>
-          </a:fillRef>
-          <a:effectRef idx="0">
-            <a:schemeClr val="accent1"/>
-          </a:effectRef>
-          <a:fontRef idx="minor">
-            <a:schemeClr val="lt1"/>
-          </a:fontRef>
-        </p:style>
-        <p:txBody>
-          <a:bodyPr rtlCol="0" anchor="ctr"/>
-          <a:lstStyle/>
-          <a:p>
-            <a:pPr algn="ctr"/>
-            <a:endParaRPr lang="en-US"/>
-          </a:p>
-        </p:txBody>
-      </p:sp>
-      <p:sp>
-        <p:nvSpPr>
-          <p:cNvPr id="196" name="TextBox 195"/>
-          <p:cNvSpPr txBox="1"/>
-          <p:nvPr/>
-        </p:nvSpPr>
-        <p:spPr>
-          <a:xfrm rot="5400000">
-            <a:off x="851887" y="2263869"/>
-            <a:ext cx="897172" cy="200055"/>
-          </a:xfrm>
-          <a:prstGeom prst="rect">
-            <a:avLst/>
-          </a:prstGeom>
-          <a:noFill/>
-        </p:spPr>
-        <p:txBody>
-          <a:bodyPr wrap="square" rtlCol="0">
-            <a:spAutoFit/>
-          </a:bodyPr>
-          <a:lstStyle/>
-          <a:p>
-            <a:pPr algn="ctr"/>
-            <a:r>
-              <a:rPr lang="en-US" sz="700" dirty="0" smtClean="0">
-                <a:latin typeface="Tahoma" panose="020B0604030504040204" pitchFamily="34" charset="0"/>
-                <a:ea typeface="Tahoma" panose="020B0604030504040204" pitchFamily="34" charset="0"/>
-                <a:cs typeface="Tahoma" panose="020B0604030504040204" pitchFamily="34" charset="0"/>
-              </a:rPr>
-              <a:t>(2048, 23, </a:t>
-            </a:r>
-            <a:r>
-              <a:rPr lang="en-US" sz="700" dirty="0">
-                <a:latin typeface="Tahoma" panose="020B0604030504040204" pitchFamily="34" charset="0"/>
-                <a:ea typeface="Tahoma" panose="020B0604030504040204" pitchFamily="34" charset="0"/>
-                <a:cs typeface="Tahoma" panose="020B0604030504040204" pitchFamily="34" charset="0"/>
-              </a:rPr>
-              <a:t>4</a:t>
-            </a:r>
-            <a:r>
-              <a:rPr lang="en-US" sz="700" dirty="0" smtClean="0">
-                <a:latin typeface="Tahoma" panose="020B0604030504040204" pitchFamily="34" charset="0"/>
-                <a:ea typeface="Tahoma" panose="020B0604030504040204" pitchFamily="34" charset="0"/>
-                <a:cs typeface="Tahoma" panose="020B0604030504040204" pitchFamily="34" charset="0"/>
-              </a:rPr>
-              <a:t>0)</a:t>
-            </a:r>
-            <a:endParaRPr lang="en-US" sz="700" dirty="0">
-              <a:latin typeface="Tahoma" panose="020B0604030504040204" pitchFamily="34" charset="0"/>
-              <a:ea typeface="Tahoma" panose="020B0604030504040204" pitchFamily="34" charset="0"/>
-              <a:cs typeface="Tahoma" panose="020B0604030504040204" pitchFamily="34" charset="0"/>
-            </a:endParaRPr>
-          </a:p>
-        </p:txBody>
-      </p:sp>
-      <p:sp>
-        <p:nvSpPr>
-          <p:cNvPr id="197" name="TextBox 196"/>
-          <p:cNvSpPr txBox="1"/>
-          <p:nvPr/>
-        </p:nvSpPr>
-        <p:spPr>
-          <a:xfrm rot="5400000">
-            <a:off x="3543581" y="2269233"/>
-            <a:ext cx="829784" cy="200055"/>
-          </a:xfrm>
-          <a:prstGeom prst="rect">
-            <a:avLst/>
-          </a:prstGeom>
-          <a:noFill/>
-        </p:spPr>
-        <p:txBody>
-          <a:bodyPr wrap="square" rtlCol="0">
-            <a:spAutoFit/>
-          </a:bodyPr>
-          <a:lstStyle/>
-          <a:p>
-            <a:pPr algn="ctr"/>
-            <a:r>
-              <a:rPr lang="en-US" sz="700" dirty="0" smtClean="0">
-                <a:latin typeface="Tahoma" panose="020B0604030504040204" pitchFamily="34" charset="0"/>
-                <a:ea typeface="Tahoma" panose="020B0604030504040204" pitchFamily="34" charset="0"/>
-                <a:cs typeface="Tahoma" panose="020B0604030504040204" pitchFamily="34" charset="0"/>
-              </a:rPr>
-              <a:t>(1280, 23, </a:t>
-            </a:r>
-            <a:r>
-              <a:rPr lang="en-US" sz="700" dirty="0">
-                <a:latin typeface="Tahoma" panose="020B0604030504040204" pitchFamily="34" charset="0"/>
-                <a:ea typeface="Tahoma" panose="020B0604030504040204" pitchFamily="34" charset="0"/>
-                <a:cs typeface="Tahoma" panose="020B0604030504040204" pitchFamily="34" charset="0"/>
-              </a:rPr>
-              <a:t>4</a:t>
-            </a:r>
-            <a:r>
-              <a:rPr lang="en-US" sz="700" dirty="0" smtClean="0">
-                <a:latin typeface="Tahoma" panose="020B0604030504040204" pitchFamily="34" charset="0"/>
-                <a:ea typeface="Tahoma" panose="020B0604030504040204" pitchFamily="34" charset="0"/>
-                <a:cs typeface="Tahoma" panose="020B0604030504040204" pitchFamily="34" charset="0"/>
-              </a:rPr>
-              <a:t>0)</a:t>
-            </a:r>
-            <a:endParaRPr lang="en-US" sz="700" dirty="0">
-              <a:latin typeface="Tahoma" panose="020B0604030504040204" pitchFamily="34" charset="0"/>
-              <a:ea typeface="Tahoma" panose="020B0604030504040204" pitchFamily="34" charset="0"/>
-              <a:cs typeface="Tahoma" panose="020B0604030504040204" pitchFamily="34" charset="0"/>
-            </a:endParaRPr>
-          </a:p>
-        </p:txBody>
-      </p:sp>
-      <p:sp>
-        <p:nvSpPr>
-          <p:cNvPr id="50" name="Rounded Rectangle 49"/>
-          <p:cNvSpPr/>
-          <p:nvPr/>
-        </p:nvSpPr>
-        <p:spPr>
-          <a:xfrm>
-            <a:off x="1835198" y="2684141"/>
-            <a:ext cx="1371600" cy="274320"/>
-          </a:xfrm>
-          <a:prstGeom prst="roundRect">
-            <a:avLst/>
-          </a:prstGeom>
-          <a:solidFill>
-            <a:srgbClr val="00B0F0"/>
-          </a:solidFill>
-          <a:ln>
-            <a:noFill/>
-          </a:ln>
-        </p:spPr>
-        <p:style>
-          <a:lnRef idx="2">
-            <a:schemeClr val="accent1">
-              <a:shade val="50000"/>
-            </a:schemeClr>
-          </a:lnRef>
-          <a:fillRef idx="1">
-            <a:schemeClr val="accent1"/>
-          </a:fillRef>
-          <a:effectRef idx="0">
-            <a:schemeClr val="accent1"/>
-          </a:effectRef>
-          <a:fontRef idx="minor">
-            <a:schemeClr val="lt1"/>
-          </a:fontRef>
-        </p:style>
-        <p:txBody>
-          <a:bodyPr rot="0" spcFirstLastPara="0" vertOverflow="overflow" horzOverflow="overflow" vert="horz" wrap="square" lIns="51435" tIns="25718" rIns="51435" bIns="25718" numCol="1" spcCol="0" rtlCol="0" fromWordArt="0" anchor="ctr" anchorCtr="0" forceAA="0" compatLnSpc="1">
-            <a:prstTxWarp prst="textNoShape">
-              <a:avLst/>
-            </a:prstTxWarp>
-            <a:noAutofit/>
-          </a:bodyPr>
-          <a:lstStyle/>
-          <a:p>
-            <a:pPr algn="ctr"/>
-            <a:r>
-              <a:rPr lang="en-US" sz="800" b="1" dirty="0">
-                <a:solidFill>
-                  <a:schemeClr val="bg1"/>
-                </a:solidFill>
-                <a:latin typeface="Tahoma" panose="020B0604030504040204" pitchFamily="34" charset="0"/>
-                <a:ea typeface="Tahoma" panose="020B0604030504040204" pitchFamily="34" charset="0"/>
-                <a:cs typeface="Tahoma" panose="020B0604030504040204" pitchFamily="34" charset="0"/>
-              </a:rPr>
-              <a:t>ASPP conv</a:t>
-            </a:r>
-          </a:p>
-          <a:p>
-            <a:pPr algn="ctr"/>
-            <a:r>
-              <a:rPr lang="en-US" sz="800" b="1" dirty="0">
-                <a:solidFill>
-                  <a:schemeClr val="bg1"/>
-                </a:solidFill>
-                <a:latin typeface="Tahoma" panose="020B0604030504040204" pitchFamily="34" charset="0"/>
-                <a:ea typeface="Tahoma" panose="020B0604030504040204" pitchFamily="34" charset="0"/>
-                <a:cs typeface="Tahoma" panose="020B0604030504040204" pitchFamily="34" charset="0"/>
-              </a:rPr>
-              <a:t>(2048, 256,rate </a:t>
-            </a:r>
-            <a:r>
-              <a:rPr lang="en-US" sz="800" b="1" dirty="0" smtClean="0">
-                <a:solidFill>
-                  <a:schemeClr val="bg1"/>
-                </a:solidFill>
-                <a:latin typeface="Tahoma" panose="020B0604030504040204" pitchFamily="34" charset="0"/>
-                <a:ea typeface="Tahoma" panose="020B0604030504040204" pitchFamily="34" charset="0"/>
-                <a:cs typeface="Tahoma" panose="020B0604030504040204" pitchFamily="34" charset="0"/>
-              </a:rPr>
-              <a:t>=18)</a:t>
-            </a:r>
-            <a:endParaRPr lang="en-US" sz="800" b="1" dirty="0">
-              <a:solidFill>
-                <a:schemeClr val="bg1"/>
-              </a:solidFill>
-              <a:latin typeface="Tahoma" panose="020B0604030504040204" pitchFamily="34" charset="0"/>
-              <a:ea typeface="Tahoma" panose="020B0604030504040204" pitchFamily="34" charset="0"/>
-              <a:cs typeface="Tahoma" panose="020B0604030504040204" pitchFamily="34" charset="0"/>
-            </a:endParaRPr>
-          </a:p>
-        </p:txBody>
-      </p:sp>
-      <p:sp>
-        <p:nvSpPr>
-          <p:cNvPr id="57" name="Rounded Rectangle 56"/>
-          <p:cNvSpPr/>
-          <p:nvPr/>
-        </p:nvSpPr>
-        <p:spPr>
-          <a:xfrm>
-            <a:off x="4214440" y="2218898"/>
-            <a:ext cx="1371600" cy="274320"/>
-          </a:xfrm>
-          <a:prstGeom prst="roundRect">
-            <a:avLst/>
-          </a:prstGeom>
-          <a:solidFill>
-            <a:schemeClr val="accent4">
-              <a:lumMod val="20000"/>
-              <a:lumOff val="80000"/>
-            </a:schemeClr>
-          </a:solidFill>
-          <a:ln>
-            <a:solidFill>
-              <a:schemeClr val="bg1">
-                <a:lumMod val="75000"/>
-              </a:schemeClr>
-            </a:solidFill>
-          </a:ln>
-        </p:spPr>
-        <p:style>
-          <a:lnRef idx="2">
-            <a:schemeClr val="accent1">
-              <a:shade val="50000"/>
-            </a:schemeClr>
-          </a:lnRef>
-          <a:fillRef idx="1">
-            <a:schemeClr val="accent1"/>
-          </a:fillRef>
-          <a:effectRef idx="0">
-            <a:schemeClr val="accent1"/>
-          </a:effectRef>
-          <a:fontRef idx="minor">
-            <a:schemeClr val="lt1"/>
-          </a:fontRef>
-        </p:style>
-        <p:txBody>
-          <a:bodyPr rot="0" spcFirstLastPara="0" vertOverflow="overflow" horzOverflow="overflow" vert="horz" wrap="square" lIns="51435" tIns="25718" rIns="51435" bIns="25718" numCol="1" spcCol="0" rtlCol="0" fromWordArt="0" anchor="ctr" anchorCtr="0" forceAA="0" compatLnSpc="1">
-            <a:prstTxWarp prst="textNoShape">
-              <a:avLst/>
-            </a:prstTxWarp>
-            <a:noAutofit/>
-          </a:bodyPr>
-          <a:lstStyle/>
-          <a:p>
-            <a:pPr algn="ctr"/>
-            <a:r>
-              <a:rPr lang="en-US" sz="800" b="1" dirty="0" smtClean="0">
-                <a:solidFill>
-                  <a:schemeClr val="accent1">
-                    <a:lumMod val="50000"/>
-                  </a:schemeClr>
-                </a:solidFill>
-                <a:latin typeface="Tahoma" panose="020B0604030504040204" pitchFamily="34" charset="0"/>
-                <a:ea typeface="Tahoma" panose="020B0604030504040204" pitchFamily="34" charset="0"/>
-                <a:cs typeface="Tahoma" panose="020B0604030504040204" pitchFamily="34" charset="0"/>
-              </a:rPr>
-              <a:t>Conv2d(1280, 256, 3)</a:t>
-            </a:r>
-            <a:endParaRPr lang="en-US" sz="800" b="1" dirty="0">
-              <a:solidFill>
-                <a:schemeClr val="accent1">
-                  <a:lumMod val="50000"/>
-                </a:schemeClr>
-              </a:solidFill>
-              <a:latin typeface="Tahoma" panose="020B0604030504040204" pitchFamily="34" charset="0"/>
-              <a:ea typeface="Tahoma" panose="020B0604030504040204" pitchFamily="34" charset="0"/>
-              <a:cs typeface="Tahoma" panose="020B0604030504040204" pitchFamily="34" charset="0"/>
-            </a:endParaRPr>
-          </a:p>
-        </p:txBody>
-      </p:sp>
-      <p:sp>
-        <p:nvSpPr>
-          <p:cNvPr id="59" name="Rounded Rectangle 58"/>
-          <p:cNvSpPr/>
-          <p:nvPr/>
-        </p:nvSpPr>
-        <p:spPr>
-          <a:xfrm>
-            <a:off x="4214440" y="2740486"/>
-            <a:ext cx="1371600" cy="274320"/>
-          </a:xfrm>
-          <a:prstGeom prst="roundRect">
-            <a:avLst/>
-          </a:prstGeom>
-          <a:noFill/>
-          <a:ln>
-            <a:solidFill>
-              <a:schemeClr val="bg1">
-                <a:lumMod val="50000"/>
-              </a:schemeClr>
-            </a:solidFill>
-          </a:ln>
-        </p:spPr>
-        <p:style>
-          <a:lnRef idx="2">
-            <a:schemeClr val="accent1">
-              <a:shade val="50000"/>
-            </a:schemeClr>
-          </a:lnRef>
-          <a:fillRef idx="1">
-            <a:schemeClr val="accent1"/>
-          </a:fillRef>
-          <a:effectRef idx="0">
-            <a:schemeClr val="accent1"/>
-          </a:effectRef>
-          <a:fontRef idx="minor">
-            <a:schemeClr val="lt1"/>
-          </a:fontRef>
-        </p:style>
-        <p:txBody>
-          <a:bodyPr rot="0" spcFirstLastPara="0" vertOverflow="overflow" horzOverflow="overflow" vert="horz" wrap="square" lIns="51435" tIns="25718" rIns="51435" bIns="25718" numCol="1" spcCol="0" rtlCol="0" fromWordArt="0" anchor="ctr" anchorCtr="0" forceAA="0" compatLnSpc="1">
-            <a:prstTxWarp prst="textNoShape">
-              <a:avLst/>
-            </a:prstTxWarp>
-            <a:noAutofit/>
-          </a:bodyPr>
-          <a:lstStyle/>
-          <a:p>
-            <a:pPr algn="ctr"/>
-            <a:r>
-              <a:rPr lang="en-US" sz="900" b="1" dirty="0" smtClean="0">
-                <a:solidFill>
-                  <a:schemeClr val="tx1"/>
-                </a:solidFill>
-                <a:latin typeface="Tahoma" panose="020B0604030504040204" pitchFamily="34" charset="0"/>
-                <a:ea typeface="Tahoma" panose="020B0604030504040204" pitchFamily="34" charset="0"/>
-                <a:cs typeface="Tahoma" panose="020B0604030504040204" pitchFamily="34" charset="0"/>
-              </a:rPr>
-              <a:t>OUTPUT</a:t>
-            </a:r>
-            <a:endParaRPr lang="en-US" sz="900" b="1" dirty="0">
-              <a:solidFill>
-                <a:schemeClr val="tx1"/>
-              </a:solidFill>
-              <a:latin typeface="Tahoma" panose="020B0604030504040204" pitchFamily="34" charset="0"/>
-              <a:ea typeface="Tahoma" panose="020B0604030504040204" pitchFamily="34" charset="0"/>
-              <a:cs typeface="Tahoma" panose="020B0604030504040204" pitchFamily="34" charset="0"/>
-            </a:endParaRPr>
-          </a:p>
-        </p:txBody>
-      </p:sp>
-      <p:cxnSp>
-        <p:nvCxnSpPr>
-          <p:cNvPr id="60" name="Straight Arrow Connector 59"/>
-          <p:cNvCxnSpPr>
-            <a:stCxn id="57" idx="2"/>
-            <a:endCxn id="59" idx="0"/>
-          </p:cNvCxnSpPr>
-          <p:nvPr/>
-        </p:nvCxnSpPr>
-        <p:spPr>
-          <a:xfrm>
-            <a:off x="4900240" y="2493218"/>
-            <a:ext cx="0" cy="247268"/>
-          </a:xfrm>
-          <a:prstGeom prst="straightConnector1">
-            <a:avLst/>
-          </a:prstGeom>
-          <a:ln>
-            <a:solidFill>
-              <a:schemeClr val="tx1"/>
-            </a:solidFill>
-            <a:tailEnd type="triangle"/>
-          </a:ln>
-        </p:spPr>
-        <p:style>
-          <a:lnRef idx="1">
-            <a:schemeClr val="accent1"/>
-          </a:lnRef>
-          <a:fillRef idx="0">
-            <a:schemeClr val="accent1"/>
-          </a:fillRef>
-          <a:effectRef idx="0">
-            <a:schemeClr val="accent1"/>
-          </a:effectRef>
-          <a:fontRef idx="minor">
-            <a:schemeClr val="tx1"/>
-          </a:fontRef>
-        </p:style>
-      </p:cxnSp>
-      <p:sp>
-        <p:nvSpPr>
-          <p:cNvPr id="68" name="TextBox 67"/>
-          <p:cNvSpPr txBox="1"/>
-          <p:nvPr/>
-        </p:nvSpPr>
-        <p:spPr>
-          <a:xfrm>
-            <a:off x="4889119" y="2517334"/>
-            <a:ext cx="734116" cy="200055"/>
-          </a:xfrm>
-          <a:prstGeom prst="rect">
-            <a:avLst/>
-          </a:prstGeom>
-          <a:noFill/>
-        </p:spPr>
-        <p:txBody>
-          <a:bodyPr wrap="square" rtlCol="0">
-            <a:spAutoFit/>
-          </a:bodyPr>
-          <a:lstStyle/>
-          <a:p>
-            <a:pPr algn="ctr"/>
-            <a:r>
-              <a:rPr lang="en-US" sz="700" dirty="0" smtClean="0">
-                <a:latin typeface="Tahoma" panose="020B0604030504040204" pitchFamily="34" charset="0"/>
-                <a:ea typeface="Tahoma" panose="020B0604030504040204" pitchFamily="34" charset="0"/>
-                <a:cs typeface="Tahoma" panose="020B0604030504040204" pitchFamily="34" charset="0"/>
-              </a:rPr>
-              <a:t>(256, 23, </a:t>
-            </a:r>
-            <a:r>
-              <a:rPr lang="en-US" sz="700" dirty="0">
-                <a:latin typeface="Tahoma" panose="020B0604030504040204" pitchFamily="34" charset="0"/>
-                <a:ea typeface="Tahoma" panose="020B0604030504040204" pitchFamily="34" charset="0"/>
-                <a:cs typeface="Tahoma" panose="020B0604030504040204" pitchFamily="34" charset="0"/>
-              </a:rPr>
-              <a:t>4</a:t>
-            </a:r>
-            <a:r>
-              <a:rPr lang="en-US" sz="700" dirty="0" smtClean="0">
-                <a:latin typeface="Tahoma" panose="020B0604030504040204" pitchFamily="34" charset="0"/>
-                <a:ea typeface="Tahoma" panose="020B0604030504040204" pitchFamily="34" charset="0"/>
-                <a:cs typeface="Tahoma" panose="020B0604030504040204" pitchFamily="34" charset="0"/>
-              </a:rPr>
-              <a:t>0)</a:t>
-            </a:r>
-            <a:endParaRPr lang="en-US" sz="700" dirty="0">
-              <a:latin typeface="Tahoma" panose="020B0604030504040204" pitchFamily="34" charset="0"/>
-              <a:ea typeface="Tahoma" panose="020B0604030504040204" pitchFamily="34" charset="0"/>
-              <a:cs typeface="Tahoma" panose="020B0604030504040204" pitchFamily="34" charset="0"/>
-            </a:endParaRPr>
-          </a:p>
-        </p:txBody>
-      </p:sp>
-      <p:sp>
-        <p:nvSpPr>
-          <p:cNvPr id="26" name="Rounded Rectangle 25"/>
-          <p:cNvSpPr/>
-          <p:nvPr/>
-        </p:nvSpPr>
-        <p:spPr>
-          <a:xfrm>
-            <a:off x="1835198" y="2233491"/>
-            <a:ext cx="1371600" cy="274320"/>
-          </a:xfrm>
-          <a:prstGeom prst="roundRect">
-            <a:avLst/>
-          </a:prstGeom>
-          <a:solidFill>
-            <a:schemeClr val="accent4">
-              <a:lumMod val="20000"/>
-              <a:lumOff val="80000"/>
-            </a:schemeClr>
-          </a:solidFill>
-          <a:ln>
-            <a:solidFill>
-              <a:schemeClr val="bg1">
-                <a:lumMod val="75000"/>
-              </a:schemeClr>
-            </a:solidFill>
-          </a:ln>
-        </p:spPr>
-        <p:style>
-          <a:lnRef idx="2">
-            <a:schemeClr val="accent1">
-              <a:shade val="50000"/>
-            </a:schemeClr>
-          </a:lnRef>
-          <a:fillRef idx="1">
-            <a:schemeClr val="accent1"/>
-          </a:fillRef>
-          <a:effectRef idx="0">
-            <a:schemeClr val="accent1"/>
-          </a:effectRef>
-          <a:fontRef idx="minor">
-            <a:schemeClr val="lt1"/>
-          </a:fontRef>
-        </p:style>
-        <p:txBody>
-          <a:bodyPr rot="0" spcFirstLastPara="0" vertOverflow="overflow" horzOverflow="overflow" vert="horz" wrap="square" lIns="51435" tIns="25718" rIns="51435" bIns="25718" numCol="1" spcCol="0" rtlCol="0" fromWordArt="0" anchor="ctr" anchorCtr="0" forceAA="0" compatLnSpc="1">
-            <a:prstTxWarp prst="textNoShape">
-              <a:avLst/>
-            </a:prstTxWarp>
-            <a:noAutofit/>
-          </a:bodyPr>
-          <a:lstStyle/>
-          <a:p>
-            <a:pPr algn="ctr"/>
-            <a:r>
-              <a:rPr lang="en-US" sz="800" b="1" dirty="0" smtClean="0">
-                <a:solidFill>
-                  <a:schemeClr val="accent1">
-                    <a:lumMod val="50000"/>
-                  </a:schemeClr>
-                </a:solidFill>
-                <a:latin typeface="Tahoma" panose="020B0604030504040204" pitchFamily="34" charset="0"/>
-                <a:ea typeface="Tahoma" panose="020B0604030504040204" pitchFamily="34" charset="0"/>
-                <a:cs typeface="Tahoma" panose="020B0604030504040204" pitchFamily="34" charset="0"/>
-              </a:rPr>
-              <a:t>Conv2d(2048, 256, 3)</a:t>
-            </a:r>
-            <a:endParaRPr lang="en-US" sz="800" b="1" dirty="0">
-              <a:solidFill>
-                <a:schemeClr val="accent1">
-                  <a:lumMod val="50000"/>
-                </a:schemeClr>
-              </a:solidFill>
-              <a:latin typeface="Tahoma" panose="020B0604030504040204" pitchFamily="34" charset="0"/>
-              <a:ea typeface="Tahoma" panose="020B0604030504040204" pitchFamily="34" charset="0"/>
-              <a:cs typeface="Tahoma" panose="020B0604030504040204" pitchFamily="34" charset="0"/>
-            </a:endParaRPr>
-          </a:p>
-        </p:txBody>
-      </p:sp>
-      <p:cxnSp>
-        <p:nvCxnSpPr>
-          <p:cNvPr id="30" name="Straight Arrow Connector 29"/>
-          <p:cNvCxnSpPr>
-            <a:stCxn id="26" idx="3"/>
-            <a:endCxn id="88" idx="1"/>
-          </p:cNvCxnSpPr>
-          <p:nvPr/>
-        </p:nvCxnSpPr>
-        <p:spPr>
-          <a:xfrm flipV="1">
-            <a:off x="3206798" y="2356098"/>
-            <a:ext cx="305439" cy="14553"/>
-          </a:xfrm>
-          <a:prstGeom prst="straightConnector1">
-            <a:avLst/>
-          </a:prstGeom>
-          <a:ln>
-            <a:solidFill>
-              <a:schemeClr val="tx1"/>
-            </a:solidFill>
-            <a:tailEnd type="triangle"/>
-          </a:ln>
-        </p:spPr>
-        <p:style>
-          <a:lnRef idx="1">
-            <a:schemeClr val="accent1"/>
-          </a:lnRef>
-          <a:fillRef idx="0">
-            <a:schemeClr val="accent1"/>
-          </a:fillRef>
-          <a:effectRef idx="0">
-            <a:schemeClr val="accent1"/>
-          </a:effectRef>
-          <a:fontRef idx="minor">
-            <a:schemeClr val="tx1"/>
-          </a:fontRef>
-        </p:style>
-      </p:cxnSp>
-      <p:sp>
-        <p:nvSpPr>
-          <p:cNvPr id="34" name="TextBox 33"/>
-          <p:cNvSpPr txBox="1"/>
-          <p:nvPr/>
-        </p:nvSpPr>
-        <p:spPr>
-          <a:xfrm rot="5400000">
-            <a:off x="3344611" y="1589643"/>
-            <a:ext cx="772298" cy="200055"/>
-          </a:xfrm>
-          <a:prstGeom prst="rect">
-            <a:avLst/>
-          </a:prstGeom>
-          <a:noFill/>
-        </p:spPr>
-        <p:txBody>
-          <a:bodyPr wrap="square" rtlCol="0">
-            <a:spAutoFit/>
-          </a:bodyPr>
-          <a:lstStyle/>
-          <a:p>
-            <a:pPr algn="ctr"/>
-            <a:r>
-              <a:rPr lang="en-US" sz="700" dirty="0" smtClean="0">
-                <a:latin typeface="Tahoma" panose="020B0604030504040204" pitchFamily="34" charset="0"/>
-                <a:ea typeface="Tahoma" panose="020B0604030504040204" pitchFamily="34" charset="0"/>
-                <a:cs typeface="Tahoma" panose="020B0604030504040204" pitchFamily="34" charset="0"/>
-              </a:rPr>
-              <a:t>(256, 23, </a:t>
-            </a:r>
-            <a:r>
-              <a:rPr lang="en-US" sz="700" dirty="0">
-                <a:latin typeface="Tahoma" panose="020B0604030504040204" pitchFamily="34" charset="0"/>
-                <a:ea typeface="Tahoma" panose="020B0604030504040204" pitchFamily="34" charset="0"/>
-                <a:cs typeface="Tahoma" panose="020B0604030504040204" pitchFamily="34" charset="0"/>
-              </a:rPr>
-              <a:t>4</a:t>
-            </a:r>
-            <a:r>
-              <a:rPr lang="en-US" sz="700" dirty="0" smtClean="0">
-                <a:latin typeface="Tahoma" panose="020B0604030504040204" pitchFamily="34" charset="0"/>
-                <a:ea typeface="Tahoma" panose="020B0604030504040204" pitchFamily="34" charset="0"/>
-                <a:cs typeface="Tahoma" panose="020B0604030504040204" pitchFamily="34" charset="0"/>
-              </a:rPr>
-              <a:t>0)</a:t>
-            </a:r>
-            <a:endParaRPr lang="en-US" sz="700" dirty="0">
-              <a:latin typeface="Tahoma" panose="020B0604030504040204" pitchFamily="34" charset="0"/>
-              <a:ea typeface="Tahoma" panose="020B0604030504040204" pitchFamily="34" charset="0"/>
-              <a:cs typeface="Tahoma" panose="020B0604030504040204" pitchFamily="34" charset="0"/>
-            </a:endParaRPr>
-          </a:p>
-        </p:txBody>
-      </p:sp>
-      <p:sp>
-        <p:nvSpPr>
-          <p:cNvPr id="38" name="TextBox 37"/>
-          <p:cNvSpPr txBox="1"/>
-          <p:nvPr/>
-        </p:nvSpPr>
-        <p:spPr>
-          <a:xfrm rot="5400000">
-            <a:off x="3344611" y="2961808"/>
-            <a:ext cx="772298" cy="200055"/>
-          </a:xfrm>
-          <a:prstGeom prst="rect">
-            <a:avLst/>
-          </a:prstGeom>
-          <a:noFill/>
-        </p:spPr>
-        <p:txBody>
-          <a:bodyPr wrap="square" rtlCol="0">
-            <a:spAutoFit/>
-          </a:bodyPr>
-          <a:lstStyle/>
-          <a:p>
-            <a:pPr algn="ctr"/>
-            <a:r>
-              <a:rPr lang="en-US" sz="700" dirty="0" smtClean="0">
-                <a:latin typeface="Tahoma" panose="020B0604030504040204" pitchFamily="34" charset="0"/>
-                <a:ea typeface="Tahoma" panose="020B0604030504040204" pitchFamily="34" charset="0"/>
-                <a:cs typeface="Tahoma" panose="020B0604030504040204" pitchFamily="34" charset="0"/>
-              </a:rPr>
-              <a:t>(256, 23, </a:t>
-            </a:r>
-            <a:r>
-              <a:rPr lang="en-US" sz="700" dirty="0">
-                <a:latin typeface="Tahoma" panose="020B0604030504040204" pitchFamily="34" charset="0"/>
-                <a:ea typeface="Tahoma" panose="020B0604030504040204" pitchFamily="34" charset="0"/>
-                <a:cs typeface="Tahoma" panose="020B0604030504040204" pitchFamily="34" charset="0"/>
-              </a:rPr>
-              <a:t>4</a:t>
-            </a:r>
-            <a:r>
-              <a:rPr lang="en-US" sz="700" dirty="0" smtClean="0">
-                <a:latin typeface="Tahoma" panose="020B0604030504040204" pitchFamily="34" charset="0"/>
-                <a:ea typeface="Tahoma" panose="020B0604030504040204" pitchFamily="34" charset="0"/>
-                <a:cs typeface="Tahoma" panose="020B0604030504040204" pitchFamily="34" charset="0"/>
-              </a:rPr>
-              <a:t>0)</a:t>
-            </a:r>
-            <a:endParaRPr lang="en-US" sz="700" dirty="0">
-              <a:latin typeface="Tahoma" panose="020B0604030504040204" pitchFamily="34" charset="0"/>
-              <a:ea typeface="Tahoma" panose="020B0604030504040204" pitchFamily="34" charset="0"/>
-              <a:cs typeface="Tahoma" panose="020B0604030504040204" pitchFamily="34" charset="0"/>
-            </a:endParaRPr>
-          </a:p>
-        </p:txBody>
-      </p:sp>
-    </p:spTree>
-    <p:extLst>
-      <p:ext uri="{BB962C8B-B14F-4D97-AF65-F5344CB8AC3E}">
-        <p14:creationId xmlns:p14="http://schemas.microsoft.com/office/powerpoint/2010/main" val="3402617851"/>
       </p:ext>
     </p:extLst>
   </p:cSld>

--- a/images/presentation/models.pptx
+++ b/images/presentation/models.pptx
@@ -256,7 +256,7 @@
           <a:p>
             <a:fld id="{8CFA0E7C-984D-478C-8A58-5F25078EE913}" type="datetimeFigureOut">
               <a:rPr lang="en-US" smtClean="0"/>
-              <a:t>18-Sep-22</a:t>
+              <a:t>03-Feb-23</a:t>
             </a:fld>
             <a:endParaRPr lang="en-US"/>
           </a:p>
@@ -426,7 +426,7 @@
           <a:p>
             <a:fld id="{8CFA0E7C-984D-478C-8A58-5F25078EE913}" type="datetimeFigureOut">
               <a:rPr lang="en-US" smtClean="0"/>
-              <a:t>18-Sep-22</a:t>
+              <a:t>03-Feb-23</a:t>
             </a:fld>
             <a:endParaRPr lang="en-US"/>
           </a:p>
@@ -606,7 +606,7 @@
           <a:p>
             <a:fld id="{8CFA0E7C-984D-478C-8A58-5F25078EE913}" type="datetimeFigureOut">
               <a:rPr lang="en-US" smtClean="0"/>
-              <a:t>18-Sep-22</a:t>
+              <a:t>03-Feb-23</a:t>
             </a:fld>
             <a:endParaRPr lang="en-US"/>
           </a:p>
@@ -805,7 +805,7 @@
                 </a:solidFill>
               </a:rPr>
               <a:pPr/>
-              <a:t>18-Sep-22</a:t>
+              <a:t>03-Feb-23</a:t>
             </a:fld>
             <a:endParaRPr lang="en-US">
               <a:solidFill>
@@ -1007,7 +1007,7 @@
                 </a:solidFill>
               </a:rPr>
               <a:pPr/>
-              <a:t>18-Sep-22</a:t>
+              <a:t>03-Feb-23</a:t>
             </a:fld>
             <a:endParaRPr lang="en-US">
               <a:solidFill>
@@ -1285,7 +1285,7 @@
                 </a:solidFill>
               </a:rPr>
               <a:pPr/>
-              <a:t>18-Sep-22</a:t>
+              <a:t>03-Feb-23</a:t>
             </a:fld>
             <a:endParaRPr lang="en-US">
               <a:solidFill>
@@ -1549,7 +1549,7 @@
                 </a:solidFill>
               </a:rPr>
               <a:pPr/>
-              <a:t>18-Sep-22</a:t>
+              <a:t>03-Feb-23</a:t>
             </a:fld>
             <a:endParaRPr lang="en-US">
               <a:solidFill>
@@ -1948,7 +1948,7 @@
                 </a:solidFill>
               </a:rPr>
               <a:pPr/>
-              <a:t>18-Sep-22</a:t>
+              <a:t>03-Feb-23</a:t>
             </a:fld>
             <a:endParaRPr lang="en-US">
               <a:solidFill>
@@ -2098,7 +2098,7 @@
                 </a:solidFill>
               </a:rPr>
               <a:pPr/>
-              <a:t>18-Sep-22</a:t>
+              <a:t>03-Feb-23</a:t>
             </a:fld>
             <a:endParaRPr lang="en-US">
               <a:solidFill>
@@ -2225,7 +2225,7 @@
                 </a:solidFill>
               </a:rPr>
               <a:pPr/>
-              <a:t>18-Sep-22</a:t>
+              <a:t>03-Feb-23</a:t>
             </a:fld>
             <a:endParaRPr lang="en-US">
               <a:solidFill>
@@ -2534,7 +2534,7 @@
                 </a:solidFill>
               </a:rPr>
               <a:pPr/>
-              <a:t>18-Sep-22</a:t>
+              <a:t>03-Feb-23</a:t>
             </a:fld>
             <a:endParaRPr lang="en-US">
               <a:solidFill>
@@ -2729,7 +2729,7 @@
           <a:p>
             <a:fld id="{8CFA0E7C-984D-478C-8A58-5F25078EE913}" type="datetimeFigureOut">
               <a:rPr lang="en-US" smtClean="0"/>
-              <a:t>18-Sep-22</a:t>
+              <a:t>03-Feb-23</a:t>
             </a:fld>
             <a:endParaRPr lang="en-US"/>
           </a:p>
@@ -2989,7 +2989,7 @@
                 </a:solidFill>
               </a:rPr>
               <a:pPr/>
-              <a:t>18-Sep-22</a:t>
+              <a:t>03-Feb-23</a:t>
             </a:fld>
             <a:endParaRPr lang="en-US">
               <a:solidFill>
@@ -3191,7 +3191,7 @@
                 </a:solidFill>
               </a:rPr>
               <a:pPr/>
-              <a:t>18-Sep-22</a:t>
+              <a:t>03-Feb-23</a:t>
             </a:fld>
             <a:endParaRPr lang="en-US">
               <a:solidFill>
@@ -3403,7 +3403,7 @@
                 </a:solidFill>
               </a:rPr>
               <a:pPr/>
-              <a:t>18-Sep-22</a:t>
+              <a:t>03-Feb-23</a:t>
             </a:fld>
             <a:endParaRPr lang="en-US">
               <a:solidFill>
@@ -3672,7 +3672,7 @@
           <a:p>
             <a:fld id="{8CFA0E7C-984D-478C-8A58-5F25078EE913}" type="datetimeFigureOut">
               <a:rPr lang="en-US" smtClean="0"/>
-              <a:t>18-Sep-22</a:t>
+              <a:t>03-Feb-23</a:t>
             </a:fld>
             <a:endParaRPr lang="en-US"/>
           </a:p>
@@ -3904,7 +3904,7 @@
           <a:p>
             <a:fld id="{8CFA0E7C-984D-478C-8A58-5F25078EE913}" type="datetimeFigureOut">
               <a:rPr lang="en-US" smtClean="0"/>
-              <a:t>18-Sep-22</a:t>
+              <a:t>03-Feb-23</a:t>
             </a:fld>
             <a:endParaRPr lang="en-US"/>
           </a:p>
@@ -4271,7 +4271,7 @@
           <a:p>
             <a:fld id="{8CFA0E7C-984D-478C-8A58-5F25078EE913}" type="datetimeFigureOut">
               <a:rPr lang="en-US" smtClean="0"/>
-              <a:t>18-Sep-22</a:t>
+              <a:t>03-Feb-23</a:t>
             </a:fld>
             <a:endParaRPr lang="en-US"/>
           </a:p>
@@ -4389,7 +4389,7 @@
           <a:p>
             <a:fld id="{8CFA0E7C-984D-478C-8A58-5F25078EE913}" type="datetimeFigureOut">
               <a:rPr lang="en-US" smtClean="0"/>
-              <a:t>18-Sep-22</a:t>
+              <a:t>03-Feb-23</a:t>
             </a:fld>
             <a:endParaRPr lang="en-US"/>
           </a:p>
@@ -4484,7 +4484,7 @@
           <a:p>
             <a:fld id="{8CFA0E7C-984D-478C-8A58-5F25078EE913}" type="datetimeFigureOut">
               <a:rPr lang="en-US" smtClean="0"/>
-              <a:t>18-Sep-22</a:t>
+              <a:t>03-Feb-23</a:t>
             </a:fld>
             <a:endParaRPr lang="en-US"/>
           </a:p>
@@ -4761,7 +4761,7 @@
           <a:p>
             <a:fld id="{8CFA0E7C-984D-478C-8A58-5F25078EE913}" type="datetimeFigureOut">
               <a:rPr lang="en-US" smtClean="0"/>
-              <a:t>18-Sep-22</a:t>
+              <a:t>03-Feb-23</a:t>
             </a:fld>
             <a:endParaRPr lang="en-US"/>
           </a:p>
@@ -5018,7 +5018,7 @@
           <a:p>
             <a:fld id="{8CFA0E7C-984D-478C-8A58-5F25078EE913}" type="datetimeFigureOut">
               <a:rPr lang="en-US" smtClean="0"/>
-              <a:t>18-Sep-22</a:t>
+              <a:t>03-Feb-23</a:t>
             </a:fld>
             <a:endParaRPr lang="en-US"/>
           </a:p>
@@ -5231,7 +5231,7 @@
           <a:p>
             <a:fld id="{8CFA0E7C-984D-478C-8A58-5F25078EE913}" type="datetimeFigureOut">
               <a:rPr lang="en-US" smtClean="0"/>
-              <a:t>18-Sep-22</a:t>
+              <a:t>03-Feb-23</a:t>
             </a:fld>
             <a:endParaRPr lang="en-US"/>
           </a:p>
@@ -5778,7 +5778,7 @@
                 </a:solidFill>
               </a:rPr>
               <a:pPr/>
-              <a:t>18-Sep-22</a:t>
+              <a:t>03-Feb-23</a:t>
             </a:fld>
             <a:endParaRPr lang="en-US">
               <a:solidFill>
@@ -6354,10 +6354,17 @@
             <a:avLst/>
           </a:prstGeom>
           <a:solidFill>
-            <a:srgbClr val="FF5050"/>
+            <a:schemeClr val="accent4">
+              <a:lumMod val="20000"/>
+              <a:lumOff val="80000"/>
+            </a:schemeClr>
           </a:solidFill>
           <a:ln>
-            <a:noFill/>
+            <a:solidFill>
+              <a:schemeClr val="bg1">
+                <a:lumMod val="75000"/>
+              </a:schemeClr>
+            </a:solidFill>
           </a:ln>
         </p:spPr>
         <p:style>
@@ -6387,33 +6394,36 @@
           <a:p>
             <a:pPr algn="ctr"/>
             <a:r>
-              <a:rPr lang="en-US" sz="800" b="1" dirty="0" smtClean="0">
+              <a:rPr lang="en-US" sz="800" b="1" dirty="0">
                 <a:solidFill>
-                  <a:schemeClr val="bg1"/>
+                  <a:schemeClr val="accent1">
+                    <a:lumMod val="50000"/>
+                  </a:schemeClr>
                 </a:solidFill>
                 <a:latin typeface="Tahoma" panose="020B0604030504040204" pitchFamily="34" charset="0"/>
                 <a:ea typeface="Tahoma" panose="020B0604030504040204" pitchFamily="34" charset="0"/>
                 <a:cs typeface="Tahoma" panose="020B0604030504040204" pitchFamily="34" charset="0"/>
               </a:rPr>
-              <a:t>ASPP conv</a:t>
+              <a:t>Conv2d(2048, 256, </a:t>
             </a:r>
-          </a:p>
-          <a:p>
-            <a:pPr algn="ctr"/>
             <a:r>
               <a:rPr lang="en-US" sz="800" b="1" dirty="0" smtClean="0">
                 <a:solidFill>
-                  <a:schemeClr val="bg1"/>
+                  <a:schemeClr val="accent1">
+                    <a:lumMod val="50000"/>
+                  </a:schemeClr>
                 </a:solidFill>
                 <a:latin typeface="Tahoma" panose="020B0604030504040204" pitchFamily="34" charset="0"/>
                 <a:ea typeface="Tahoma" panose="020B0604030504040204" pitchFamily="34" charset="0"/>
                 <a:cs typeface="Tahoma" panose="020B0604030504040204" pitchFamily="34" charset="0"/>
               </a:rPr>
-              <a:t>(2048, 256,rate =6)</a:t>
+              <a:t>1)</a:t>
             </a:r>
             <a:endParaRPr lang="en-US" sz="800" b="1" dirty="0">
               <a:solidFill>
-                <a:schemeClr val="bg1"/>
+                <a:schemeClr val="accent1">
+                  <a:lumMod val="50000"/>
+                </a:schemeClr>
               </a:solidFill>
               <a:latin typeface="Tahoma" panose="020B0604030504040204" pitchFamily="34" charset="0"/>
               <a:ea typeface="Tahoma" panose="020B0604030504040204" pitchFamily="34" charset="0"/>
@@ -6437,7 +6447,9 @@
             <a:avLst/>
           </a:prstGeom>
           <a:solidFill>
-            <a:schemeClr val="accent2"/>
+            <a:schemeClr val="accent1">
+              <a:lumMod val="50000"/>
+            </a:schemeClr>
           </a:solidFill>
           <a:ln>
             <a:noFill/>
@@ -6503,7 +6515,7 @@
                 <a:ea typeface="Tahoma" panose="020B0604030504040204" pitchFamily="34" charset="0"/>
                 <a:cs typeface="Tahoma" panose="020B0604030504040204" pitchFamily="34" charset="0"/>
               </a:rPr>
-              <a:t>=12)</a:t>
+              <a:t>=6)</a:t>
             </a:r>
             <a:endParaRPr lang="en-US" sz="800" b="1" dirty="0">
               <a:solidFill>
@@ -7258,7 +7270,9 @@
             <a:avLst/>
           </a:prstGeom>
           <a:solidFill>
-            <a:srgbClr val="00B0F0"/>
+            <a:schemeClr val="accent1">
+              <a:lumMod val="50000"/>
+            </a:schemeClr>
           </a:solidFill>
           <a:ln>
             <a:noFill/>
@@ -7597,17 +7611,12 @@
             <a:avLst/>
           </a:prstGeom>
           <a:solidFill>
-            <a:schemeClr val="accent4">
-              <a:lumMod val="20000"/>
-              <a:lumOff val="80000"/>
+            <a:schemeClr val="accent1">
+              <a:lumMod val="50000"/>
             </a:schemeClr>
           </a:solidFill>
           <a:ln>
-            <a:solidFill>
-              <a:schemeClr val="bg1">
-                <a:lumMod val="75000"/>
-              </a:schemeClr>
-            </a:solidFill>
+            <a:noFill/>
           </a:ln>
         </p:spPr>
         <p:style>
@@ -7637,23 +7646,44 @@
           <a:p>
             <a:pPr algn="ctr"/>
             <a:r>
-              <a:rPr lang="en-US" sz="800" b="1" dirty="0" smtClean="0">
+              <a:rPr lang="en-US" sz="800" b="1" dirty="0">
                 <a:solidFill>
-                  <a:schemeClr val="accent1">
-                    <a:lumMod val="50000"/>
-                  </a:schemeClr>
+                  <a:schemeClr val="bg1"/>
                 </a:solidFill>
                 <a:latin typeface="Tahoma" panose="020B0604030504040204" pitchFamily="34" charset="0"/>
                 <a:ea typeface="Tahoma" panose="020B0604030504040204" pitchFamily="34" charset="0"/>
                 <a:cs typeface="Tahoma" panose="020B0604030504040204" pitchFamily="34" charset="0"/>
               </a:rPr>
-              <a:t>Conv2d(2048, 256, 3)</a:t>
+              <a:t>ASPP conv</a:t>
+            </a:r>
+          </a:p>
+          <a:p>
+            <a:pPr algn="ctr"/>
+            <a:r>
+              <a:rPr lang="en-US" sz="800" b="1" dirty="0">
+                <a:solidFill>
+                  <a:schemeClr val="bg1"/>
+                </a:solidFill>
+                <a:latin typeface="Tahoma" panose="020B0604030504040204" pitchFamily="34" charset="0"/>
+                <a:ea typeface="Tahoma" panose="020B0604030504040204" pitchFamily="34" charset="0"/>
+                <a:cs typeface="Tahoma" panose="020B0604030504040204" pitchFamily="34" charset="0"/>
+              </a:rPr>
+              <a:t>(2048, 256,rate </a:t>
+            </a:r>
+            <a:r>
+              <a:rPr lang="en-US" sz="800" b="1" dirty="0" smtClean="0">
+                <a:solidFill>
+                  <a:schemeClr val="bg1"/>
+                </a:solidFill>
+                <a:latin typeface="Tahoma" panose="020B0604030504040204" pitchFamily="34" charset="0"/>
+                <a:ea typeface="Tahoma" panose="020B0604030504040204" pitchFamily="34" charset="0"/>
+                <a:cs typeface="Tahoma" panose="020B0604030504040204" pitchFamily="34" charset="0"/>
+              </a:rPr>
+              <a:t>=12)</a:t>
             </a:r>
             <a:endParaRPr lang="en-US" sz="800" b="1" dirty="0">
               <a:solidFill>
-                <a:schemeClr val="accent1">
-                  <a:lumMod val="50000"/>
-                </a:schemeClr>
+                <a:schemeClr val="bg1"/>
               </a:solidFill>
               <a:latin typeface="Tahoma" panose="020B0604030504040204" pitchFamily="34" charset="0"/>
               <a:ea typeface="Tahoma" panose="020B0604030504040204" pitchFamily="34" charset="0"/>
